--- a/Präsentation/Berufsethik.pptx
+++ b/Präsentation/Berufsethik.pptx
@@ -3770,21 +3770,21 @@
           <a:lstStyle/>
           <a:p>
             <a:r>
-              <a:rPr lang="de-DE" dirty="0">
+              <a:rPr lang="de-DE" sz="5400" dirty="0">
                 <a:latin typeface="Arial" panose="020B0604020202020204" pitchFamily="34" charset="0"/>
                 <a:cs typeface="Arial" panose="020B0604020202020204" pitchFamily="34" charset="0"/>
               </a:rPr>
               <a:t>KI-</a:t>
             </a:r>
             <a:r>
-              <a:rPr lang="de-DE" dirty="0" err="1">
+              <a:rPr lang="de-DE" sz="5400" dirty="0" err="1">
                 <a:latin typeface="Arial" panose="020B0604020202020204" pitchFamily="34" charset="0"/>
                 <a:cs typeface="Arial" panose="020B0604020202020204" pitchFamily="34" charset="0"/>
               </a:rPr>
               <a:t>Chatbots</a:t>
             </a:r>
             <a:r>
-              <a:rPr lang="de-DE" dirty="0">
+              <a:rPr lang="de-DE" sz="5400" dirty="0">
                 <a:latin typeface="Arial" panose="020B0604020202020204" pitchFamily="34" charset="0"/>
                 <a:cs typeface="Arial" panose="020B0604020202020204" pitchFamily="34" charset="0"/>
               </a:rPr>
@@ -3822,16 +3822,12 @@
           <a:lstStyle/>
           <a:p>
             <a:r>
-              <a:rPr lang="de-DE" sz="2800">
+              <a:rPr lang="de-DE" sz="2800" dirty="0">
                 <a:latin typeface="Arial" panose="020B0604020202020204" pitchFamily="34" charset="0"/>
                 <a:cs typeface="Arial" panose="020B0604020202020204" pitchFamily="34" charset="0"/>
               </a:rPr>
               <a:t>Datenschutz und Berufsethik</a:t>
             </a:r>
-            <a:endParaRPr lang="de-DE" sz="2800" dirty="0">
-              <a:latin typeface="Arial" panose="020B0604020202020204" pitchFamily="34" charset="0"/>
-              <a:cs typeface="Arial" panose="020B0604020202020204" pitchFamily="34" charset="0"/>
-            </a:endParaRPr>
           </a:p>
         </p:txBody>
       </p:sp>
@@ -3986,7 +3982,7 @@
           <a:p>
             <a:r>
               <a:rPr lang="de-DE" sz="1000" dirty="0"/>
-              <a:t>Quelle Hochschul-Logo: https://portal.hs-weingarten.de/de/c/document_library/get_file?p_l_id=43004502&amp;folderId=43427541&amp;name=DLFE-268506.jpg</a:t>
+              <a:t>Quelle Hochschule-Logo: https://portal.hs-weingarten.de/de/c/document_library/get_file?p_l_id=43004502&amp;folderId=43427541&amp;name=DLFE-268506.jpg</a:t>
             </a:r>
           </a:p>
           <a:p>
@@ -5051,14 +5047,14 @@
           <p:nvPr>
             <p:extLst>
               <p:ext uri="{D42A27DB-BD31-4B8C-83A1-F6EECF244321}">
-                <p14:modId xmlns:p14="http://schemas.microsoft.com/office/powerpoint/2010/main" val="284025167"/>
+                <p14:modId xmlns:p14="http://schemas.microsoft.com/office/powerpoint/2010/main" val="4218255533"/>
               </p:ext>
             </p:extLst>
           </p:nvPr>
         </p:nvGraphicFramePr>
         <p:xfrm>
           <a:off x="937590" y="2567026"/>
-          <a:ext cx="9756914" cy="2556970"/>
+          <a:ext cx="9756914" cy="2895600"/>
         </p:xfrm>
         <a:graphic>
           <a:graphicData uri="http://schemas.openxmlformats.org/drawingml/2006/table">
@@ -5118,7 +5114,13 @@
                     <a:bodyPr/>
                     <a:lstStyle/>
                     <a:p>
-                      <a:endParaRPr lang="de-DE" sz="2400" dirty="0"/>
+                      <a:pPr algn="ctr"/>
+                      <a:endParaRPr lang="de-DE" sz="3200" dirty="0">
+                        <a:solidFill>
+                          <a:srgbClr val="00B050"/>
+                        </a:solidFill>
+                        <a:latin typeface="Wingdings" panose="05000000000000000000" pitchFamily="2" charset="2"/>
+                      </a:endParaRPr>
                     </a:p>
                   </a:txBody>
                   <a:tcPr/>
@@ -5165,7 +5167,8 @@
                     <a:bodyPr/>
                     <a:lstStyle/>
                     <a:p>
-                      <a:endParaRPr lang="de-DE" sz="2400"/>
+                      <a:pPr algn="ctr"/>
+                      <a:endParaRPr lang="de-DE" sz="3200" dirty="0"/>
                     </a:p>
                   </a:txBody>
                   <a:tcPr/>
@@ -5212,7 +5215,29 @@
                     <a:bodyPr/>
                     <a:lstStyle/>
                     <a:p>
-                      <a:endParaRPr lang="de-DE" sz="2400"/>
+                      <a:pPr marL="0" marR="0" lvl="0" indent="0" algn="ctr" defTabSz="914400" rtl="0" eaLnBrk="1" fontAlgn="auto" latinLnBrk="0" hangingPunct="1">
+                        <a:lnSpc>
+                          <a:spcPct val="100000"/>
+                        </a:lnSpc>
+                        <a:spcBef>
+                          <a:spcPts val="0"/>
+                        </a:spcBef>
+                        <a:spcAft>
+                          <a:spcPts val="0"/>
+                        </a:spcAft>
+                        <a:buClrTx/>
+                        <a:buSzTx/>
+                        <a:buFontTx/>
+                        <a:buNone/>
+                        <a:tabLst/>
+                        <a:defRPr/>
+                      </a:pPr>
+                      <a:endParaRPr lang="de-DE" sz="3200" dirty="0">
+                        <a:solidFill>
+                          <a:srgbClr val="00B050"/>
+                        </a:solidFill>
+                        <a:latin typeface="Wingdings" panose="05000000000000000000" pitchFamily="2" charset="2"/>
+                      </a:endParaRPr>
                     </a:p>
                   </a:txBody>
                   <a:tcPr/>
@@ -5259,7 +5284,29 @@
                     <a:bodyPr/>
                     <a:lstStyle/>
                     <a:p>
-                      <a:endParaRPr lang="de-DE" sz="2400"/>
+                      <a:pPr marL="0" marR="0" lvl="0" indent="0" algn="ctr" defTabSz="914400" rtl="0" eaLnBrk="1" fontAlgn="auto" latinLnBrk="0" hangingPunct="1">
+                        <a:lnSpc>
+                          <a:spcPct val="100000"/>
+                        </a:lnSpc>
+                        <a:spcBef>
+                          <a:spcPts val="0"/>
+                        </a:spcBef>
+                        <a:spcAft>
+                          <a:spcPts val="0"/>
+                        </a:spcAft>
+                        <a:buClrTx/>
+                        <a:buSzTx/>
+                        <a:buFontTx/>
+                        <a:buNone/>
+                        <a:tabLst/>
+                        <a:defRPr/>
+                      </a:pPr>
+                      <a:endParaRPr lang="de-DE" sz="3200" dirty="0">
+                        <a:solidFill>
+                          <a:srgbClr val="00B050"/>
+                        </a:solidFill>
+                        <a:latin typeface="Wingdings" panose="05000000000000000000" pitchFamily="2" charset="2"/>
+                      </a:endParaRPr>
                     </a:p>
                   </a:txBody>
                   <a:tcPr/>
@@ -5306,7 +5353,24 @@
                     <a:bodyPr/>
                     <a:lstStyle/>
                     <a:p>
-                      <a:endParaRPr lang="de-DE" sz="2400" dirty="0"/>
+                      <a:pPr marL="0" marR="0" lvl="0" indent="0" algn="ctr" defTabSz="914400" rtl="0" eaLnBrk="1" fontAlgn="auto" latinLnBrk="0" hangingPunct="1">
+                        <a:lnSpc>
+                          <a:spcPct val="100000"/>
+                        </a:lnSpc>
+                        <a:spcBef>
+                          <a:spcPts val="0"/>
+                        </a:spcBef>
+                        <a:spcAft>
+                          <a:spcPts val="0"/>
+                        </a:spcAft>
+                        <a:buClrTx/>
+                        <a:buSzTx/>
+                        <a:buFontTx/>
+                        <a:buNone/>
+                        <a:tabLst/>
+                        <a:defRPr/>
+                      </a:pPr>
+                      <a:endParaRPr lang="de-DE" sz="3200" dirty="0"/>
                     </a:p>
                   </a:txBody>
                   <a:tcPr/>
@@ -5335,8 +5399,8 @@
         </p:nvSpPr>
         <p:spPr>
           <a:xfrm>
-            <a:off x="2474843" y="5218043"/>
-            <a:ext cx="6549887" cy="369332"/>
+            <a:off x="1893403" y="5596368"/>
+            <a:ext cx="7845287" cy="523220"/>
           </a:xfrm>
           <a:prstGeom prst="rect">
             <a:avLst/>
@@ -5350,13 +5414,237 @@
           <a:lstStyle/>
           <a:p>
             <a:r>
-              <a:rPr lang="de-DE" dirty="0" err="1"/>
-              <a:t>Konklusio</a:t>
-            </a:r>
-            <a:r>
-              <a:rPr lang="de-DE" dirty="0"/>
-              <a:t>: </a:t>
-            </a:r>
+              <a:rPr lang="de-DE" sz="2800" b="1" dirty="0"/>
+              <a:t>Konklusion: Es spricht nichts gegen einen </a:t>
+            </a:r>
+            <a:r>
+              <a:rPr lang="de-DE" sz="2800" b="1" dirty="0" err="1"/>
+              <a:t>Chatbot</a:t>
+            </a:r>
+            <a:r>
+              <a:rPr lang="de-DE" sz="2800" b="1" dirty="0"/>
+              <a:t>! </a:t>
+            </a:r>
+          </a:p>
+        </p:txBody>
+      </p:sp>
+      <p:sp>
+        <p:nvSpPr>
+          <p:cNvPr id="10" name="Textfeld 9">
+            <a:extLst>
+              <a:ext uri="{FF2B5EF4-FFF2-40B4-BE49-F238E27FC236}">
+                <a16:creationId xmlns:a16="http://schemas.microsoft.com/office/drawing/2014/main" id="{21FE738D-7191-4F11-89E3-5C980ECD5184}"/>
+              </a:ext>
+            </a:extLst>
+          </p:cNvPr>
+          <p:cNvSpPr txBox="1"/>
+          <p:nvPr/>
+        </p:nvSpPr>
+        <p:spPr>
+          <a:xfrm>
+            <a:off x="9982200" y="2567026"/>
+            <a:ext cx="423746" cy="861774"/>
+          </a:xfrm>
+          <a:prstGeom prst="rect">
+            <a:avLst/>
+          </a:prstGeom>
+          <a:noFill/>
+        </p:spPr>
+        <p:txBody>
+          <a:bodyPr wrap="square" rtlCol="0">
+            <a:spAutoFit/>
+          </a:bodyPr>
+          <a:lstStyle/>
+          <a:p>
+            <a:r>
+              <a:rPr lang="de-DE" sz="3200" dirty="0">
+                <a:solidFill>
+                  <a:srgbClr val="00B050"/>
+                </a:solidFill>
+                <a:latin typeface="Wingdings" panose="05000000000000000000" pitchFamily="2" charset="2"/>
+              </a:rPr>
+              <a:t>ü</a:t>
+            </a:r>
+            <a:endParaRPr lang="de-DE" sz="3200" dirty="0"/>
+          </a:p>
+          <a:p>
+            <a:endParaRPr lang="de-DE" dirty="0"/>
+          </a:p>
+        </p:txBody>
+      </p:sp>
+      <p:sp>
+        <p:nvSpPr>
+          <p:cNvPr id="11" name="Textfeld 10">
+            <a:extLst>
+              <a:ext uri="{FF2B5EF4-FFF2-40B4-BE49-F238E27FC236}">
+                <a16:creationId xmlns:a16="http://schemas.microsoft.com/office/drawing/2014/main" id="{5D88BC0E-549E-4D01-BDC0-0D4C47219414}"/>
+              </a:ext>
+            </a:extLst>
+          </p:cNvPr>
+          <p:cNvSpPr txBox="1"/>
+          <p:nvPr/>
+        </p:nvSpPr>
+        <p:spPr>
+          <a:xfrm>
+            <a:off x="9982200" y="3177600"/>
+            <a:ext cx="423746" cy="861774"/>
+          </a:xfrm>
+          <a:prstGeom prst="rect">
+            <a:avLst/>
+          </a:prstGeom>
+          <a:noFill/>
+        </p:spPr>
+        <p:txBody>
+          <a:bodyPr wrap="square" rtlCol="0">
+            <a:spAutoFit/>
+          </a:bodyPr>
+          <a:lstStyle/>
+          <a:p>
+            <a:r>
+              <a:rPr lang="de-DE" sz="3200" dirty="0">
+                <a:solidFill>
+                  <a:srgbClr val="00B050"/>
+                </a:solidFill>
+                <a:latin typeface="Wingdings" panose="05000000000000000000" pitchFamily="2" charset="2"/>
+              </a:rPr>
+              <a:t>ü</a:t>
+            </a:r>
+            <a:endParaRPr lang="de-DE" sz="3200" dirty="0"/>
+          </a:p>
+          <a:p>
+            <a:endParaRPr lang="de-DE" dirty="0"/>
+          </a:p>
+        </p:txBody>
+      </p:sp>
+      <p:sp>
+        <p:nvSpPr>
+          <p:cNvPr id="12" name="Textfeld 11">
+            <a:extLst>
+              <a:ext uri="{FF2B5EF4-FFF2-40B4-BE49-F238E27FC236}">
+                <a16:creationId xmlns:a16="http://schemas.microsoft.com/office/drawing/2014/main" id="{4D701917-F02C-4CE8-8DDD-530274EF7D9F}"/>
+              </a:ext>
+            </a:extLst>
+          </p:cNvPr>
+          <p:cNvSpPr txBox="1"/>
+          <p:nvPr/>
+        </p:nvSpPr>
+        <p:spPr>
+          <a:xfrm>
+            <a:off x="9982200" y="3788174"/>
+            <a:ext cx="423746" cy="861774"/>
+          </a:xfrm>
+          <a:prstGeom prst="rect">
+            <a:avLst/>
+          </a:prstGeom>
+          <a:noFill/>
+        </p:spPr>
+        <p:txBody>
+          <a:bodyPr wrap="square" rtlCol="0">
+            <a:spAutoFit/>
+          </a:bodyPr>
+          <a:lstStyle/>
+          <a:p>
+            <a:r>
+              <a:rPr lang="de-DE" sz="3200" dirty="0">
+                <a:solidFill>
+                  <a:srgbClr val="00B050"/>
+                </a:solidFill>
+                <a:latin typeface="Wingdings" panose="05000000000000000000" pitchFamily="2" charset="2"/>
+              </a:rPr>
+              <a:t>ü</a:t>
+            </a:r>
+            <a:endParaRPr lang="de-DE" sz="3200" dirty="0"/>
+          </a:p>
+          <a:p>
+            <a:endParaRPr lang="de-DE" dirty="0"/>
+          </a:p>
+        </p:txBody>
+      </p:sp>
+      <p:sp>
+        <p:nvSpPr>
+          <p:cNvPr id="13" name="Textfeld 12">
+            <a:extLst>
+              <a:ext uri="{FF2B5EF4-FFF2-40B4-BE49-F238E27FC236}">
+                <a16:creationId xmlns:a16="http://schemas.microsoft.com/office/drawing/2014/main" id="{A9FFE7C2-ACAC-40CB-A519-DD8E61BCFCF4}"/>
+              </a:ext>
+            </a:extLst>
+          </p:cNvPr>
+          <p:cNvSpPr txBox="1"/>
+          <p:nvPr/>
+        </p:nvSpPr>
+        <p:spPr>
+          <a:xfrm>
+            <a:off x="9982200" y="4400146"/>
+            <a:ext cx="423746" cy="861774"/>
+          </a:xfrm>
+          <a:prstGeom prst="rect">
+            <a:avLst/>
+          </a:prstGeom>
+          <a:noFill/>
+        </p:spPr>
+        <p:txBody>
+          <a:bodyPr wrap="square" rtlCol="0">
+            <a:spAutoFit/>
+          </a:bodyPr>
+          <a:lstStyle/>
+          <a:p>
+            <a:r>
+              <a:rPr lang="de-DE" sz="3200" dirty="0">
+                <a:solidFill>
+                  <a:srgbClr val="00B050"/>
+                </a:solidFill>
+                <a:latin typeface="Wingdings" panose="05000000000000000000" pitchFamily="2" charset="2"/>
+              </a:rPr>
+              <a:t>ü</a:t>
+            </a:r>
+            <a:endParaRPr lang="de-DE" sz="3200" dirty="0"/>
+          </a:p>
+          <a:p>
+            <a:endParaRPr lang="de-DE" dirty="0"/>
+          </a:p>
+        </p:txBody>
+      </p:sp>
+      <p:sp>
+        <p:nvSpPr>
+          <p:cNvPr id="14" name="Textfeld 13">
+            <a:extLst>
+              <a:ext uri="{FF2B5EF4-FFF2-40B4-BE49-F238E27FC236}">
+                <a16:creationId xmlns:a16="http://schemas.microsoft.com/office/drawing/2014/main" id="{00B54FCC-DB23-421A-963F-6295EBECE24A}"/>
+              </a:ext>
+            </a:extLst>
+          </p:cNvPr>
+          <p:cNvSpPr txBox="1"/>
+          <p:nvPr/>
+        </p:nvSpPr>
+        <p:spPr>
+          <a:xfrm>
+            <a:off x="9982200" y="5009322"/>
+            <a:ext cx="423746" cy="861774"/>
+          </a:xfrm>
+          <a:prstGeom prst="rect">
+            <a:avLst/>
+          </a:prstGeom>
+          <a:noFill/>
+        </p:spPr>
+        <p:txBody>
+          <a:bodyPr wrap="square" rtlCol="0">
+            <a:spAutoFit/>
+          </a:bodyPr>
+          <a:lstStyle/>
+          <a:p>
+            <a:r>
+              <a:rPr lang="de-DE" sz="3200" dirty="0">
+                <a:solidFill>
+                  <a:srgbClr val="00B050"/>
+                </a:solidFill>
+                <a:latin typeface="Wingdings" panose="05000000000000000000" pitchFamily="2" charset="2"/>
+              </a:rPr>
+              <a:t>ü</a:t>
+            </a:r>
+            <a:endParaRPr lang="de-DE" sz="3200" dirty="0"/>
+          </a:p>
+          <a:p>
+            <a:endParaRPr lang="de-DE" dirty="0"/>
           </a:p>
         </p:txBody>
       </p:sp>
@@ -5370,6 +5658,314 @@
   <p:clrMapOvr>
     <a:masterClrMapping/>
   </p:clrMapOvr>
+  <p:timing>
+    <p:tnLst>
+      <p:par>
+        <p:cTn id="1" dur="indefinite" restart="never" nodeType="tmRoot">
+          <p:childTnLst>
+            <p:seq concurrent="1" nextAc="seek">
+              <p:cTn id="2" dur="indefinite" nodeType="mainSeq">
+                <p:childTnLst>
+                  <p:par>
+                    <p:cTn id="3" fill="hold">
+                      <p:stCondLst>
+                        <p:cond delay="indefinite"/>
+                      </p:stCondLst>
+                      <p:childTnLst>
+                        <p:par>
+                          <p:cTn id="4" fill="hold">
+                            <p:stCondLst>
+                              <p:cond delay="0"/>
+                            </p:stCondLst>
+                            <p:childTnLst>
+                              <p:par>
+                                <p:cTn id="5" presetID="1" presetClass="entr" presetSubtype="0" fill="hold" grpId="0" nodeType="clickEffect">
+                                  <p:stCondLst>
+                                    <p:cond delay="0"/>
+                                  </p:stCondLst>
+                                  <p:childTnLst>
+                                    <p:set>
+                                      <p:cBhvr>
+                                        <p:cTn id="6" dur="1" fill="hold">
+                                          <p:stCondLst>
+                                            <p:cond delay="0"/>
+                                          </p:stCondLst>
+                                        </p:cTn>
+                                        <p:tgtEl>
+                                          <p:spTgt spid="10"/>
+                                        </p:tgtEl>
+                                        <p:attrNameLst>
+                                          <p:attrName>style.visibility</p:attrName>
+                                        </p:attrNameLst>
+                                      </p:cBhvr>
+                                      <p:to>
+                                        <p:strVal val="visible"/>
+                                      </p:to>
+                                    </p:set>
+                                  </p:childTnLst>
+                                </p:cTn>
+                              </p:par>
+                            </p:childTnLst>
+                          </p:cTn>
+                        </p:par>
+                      </p:childTnLst>
+                    </p:cTn>
+                  </p:par>
+                  <p:par>
+                    <p:cTn id="7" fill="hold">
+                      <p:stCondLst>
+                        <p:cond delay="indefinite"/>
+                      </p:stCondLst>
+                      <p:childTnLst>
+                        <p:par>
+                          <p:cTn id="8" fill="hold">
+                            <p:stCondLst>
+                              <p:cond delay="0"/>
+                            </p:stCondLst>
+                            <p:childTnLst>
+                              <p:par>
+                                <p:cTn id="9" presetID="1" presetClass="entr" presetSubtype="0" fill="hold" grpId="0" nodeType="clickEffect">
+                                  <p:stCondLst>
+                                    <p:cond delay="0"/>
+                                  </p:stCondLst>
+                                  <p:childTnLst>
+                                    <p:set>
+                                      <p:cBhvr>
+                                        <p:cTn id="10" dur="1" fill="hold">
+                                          <p:stCondLst>
+                                            <p:cond delay="0"/>
+                                          </p:stCondLst>
+                                        </p:cTn>
+                                        <p:tgtEl>
+                                          <p:spTgt spid="11"/>
+                                        </p:tgtEl>
+                                        <p:attrNameLst>
+                                          <p:attrName>style.visibility</p:attrName>
+                                        </p:attrNameLst>
+                                      </p:cBhvr>
+                                      <p:to>
+                                        <p:strVal val="visible"/>
+                                      </p:to>
+                                    </p:set>
+                                  </p:childTnLst>
+                                </p:cTn>
+                              </p:par>
+                            </p:childTnLst>
+                          </p:cTn>
+                        </p:par>
+                      </p:childTnLst>
+                    </p:cTn>
+                  </p:par>
+                  <p:par>
+                    <p:cTn id="11" fill="hold">
+                      <p:stCondLst>
+                        <p:cond delay="indefinite"/>
+                      </p:stCondLst>
+                      <p:childTnLst>
+                        <p:par>
+                          <p:cTn id="12" fill="hold">
+                            <p:stCondLst>
+                              <p:cond delay="0"/>
+                            </p:stCondLst>
+                            <p:childTnLst>
+                              <p:par>
+                                <p:cTn id="13" presetID="1" presetClass="entr" presetSubtype="0" fill="hold" grpId="0" nodeType="clickEffect">
+                                  <p:stCondLst>
+                                    <p:cond delay="0"/>
+                                  </p:stCondLst>
+                                  <p:childTnLst>
+                                    <p:set>
+                                      <p:cBhvr>
+                                        <p:cTn id="14" dur="1" fill="hold">
+                                          <p:stCondLst>
+                                            <p:cond delay="0"/>
+                                          </p:stCondLst>
+                                        </p:cTn>
+                                        <p:tgtEl>
+                                          <p:spTgt spid="12"/>
+                                        </p:tgtEl>
+                                        <p:attrNameLst>
+                                          <p:attrName>style.visibility</p:attrName>
+                                        </p:attrNameLst>
+                                      </p:cBhvr>
+                                      <p:to>
+                                        <p:strVal val="visible"/>
+                                      </p:to>
+                                    </p:set>
+                                  </p:childTnLst>
+                                </p:cTn>
+                              </p:par>
+                            </p:childTnLst>
+                          </p:cTn>
+                        </p:par>
+                      </p:childTnLst>
+                    </p:cTn>
+                  </p:par>
+                  <p:par>
+                    <p:cTn id="15" fill="hold">
+                      <p:stCondLst>
+                        <p:cond delay="indefinite"/>
+                      </p:stCondLst>
+                      <p:childTnLst>
+                        <p:par>
+                          <p:cTn id="16" fill="hold">
+                            <p:stCondLst>
+                              <p:cond delay="0"/>
+                            </p:stCondLst>
+                            <p:childTnLst>
+                              <p:par>
+                                <p:cTn id="17" presetID="1" presetClass="entr" presetSubtype="0" fill="hold" grpId="0" nodeType="clickEffect">
+                                  <p:stCondLst>
+                                    <p:cond delay="0"/>
+                                  </p:stCondLst>
+                                  <p:childTnLst>
+                                    <p:set>
+                                      <p:cBhvr>
+                                        <p:cTn id="18" dur="1" fill="hold">
+                                          <p:stCondLst>
+                                            <p:cond delay="0"/>
+                                          </p:stCondLst>
+                                        </p:cTn>
+                                        <p:tgtEl>
+                                          <p:spTgt spid="13"/>
+                                        </p:tgtEl>
+                                        <p:attrNameLst>
+                                          <p:attrName>style.visibility</p:attrName>
+                                        </p:attrNameLst>
+                                      </p:cBhvr>
+                                      <p:to>
+                                        <p:strVal val="visible"/>
+                                      </p:to>
+                                    </p:set>
+                                  </p:childTnLst>
+                                </p:cTn>
+                              </p:par>
+                            </p:childTnLst>
+                          </p:cTn>
+                        </p:par>
+                      </p:childTnLst>
+                    </p:cTn>
+                  </p:par>
+                  <p:par>
+                    <p:cTn id="19" fill="hold">
+                      <p:stCondLst>
+                        <p:cond delay="indefinite"/>
+                      </p:stCondLst>
+                      <p:childTnLst>
+                        <p:par>
+                          <p:cTn id="20" fill="hold">
+                            <p:stCondLst>
+                              <p:cond delay="0"/>
+                            </p:stCondLst>
+                            <p:childTnLst>
+                              <p:par>
+                                <p:cTn id="21" presetID="1" presetClass="entr" presetSubtype="0" fill="hold" grpId="0" nodeType="clickEffect">
+                                  <p:stCondLst>
+                                    <p:cond delay="0"/>
+                                  </p:stCondLst>
+                                  <p:childTnLst>
+                                    <p:set>
+                                      <p:cBhvr>
+                                        <p:cTn id="22" dur="1" fill="hold">
+                                          <p:stCondLst>
+                                            <p:cond delay="0"/>
+                                          </p:stCondLst>
+                                        </p:cTn>
+                                        <p:tgtEl>
+                                          <p:spTgt spid="14"/>
+                                        </p:tgtEl>
+                                        <p:attrNameLst>
+                                          <p:attrName>style.visibility</p:attrName>
+                                        </p:attrNameLst>
+                                      </p:cBhvr>
+                                      <p:to>
+                                        <p:strVal val="visible"/>
+                                      </p:to>
+                                    </p:set>
+                                  </p:childTnLst>
+                                </p:cTn>
+                              </p:par>
+                            </p:childTnLst>
+                          </p:cTn>
+                        </p:par>
+                      </p:childTnLst>
+                    </p:cTn>
+                  </p:par>
+                  <p:par>
+                    <p:cTn id="23" fill="hold">
+                      <p:stCondLst>
+                        <p:cond delay="indefinite"/>
+                      </p:stCondLst>
+                      <p:childTnLst>
+                        <p:par>
+                          <p:cTn id="24" fill="hold">
+                            <p:stCondLst>
+                              <p:cond delay="0"/>
+                            </p:stCondLst>
+                            <p:childTnLst>
+                              <p:par>
+                                <p:cTn id="25" presetID="1" presetClass="entr" presetSubtype="0" fill="hold" grpId="0" nodeType="clickEffect">
+                                  <p:stCondLst>
+                                    <p:cond delay="0"/>
+                                  </p:stCondLst>
+                                  <p:childTnLst>
+                                    <p:set>
+                                      <p:cBhvr>
+                                        <p:cTn id="26" dur="1" fill="hold">
+                                          <p:stCondLst>
+                                            <p:cond delay="0"/>
+                                          </p:stCondLst>
+                                        </p:cTn>
+                                        <p:tgtEl>
+                                          <p:spTgt spid="8"/>
+                                        </p:tgtEl>
+                                        <p:attrNameLst>
+                                          <p:attrName>style.visibility</p:attrName>
+                                        </p:attrNameLst>
+                                      </p:cBhvr>
+                                      <p:to>
+                                        <p:strVal val="visible"/>
+                                      </p:to>
+                                    </p:set>
+                                  </p:childTnLst>
+                                </p:cTn>
+                              </p:par>
+                            </p:childTnLst>
+                          </p:cTn>
+                        </p:par>
+                      </p:childTnLst>
+                    </p:cTn>
+                  </p:par>
+                </p:childTnLst>
+              </p:cTn>
+              <p:prevCondLst>
+                <p:cond evt="onPrev" delay="0">
+                  <p:tgtEl>
+                    <p:sldTgt/>
+                  </p:tgtEl>
+                </p:cond>
+              </p:prevCondLst>
+              <p:nextCondLst>
+                <p:cond evt="onNext" delay="0">
+                  <p:tgtEl>
+                    <p:sldTgt/>
+                  </p:tgtEl>
+                </p:cond>
+              </p:nextCondLst>
+            </p:seq>
+          </p:childTnLst>
+        </p:cTn>
+      </p:par>
+    </p:tnLst>
+    <p:bldLst>
+      <p:bldP spid="8" grpId="0"/>
+      <p:bldP spid="10" grpId="0"/>
+      <p:bldP spid="11" grpId="0"/>
+      <p:bldP spid="12" grpId="0"/>
+      <p:bldP spid="13" grpId="0"/>
+      <p:bldP spid="14" grpId="0"/>
+    </p:bldLst>
+  </p:timing>
 </p:sld>
 </file>
 
@@ -6663,6 +7259,76 @@
           </a:p>
         </p:txBody>
       </p:sp>
+      <p:sp>
+        <p:nvSpPr>
+          <p:cNvPr id="3" name="Rechteck 2">
+            <a:extLst>
+              <a:ext uri="{FF2B5EF4-FFF2-40B4-BE49-F238E27FC236}">
+                <a16:creationId xmlns:a16="http://schemas.microsoft.com/office/drawing/2014/main" id="{A732C5D7-6AB0-4519-A42D-1868742D68AB}"/>
+              </a:ext>
+            </a:extLst>
+          </p:cNvPr>
+          <p:cNvSpPr/>
+          <p:nvPr/>
+        </p:nvSpPr>
+        <p:spPr>
+          <a:xfrm>
+            <a:off x="4692410" y="4806198"/>
+            <a:ext cx="2807179" cy="253916"/>
+          </a:xfrm>
+          <a:prstGeom prst="rect">
+            <a:avLst/>
+          </a:prstGeom>
+        </p:spPr>
+        <p:txBody>
+          <a:bodyPr wrap="none">
+            <a:spAutoFit/>
+          </a:bodyPr>
+          <a:lstStyle/>
+          <a:p>
+            <a:r>
+              <a:rPr lang="de-DE" sz="1050" dirty="0"/>
+              <a:t>Quelle: https://github.com/Fewa93/Berufsethik</a:t>
+            </a:r>
+          </a:p>
+        </p:txBody>
+      </p:sp>
+      <p:pic>
+        <p:nvPicPr>
+          <p:cNvPr id="9" name="Grafik 8">
+            <a:extLst>
+              <a:ext uri="{FF2B5EF4-FFF2-40B4-BE49-F238E27FC236}">
+                <a16:creationId xmlns:a16="http://schemas.microsoft.com/office/drawing/2014/main" id="{C0E27C73-6DDD-4869-B5A1-B0B00652DA43}"/>
+              </a:ext>
+            </a:extLst>
+          </p:cNvPr>
+          <p:cNvPicPr>
+            <a:picLocks noChangeAspect="1"/>
+          </p:cNvPicPr>
+          <p:nvPr/>
+        </p:nvPicPr>
+        <p:blipFill>
+          <a:blip r:embed="rId2"/>
+          <a:stretch>
+            <a:fillRect/>
+          </a:stretch>
+        </p:blipFill>
+        <p:spPr>
+          <a:xfrm>
+            <a:off x="5400674" y="4404519"/>
+            <a:ext cx="1390650" cy="352425"/>
+          </a:xfrm>
+          <a:prstGeom prst="rect">
+            <a:avLst/>
+          </a:prstGeom>
+          <a:noFill/>
+          <a:ln w="12700">
+            <a:solidFill>
+              <a:schemeClr val="tx1"/>
+            </a:solidFill>
+          </a:ln>
+        </p:spPr>
+      </p:pic>
     </p:spTree>
     <p:extLst>
       <p:ext uri="{BB962C8B-B14F-4D97-AF65-F5344CB8AC3E}">

--- a/Präsentation/Berufsethik.pptx
+++ b/Präsentation/Berufsethik.pptx
@@ -7010,9 +7010,10 @@
           </a:p>
           <a:p>
             <a:r>
-              <a:rPr lang="de-DE" dirty="0"/>
-              <a:t>Ansätze</a:t>
-            </a:r>
+              <a:rPr lang="de-DE"/>
+              <a:t>Kernthesen</a:t>
+            </a:r>
+            <a:endParaRPr lang="de-DE" dirty="0"/>
           </a:p>
           <a:p>
             <a:r>

--- a/Präsentation/Berufsethik.pptx
+++ b/Präsentation/Berufsethik.pptx
@@ -223,7 +223,7 @@
           <a:p>
             <a:fld id="{B3F4BEC4-04EF-4CD0-BB52-1E33FCB75C1A}" type="datetimeFigureOut">
               <a:rPr lang="de-DE" smtClean="0"/>
-              <a:t>11.12.2017</a:t>
+              <a:t>12.12.2017</a:t>
             </a:fld>
             <a:endParaRPr lang="de-DE"/>
           </a:p>
@@ -637,7 +637,7 @@
           <a:p>
             <a:fld id="{34FCBE35-913E-4F5C-B82A-017151C3CF2E}" type="datetime1">
               <a:rPr lang="de-DE" smtClean="0"/>
-              <a:t>11.12.2017</a:t>
+              <a:t>12.12.2017</a:t>
             </a:fld>
             <a:endParaRPr lang="de-DE"/>
           </a:p>
@@ -838,7 +838,7 @@
           <a:p>
             <a:fld id="{2847ED52-B3C1-44AF-867B-E694896FE8F6}" type="datetime1">
               <a:rPr lang="de-DE" smtClean="0"/>
-              <a:t>11.12.2017</a:t>
+              <a:t>12.12.2017</a:t>
             </a:fld>
             <a:endParaRPr lang="de-DE"/>
           </a:p>
@@ -1049,7 +1049,7 @@
           <a:p>
             <a:fld id="{168BBAB2-6C7F-4450-A2AE-93CA97D58F94}" type="datetime1">
               <a:rPr lang="de-DE" smtClean="0"/>
-              <a:t>11.12.2017</a:t>
+              <a:t>12.12.2017</a:t>
             </a:fld>
             <a:endParaRPr lang="de-DE"/>
           </a:p>
@@ -1250,7 +1250,7 @@
           <a:p>
             <a:fld id="{37AAA59D-F5D9-4C22-BAD7-C7D8B056DE27}" type="datetime1">
               <a:rPr lang="de-DE" smtClean="0"/>
-              <a:t>11.12.2017</a:t>
+              <a:t>12.12.2017</a:t>
             </a:fld>
             <a:endParaRPr lang="de-DE"/>
           </a:p>
@@ -1528,7 +1528,7 @@
           <a:p>
             <a:fld id="{9E51E155-D360-4F19-A00F-78921EA1ECE0}" type="datetime1">
               <a:rPr lang="de-DE" smtClean="0"/>
-              <a:t>11.12.2017</a:t>
+              <a:t>12.12.2017</a:t>
             </a:fld>
             <a:endParaRPr lang="de-DE"/>
           </a:p>
@@ -1796,7 +1796,7 @@
           <a:p>
             <a:fld id="{E6839657-0B65-4D4D-95AE-D65A41317F2F}" type="datetime1">
               <a:rPr lang="de-DE" smtClean="0"/>
-              <a:t>11.12.2017</a:t>
+              <a:t>12.12.2017</a:t>
             </a:fld>
             <a:endParaRPr lang="de-DE"/>
           </a:p>
@@ -2211,7 +2211,7 @@
           <a:p>
             <a:fld id="{6556EF25-1D90-48A5-9D2B-C9B4C61351C3}" type="datetime1">
               <a:rPr lang="de-DE" smtClean="0"/>
-              <a:t>11.12.2017</a:t>
+              <a:t>12.12.2017</a:t>
             </a:fld>
             <a:endParaRPr lang="de-DE"/>
           </a:p>
@@ -2355,7 +2355,7 @@
           <a:p>
             <a:fld id="{E2A457FF-C8C2-4DB2-80B3-297A90E469B1}" type="datetime1">
               <a:rPr lang="de-DE" smtClean="0"/>
-              <a:t>11.12.2017</a:t>
+              <a:t>12.12.2017</a:t>
             </a:fld>
             <a:endParaRPr lang="de-DE"/>
           </a:p>
@@ -2471,7 +2471,7 @@
           <a:p>
             <a:fld id="{AD6C03A5-7FB1-43B2-8884-E9E9EB5E2312}" type="datetime1">
               <a:rPr lang="de-DE" smtClean="0"/>
-              <a:t>11.12.2017</a:t>
+              <a:t>12.12.2017</a:t>
             </a:fld>
             <a:endParaRPr lang="de-DE"/>
           </a:p>
@@ -2785,7 +2785,7 @@
           <a:p>
             <a:fld id="{2B9C9779-0FB9-4BCD-864C-0ACBE9ACB817}" type="datetime1">
               <a:rPr lang="de-DE" smtClean="0"/>
-              <a:t>11.12.2017</a:t>
+              <a:t>12.12.2017</a:t>
             </a:fld>
             <a:endParaRPr lang="de-DE"/>
           </a:p>
@@ -3076,7 +3076,7 @@
           <a:p>
             <a:fld id="{1F8E1D88-FA2D-4A0F-A99E-4B1D00F2DADF}" type="datetime1">
               <a:rPr lang="de-DE" smtClean="0"/>
-              <a:t>11.12.2017</a:t>
+              <a:t>12.12.2017</a:t>
             </a:fld>
             <a:endParaRPr lang="de-DE"/>
           </a:p>
@@ -3320,7 +3320,7 @@
           <a:p>
             <a:fld id="{4468ECC2-9D94-478C-A60A-A7D4155B71A1}" type="datetime1">
               <a:rPr lang="de-DE" smtClean="0"/>
-              <a:t>11.12.2017</a:t>
+              <a:t>12.12.2017</a:t>
             </a:fld>
             <a:endParaRPr lang="de-DE"/>
           </a:p>
@@ -3788,7 +3788,7 @@
                 <a:latin typeface="Arial" panose="020B0604020202020204" pitchFamily="34" charset="0"/>
                 <a:cs typeface="Arial" panose="020B0604020202020204" pitchFamily="34" charset="0"/>
               </a:rPr>
-              <a:t>: ethisch vertretbar?</a:t>
+              <a:t>: Ethisch vertretbar?</a:t>
             </a:r>
           </a:p>
         </p:txBody>
@@ -3854,7 +3854,7 @@
           <a:p>
             <a:fld id="{9BB24A88-594C-46B6-B0D5-054D34368737}" type="datetime1">
               <a:rPr lang="de-DE" smtClean="0"/>
-              <a:t>11.12.2017</a:t>
+              <a:t>12.12.2017</a:t>
             </a:fld>
             <a:endParaRPr lang="de-DE"/>
           </a:p>
@@ -4179,7 +4179,7 @@
           <a:p>
             <a:fld id="{37AAA59D-F5D9-4C22-BAD7-C7D8B056DE27}" type="datetime1">
               <a:rPr lang="de-DE" smtClean="0"/>
-              <a:t>11.12.2017</a:t>
+              <a:t>12.12.2017</a:t>
             </a:fld>
             <a:endParaRPr lang="de-DE"/>
           </a:p>
@@ -4387,7 +4387,7 @@
           <a:p>
             <a:fld id="{37AAA59D-F5D9-4C22-BAD7-C7D8B056DE27}" type="datetime1">
               <a:rPr lang="de-DE" smtClean="0"/>
-              <a:t>11.12.2017</a:t>
+              <a:t>12.12.2017</a:t>
             </a:fld>
             <a:endParaRPr lang="de-DE"/>
           </a:p>
@@ -4592,7 +4592,7 @@
           <a:p>
             <a:fld id="{37AAA59D-F5D9-4C22-BAD7-C7D8B056DE27}" type="datetime1">
               <a:rPr lang="de-DE" smtClean="0"/>
-              <a:t>11.12.2017</a:t>
+              <a:t>12.12.2017</a:t>
             </a:fld>
             <a:endParaRPr lang="de-DE"/>
           </a:p>
@@ -4794,7 +4794,7 @@
           <a:p>
             <a:fld id="{37AAA59D-F5D9-4C22-BAD7-C7D8B056DE27}" type="datetime1">
               <a:rPr lang="de-DE" smtClean="0"/>
-              <a:t>11.12.2017</a:t>
+              <a:t>12.12.2017</a:t>
             </a:fld>
             <a:endParaRPr lang="de-DE"/>
           </a:p>
@@ -4969,7 +4969,7 @@
           <a:p>
             <a:fld id="{37AAA59D-F5D9-4C22-BAD7-C7D8B056DE27}" type="datetime1">
               <a:rPr lang="de-DE" smtClean="0"/>
-              <a:t>11.12.2017</a:t>
+              <a:t>12.12.2017</a:t>
             </a:fld>
             <a:endParaRPr lang="de-DE"/>
           </a:p>
@@ -6068,7 +6068,7 @@
           <a:p>
             <a:fld id="{37AAA59D-F5D9-4C22-BAD7-C7D8B056DE27}" type="datetime1">
               <a:rPr lang="de-DE" smtClean="0"/>
-              <a:t>11.12.2017</a:t>
+              <a:t>12.12.2017</a:t>
             </a:fld>
             <a:endParaRPr lang="de-DE"/>
           </a:p>
@@ -6243,7 +6243,7 @@
           <a:p>
             <a:fld id="{37AAA59D-F5D9-4C22-BAD7-C7D8B056DE27}" type="datetime1">
               <a:rPr lang="de-DE" smtClean="0"/>
-              <a:t>11.12.2017</a:t>
+              <a:t>12.12.2017</a:t>
             </a:fld>
             <a:endParaRPr lang="de-DE"/>
           </a:p>
@@ -6469,7 +6469,7 @@
           <a:p>
             <a:fld id="{37AAA59D-F5D9-4C22-BAD7-C7D8B056DE27}" type="datetime1">
               <a:rPr lang="de-DE" smtClean="0"/>
-              <a:t>11.12.2017</a:t>
+              <a:t>12.12.2017</a:t>
             </a:fld>
             <a:endParaRPr lang="de-DE"/>
           </a:p>
@@ -6683,7 +6683,7 @@
           <a:p>
             <a:fld id="{37AAA59D-F5D9-4C22-BAD7-C7D8B056DE27}" type="datetime1">
               <a:rPr lang="de-DE" smtClean="0"/>
-              <a:t>11.12.2017</a:t>
+              <a:t>12.12.2017</a:t>
             </a:fld>
             <a:endParaRPr lang="de-DE"/>
           </a:p>
@@ -6855,7 +6855,7 @@
           <a:p>
             <a:fld id="{37AAA59D-F5D9-4C22-BAD7-C7D8B056DE27}" type="datetime1">
               <a:rPr lang="de-DE" smtClean="0"/>
-              <a:t>11.12.2017</a:t>
+              <a:t>12.12.2017</a:t>
             </a:fld>
             <a:endParaRPr lang="de-DE"/>
           </a:p>
@@ -7052,7 +7052,7 @@
           <a:p>
             <a:fld id="{1B876D99-6DEA-420F-AEAC-AB387BCD608A}" type="datetime1">
               <a:rPr lang="de-DE" smtClean="0"/>
-              <a:t>11.12.2017</a:t>
+              <a:t>12.12.2017</a:t>
             </a:fld>
             <a:endParaRPr lang="de-DE"/>
           </a:p>
@@ -7197,7 +7197,7 @@
           <a:p>
             <a:fld id="{37AAA59D-F5D9-4C22-BAD7-C7D8B056DE27}" type="datetime1">
               <a:rPr lang="de-DE" smtClean="0"/>
-              <a:t>11.12.2017</a:t>
+              <a:t>12.12.2017</a:t>
             </a:fld>
             <a:endParaRPr lang="de-DE"/>
           </a:p>
@@ -7483,7 +7483,7 @@
           <a:p>
             <a:fld id="{37AAA59D-F5D9-4C22-BAD7-C7D8B056DE27}" type="datetime1">
               <a:rPr lang="de-DE" smtClean="0"/>
-              <a:t>11.12.2017</a:t>
+              <a:t>12.12.2017</a:t>
             </a:fld>
             <a:endParaRPr lang="de-DE"/>
           </a:p>
@@ -7673,7 +7673,7 @@
           <a:p>
             <a:fld id="{37AAA59D-F5D9-4C22-BAD7-C7D8B056DE27}" type="datetime1">
               <a:rPr lang="de-DE" smtClean="0"/>
-              <a:t>11.12.2017</a:t>
+              <a:t>12.12.2017</a:t>
             </a:fld>
             <a:endParaRPr lang="de-DE"/>
           </a:p>
@@ -7848,7 +7848,7 @@
           <a:p>
             <a:fld id="{37AAA59D-F5D9-4C22-BAD7-C7D8B056DE27}" type="datetime1">
               <a:rPr lang="de-DE" smtClean="0"/>
-              <a:t>11.12.2017</a:t>
+              <a:t>12.12.2017</a:t>
             </a:fld>
             <a:endParaRPr lang="de-DE"/>
           </a:p>
@@ -8071,7 +8071,7 @@
           <a:p>
             <a:fld id="{37AAA59D-F5D9-4C22-BAD7-C7D8B056DE27}" type="datetime1">
               <a:rPr lang="de-DE" smtClean="0"/>
-              <a:t>11.12.2017</a:t>
+              <a:t>12.12.2017</a:t>
             </a:fld>
             <a:endParaRPr lang="de-DE"/>
           </a:p>
@@ -8278,7 +8278,12 @@
             <p:ph idx="1"/>
           </p:nvPr>
         </p:nvSpPr>
-        <p:spPr/>
+        <p:spPr>
+          <a:xfrm>
+            <a:off x="838200" y="1825625"/>
+            <a:ext cx="7645924" cy="4351338"/>
+          </a:xfrm>
+        </p:spPr>
         <p:txBody>
           <a:bodyPr/>
           <a:lstStyle/>
@@ -8291,6 +8296,43 @@
               <a:t>Friedrich Nietzsche:</a:t>
             </a:r>
           </a:p>
+          <a:p>
+            <a:r>
+              <a:rPr lang="de-DE" dirty="0"/>
+              <a:t>* 15. Oktober 1844 in Röcken – </a:t>
+            </a:r>
+            <a:br>
+              <a:rPr lang="de-DE" dirty="0"/>
+            </a:br>
+            <a:r>
+              <a:rPr lang="de-DE" dirty="0"/>
+              <a:t>† 25. August 1900 in Weimar</a:t>
+            </a:r>
+          </a:p>
+          <a:p>
+            <a:r>
+              <a:rPr lang="de-DE" dirty="0"/>
+              <a:t>Studierte klassische Philologie sowie Theologie</a:t>
+            </a:r>
+          </a:p>
+          <a:p>
+            <a:r>
+              <a:rPr lang="de-DE" dirty="0"/>
+              <a:t>Stark beeinflusst von Arthur Schopenhauer</a:t>
+            </a:r>
+          </a:p>
+          <a:p>
+            <a:r>
+              <a:rPr lang="de-DE" dirty="0"/>
+              <a:t>Professor an der Universität Basel</a:t>
+            </a:r>
+          </a:p>
+          <a:p>
+            <a:r>
+              <a:rPr lang="de-DE" dirty="0"/>
+              <a:t>Postum Weltberühmtheit („Also sprach Zarathustra“)</a:t>
+            </a:r>
+          </a:p>
         </p:txBody>
       </p:sp>
       <p:sp>
@@ -8316,7 +8358,7 @@
           <a:p>
             <a:fld id="{37AAA59D-F5D9-4C22-BAD7-C7D8B056DE27}" type="datetime1">
               <a:rPr lang="de-DE" smtClean="0"/>
-              <a:t>11.12.2017</a:t>
+              <a:t>12.12.2017</a:t>
             </a:fld>
             <a:endParaRPr lang="de-DE"/>
           </a:p>
@@ -8375,7 +8417,84 @@
               <a:rPr lang="de-DE" smtClean="0"/>
               <a:t>7</a:t>
             </a:fld>
-            <a:endParaRPr lang="de-DE"/>
+            <a:endParaRPr lang="de-DE" dirty="0"/>
+          </a:p>
+        </p:txBody>
+      </p:sp>
+      <p:pic>
+        <p:nvPicPr>
+          <p:cNvPr id="8" name="Grafik 7">
+            <a:extLst>
+              <a:ext uri="{FF2B5EF4-FFF2-40B4-BE49-F238E27FC236}">
+                <a16:creationId xmlns:a16="http://schemas.microsoft.com/office/drawing/2014/main" id="{89BAD500-621A-4EA6-A3FC-DB15887B246E}"/>
+              </a:ext>
+            </a:extLst>
+          </p:cNvPr>
+          <p:cNvPicPr>
+            <a:picLocks noChangeAspect="1"/>
+          </p:cNvPicPr>
+          <p:nvPr/>
+        </p:nvPicPr>
+        <p:blipFill>
+          <a:blip r:embed="rId2">
+            <a:extLst>
+              <a:ext uri="{28A0092B-C50C-407E-A947-70E740481C1C}">
+                <a14:useLocalDpi xmlns:a14="http://schemas.microsoft.com/office/drawing/2010/main" val="0"/>
+              </a:ext>
+            </a:extLst>
+          </a:blip>
+          <a:stretch>
+            <a:fillRect/>
+          </a:stretch>
+        </p:blipFill>
+        <p:spPr>
+          <a:xfrm>
+            <a:off x="8610600" y="365125"/>
+            <a:ext cx="3298134" cy="4957318"/>
+          </a:xfrm>
+          <a:prstGeom prst="rect">
+            <a:avLst/>
+          </a:prstGeom>
+        </p:spPr>
+      </p:pic>
+      <p:sp>
+        <p:nvSpPr>
+          <p:cNvPr id="9" name="Rechteck 8">
+            <a:extLst>
+              <a:ext uri="{FF2B5EF4-FFF2-40B4-BE49-F238E27FC236}">
+                <a16:creationId xmlns:a16="http://schemas.microsoft.com/office/drawing/2014/main" id="{324A2F8D-AE96-4CC0-8495-E0F6363167FF}"/>
+              </a:ext>
+            </a:extLst>
+          </p:cNvPr>
+          <p:cNvSpPr/>
+          <p:nvPr/>
+        </p:nvSpPr>
+        <p:spPr>
+          <a:xfrm>
+            <a:off x="8610600" y="5425970"/>
+            <a:ext cx="3298134" cy="430887"/>
+          </a:xfrm>
+          <a:prstGeom prst="rect">
+            <a:avLst/>
+          </a:prstGeom>
+        </p:spPr>
+        <p:txBody>
+          <a:bodyPr wrap="square">
+            <a:spAutoFit/>
+          </a:bodyPr>
+          <a:lstStyle/>
+          <a:p>
+            <a:r>
+              <a:rPr lang="de-DE" sz="1100" dirty="0"/>
+              <a:t>Quelle: </a:t>
+            </a:r>
+            <a:br>
+              <a:rPr lang="de-DE" sz="1100" dirty="0"/>
+            </a:br>
+            <a:r>
+              <a:rPr lang="de-DE" sz="1100" dirty="0"/>
+              <a:t>https://de.wikiquote.org/wiki/Datei:Nietzsche187c.jpg</a:t>
+            </a:r>
           </a:p>
         </p:txBody>
       </p:sp>
@@ -8488,7 +8607,7 @@
           <a:p>
             <a:fld id="{37AAA59D-F5D9-4C22-BAD7-C7D8B056DE27}" type="datetime1">
               <a:rPr lang="de-DE" smtClean="0"/>
-              <a:t>11.12.2017</a:t>
+              <a:t>12.12.2017</a:t>
             </a:fld>
             <a:endParaRPr lang="de-DE"/>
           </a:p>
@@ -8696,7 +8815,7 @@
           <a:p>
             <a:fld id="{37AAA59D-F5D9-4C22-BAD7-C7D8B056DE27}" type="datetime1">
               <a:rPr lang="de-DE" smtClean="0"/>
-              <a:t>11.12.2017</a:t>
+              <a:t>12.12.2017</a:t>
             </a:fld>
             <a:endParaRPr lang="de-DE"/>
           </a:p>

--- a/Präsentation/Berufsethik.pptx
+++ b/Präsentation/Berufsethik.pptx
@@ -5,7 +5,7 @@
     <p:sldMasterId id="2147483648" r:id="rId1"/>
   </p:sldMasterIdLst>
   <p:notesMasterIdLst>
-    <p:notesMasterId r:id="rId22"/>
+    <p:notesMasterId r:id="rId25"/>
   </p:notesMasterIdLst>
   <p:sldIdLst>
     <p:sldId id="256" r:id="rId2"/>
@@ -23,11 +23,14 @@
     <p:sldId id="285" r:id="rId14"/>
     <p:sldId id="280" r:id="rId15"/>
     <p:sldId id="286" r:id="rId16"/>
-    <p:sldId id="287" r:id="rId17"/>
-    <p:sldId id="288" r:id="rId18"/>
-    <p:sldId id="289" r:id="rId19"/>
-    <p:sldId id="290" r:id="rId20"/>
-    <p:sldId id="291" r:id="rId21"/>
+    <p:sldId id="292" r:id="rId17"/>
+    <p:sldId id="293" r:id="rId18"/>
+    <p:sldId id="294" r:id="rId19"/>
+    <p:sldId id="287" r:id="rId20"/>
+    <p:sldId id="288" r:id="rId21"/>
+    <p:sldId id="289" r:id="rId22"/>
+    <p:sldId id="290" r:id="rId23"/>
+    <p:sldId id="291" r:id="rId24"/>
   </p:sldIdLst>
   <p:sldSz cx="12192000" cy="6858000"/>
   <p:notesSz cx="6858000" cy="9144000"/>
@@ -6039,9 +6042,43 @@
               <a:buNone/>
             </a:pPr>
             <a:r>
+              <a:rPr lang="de-DE" u="sng" dirty="0"/>
+              <a:t>Friedrich Nietzsche:</a:t>
+            </a:r>
+          </a:p>
+          <a:p>
+            <a:pPr marL="0" indent="0">
+              <a:buNone/>
+            </a:pPr>
+            <a:r>
+              <a:rPr lang="de-DE" b="1" dirty="0"/>
+              <a:t>These 1: „Ewige Wiederkunft“</a:t>
+            </a:r>
+          </a:p>
+          <a:p>
+            <a:r>
               <a:rPr lang="de-DE" dirty="0"/>
-              <a:t>Friedrich Nietzsche:</a:t>
-            </a:r>
+              <a:t>Universum als zyklisches System</a:t>
+            </a:r>
+          </a:p>
+          <a:p>
+            <a:r>
+              <a:rPr lang="de-DE" dirty="0"/>
+              <a:t>Endliche Teile innerhalb des Universums und unendliche Zeit</a:t>
+            </a:r>
+          </a:p>
+          <a:p>
+            <a:pPr>
+              <a:buFont typeface="Wingdings" panose="05000000000000000000" pitchFamily="2" charset="2"/>
+              <a:buChar char="Ø"/>
+            </a:pPr>
+            <a:r>
+              <a:rPr lang="de-DE" dirty="0"/>
+              <a:t>Alle Zustände müssen sich unendlich oft wiederholen</a:t>
+            </a:r>
+          </a:p>
+          <a:p>
+            <a:endParaRPr lang="de-DE" dirty="0"/>
           </a:p>
         </p:txBody>
       </p:sp>
@@ -6184,7 +6221,7 @@
           <a:p>
             <a:r>
               <a:rPr lang="de-DE" dirty="0"/>
-              <a:t>Abwägung</a:t>
+              <a:t>Kernthesen</a:t>
             </a:r>
           </a:p>
         </p:txBody>
@@ -6214,8 +6251,59 @@
               <a:buNone/>
             </a:pPr>
             <a:r>
+              <a:rPr lang="de-DE" u="sng" dirty="0"/>
+              <a:t>Friedrich Nietzsche:</a:t>
+            </a:r>
+          </a:p>
+          <a:p>
+            <a:pPr marL="0" indent="0">
+              <a:buNone/>
+            </a:pPr>
+            <a:r>
+              <a:rPr lang="de-DE" b="1" dirty="0"/>
+              <a:t>These 2: „Wille zur Macht“</a:t>
+            </a:r>
+          </a:p>
+          <a:p>
+            <a:r>
               <a:rPr lang="de-DE" dirty="0"/>
-              <a:t>Platon:</a:t>
+              <a:t>Aktives bejahen des menschlichen Schicksals („Ewige Wiederkunft“)</a:t>
+            </a:r>
+          </a:p>
+          <a:p>
+            <a:pPr lvl="1">
+              <a:buFont typeface="Wingdings" panose="05000000000000000000" pitchFamily="2" charset="2"/>
+              <a:buChar char="Ø"/>
+            </a:pPr>
+            <a:r>
+              <a:rPr lang="de-DE" sz="2800" dirty="0"/>
+              <a:t>Überwindung von Nihilismus, Religion und Moral</a:t>
+            </a:r>
+          </a:p>
+          <a:p>
+            <a:r>
+              <a:rPr lang="de-DE" dirty="0"/>
+              <a:t>Alles Gute und Grausame kann ungehindert an den Menschen dringen</a:t>
+            </a:r>
+          </a:p>
+          <a:p>
+            <a:pPr lvl="1">
+              <a:buFont typeface="Wingdings" panose="05000000000000000000" pitchFamily="2" charset="2"/>
+              <a:buChar char="Ø"/>
+            </a:pPr>
+            <a:r>
+              <a:rPr lang="de-DE" sz="2800" dirty="0"/>
+              <a:t>Gewonnene Freiheit zur Selbstverbesserung</a:t>
+            </a:r>
+          </a:p>
+          <a:p>
+            <a:pPr lvl="1">
+              <a:buFont typeface="Wingdings" panose="05000000000000000000" pitchFamily="2" charset="2"/>
+              <a:buChar char="Ø"/>
+            </a:pPr>
+            <a:r>
+              <a:rPr lang="de-DE" sz="2800" dirty="0"/>
+              <a:t>Voraussetzung zur Schaffung des „Übermenschen“</a:t>
             </a:r>
           </a:p>
         </p:txBody>
@@ -6309,7 +6397,7 @@
     </p:spTree>
     <p:extLst>
       <p:ext uri="{BB962C8B-B14F-4D97-AF65-F5344CB8AC3E}">
-        <p14:creationId xmlns:p14="http://schemas.microsoft.com/office/powerpoint/2010/main" val="1552112828"/>
+        <p14:creationId xmlns:p14="http://schemas.microsoft.com/office/powerpoint/2010/main" val="2061880896"/>
       </p:ext>
     </p:extLst>
   </p:cSld>
@@ -6359,7 +6447,7 @@
           <a:p>
             <a:r>
               <a:rPr lang="de-DE" dirty="0"/>
-              <a:t>Abwägung</a:t>
+              <a:t>Kernthesen</a:t>
             </a:r>
           </a:p>
         </p:txBody>
@@ -6390,57 +6478,68 @@
             </a:pPr>
             <a:r>
               <a:rPr lang="de-DE" u="sng" dirty="0"/>
-              <a:t>Aristoteles:</a:t>
+              <a:t>Friedrich Nietzsche:</a:t>
             </a:r>
           </a:p>
           <a:p>
             <a:pPr marL="0" indent="0">
               <a:buNone/>
             </a:pPr>
-            <a:endParaRPr lang="de-DE" u="sng" dirty="0"/>
+            <a:r>
+              <a:rPr lang="de-DE" b="1" dirty="0"/>
+              <a:t>These 3: „Übermensch“</a:t>
+            </a:r>
           </a:p>
           <a:p>
             <a:r>
               <a:rPr lang="de-DE" dirty="0"/>
-              <a:t>Wissen als Ressource der Gesellschaft</a:t>
+              <a:t>Besonders starker Wille zur Macht sowie Überschuss an Lebenskraft</a:t>
             </a:r>
           </a:p>
           <a:p>
             <a:r>
               <a:rPr lang="de-DE" dirty="0"/>
-              <a:t>„Wissen ist Macht“</a:t>
-            </a:r>
-          </a:p>
-          <a:p>
-            <a:endParaRPr lang="de-DE" dirty="0"/>
+              <a:t>Gehorcht keiner Moral</a:t>
+            </a:r>
+          </a:p>
+          <a:p>
+            <a:pPr lvl="1">
+              <a:buFont typeface="Wingdings" panose="05000000000000000000" pitchFamily="2" charset="2"/>
+              <a:buChar char="Ø"/>
+            </a:pPr>
+            <a:r>
+              <a:rPr lang="de-DE" sz="2800" dirty="0"/>
+              <a:t>Schöpfer neuer Werte</a:t>
+            </a:r>
           </a:p>
           <a:p>
             <a:r>
               <a:rPr lang="de-DE" dirty="0"/>
-              <a:t>Differenzierte Betrachtung </a:t>
-            </a:r>
-          </a:p>
-          <a:p>
-            <a:r>
-              <a:rPr lang="de-DE" dirty="0"/>
-              <a:t>Viele Blickwinkel</a:t>
-            </a:r>
-          </a:p>
-          <a:p>
-            <a:pPr marL="0" indent="0">
-              <a:buNone/>
+              <a:t>Seine Schaffung muss mit allen Mitteln angestrebt werden</a:t>
+            </a:r>
+            <a:endParaRPr lang="de-DE" sz="3200" dirty="0"/>
+          </a:p>
+          <a:p>
+            <a:pPr lvl="1">
+              <a:buFont typeface="Wingdings" panose="05000000000000000000" pitchFamily="2" charset="2"/>
+              <a:buChar char="Ø"/>
             </a:pPr>
-            <a:endParaRPr lang="de-DE" dirty="0"/>
-          </a:p>
-          <a:p>
-            <a:pPr marL="0" indent="0">
-              <a:buNone/>
+            <a:r>
+              <a:rPr lang="de-DE" sz="2800" dirty="0"/>
+              <a:t>Schwache Menschen müssen ihm geopfert werden</a:t>
+            </a:r>
+          </a:p>
+          <a:p>
+            <a:pPr lvl="1">
+              <a:buFont typeface="Wingdings" panose="05000000000000000000" pitchFamily="2" charset="2"/>
+              <a:buChar char="Ø"/>
             </a:pPr>
-            <a:endParaRPr lang="de-DE" dirty="0"/>
-          </a:p>
-          <a:p>
-            <a:pPr marL="0" indent="0">
-              <a:buNone/>
+            <a:endParaRPr lang="de-DE" sz="2800" dirty="0"/>
+          </a:p>
+          <a:p>
+            <a:pPr>
+              <a:buFont typeface="Wingdings" panose="05000000000000000000" pitchFamily="2" charset="2"/>
+              <a:buChar char="Ø"/>
             </a:pPr>
             <a:endParaRPr lang="de-DE" dirty="0"/>
           </a:p>
@@ -6535,7 +6634,7 @@
     </p:spTree>
     <p:extLst>
       <p:ext uri="{BB962C8B-B14F-4D97-AF65-F5344CB8AC3E}">
-        <p14:creationId xmlns:p14="http://schemas.microsoft.com/office/powerpoint/2010/main" val="1590228630"/>
+        <p14:creationId xmlns:p14="http://schemas.microsoft.com/office/powerpoint/2010/main" val="995291243"/>
       </p:ext>
     </p:extLst>
   </p:cSld>
@@ -6585,7 +6684,7 @@
           <a:p>
             <a:r>
               <a:rPr lang="de-DE" dirty="0"/>
-              <a:t>Abwägung</a:t>
+              <a:t>Kernthesen</a:t>
             </a:r>
           </a:p>
         </p:txBody>
@@ -6623,38 +6722,24 @@
             <a:pPr marL="0" indent="0">
               <a:buNone/>
             </a:pPr>
-            <a:endParaRPr lang="de-DE" u="sng" dirty="0"/>
-          </a:p>
-          <a:p>
-            <a:pPr marL="0" indent="0">
-              <a:buNone/>
-            </a:pPr>
-            <a:r>
-              <a:rPr lang="de-DE" u="sng" dirty="0"/>
-              <a:t>Für das Fazit nicht relevant!!!</a:t>
-            </a:r>
-          </a:p>
-          <a:p>
-            <a:pPr marL="0" indent="0">
-              <a:buNone/>
-            </a:pPr>
-            <a:endParaRPr lang="de-DE" dirty="0"/>
-          </a:p>
-          <a:p>
-            <a:pPr marL="0" indent="0">
-              <a:buNone/>
-            </a:pPr>
-            <a:endParaRPr lang="de-DE" dirty="0"/>
-          </a:p>
-          <a:p>
-            <a:pPr marL="0" indent="0">
-              <a:buNone/>
-            </a:pPr>
-            <a:endParaRPr lang="de-DE" dirty="0"/>
-          </a:p>
-          <a:p>
-            <a:pPr marL="0" indent="0">
-              <a:buNone/>
+            <a:r>
+              <a:rPr lang="de-DE" b="1" dirty="0" err="1"/>
+              <a:t>Chatbots</a:t>
+            </a:r>
+            <a:r>
+              <a:rPr lang="de-DE" b="1" dirty="0"/>
+              <a:t> </a:t>
+            </a:r>
+            <a:r>
+              <a:rPr lang="de-DE" b="1"/>
+              <a:t>= Übermensch?</a:t>
+            </a:r>
+            <a:endParaRPr lang="de-DE" sz="2800" dirty="0"/>
+          </a:p>
+          <a:p>
+            <a:pPr>
+              <a:buFont typeface="Wingdings" panose="05000000000000000000" pitchFamily="2" charset="2"/>
+              <a:buChar char="Ø"/>
             </a:pPr>
             <a:endParaRPr lang="de-DE" dirty="0"/>
           </a:p>
@@ -6749,7 +6834,7 @@
     </p:spTree>
     <p:extLst>
       <p:ext uri="{BB962C8B-B14F-4D97-AF65-F5344CB8AC3E}">
-        <p14:creationId xmlns:p14="http://schemas.microsoft.com/office/powerpoint/2010/main" val="2994316487"/>
+        <p14:creationId xmlns:p14="http://schemas.microsoft.com/office/powerpoint/2010/main" val="2427844577"/>
       </p:ext>
     </p:extLst>
   </p:cSld>
@@ -6781,7 +6866,7 @@
           <p:cNvPr id="2" name="Titel 1">
             <a:extLst>
               <a:ext uri="{FF2B5EF4-FFF2-40B4-BE49-F238E27FC236}">
-                <a16:creationId xmlns:a16="http://schemas.microsoft.com/office/drawing/2014/main" id="{27DBF072-8F96-456B-8CBC-33F9BE881F59}"/>
+                <a16:creationId xmlns:a16="http://schemas.microsoft.com/office/drawing/2014/main" id="{D3A43130-22AA-45E3-98D3-1BD148CAFBC7}"/>
               </a:ext>
             </a:extLst>
           </p:cNvPr>
@@ -6799,7 +6884,7 @@
           <a:p>
             <a:r>
               <a:rPr lang="de-DE" dirty="0"/>
-              <a:t>Fazit</a:t>
+              <a:t>Abwägung</a:t>
             </a:r>
           </a:p>
         </p:txBody>
@@ -6809,7 +6894,7 @@
           <p:cNvPr id="3" name="Inhaltsplatzhalter 2">
             <a:extLst>
               <a:ext uri="{FF2B5EF4-FFF2-40B4-BE49-F238E27FC236}">
-                <a16:creationId xmlns:a16="http://schemas.microsoft.com/office/drawing/2014/main" id="{188BA27D-5806-43E7-BCA1-CBE4037E3289}"/>
+                <a16:creationId xmlns:a16="http://schemas.microsoft.com/office/drawing/2014/main" id="{1A7DDC81-E5B8-4095-A43C-88DCD9E75FDC}"/>
               </a:ext>
             </a:extLst>
           </p:cNvPr>
@@ -6825,9 +6910,12 @@
           <a:bodyPr/>
           <a:lstStyle/>
           <a:p>
-            <a:r>
-              <a:rPr lang="de-DE"/>
-              <a:t>Zitat letzte Seite</a:t>
+            <a:pPr marL="0" indent="0">
+              <a:buNone/>
+            </a:pPr>
+            <a:r>
+              <a:rPr lang="de-DE" dirty="0"/>
+              <a:t>Platon:</a:t>
             </a:r>
           </a:p>
         </p:txBody>
@@ -6837,7 +6925,7 @@
           <p:cNvPr id="4" name="Datumsplatzhalter 3">
             <a:extLst>
               <a:ext uri="{FF2B5EF4-FFF2-40B4-BE49-F238E27FC236}">
-                <a16:creationId xmlns:a16="http://schemas.microsoft.com/office/drawing/2014/main" id="{7F3DDDF8-F479-46E0-8EFE-137B59F54546}"/>
+                <a16:creationId xmlns:a16="http://schemas.microsoft.com/office/drawing/2014/main" id="{0504EE00-40ED-4217-B8C4-FAAB338801A5}"/>
               </a:ext>
             </a:extLst>
           </p:cNvPr>
@@ -6866,7 +6954,7 @@
           <p:cNvPr id="5" name="Fußzeilenplatzhalter 4">
             <a:extLst>
               <a:ext uri="{FF2B5EF4-FFF2-40B4-BE49-F238E27FC236}">
-                <a16:creationId xmlns:a16="http://schemas.microsoft.com/office/drawing/2014/main" id="{CB7DFD76-280D-4444-B486-39CFF540F399}"/>
+                <a16:creationId xmlns:a16="http://schemas.microsoft.com/office/drawing/2014/main" id="{2C261FA1-3215-4332-8A73-84FB73F8A083}"/>
               </a:ext>
             </a:extLst>
           </p:cNvPr>
@@ -6894,7 +6982,7 @@
           <p:cNvPr id="6" name="Foliennummernplatzhalter 5">
             <a:extLst>
               <a:ext uri="{FF2B5EF4-FFF2-40B4-BE49-F238E27FC236}">
-                <a16:creationId xmlns:a16="http://schemas.microsoft.com/office/drawing/2014/main" id="{7889DD61-62FC-4228-B496-C25E360E49B0}"/>
+                <a16:creationId xmlns:a16="http://schemas.microsoft.com/office/drawing/2014/main" id="{1A7A216C-B95B-4211-B85A-9BD54C9CD373}"/>
               </a:ext>
             </a:extLst>
           </p:cNvPr>
@@ -6921,7 +7009,7 @@
     </p:spTree>
     <p:extLst>
       <p:ext uri="{BB962C8B-B14F-4D97-AF65-F5344CB8AC3E}">
-        <p14:creationId xmlns:p14="http://schemas.microsoft.com/office/powerpoint/2010/main" val="4087749054"/>
+        <p14:creationId xmlns:p14="http://schemas.microsoft.com/office/powerpoint/2010/main" val="1552112828"/>
       </p:ext>
     </p:extLst>
   </p:cSld>
@@ -7148,18 +7236,18 @@
       </p:grpSpPr>
       <p:sp>
         <p:nvSpPr>
-          <p:cNvPr id="7" name="Titel 6">
-            <a:extLst>
-              <a:ext uri="{FF2B5EF4-FFF2-40B4-BE49-F238E27FC236}">
-                <a16:creationId xmlns:a16="http://schemas.microsoft.com/office/drawing/2014/main" id="{ECE4538E-B6E9-4274-9AF9-8E2380D48032}"/>
-              </a:ext>
-            </a:extLst>
-          </p:cNvPr>
-          <p:cNvSpPr>
-            <a:spLocks noGrp="1"/>
-          </p:cNvSpPr>
-          <p:nvPr>
-            <p:ph type="ctrTitle"/>
+          <p:cNvPr id="2" name="Titel 1">
+            <a:extLst>
+              <a:ext uri="{FF2B5EF4-FFF2-40B4-BE49-F238E27FC236}">
+                <a16:creationId xmlns:a16="http://schemas.microsoft.com/office/drawing/2014/main" id="{D3A43130-22AA-45E3-98D3-1BD148CAFBC7}"/>
+              </a:ext>
+            </a:extLst>
+          </p:cNvPr>
+          <p:cNvSpPr>
+            <a:spLocks noGrp="1"/>
+          </p:cNvSpPr>
+          <p:nvPr>
+            <p:ph type="title"/>
           </p:nvPr>
         </p:nvSpPr>
         <p:spPr/>
@@ -7169,8 +7257,90 @@
           <a:p>
             <a:r>
               <a:rPr lang="de-DE" dirty="0"/>
-              <a:t>Vielen Dank</a:t>
-            </a:r>
+              <a:t>Abwägung</a:t>
+            </a:r>
+          </a:p>
+        </p:txBody>
+      </p:sp>
+      <p:sp>
+        <p:nvSpPr>
+          <p:cNvPr id="3" name="Inhaltsplatzhalter 2">
+            <a:extLst>
+              <a:ext uri="{FF2B5EF4-FFF2-40B4-BE49-F238E27FC236}">
+                <a16:creationId xmlns:a16="http://schemas.microsoft.com/office/drawing/2014/main" id="{1A7DDC81-E5B8-4095-A43C-88DCD9E75FDC}"/>
+              </a:ext>
+            </a:extLst>
+          </p:cNvPr>
+          <p:cNvSpPr>
+            <a:spLocks noGrp="1"/>
+          </p:cNvSpPr>
+          <p:nvPr>
+            <p:ph idx="1"/>
+          </p:nvPr>
+        </p:nvSpPr>
+        <p:spPr/>
+        <p:txBody>
+          <a:bodyPr/>
+          <a:lstStyle/>
+          <a:p>
+            <a:pPr marL="0" indent="0">
+              <a:buNone/>
+            </a:pPr>
+            <a:r>
+              <a:rPr lang="de-DE" u="sng" dirty="0"/>
+              <a:t>Aristoteles:</a:t>
+            </a:r>
+          </a:p>
+          <a:p>
+            <a:pPr marL="0" indent="0">
+              <a:buNone/>
+            </a:pPr>
+            <a:endParaRPr lang="de-DE" u="sng" dirty="0"/>
+          </a:p>
+          <a:p>
+            <a:r>
+              <a:rPr lang="de-DE" dirty="0"/>
+              <a:t>Wissen als Ressource der Gesellschaft</a:t>
+            </a:r>
+          </a:p>
+          <a:p>
+            <a:r>
+              <a:rPr lang="de-DE" dirty="0"/>
+              <a:t>„Wissen ist Macht“</a:t>
+            </a:r>
+          </a:p>
+          <a:p>
+            <a:endParaRPr lang="de-DE" dirty="0"/>
+          </a:p>
+          <a:p>
+            <a:r>
+              <a:rPr lang="de-DE" dirty="0"/>
+              <a:t>Differenzierte Betrachtung </a:t>
+            </a:r>
+          </a:p>
+          <a:p>
+            <a:r>
+              <a:rPr lang="de-DE" dirty="0"/>
+              <a:t>Viele Blickwinkel</a:t>
+            </a:r>
+          </a:p>
+          <a:p>
+            <a:pPr marL="0" indent="0">
+              <a:buNone/>
+            </a:pPr>
+            <a:endParaRPr lang="de-DE" dirty="0"/>
+          </a:p>
+          <a:p>
+            <a:pPr marL="0" indent="0">
+              <a:buNone/>
+            </a:pPr>
+            <a:endParaRPr lang="de-DE" dirty="0"/>
+          </a:p>
+          <a:p>
+            <a:pPr marL="0" indent="0">
+              <a:buNone/>
+            </a:pPr>
+            <a:endParaRPr lang="de-DE" dirty="0"/>
           </a:p>
         </p:txBody>
       </p:sp>
@@ -7179,7 +7349,7 @@
           <p:cNvPr id="4" name="Datumsplatzhalter 3">
             <a:extLst>
               <a:ext uri="{FF2B5EF4-FFF2-40B4-BE49-F238E27FC236}">
-                <a16:creationId xmlns:a16="http://schemas.microsoft.com/office/drawing/2014/main" id="{CBBCEB7D-527F-4237-9393-2E732716A07F}"/>
+                <a16:creationId xmlns:a16="http://schemas.microsoft.com/office/drawing/2014/main" id="{0504EE00-40ED-4217-B8C4-FAAB338801A5}"/>
               </a:ext>
             </a:extLst>
           </p:cNvPr>
@@ -7208,7 +7378,7 @@
           <p:cNvPr id="5" name="Fußzeilenplatzhalter 4">
             <a:extLst>
               <a:ext uri="{FF2B5EF4-FFF2-40B4-BE49-F238E27FC236}">
-                <a16:creationId xmlns:a16="http://schemas.microsoft.com/office/drawing/2014/main" id="{AD487B01-4A3F-4ACA-9B4A-1955B5A2D82F}"/>
+                <a16:creationId xmlns:a16="http://schemas.microsoft.com/office/drawing/2014/main" id="{2C261FA1-3215-4332-8A73-84FB73F8A083}"/>
               </a:ext>
             </a:extLst>
           </p:cNvPr>
@@ -7236,7 +7406,7 @@
           <p:cNvPr id="6" name="Foliennummernplatzhalter 5">
             <a:extLst>
               <a:ext uri="{FF2B5EF4-FFF2-40B4-BE49-F238E27FC236}">
-                <a16:creationId xmlns:a16="http://schemas.microsoft.com/office/drawing/2014/main" id="{31B53278-07EB-4512-AE21-649DB26A90FD}"/>
+                <a16:creationId xmlns:a16="http://schemas.microsoft.com/office/drawing/2014/main" id="{1A7A216C-B95B-4211-B85A-9BD54C9CD373}"/>
               </a:ext>
             </a:extLst>
           </p:cNvPr>
@@ -7255,6 +7425,536 @@
             <a:fld id="{0FDBC528-CE2F-4F3D-B925-721A8C60B450}" type="slidenum">
               <a:rPr lang="de-DE" smtClean="0"/>
               <a:t>20</a:t>
+            </a:fld>
+            <a:endParaRPr lang="de-DE"/>
+          </a:p>
+        </p:txBody>
+      </p:sp>
+    </p:spTree>
+    <p:extLst>
+      <p:ext uri="{BB962C8B-B14F-4D97-AF65-F5344CB8AC3E}">
+        <p14:creationId xmlns:p14="http://schemas.microsoft.com/office/powerpoint/2010/main" val="1590228630"/>
+      </p:ext>
+    </p:extLst>
+  </p:cSld>
+  <p:clrMapOvr>
+    <a:masterClrMapping/>
+  </p:clrMapOvr>
+</p:sld>
+</file>
+
+<file path=ppt/slides/slide21.xml><?xml version="1.0" encoding="utf-8"?>
+<p:sld xmlns:a="http://schemas.openxmlformats.org/drawingml/2006/main" xmlns:r="http://schemas.openxmlformats.org/officeDocument/2006/relationships" xmlns:p="http://schemas.openxmlformats.org/presentationml/2006/main">
+  <p:cSld>
+    <p:spTree>
+      <p:nvGrpSpPr>
+        <p:cNvPr id="1" name=""/>
+        <p:cNvGrpSpPr/>
+        <p:nvPr/>
+      </p:nvGrpSpPr>
+      <p:grpSpPr>
+        <a:xfrm>
+          <a:off x="0" y="0"/>
+          <a:ext cx="0" cy="0"/>
+          <a:chOff x="0" y="0"/>
+          <a:chExt cx="0" cy="0"/>
+        </a:xfrm>
+      </p:grpSpPr>
+      <p:sp>
+        <p:nvSpPr>
+          <p:cNvPr id="2" name="Titel 1">
+            <a:extLst>
+              <a:ext uri="{FF2B5EF4-FFF2-40B4-BE49-F238E27FC236}">
+                <a16:creationId xmlns:a16="http://schemas.microsoft.com/office/drawing/2014/main" id="{D3A43130-22AA-45E3-98D3-1BD148CAFBC7}"/>
+              </a:ext>
+            </a:extLst>
+          </p:cNvPr>
+          <p:cNvSpPr>
+            <a:spLocks noGrp="1"/>
+          </p:cNvSpPr>
+          <p:nvPr>
+            <p:ph type="title"/>
+          </p:nvPr>
+        </p:nvSpPr>
+        <p:spPr/>
+        <p:txBody>
+          <a:bodyPr/>
+          <a:lstStyle/>
+          <a:p>
+            <a:r>
+              <a:rPr lang="de-DE" dirty="0"/>
+              <a:t>Abwägung</a:t>
+            </a:r>
+          </a:p>
+        </p:txBody>
+      </p:sp>
+      <p:sp>
+        <p:nvSpPr>
+          <p:cNvPr id="3" name="Inhaltsplatzhalter 2">
+            <a:extLst>
+              <a:ext uri="{FF2B5EF4-FFF2-40B4-BE49-F238E27FC236}">
+                <a16:creationId xmlns:a16="http://schemas.microsoft.com/office/drawing/2014/main" id="{1A7DDC81-E5B8-4095-A43C-88DCD9E75FDC}"/>
+              </a:ext>
+            </a:extLst>
+          </p:cNvPr>
+          <p:cNvSpPr>
+            <a:spLocks noGrp="1"/>
+          </p:cNvSpPr>
+          <p:nvPr>
+            <p:ph idx="1"/>
+          </p:nvPr>
+        </p:nvSpPr>
+        <p:spPr/>
+        <p:txBody>
+          <a:bodyPr/>
+          <a:lstStyle/>
+          <a:p>
+            <a:pPr marL="0" indent="0">
+              <a:buNone/>
+            </a:pPr>
+            <a:r>
+              <a:rPr lang="de-DE" u="sng" dirty="0"/>
+              <a:t>Friedrich Nietzsche:</a:t>
+            </a:r>
+          </a:p>
+          <a:p>
+            <a:pPr marL="0" indent="0">
+              <a:buNone/>
+            </a:pPr>
+            <a:endParaRPr lang="de-DE" u="sng" dirty="0"/>
+          </a:p>
+          <a:p>
+            <a:pPr marL="0" indent="0">
+              <a:buNone/>
+            </a:pPr>
+            <a:r>
+              <a:rPr lang="de-DE" u="sng" dirty="0"/>
+              <a:t>Für das Fazit nicht relevant!!!</a:t>
+            </a:r>
+          </a:p>
+          <a:p>
+            <a:pPr marL="0" indent="0">
+              <a:buNone/>
+            </a:pPr>
+            <a:endParaRPr lang="de-DE" dirty="0"/>
+          </a:p>
+          <a:p>
+            <a:pPr marL="0" indent="0">
+              <a:buNone/>
+            </a:pPr>
+            <a:endParaRPr lang="de-DE" dirty="0"/>
+          </a:p>
+          <a:p>
+            <a:pPr marL="0" indent="0">
+              <a:buNone/>
+            </a:pPr>
+            <a:endParaRPr lang="de-DE" dirty="0"/>
+          </a:p>
+          <a:p>
+            <a:pPr marL="0" indent="0">
+              <a:buNone/>
+            </a:pPr>
+            <a:endParaRPr lang="de-DE" dirty="0"/>
+          </a:p>
+        </p:txBody>
+      </p:sp>
+      <p:sp>
+        <p:nvSpPr>
+          <p:cNvPr id="4" name="Datumsplatzhalter 3">
+            <a:extLst>
+              <a:ext uri="{FF2B5EF4-FFF2-40B4-BE49-F238E27FC236}">
+                <a16:creationId xmlns:a16="http://schemas.microsoft.com/office/drawing/2014/main" id="{0504EE00-40ED-4217-B8C4-FAAB338801A5}"/>
+              </a:ext>
+            </a:extLst>
+          </p:cNvPr>
+          <p:cNvSpPr>
+            <a:spLocks noGrp="1"/>
+          </p:cNvSpPr>
+          <p:nvPr>
+            <p:ph type="dt" sz="half" idx="10"/>
+          </p:nvPr>
+        </p:nvSpPr>
+        <p:spPr/>
+        <p:txBody>
+          <a:bodyPr/>
+          <a:lstStyle/>
+          <a:p>
+            <a:fld id="{37AAA59D-F5D9-4C22-BAD7-C7D8B056DE27}" type="datetime1">
+              <a:rPr lang="de-DE" smtClean="0"/>
+              <a:t>12.12.2017</a:t>
+            </a:fld>
+            <a:endParaRPr lang="de-DE"/>
+          </a:p>
+        </p:txBody>
+      </p:sp>
+      <p:sp>
+        <p:nvSpPr>
+          <p:cNvPr id="5" name="Fußzeilenplatzhalter 4">
+            <a:extLst>
+              <a:ext uri="{FF2B5EF4-FFF2-40B4-BE49-F238E27FC236}">
+                <a16:creationId xmlns:a16="http://schemas.microsoft.com/office/drawing/2014/main" id="{2C261FA1-3215-4332-8A73-84FB73F8A083}"/>
+              </a:ext>
+            </a:extLst>
+          </p:cNvPr>
+          <p:cNvSpPr>
+            <a:spLocks noGrp="1"/>
+          </p:cNvSpPr>
+          <p:nvPr>
+            <p:ph type="ftr" sz="quarter" idx="11"/>
+          </p:nvPr>
+        </p:nvSpPr>
+        <p:spPr/>
+        <p:txBody>
+          <a:bodyPr/>
+          <a:lstStyle/>
+          <a:p>
+            <a:r>
+              <a:rPr lang="de-DE"/>
+              <a:t>Christian Högerle | Felix Waibel | Nico Vinzenz</a:t>
+            </a:r>
+          </a:p>
+        </p:txBody>
+      </p:sp>
+      <p:sp>
+        <p:nvSpPr>
+          <p:cNvPr id="6" name="Foliennummernplatzhalter 5">
+            <a:extLst>
+              <a:ext uri="{FF2B5EF4-FFF2-40B4-BE49-F238E27FC236}">
+                <a16:creationId xmlns:a16="http://schemas.microsoft.com/office/drawing/2014/main" id="{1A7A216C-B95B-4211-B85A-9BD54C9CD373}"/>
+              </a:ext>
+            </a:extLst>
+          </p:cNvPr>
+          <p:cNvSpPr>
+            <a:spLocks noGrp="1"/>
+          </p:cNvSpPr>
+          <p:nvPr>
+            <p:ph type="sldNum" sz="quarter" idx="12"/>
+          </p:nvPr>
+        </p:nvSpPr>
+        <p:spPr/>
+        <p:txBody>
+          <a:bodyPr/>
+          <a:lstStyle/>
+          <a:p>
+            <a:fld id="{0FDBC528-CE2F-4F3D-B925-721A8C60B450}" type="slidenum">
+              <a:rPr lang="de-DE" smtClean="0"/>
+              <a:t>21</a:t>
+            </a:fld>
+            <a:endParaRPr lang="de-DE"/>
+          </a:p>
+        </p:txBody>
+      </p:sp>
+    </p:spTree>
+    <p:extLst>
+      <p:ext uri="{BB962C8B-B14F-4D97-AF65-F5344CB8AC3E}">
+        <p14:creationId xmlns:p14="http://schemas.microsoft.com/office/powerpoint/2010/main" val="2994316487"/>
+      </p:ext>
+    </p:extLst>
+  </p:cSld>
+  <p:clrMapOvr>
+    <a:masterClrMapping/>
+  </p:clrMapOvr>
+</p:sld>
+</file>
+
+<file path=ppt/slides/slide22.xml><?xml version="1.0" encoding="utf-8"?>
+<p:sld xmlns:a="http://schemas.openxmlformats.org/drawingml/2006/main" xmlns:r="http://schemas.openxmlformats.org/officeDocument/2006/relationships" xmlns:p="http://schemas.openxmlformats.org/presentationml/2006/main">
+  <p:cSld>
+    <p:spTree>
+      <p:nvGrpSpPr>
+        <p:cNvPr id="1" name=""/>
+        <p:cNvGrpSpPr/>
+        <p:nvPr/>
+      </p:nvGrpSpPr>
+      <p:grpSpPr>
+        <a:xfrm>
+          <a:off x="0" y="0"/>
+          <a:ext cx="0" cy="0"/>
+          <a:chOff x="0" y="0"/>
+          <a:chExt cx="0" cy="0"/>
+        </a:xfrm>
+      </p:grpSpPr>
+      <p:sp>
+        <p:nvSpPr>
+          <p:cNvPr id="2" name="Titel 1">
+            <a:extLst>
+              <a:ext uri="{FF2B5EF4-FFF2-40B4-BE49-F238E27FC236}">
+                <a16:creationId xmlns:a16="http://schemas.microsoft.com/office/drawing/2014/main" id="{27DBF072-8F96-456B-8CBC-33F9BE881F59}"/>
+              </a:ext>
+            </a:extLst>
+          </p:cNvPr>
+          <p:cNvSpPr>
+            <a:spLocks noGrp="1"/>
+          </p:cNvSpPr>
+          <p:nvPr>
+            <p:ph type="title"/>
+          </p:nvPr>
+        </p:nvSpPr>
+        <p:spPr/>
+        <p:txBody>
+          <a:bodyPr/>
+          <a:lstStyle/>
+          <a:p>
+            <a:r>
+              <a:rPr lang="de-DE" dirty="0"/>
+              <a:t>Fazit</a:t>
+            </a:r>
+          </a:p>
+        </p:txBody>
+      </p:sp>
+      <p:sp>
+        <p:nvSpPr>
+          <p:cNvPr id="3" name="Inhaltsplatzhalter 2">
+            <a:extLst>
+              <a:ext uri="{FF2B5EF4-FFF2-40B4-BE49-F238E27FC236}">
+                <a16:creationId xmlns:a16="http://schemas.microsoft.com/office/drawing/2014/main" id="{188BA27D-5806-43E7-BCA1-CBE4037E3289}"/>
+              </a:ext>
+            </a:extLst>
+          </p:cNvPr>
+          <p:cNvSpPr>
+            <a:spLocks noGrp="1"/>
+          </p:cNvSpPr>
+          <p:nvPr>
+            <p:ph idx="1"/>
+          </p:nvPr>
+        </p:nvSpPr>
+        <p:spPr/>
+        <p:txBody>
+          <a:bodyPr/>
+          <a:lstStyle/>
+          <a:p>
+            <a:r>
+              <a:rPr lang="de-DE"/>
+              <a:t>Zitat letzte Seite</a:t>
+            </a:r>
+          </a:p>
+        </p:txBody>
+      </p:sp>
+      <p:sp>
+        <p:nvSpPr>
+          <p:cNvPr id="4" name="Datumsplatzhalter 3">
+            <a:extLst>
+              <a:ext uri="{FF2B5EF4-FFF2-40B4-BE49-F238E27FC236}">
+                <a16:creationId xmlns:a16="http://schemas.microsoft.com/office/drawing/2014/main" id="{7F3DDDF8-F479-46E0-8EFE-137B59F54546}"/>
+              </a:ext>
+            </a:extLst>
+          </p:cNvPr>
+          <p:cNvSpPr>
+            <a:spLocks noGrp="1"/>
+          </p:cNvSpPr>
+          <p:nvPr>
+            <p:ph type="dt" sz="half" idx="10"/>
+          </p:nvPr>
+        </p:nvSpPr>
+        <p:spPr/>
+        <p:txBody>
+          <a:bodyPr/>
+          <a:lstStyle/>
+          <a:p>
+            <a:fld id="{37AAA59D-F5D9-4C22-BAD7-C7D8B056DE27}" type="datetime1">
+              <a:rPr lang="de-DE" smtClean="0"/>
+              <a:t>12.12.2017</a:t>
+            </a:fld>
+            <a:endParaRPr lang="de-DE"/>
+          </a:p>
+        </p:txBody>
+      </p:sp>
+      <p:sp>
+        <p:nvSpPr>
+          <p:cNvPr id="5" name="Fußzeilenplatzhalter 4">
+            <a:extLst>
+              <a:ext uri="{FF2B5EF4-FFF2-40B4-BE49-F238E27FC236}">
+                <a16:creationId xmlns:a16="http://schemas.microsoft.com/office/drawing/2014/main" id="{CB7DFD76-280D-4444-B486-39CFF540F399}"/>
+              </a:ext>
+            </a:extLst>
+          </p:cNvPr>
+          <p:cNvSpPr>
+            <a:spLocks noGrp="1"/>
+          </p:cNvSpPr>
+          <p:nvPr>
+            <p:ph type="ftr" sz="quarter" idx="11"/>
+          </p:nvPr>
+        </p:nvSpPr>
+        <p:spPr/>
+        <p:txBody>
+          <a:bodyPr/>
+          <a:lstStyle/>
+          <a:p>
+            <a:r>
+              <a:rPr lang="de-DE"/>
+              <a:t>Christian Högerle | Felix Waibel | Nico Vinzenz</a:t>
+            </a:r>
+          </a:p>
+        </p:txBody>
+      </p:sp>
+      <p:sp>
+        <p:nvSpPr>
+          <p:cNvPr id="6" name="Foliennummernplatzhalter 5">
+            <a:extLst>
+              <a:ext uri="{FF2B5EF4-FFF2-40B4-BE49-F238E27FC236}">
+                <a16:creationId xmlns:a16="http://schemas.microsoft.com/office/drawing/2014/main" id="{7889DD61-62FC-4228-B496-C25E360E49B0}"/>
+              </a:ext>
+            </a:extLst>
+          </p:cNvPr>
+          <p:cNvSpPr>
+            <a:spLocks noGrp="1"/>
+          </p:cNvSpPr>
+          <p:nvPr>
+            <p:ph type="sldNum" sz="quarter" idx="12"/>
+          </p:nvPr>
+        </p:nvSpPr>
+        <p:spPr/>
+        <p:txBody>
+          <a:bodyPr/>
+          <a:lstStyle/>
+          <a:p>
+            <a:fld id="{0FDBC528-CE2F-4F3D-B925-721A8C60B450}" type="slidenum">
+              <a:rPr lang="de-DE" smtClean="0"/>
+              <a:t>22</a:t>
+            </a:fld>
+            <a:endParaRPr lang="de-DE"/>
+          </a:p>
+        </p:txBody>
+      </p:sp>
+    </p:spTree>
+    <p:extLst>
+      <p:ext uri="{BB962C8B-B14F-4D97-AF65-F5344CB8AC3E}">
+        <p14:creationId xmlns:p14="http://schemas.microsoft.com/office/powerpoint/2010/main" val="4087749054"/>
+      </p:ext>
+    </p:extLst>
+  </p:cSld>
+  <p:clrMapOvr>
+    <a:masterClrMapping/>
+  </p:clrMapOvr>
+</p:sld>
+</file>
+
+<file path=ppt/slides/slide23.xml><?xml version="1.0" encoding="utf-8"?>
+<p:sld xmlns:a="http://schemas.openxmlformats.org/drawingml/2006/main" xmlns:r="http://schemas.openxmlformats.org/officeDocument/2006/relationships" xmlns:p="http://schemas.openxmlformats.org/presentationml/2006/main">
+  <p:cSld>
+    <p:spTree>
+      <p:nvGrpSpPr>
+        <p:cNvPr id="1" name=""/>
+        <p:cNvGrpSpPr/>
+        <p:nvPr/>
+      </p:nvGrpSpPr>
+      <p:grpSpPr>
+        <a:xfrm>
+          <a:off x="0" y="0"/>
+          <a:ext cx="0" cy="0"/>
+          <a:chOff x="0" y="0"/>
+          <a:chExt cx="0" cy="0"/>
+        </a:xfrm>
+      </p:grpSpPr>
+      <p:sp>
+        <p:nvSpPr>
+          <p:cNvPr id="7" name="Titel 6">
+            <a:extLst>
+              <a:ext uri="{FF2B5EF4-FFF2-40B4-BE49-F238E27FC236}">
+                <a16:creationId xmlns:a16="http://schemas.microsoft.com/office/drawing/2014/main" id="{ECE4538E-B6E9-4274-9AF9-8E2380D48032}"/>
+              </a:ext>
+            </a:extLst>
+          </p:cNvPr>
+          <p:cNvSpPr>
+            <a:spLocks noGrp="1"/>
+          </p:cNvSpPr>
+          <p:nvPr>
+            <p:ph type="ctrTitle"/>
+          </p:nvPr>
+        </p:nvSpPr>
+        <p:spPr/>
+        <p:txBody>
+          <a:bodyPr/>
+          <a:lstStyle/>
+          <a:p>
+            <a:r>
+              <a:rPr lang="de-DE" dirty="0"/>
+              <a:t>Vielen Dank</a:t>
+            </a:r>
+          </a:p>
+        </p:txBody>
+      </p:sp>
+      <p:sp>
+        <p:nvSpPr>
+          <p:cNvPr id="4" name="Datumsplatzhalter 3">
+            <a:extLst>
+              <a:ext uri="{FF2B5EF4-FFF2-40B4-BE49-F238E27FC236}">
+                <a16:creationId xmlns:a16="http://schemas.microsoft.com/office/drawing/2014/main" id="{CBBCEB7D-527F-4237-9393-2E732716A07F}"/>
+              </a:ext>
+            </a:extLst>
+          </p:cNvPr>
+          <p:cNvSpPr>
+            <a:spLocks noGrp="1"/>
+          </p:cNvSpPr>
+          <p:nvPr>
+            <p:ph type="dt" sz="half" idx="10"/>
+          </p:nvPr>
+        </p:nvSpPr>
+        <p:spPr/>
+        <p:txBody>
+          <a:bodyPr/>
+          <a:lstStyle/>
+          <a:p>
+            <a:fld id="{37AAA59D-F5D9-4C22-BAD7-C7D8B056DE27}" type="datetime1">
+              <a:rPr lang="de-DE" smtClean="0"/>
+              <a:t>12.12.2017</a:t>
+            </a:fld>
+            <a:endParaRPr lang="de-DE"/>
+          </a:p>
+        </p:txBody>
+      </p:sp>
+      <p:sp>
+        <p:nvSpPr>
+          <p:cNvPr id="5" name="Fußzeilenplatzhalter 4">
+            <a:extLst>
+              <a:ext uri="{FF2B5EF4-FFF2-40B4-BE49-F238E27FC236}">
+                <a16:creationId xmlns:a16="http://schemas.microsoft.com/office/drawing/2014/main" id="{AD487B01-4A3F-4ACA-9B4A-1955B5A2D82F}"/>
+              </a:ext>
+            </a:extLst>
+          </p:cNvPr>
+          <p:cNvSpPr>
+            <a:spLocks noGrp="1"/>
+          </p:cNvSpPr>
+          <p:nvPr>
+            <p:ph type="ftr" sz="quarter" idx="11"/>
+          </p:nvPr>
+        </p:nvSpPr>
+        <p:spPr/>
+        <p:txBody>
+          <a:bodyPr/>
+          <a:lstStyle/>
+          <a:p>
+            <a:r>
+              <a:rPr lang="de-DE"/>
+              <a:t>Christian Högerle | Felix Waibel | Nico Vinzenz</a:t>
+            </a:r>
+          </a:p>
+        </p:txBody>
+      </p:sp>
+      <p:sp>
+        <p:nvSpPr>
+          <p:cNvPr id="6" name="Foliennummernplatzhalter 5">
+            <a:extLst>
+              <a:ext uri="{FF2B5EF4-FFF2-40B4-BE49-F238E27FC236}">
+                <a16:creationId xmlns:a16="http://schemas.microsoft.com/office/drawing/2014/main" id="{31B53278-07EB-4512-AE21-649DB26A90FD}"/>
+              </a:ext>
+            </a:extLst>
+          </p:cNvPr>
+          <p:cNvSpPr>
+            <a:spLocks noGrp="1"/>
+          </p:cNvSpPr>
+          <p:nvPr>
+            <p:ph type="sldNum" sz="quarter" idx="12"/>
+          </p:nvPr>
+        </p:nvSpPr>
+        <p:spPr/>
+        <p:txBody>
+          <a:bodyPr/>
+          <a:lstStyle/>
+          <a:p>
+            <a:fld id="{0FDBC528-CE2F-4F3D-B925-721A8C60B450}" type="slidenum">
+              <a:rPr lang="de-DE" smtClean="0"/>
+              <a:t>23</a:t>
             </a:fld>
             <a:endParaRPr lang="de-DE"/>
           </a:p>

--- a/Präsentation/Berufsethik.pptx
+++ b/Präsentation/Berufsethik.pptx
@@ -491,6 +491,683 @@
     </a:lvl9pPr>
   </p:notesStyle>
 </p:notesMaster>
+</file>
+
+<file path=ppt/notesSlides/notesSlide1.xml><?xml version="1.0" encoding="utf-8"?>
+<p:notes xmlns:a="http://schemas.openxmlformats.org/drawingml/2006/main" xmlns:r="http://schemas.openxmlformats.org/officeDocument/2006/relationships" xmlns:p="http://schemas.openxmlformats.org/presentationml/2006/main">
+  <p:cSld>
+    <p:spTree>
+      <p:nvGrpSpPr>
+        <p:cNvPr id="1" name=""/>
+        <p:cNvGrpSpPr/>
+        <p:nvPr/>
+      </p:nvGrpSpPr>
+      <p:grpSpPr>
+        <a:xfrm>
+          <a:off x="0" y="0"/>
+          <a:ext cx="0" cy="0"/>
+          <a:chOff x="0" y="0"/>
+          <a:chExt cx="0" cy="0"/>
+        </a:xfrm>
+      </p:grpSpPr>
+      <p:sp>
+        <p:nvSpPr>
+          <p:cNvPr id="2" name="Folienbildplatzhalter 1"/>
+          <p:cNvSpPr>
+            <a:spLocks noGrp="1" noRot="1" noChangeAspect="1"/>
+          </p:cNvSpPr>
+          <p:nvPr>
+            <p:ph type="sldImg"/>
+          </p:nvPr>
+        </p:nvSpPr>
+        <p:spPr/>
+      </p:sp>
+      <p:sp>
+        <p:nvSpPr>
+          <p:cNvPr id="3" name="Notizenplatzhalter 2"/>
+          <p:cNvSpPr>
+            <a:spLocks noGrp="1"/>
+          </p:cNvSpPr>
+          <p:nvPr>
+            <p:ph type="body" idx="1"/>
+          </p:nvPr>
+        </p:nvSpPr>
+        <p:spPr/>
+        <p:txBody>
+          <a:bodyPr/>
+          <a:lstStyle/>
+          <a:p>
+            <a:r>
+              <a:rPr lang="de-DE" dirty="0"/>
+              <a:t>Sohn eines reichen Arztes</a:t>
+            </a:r>
+          </a:p>
+          <a:p>
+            <a:r>
+              <a:rPr lang="de-DE" dirty="0"/>
+              <a:t>insgesamt 20 Jahre an Akademie -&gt; Lehrer</a:t>
+            </a:r>
+          </a:p>
+          <a:p>
+            <a:r>
+              <a:rPr lang="de-DE" dirty="0"/>
+              <a:t>Nach Tod Platons Lehrer von Alexander dem Großen (eroberte das größte Reich in der Geschichte der Antike.)</a:t>
+            </a:r>
+          </a:p>
+          <a:p>
+            <a:r>
+              <a:rPr lang="de-DE" dirty="0"/>
+              <a:t>Wieder nach Athen als Lehrer </a:t>
+            </a:r>
+          </a:p>
+          <a:p>
+            <a:r>
+              <a:rPr lang="de-DE" dirty="0"/>
+              <a:t>Wandte sich vom Königshaus ab Gotteslästerung -&gt; verließ Athen nach </a:t>
+            </a:r>
+            <a:r>
+              <a:rPr lang="de-DE" dirty="0" err="1"/>
+              <a:t>Chalkis</a:t>
+            </a:r>
+            <a:endParaRPr lang="de-DE" dirty="0"/>
+          </a:p>
+          <a:p>
+            <a:endParaRPr lang="de-DE" dirty="0"/>
+          </a:p>
+          <a:p>
+            <a:r>
+              <a:rPr lang="de-DE" dirty="0"/>
+              <a:t>Heute als Wissenschaftler, Biologe, Physiker und Philosoph</a:t>
+            </a:r>
+          </a:p>
+        </p:txBody>
+      </p:sp>
+      <p:sp>
+        <p:nvSpPr>
+          <p:cNvPr id="4" name="Foliennummernplatzhalter 3"/>
+          <p:cNvSpPr>
+            <a:spLocks noGrp="1"/>
+          </p:cNvSpPr>
+          <p:nvPr>
+            <p:ph type="sldNum" sz="quarter" idx="10"/>
+          </p:nvPr>
+        </p:nvSpPr>
+        <p:spPr/>
+        <p:txBody>
+          <a:bodyPr/>
+          <a:lstStyle/>
+          <a:p>
+            <a:fld id="{08F3800A-C7F0-4619-B9B5-628D134375DA}" type="slidenum">
+              <a:rPr lang="de-DE" smtClean="0"/>
+              <a:t>6</a:t>
+            </a:fld>
+            <a:endParaRPr lang="de-DE"/>
+          </a:p>
+        </p:txBody>
+      </p:sp>
+    </p:spTree>
+    <p:extLst>
+      <p:ext uri="{BB962C8B-B14F-4D97-AF65-F5344CB8AC3E}">
+        <p14:creationId xmlns:p14="http://schemas.microsoft.com/office/powerpoint/2010/main" val="586699674"/>
+      </p:ext>
+    </p:extLst>
+  </p:cSld>
+  <p:clrMapOvr>
+    <a:masterClrMapping/>
+  </p:clrMapOvr>
+</p:notes>
+</file>
+
+<file path=ppt/notesSlides/notesSlide2.xml><?xml version="1.0" encoding="utf-8"?>
+<p:notes xmlns:a="http://schemas.openxmlformats.org/drawingml/2006/main" xmlns:r="http://schemas.openxmlformats.org/officeDocument/2006/relationships" xmlns:p="http://schemas.openxmlformats.org/presentationml/2006/main">
+  <p:cSld>
+    <p:spTree>
+      <p:nvGrpSpPr>
+        <p:cNvPr id="1" name=""/>
+        <p:cNvGrpSpPr/>
+        <p:nvPr/>
+      </p:nvGrpSpPr>
+      <p:grpSpPr>
+        <a:xfrm>
+          <a:off x="0" y="0"/>
+          <a:ext cx="0" cy="0"/>
+          <a:chOff x="0" y="0"/>
+          <a:chExt cx="0" cy="0"/>
+        </a:xfrm>
+      </p:grpSpPr>
+      <p:sp>
+        <p:nvSpPr>
+          <p:cNvPr id="2" name="Folienbildplatzhalter 1"/>
+          <p:cNvSpPr>
+            <a:spLocks noGrp="1" noRot="1" noChangeAspect="1"/>
+          </p:cNvSpPr>
+          <p:nvPr>
+            <p:ph type="sldImg"/>
+          </p:nvPr>
+        </p:nvSpPr>
+        <p:spPr/>
+      </p:sp>
+      <p:sp>
+        <p:nvSpPr>
+          <p:cNvPr id="3" name="Notizenplatzhalter 2"/>
+          <p:cNvSpPr>
+            <a:spLocks noGrp="1"/>
+          </p:cNvSpPr>
+          <p:nvPr>
+            <p:ph type="body" idx="1"/>
+          </p:nvPr>
+        </p:nvSpPr>
+        <p:spPr/>
+        <p:txBody>
+          <a:bodyPr/>
+          <a:lstStyle/>
+          <a:p>
+            <a:r>
+              <a:rPr lang="de-DE" dirty="0"/>
+              <a:t>Logik als Art Handwerkszeug -&gt; Welches Werkzeug aus meinem Koffer muss ich nehmen um ein Problem zu lösen</a:t>
+            </a:r>
+          </a:p>
+        </p:txBody>
+      </p:sp>
+      <p:sp>
+        <p:nvSpPr>
+          <p:cNvPr id="4" name="Foliennummernplatzhalter 3"/>
+          <p:cNvSpPr>
+            <a:spLocks noGrp="1"/>
+          </p:cNvSpPr>
+          <p:nvPr>
+            <p:ph type="sldNum" sz="quarter" idx="10"/>
+          </p:nvPr>
+        </p:nvSpPr>
+        <p:spPr/>
+        <p:txBody>
+          <a:bodyPr/>
+          <a:lstStyle/>
+          <a:p>
+            <a:fld id="{08F3800A-C7F0-4619-B9B5-628D134375DA}" type="slidenum">
+              <a:rPr lang="de-DE" smtClean="0"/>
+              <a:t>9</a:t>
+            </a:fld>
+            <a:endParaRPr lang="de-DE"/>
+          </a:p>
+        </p:txBody>
+      </p:sp>
+    </p:spTree>
+    <p:extLst>
+      <p:ext uri="{BB962C8B-B14F-4D97-AF65-F5344CB8AC3E}">
+        <p14:creationId xmlns:p14="http://schemas.microsoft.com/office/powerpoint/2010/main" val="362396776"/>
+      </p:ext>
+    </p:extLst>
+  </p:cSld>
+  <p:clrMapOvr>
+    <a:masterClrMapping/>
+  </p:clrMapOvr>
+</p:notes>
+</file>
+
+<file path=ppt/notesSlides/notesSlide3.xml><?xml version="1.0" encoding="utf-8"?>
+<p:notes xmlns:a="http://schemas.openxmlformats.org/drawingml/2006/main" xmlns:r="http://schemas.openxmlformats.org/officeDocument/2006/relationships" xmlns:p="http://schemas.openxmlformats.org/presentationml/2006/main">
+  <p:cSld>
+    <p:spTree>
+      <p:nvGrpSpPr>
+        <p:cNvPr id="1" name=""/>
+        <p:cNvGrpSpPr/>
+        <p:nvPr/>
+      </p:nvGrpSpPr>
+      <p:grpSpPr>
+        <a:xfrm>
+          <a:off x="0" y="0"/>
+          <a:ext cx="0" cy="0"/>
+          <a:chOff x="0" y="0"/>
+          <a:chExt cx="0" cy="0"/>
+        </a:xfrm>
+      </p:grpSpPr>
+      <p:sp>
+        <p:nvSpPr>
+          <p:cNvPr id="2" name="Folienbildplatzhalter 1"/>
+          <p:cNvSpPr>
+            <a:spLocks noGrp="1" noRot="1" noChangeAspect="1"/>
+          </p:cNvSpPr>
+          <p:nvPr>
+            <p:ph type="sldImg"/>
+          </p:nvPr>
+        </p:nvSpPr>
+        <p:spPr/>
+      </p:sp>
+      <p:sp>
+        <p:nvSpPr>
+          <p:cNvPr id="3" name="Notizenplatzhalter 2"/>
+          <p:cNvSpPr>
+            <a:spLocks noGrp="1"/>
+          </p:cNvSpPr>
+          <p:nvPr>
+            <p:ph type="body" idx="1"/>
+          </p:nvPr>
+        </p:nvSpPr>
+        <p:spPr/>
+        <p:txBody>
+          <a:bodyPr/>
+          <a:lstStyle/>
+          <a:p>
+            <a:endParaRPr lang="de-DE" dirty="0"/>
+          </a:p>
+        </p:txBody>
+      </p:sp>
+      <p:sp>
+        <p:nvSpPr>
+          <p:cNvPr id="4" name="Foliennummernplatzhalter 3"/>
+          <p:cNvSpPr>
+            <a:spLocks noGrp="1"/>
+          </p:cNvSpPr>
+          <p:nvPr>
+            <p:ph type="sldNum" sz="quarter" idx="10"/>
+          </p:nvPr>
+        </p:nvSpPr>
+        <p:spPr/>
+        <p:txBody>
+          <a:bodyPr/>
+          <a:lstStyle/>
+          <a:p>
+            <a:fld id="{08F3800A-C7F0-4619-B9B5-628D134375DA}" type="slidenum">
+              <a:rPr lang="de-DE" smtClean="0"/>
+              <a:t>11</a:t>
+            </a:fld>
+            <a:endParaRPr lang="de-DE"/>
+          </a:p>
+        </p:txBody>
+      </p:sp>
+    </p:spTree>
+    <p:extLst>
+      <p:ext uri="{BB962C8B-B14F-4D97-AF65-F5344CB8AC3E}">
+        <p14:creationId xmlns:p14="http://schemas.microsoft.com/office/powerpoint/2010/main" val="1049005209"/>
+      </p:ext>
+    </p:extLst>
+  </p:cSld>
+  <p:clrMapOvr>
+    <a:masterClrMapping/>
+  </p:clrMapOvr>
+</p:notes>
+</file>
+
+<file path=ppt/notesSlides/notesSlide4.xml><?xml version="1.0" encoding="utf-8"?>
+<p:notes xmlns:a="http://schemas.openxmlformats.org/drawingml/2006/main" xmlns:r="http://schemas.openxmlformats.org/officeDocument/2006/relationships" xmlns:p="http://schemas.openxmlformats.org/presentationml/2006/main">
+  <p:cSld>
+    <p:spTree>
+      <p:nvGrpSpPr>
+        <p:cNvPr id="1" name=""/>
+        <p:cNvGrpSpPr/>
+        <p:nvPr/>
+      </p:nvGrpSpPr>
+      <p:grpSpPr>
+        <a:xfrm>
+          <a:off x="0" y="0"/>
+          <a:ext cx="0" cy="0"/>
+          <a:chOff x="0" y="0"/>
+          <a:chExt cx="0" cy="0"/>
+        </a:xfrm>
+      </p:grpSpPr>
+      <p:sp>
+        <p:nvSpPr>
+          <p:cNvPr id="2" name="Folienbildplatzhalter 1"/>
+          <p:cNvSpPr>
+            <a:spLocks noGrp="1" noRot="1" noChangeAspect="1"/>
+          </p:cNvSpPr>
+          <p:nvPr>
+            <p:ph type="sldImg"/>
+          </p:nvPr>
+        </p:nvSpPr>
+        <p:spPr/>
+      </p:sp>
+      <p:sp>
+        <p:nvSpPr>
+          <p:cNvPr id="3" name="Notizenplatzhalter 2"/>
+          <p:cNvSpPr>
+            <a:spLocks noGrp="1"/>
+          </p:cNvSpPr>
+          <p:nvPr>
+            <p:ph type="body" idx="1"/>
+          </p:nvPr>
+        </p:nvSpPr>
+        <p:spPr/>
+        <p:txBody>
+          <a:bodyPr/>
+          <a:lstStyle/>
+          <a:p>
+            <a:r>
+              <a:rPr lang="de-DE" dirty="0"/>
+              <a:t>trennt die Methoden der Wissenschaft und Ethik</a:t>
+            </a:r>
+          </a:p>
+        </p:txBody>
+      </p:sp>
+      <p:sp>
+        <p:nvSpPr>
+          <p:cNvPr id="4" name="Foliennummernplatzhalter 3"/>
+          <p:cNvSpPr>
+            <a:spLocks noGrp="1"/>
+          </p:cNvSpPr>
+          <p:nvPr>
+            <p:ph type="sldNum" sz="quarter" idx="10"/>
+          </p:nvPr>
+        </p:nvSpPr>
+        <p:spPr/>
+        <p:txBody>
+          <a:bodyPr/>
+          <a:lstStyle/>
+          <a:p>
+            <a:fld id="{08F3800A-C7F0-4619-B9B5-628D134375DA}" type="slidenum">
+              <a:rPr lang="de-DE" smtClean="0"/>
+              <a:t>12</a:t>
+            </a:fld>
+            <a:endParaRPr lang="de-DE"/>
+          </a:p>
+        </p:txBody>
+      </p:sp>
+    </p:spTree>
+    <p:extLst>
+      <p:ext uri="{BB962C8B-B14F-4D97-AF65-F5344CB8AC3E}">
+        <p14:creationId xmlns:p14="http://schemas.microsoft.com/office/powerpoint/2010/main" val="4175998347"/>
+      </p:ext>
+    </p:extLst>
+  </p:cSld>
+  <p:clrMapOvr>
+    <a:masterClrMapping/>
+  </p:clrMapOvr>
+</p:notes>
+</file>
+
+<file path=ppt/notesSlides/notesSlide5.xml><?xml version="1.0" encoding="utf-8"?>
+<p:notes xmlns:a="http://schemas.openxmlformats.org/drawingml/2006/main" xmlns:r="http://schemas.openxmlformats.org/officeDocument/2006/relationships" xmlns:p="http://schemas.openxmlformats.org/presentationml/2006/main">
+  <p:cSld>
+    <p:spTree>
+      <p:nvGrpSpPr>
+        <p:cNvPr id="1" name=""/>
+        <p:cNvGrpSpPr/>
+        <p:nvPr/>
+      </p:nvGrpSpPr>
+      <p:grpSpPr>
+        <a:xfrm>
+          <a:off x="0" y="0"/>
+          <a:ext cx="0" cy="0"/>
+          <a:chOff x="0" y="0"/>
+          <a:chExt cx="0" cy="0"/>
+        </a:xfrm>
+      </p:grpSpPr>
+      <p:sp>
+        <p:nvSpPr>
+          <p:cNvPr id="2" name="Folienbildplatzhalter 1"/>
+          <p:cNvSpPr>
+            <a:spLocks noGrp="1" noRot="1" noChangeAspect="1"/>
+          </p:cNvSpPr>
+          <p:nvPr>
+            <p:ph type="sldImg"/>
+          </p:nvPr>
+        </p:nvSpPr>
+        <p:spPr/>
+      </p:sp>
+      <p:sp>
+        <p:nvSpPr>
+          <p:cNvPr id="3" name="Notizenplatzhalter 2"/>
+          <p:cNvSpPr>
+            <a:spLocks noGrp="1"/>
+          </p:cNvSpPr>
+          <p:nvPr>
+            <p:ph type="body" idx="1"/>
+          </p:nvPr>
+        </p:nvSpPr>
+        <p:spPr/>
+        <p:txBody>
+          <a:bodyPr/>
+          <a:lstStyle/>
+          <a:p>
+            <a:r>
+              <a:rPr lang="de-DE" dirty="0"/>
+              <a:t>Ist es aus Sicht Aristoteles vertretbar einen </a:t>
+            </a:r>
+            <a:r>
+              <a:rPr lang="de-DE" dirty="0" err="1"/>
+              <a:t>Chatbot</a:t>
+            </a:r>
+            <a:r>
+              <a:rPr lang="de-DE" dirty="0"/>
+              <a:t> zu verwenden? Meinungsfindung</a:t>
+            </a:r>
+          </a:p>
+          <a:p>
+            <a:endParaRPr lang="de-DE" dirty="0"/>
+          </a:p>
+          <a:p>
+            <a:r>
+              <a:rPr lang="de-DE" dirty="0"/>
+              <a:t>Abgewandelte Form heute in der KI (Aussagenlogik) -&gt; Es spricht nichts dagegen seine Erfindung zu verwenden.</a:t>
+            </a:r>
+          </a:p>
+          <a:p>
+            <a:endParaRPr lang="de-DE" dirty="0"/>
+          </a:p>
+          <a:p>
+            <a:r>
+              <a:rPr lang="de-DE" dirty="0"/>
+              <a:t>Support </a:t>
+            </a:r>
+            <a:r>
+              <a:rPr lang="de-DE" dirty="0" err="1"/>
+              <a:t>Chatbot</a:t>
+            </a:r>
+            <a:r>
+              <a:rPr lang="de-DE" dirty="0"/>
+              <a:t>:</a:t>
+            </a:r>
+          </a:p>
+          <a:p>
+            <a:r>
+              <a:rPr lang="de-DE" dirty="0"/>
+              <a:t>Anwender hat eine Frage, will Wissen erlangen -&gt; Das Bestreben nach Wissen soll befriedigt werden -&gt; Problem: Der </a:t>
+            </a:r>
+            <a:r>
+              <a:rPr lang="de-DE" dirty="0" err="1"/>
+              <a:t>Chatbot</a:t>
+            </a:r>
+            <a:r>
+              <a:rPr lang="de-DE" dirty="0"/>
+              <a:t> als Wissensquelle</a:t>
+            </a:r>
+          </a:p>
+          <a:p>
+            <a:r>
+              <a:rPr lang="de-DE" dirty="0"/>
+              <a:t>geschichtlicher Hintergrund</a:t>
+            </a:r>
+          </a:p>
+          <a:p>
+            <a:endParaRPr lang="de-DE" dirty="0"/>
+          </a:p>
+          <a:p>
+            <a:r>
+              <a:rPr lang="de-DE" dirty="0" err="1"/>
+              <a:t>Chabot</a:t>
+            </a:r>
+            <a:r>
+              <a:rPr lang="de-DE" dirty="0"/>
+              <a:t> erfüllt den Zweck</a:t>
+            </a:r>
+          </a:p>
+          <a:p>
+            <a:endParaRPr lang="de-DE" dirty="0"/>
+          </a:p>
+          <a:p>
+            <a:r>
+              <a:rPr lang="de-DE" dirty="0"/>
+              <a:t>Heute noch das Problem</a:t>
+            </a:r>
+          </a:p>
+          <a:p>
+            <a:endParaRPr lang="de-DE" dirty="0"/>
+          </a:p>
+          <a:p>
+            <a:r>
+              <a:rPr lang="de-DE" dirty="0"/>
+              <a:t>verschiedene Blickwinkel auch in dieser Hausarbeit</a:t>
+            </a:r>
+          </a:p>
+          <a:p>
+            <a:endParaRPr lang="de-DE" dirty="0"/>
+          </a:p>
+          <a:p>
+            <a:r>
+              <a:rPr lang="de-DE" dirty="0"/>
+              <a:t>Konklusion befürwortet den Einsatz. -&gt; befriedigt das Bestreben nach Wissen -&gt; genaues Bild vom Thema</a:t>
+            </a:r>
+          </a:p>
+        </p:txBody>
+      </p:sp>
+      <p:sp>
+        <p:nvSpPr>
+          <p:cNvPr id="4" name="Foliennummernplatzhalter 3"/>
+          <p:cNvSpPr>
+            <a:spLocks noGrp="1"/>
+          </p:cNvSpPr>
+          <p:nvPr>
+            <p:ph type="sldNum" sz="quarter" idx="10"/>
+          </p:nvPr>
+        </p:nvSpPr>
+        <p:spPr/>
+        <p:txBody>
+          <a:bodyPr/>
+          <a:lstStyle/>
+          <a:p>
+            <a:fld id="{08F3800A-C7F0-4619-B9B5-628D134375DA}" type="slidenum">
+              <a:rPr lang="de-DE" smtClean="0"/>
+              <a:t>14</a:t>
+            </a:fld>
+            <a:endParaRPr lang="de-DE"/>
+          </a:p>
+        </p:txBody>
+      </p:sp>
+    </p:spTree>
+    <p:extLst>
+      <p:ext uri="{BB962C8B-B14F-4D97-AF65-F5344CB8AC3E}">
+        <p14:creationId xmlns:p14="http://schemas.microsoft.com/office/powerpoint/2010/main" val="708099989"/>
+      </p:ext>
+    </p:extLst>
+  </p:cSld>
+  <p:clrMapOvr>
+    <a:masterClrMapping/>
+  </p:clrMapOvr>
+</p:notes>
+</file>
+
+<file path=ppt/notesSlides/notesSlide6.xml><?xml version="1.0" encoding="utf-8"?>
+<p:notes xmlns:a="http://schemas.openxmlformats.org/drawingml/2006/main" xmlns:r="http://schemas.openxmlformats.org/officeDocument/2006/relationships" xmlns:p="http://schemas.openxmlformats.org/presentationml/2006/main">
+  <p:cSld>
+    <p:spTree>
+      <p:nvGrpSpPr>
+        <p:cNvPr id="1" name=""/>
+        <p:cNvGrpSpPr/>
+        <p:nvPr/>
+      </p:nvGrpSpPr>
+      <p:grpSpPr>
+        <a:xfrm>
+          <a:off x="0" y="0"/>
+          <a:ext cx="0" cy="0"/>
+          <a:chOff x="0" y="0"/>
+          <a:chExt cx="0" cy="0"/>
+        </a:xfrm>
+      </p:grpSpPr>
+      <p:sp>
+        <p:nvSpPr>
+          <p:cNvPr id="2" name="Folienbildplatzhalter 1"/>
+          <p:cNvSpPr>
+            <a:spLocks noGrp="1" noRot="1" noChangeAspect="1"/>
+          </p:cNvSpPr>
+          <p:nvPr>
+            <p:ph type="sldImg"/>
+          </p:nvPr>
+        </p:nvSpPr>
+        <p:spPr/>
+      </p:sp>
+      <p:sp>
+        <p:nvSpPr>
+          <p:cNvPr id="3" name="Notizenplatzhalter 2"/>
+          <p:cNvSpPr>
+            <a:spLocks noGrp="1"/>
+          </p:cNvSpPr>
+          <p:nvPr>
+            <p:ph type="body" idx="1"/>
+          </p:nvPr>
+        </p:nvSpPr>
+        <p:spPr/>
+        <p:txBody>
+          <a:bodyPr/>
+          <a:lstStyle/>
+          <a:p>
+            <a:r>
+              <a:rPr lang="de-DE" dirty="0"/>
+              <a:t>Wissen im Überfluss -&gt; Wissen identifizieren und herausfiltern -&gt; </a:t>
+            </a:r>
+            <a:r>
+              <a:rPr lang="de-DE" dirty="0" err="1"/>
+              <a:t>Chatbot</a:t>
+            </a:r>
+            <a:r>
+              <a:rPr lang="de-DE" dirty="0"/>
+              <a:t> gefilterte Quelle für Wissen -&gt; unterstützt die schnelle Wissenserlangung</a:t>
+            </a:r>
+          </a:p>
+          <a:p>
+            <a:endParaRPr lang="de-DE" dirty="0"/>
+          </a:p>
+          <a:p>
+            <a:r>
+              <a:rPr lang="de-DE" dirty="0"/>
+              <a:t>Wir betrachten das Thema aus mehreren Blickwinkeln</a:t>
+            </a:r>
+          </a:p>
+          <a:p>
+            <a:endParaRPr lang="de-DE" dirty="0"/>
+          </a:p>
+          <a:p>
+            <a:r>
+              <a:rPr lang="de-DE" dirty="0"/>
+              <a:t>-&gt; Aristoteles für die Fragestellung von Bedeutung</a:t>
+            </a:r>
+          </a:p>
+        </p:txBody>
+      </p:sp>
+      <p:sp>
+        <p:nvSpPr>
+          <p:cNvPr id="4" name="Foliennummernplatzhalter 3"/>
+          <p:cNvSpPr>
+            <a:spLocks noGrp="1"/>
+          </p:cNvSpPr>
+          <p:nvPr>
+            <p:ph type="sldNum" sz="quarter" idx="10"/>
+          </p:nvPr>
+        </p:nvSpPr>
+        <p:spPr/>
+        <p:txBody>
+          <a:bodyPr/>
+          <a:lstStyle/>
+          <a:p>
+            <a:fld id="{08F3800A-C7F0-4619-B9B5-628D134375DA}" type="slidenum">
+              <a:rPr lang="de-DE" smtClean="0"/>
+              <a:t>20</a:t>
+            </a:fld>
+            <a:endParaRPr lang="de-DE"/>
+          </a:p>
+        </p:txBody>
+      </p:sp>
+    </p:spTree>
+    <p:extLst>
+      <p:ext uri="{BB962C8B-B14F-4D97-AF65-F5344CB8AC3E}">
+        <p14:creationId xmlns:p14="http://schemas.microsoft.com/office/powerpoint/2010/main" val="2167909088"/>
+      </p:ext>
+    </p:extLst>
+  </p:cSld>
+  <p:clrMapOvr>
+    <a:masterClrMapping/>
+  </p:clrMapOvr>
+</p:notes>
 </file>
 
 <file path=ppt/slideLayouts/slideLayout1.xml><?xml version="1.0" encoding="utf-8"?>
@@ -4128,14 +4805,8 @@
             <a:pPr marL="0" indent="0">
               <a:buNone/>
             </a:pPr>
-            <a:endParaRPr lang="de-DE" u="sng" dirty="0"/>
-          </a:p>
-          <a:p>
-            <a:pPr marL="0" indent="0">
-              <a:buNone/>
-            </a:pPr>
-            <a:r>
-              <a:rPr lang="de-DE" i="1" dirty="0"/>
+            <a:r>
+              <a:rPr lang="de-DE" b="1" dirty="0"/>
               <a:t>These 1: „Das natürliche Bestreben des Menschen ist zu Wissen“</a:t>
             </a:r>
           </a:p>
@@ -4148,13 +4819,13 @@
           <a:p>
             <a:r>
               <a:rPr lang="de-DE" dirty="0"/>
-              <a:t>Aristoteles nimmt an, dass jeder das natürlich Bestreben zu Wissen hat</a:t>
+              <a:t>Aristoteles nimmt an, dass jeder das natürliche Bestreben zu Wissen hat.</a:t>
             </a:r>
           </a:p>
           <a:p>
             <a:r>
               <a:rPr lang="de-DE" dirty="0"/>
-              <a:t>Wissen ist etwas, was sich erweitert und neu werden kann</a:t>
+              <a:t>Wissen ist etwas, was sich erweitert und neu werden kann.</a:t>
             </a:r>
           </a:p>
         </p:txBody>
@@ -4336,14 +5007,8 @@
             <a:pPr marL="0" indent="0">
               <a:buNone/>
             </a:pPr>
-            <a:endParaRPr lang="de-DE" dirty="0"/>
-          </a:p>
-          <a:p>
-            <a:pPr marL="0" indent="0">
-              <a:buNone/>
-            </a:pPr>
-            <a:r>
-              <a:rPr lang="de-DE" i="1" dirty="0"/>
+            <a:r>
+              <a:rPr lang="de-DE" b="1" dirty="0"/>
               <a:t>These 2: „Alles geschieht wegen einem gewissen Zweck“</a:t>
             </a:r>
           </a:p>
@@ -4356,13 +5021,17 @@
           <a:p>
             <a:r>
               <a:rPr lang="de-DE" dirty="0"/>
-              <a:t>Alle Vorgänge haben einen Zweck</a:t>
-            </a:r>
-          </a:p>
-          <a:p>
-            <a:r>
-              <a:rPr lang="de-DE" dirty="0"/>
-              <a:t>Keine Sinnlosigkeit</a:t>
+              <a:t>Es gibt kein Handeln ohne einen gewissen Zweck</a:t>
+            </a:r>
+          </a:p>
+          <a:p>
+            <a:pPr lvl="1">
+              <a:buFont typeface="Wingdings" panose="05000000000000000000" pitchFamily="2" charset="2"/>
+              <a:buChar char="Ø"/>
+            </a:pPr>
+            <a:r>
+              <a:rPr lang="de-DE" sz="2800" dirty="0"/>
+              <a:t> Keine Sinnlosigkeit</a:t>
             </a:r>
           </a:p>
         </p:txBody>
@@ -4544,15 +5213,9 @@
             <a:pPr marL="0" indent="0">
               <a:buNone/>
             </a:pPr>
-            <a:endParaRPr lang="de-DE" dirty="0"/>
-          </a:p>
-          <a:p>
-            <a:pPr marL="0" indent="0">
-              <a:buNone/>
-            </a:pPr>
-            <a:r>
-              <a:rPr lang="de-DE" dirty="0"/>
-              <a:t>These 3: „Syllogistik bietet keine Antwort auf ethische Fragen“</a:t>
+            <a:r>
+              <a:rPr lang="de-DE" b="1" dirty="0"/>
+              <a:t>These 3: „Syllogistik (Logik) bietet keine Antwort auf ethische Fragen“</a:t>
             </a:r>
           </a:p>
           <a:p>
@@ -4564,7 +5227,7 @@
           <a:p>
             <a:r>
               <a:rPr lang="de-DE" dirty="0"/>
-              <a:t>Eine ethische Frage kann nicht mit wahr-falsch beantwortet werden</a:t>
+              <a:t>Eine ethische Frage kann nicht mit wahr-falsch beantwortet werden.</a:t>
             </a:r>
           </a:p>
           <a:p>
@@ -4749,27 +5412,21 @@
             <a:pPr marL="0" indent="0">
               <a:buNone/>
             </a:pPr>
-            <a:endParaRPr lang="de-DE" dirty="0"/>
+            <a:r>
+              <a:rPr lang="de-DE" b="1" dirty="0"/>
+              <a:t>These 4: „Jedes Problem hat seine ihm eigene Genauigkeit“</a:t>
+            </a:r>
           </a:p>
           <a:p>
             <a:pPr marL="0" indent="0">
               <a:buNone/>
             </a:pPr>
+            <a:endParaRPr lang="de-DE" b="1" dirty="0"/>
+          </a:p>
+          <a:p>
             <a:r>
               <a:rPr lang="de-DE" dirty="0"/>
-              <a:t>These 4: „Jedes Problem hat seine ihm eigene Genauigkeit“</a:t>
-            </a:r>
-          </a:p>
-          <a:p>
-            <a:pPr marL="0" indent="0">
-              <a:buNone/>
-            </a:pPr>
-            <a:endParaRPr lang="de-DE" dirty="0"/>
-          </a:p>
-          <a:p>
-            <a:r>
-              <a:rPr lang="de-DE" dirty="0"/>
-              <a:t>Manchmal ist es besser genauer hinzuschauen</a:t>
+              <a:t>Probleme bedürfen einer angepassten Genauigkeit. </a:t>
             </a:r>
           </a:p>
         </p:txBody>
@@ -7292,36 +7949,36 @@
             </a:r>
           </a:p>
           <a:p>
-            <a:pPr marL="0" indent="0">
-              <a:buNone/>
-            </a:pPr>
-            <a:endParaRPr lang="de-DE" u="sng" dirty="0"/>
-          </a:p>
-          <a:p>
-            <a:r>
-              <a:rPr lang="de-DE" dirty="0"/>
+            <a:r>
+              <a:rPr lang="de-DE" b="1" dirty="0"/>
+              <a:t>Sicht 1: Wissenserlangung</a:t>
+            </a:r>
+          </a:p>
+          <a:p>
+            <a:pPr lvl="1"/>
+            <a:r>
+              <a:rPr lang="de-DE" sz="2800" dirty="0"/>
               <a:t>Wissen als Ressource der Gesellschaft</a:t>
             </a:r>
           </a:p>
           <a:p>
-            <a:r>
-              <a:rPr lang="de-DE" dirty="0"/>
+            <a:pPr lvl="1"/>
+            <a:r>
+              <a:rPr lang="de-DE" sz="2800" dirty="0"/>
               <a:t>„Wissen ist Macht“</a:t>
             </a:r>
           </a:p>
           <a:p>
-            <a:endParaRPr lang="de-DE" dirty="0"/>
-          </a:p>
-          <a:p>
-            <a:r>
-              <a:rPr lang="de-DE" dirty="0"/>
-              <a:t>Differenzierte Betrachtung </a:t>
-            </a:r>
-          </a:p>
-          <a:p>
-            <a:r>
-              <a:rPr lang="de-DE" dirty="0"/>
-              <a:t>Viele Blickwinkel</a:t>
+            <a:r>
+              <a:rPr lang="de-DE" b="1" dirty="0"/>
+              <a:t>Sicht 2: differenzierte Betrachtungsweise</a:t>
+            </a:r>
+          </a:p>
+          <a:p>
+            <a:pPr lvl="1"/>
+            <a:r>
+              <a:rPr lang="de-DE" sz="2800" dirty="0"/>
+              <a:t>Mehrere Blickwinkel</a:t>
             </a:r>
           </a:p>
           <a:p>
@@ -8706,7 +9363,7 @@
           <a:p>
             <a:r>
               <a:rPr lang="de-DE" dirty="0"/>
-              <a:t> * 384 v. Chr. In </a:t>
+              <a:t> * 384 v. Chr. in </a:t>
             </a:r>
             <a:r>
               <a:rPr lang="de-DE" dirty="0" err="1"/>
@@ -8714,7 +9371,7 @@
             </a:r>
             <a:r>
               <a:rPr lang="de-DE" dirty="0"/>
-              <a:t> - † 322 v. Chr. In </a:t>
+              <a:t> - † 322 v. Chr. in </a:t>
             </a:r>
             <a:r>
               <a:rPr lang="de-DE" dirty="0" err="1"/>
@@ -8849,7 +9506,7 @@
           <p:nvPr/>
         </p:nvPicPr>
         <p:blipFill>
-          <a:blip r:embed="rId2">
+          <a:blip r:embed="rId3">
             <a:extLst>
               <a:ext uri="{28A0092B-C50C-407E-A947-70E740481C1C}">
                 <a14:useLocalDpi xmlns:a14="http://schemas.microsoft.com/office/drawing/2010/main" val="0"/>
@@ -9446,7 +10103,9 @@
         </p:nvSpPr>
         <p:spPr/>
         <p:txBody>
-          <a:bodyPr/>
+          <a:bodyPr>
+            <a:normAutofit lnSpcReduction="10000"/>
+          </a:bodyPr>
           <a:lstStyle/>
           <a:p>
             <a:pPr marL="0" indent="0">
@@ -9461,14 +10120,8 @@
             <a:pPr marL="0" indent="0">
               <a:buNone/>
             </a:pPr>
-            <a:endParaRPr lang="de-DE" u="sng" dirty="0"/>
-          </a:p>
-          <a:p>
-            <a:pPr marL="0" indent="0">
-              <a:buNone/>
-            </a:pPr>
-            <a:r>
-              <a:rPr lang="de-DE" i="1" dirty="0"/>
+            <a:r>
+              <a:rPr lang="de-DE" b="1" dirty="0"/>
               <a:t>Aussage: „Aristoteles der erste große Logiker“</a:t>
             </a:r>
           </a:p>
@@ -9487,7 +10140,34 @@
           <a:p>
             <a:r>
               <a:rPr lang="de-DE" dirty="0"/>
-              <a:t>Hier Beispiel:</a:t>
+              <a:t>Beispiel:</a:t>
+            </a:r>
+          </a:p>
+          <a:p>
+            <a:pPr marL="0" indent="0">
+              <a:buNone/>
+            </a:pPr>
+            <a:r>
+              <a:rPr lang="de-DE" dirty="0"/>
+              <a:t>	Obersatz: Menschen sind sterblich.</a:t>
+            </a:r>
+          </a:p>
+          <a:p>
+            <a:pPr marL="0" indent="0">
+              <a:buNone/>
+            </a:pPr>
+            <a:r>
+              <a:rPr lang="de-DE" dirty="0"/>
+              <a:t>	Untersatz: Griechen sind Menschen.</a:t>
+            </a:r>
+          </a:p>
+          <a:p>
+            <a:pPr marL="0" indent="0">
+              <a:buNone/>
+            </a:pPr>
+            <a:r>
+              <a:rPr lang="de-DE" dirty="0"/>
+              <a:t>	Schluss: Griechen sind sterblich.</a:t>
             </a:r>
           </a:p>
         </p:txBody>

--- a/Präsentation/Berufsethik.pptx
+++ b/Präsentation/Berufsethik.pptx
@@ -6725,12 +6725,12 @@
             </a:r>
           </a:p>
           <a:p>
-            <a:pPr>
+            <a:pPr lvl="1">
               <a:buFont typeface="Wingdings" panose="05000000000000000000" pitchFamily="2" charset="2"/>
               <a:buChar char="Ø"/>
             </a:pPr>
             <a:r>
-              <a:rPr lang="de-DE" dirty="0"/>
+              <a:rPr lang="de-DE" sz="2800" dirty="0"/>
               <a:t>Alle Zustände müssen sich unendlich oft wiederholen</a:t>
             </a:r>
           </a:p>
@@ -7364,7 +7364,9 @@
         </p:nvSpPr>
         <p:spPr/>
         <p:txBody>
-          <a:bodyPr/>
+          <a:bodyPr>
+            <a:normAutofit/>
+          </a:bodyPr>
           <a:lstStyle/>
           <a:p>
             <a:pPr marL="0" indent="0">
@@ -7385,20 +7387,99 @@
             </a:r>
             <a:r>
               <a:rPr lang="de-DE" b="1" dirty="0"/>
+              <a:t> = Übermensch?</a:t>
+            </a:r>
+            <a:endParaRPr lang="de-DE" sz="2800" dirty="0"/>
+          </a:p>
+          <a:p>
+            <a:r>
+              <a:rPr lang="de-DE" dirty="0"/>
+              <a:t>Aktuelle </a:t>
+            </a:r>
+            <a:r>
+              <a:rPr lang="de-DE" dirty="0" err="1"/>
+              <a:t>Chatbots</a:t>
+            </a:r>
+            <a:r>
+              <a:rPr lang="de-DE" dirty="0"/>
               <a:t> </a:t>
             </a:r>
-            <a:r>
-              <a:rPr lang="de-DE" b="1"/>
-              <a:t>= Übermensch?</a:t>
-            </a:r>
-            <a:endParaRPr lang="de-DE" sz="2800" dirty="0"/>
-          </a:p>
-          <a:p>
-            <a:pPr>
+          </a:p>
+          <a:p>
+            <a:pPr lvl="1">
               <a:buFont typeface="Wingdings" panose="05000000000000000000" pitchFamily="2" charset="2"/>
               <a:buChar char="Ø"/>
             </a:pPr>
+            <a:r>
+              <a:rPr lang="de-DE" dirty="0"/>
+              <a:t> </a:t>
+            </a:r>
+            <a:r>
+              <a:rPr lang="de-DE" sz="2800" dirty="0"/>
+              <a:t>Kein „Wille zur Macht“</a:t>
+            </a:r>
+          </a:p>
+          <a:p>
+            <a:r>
+              <a:rPr lang="de-DE" dirty="0"/>
+              <a:t>Zukünftige </a:t>
+            </a:r>
+            <a:r>
+              <a:rPr lang="de-DE" dirty="0" err="1"/>
+              <a:t>Chatbots</a:t>
+            </a:r>
             <a:endParaRPr lang="de-DE" dirty="0"/>
+          </a:p>
+          <a:p>
+            <a:pPr lvl="1">
+              <a:buFont typeface="Wingdings" panose="05000000000000000000" pitchFamily="2" charset="2"/>
+              <a:buChar char="Ø"/>
+            </a:pPr>
+            <a:r>
+              <a:rPr lang="de-DE" sz="2800" dirty="0"/>
+              <a:t>Intellektuell dem Menschen überlegen</a:t>
+            </a:r>
+          </a:p>
+          <a:p>
+            <a:pPr lvl="1">
+              <a:buFont typeface="Wingdings" panose="05000000000000000000" pitchFamily="2" charset="2"/>
+              <a:buChar char="Ø"/>
+            </a:pPr>
+            <a:r>
+              <a:rPr lang="de-DE" sz="2800" dirty="0"/>
+              <a:t>„Wille zur Macht“ eventuell möglich</a:t>
+            </a:r>
+          </a:p>
+          <a:p>
+            <a:pPr lvl="1">
+              <a:buFont typeface="Wingdings" panose="05000000000000000000" pitchFamily="2" charset="2"/>
+              <a:buChar char="Ø"/>
+            </a:pPr>
+            <a:r>
+              <a:rPr lang="de-DE" sz="2800" dirty="0"/>
+              <a:t> Aber: physisch dem Menschen unterlegen</a:t>
+            </a:r>
+          </a:p>
+          <a:p>
+            <a:pPr marL="0" indent="0">
+              <a:buNone/>
+            </a:pPr>
+            <a:r>
+              <a:rPr lang="de-DE" b="1" dirty="0"/>
+              <a:t>Konklusion: </a:t>
+            </a:r>
+            <a:r>
+              <a:rPr lang="de-DE" dirty="0"/>
+              <a:t>Zukünftige </a:t>
+            </a:r>
+            <a:r>
+              <a:rPr lang="de-DE" dirty="0" err="1"/>
+              <a:t>Chatbots</a:t>
+            </a:r>
+            <a:r>
+              <a:rPr lang="de-DE" dirty="0"/>
+              <a:t> eine Art von Übermensch</a:t>
+            </a:r>
           </a:p>
         </p:txBody>
       </p:sp>
@@ -7498,6 +7579,227 @@
   <p:clrMapOvr>
     <a:masterClrMapping/>
   </p:clrMapOvr>
+  <p:timing>
+    <p:tnLst>
+      <p:par>
+        <p:cTn id="1" dur="indefinite" restart="never" nodeType="tmRoot">
+          <p:childTnLst>
+            <p:seq concurrent="1" nextAc="seek">
+              <p:cTn id="2" dur="indefinite" nodeType="mainSeq">
+                <p:childTnLst>
+                  <p:par>
+                    <p:cTn id="3" fill="hold">
+                      <p:stCondLst>
+                        <p:cond delay="indefinite"/>
+                      </p:stCondLst>
+                      <p:childTnLst>
+                        <p:par>
+                          <p:cTn id="4" fill="hold">
+                            <p:stCondLst>
+                              <p:cond delay="0"/>
+                            </p:stCondLst>
+                            <p:childTnLst>
+                              <p:par>
+                                <p:cTn id="5" presetID="1" presetClass="entr" presetSubtype="0" fill="hold" nodeType="clickEffect">
+                                  <p:stCondLst>
+                                    <p:cond delay="0"/>
+                                  </p:stCondLst>
+                                  <p:childTnLst>
+                                    <p:set>
+                                      <p:cBhvr>
+                                        <p:cTn id="6" dur="1" fill="hold">
+                                          <p:stCondLst>
+                                            <p:cond delay="0"/>
+                                          </p:stCondLst>
+                                        </p:cTn>
+                                        <p:tgtEl>
+                                          <p:spTgt spid="3">
+                                            <p:txEl>
+                                              <p:pRg st="4" end="4"/>
+                                            </p:txEl>
+                                          </p:spTgt>
+                                        </p:tgtEl>
+                                        <p:attrNameLst>
+                                          <p:attrName>style.visibility</p:attrName>
+                                        </p:attrNameLst>
+                                      </p:cBhvr>
+                                      <p:to>
+                                        <p:strVal val="visible"/>
+                                      </p:to>
+                                    </p:set>
+                                  </p:childTnLst>
+                                </p:cTn>
+                              </p:par>
+                              <p:par>
+                                <p:cTn id="7" presetID="1" presetClass="entr" presetSubtype="0" fill="hold" nodeType="withEffect">
+                                  <p:stCondLst>
+                                    <p:cond delay="0"/>
+                                  </p:stCondLst>
+                                  <p:childTnLst>
+                                    <p:set>
+                                      <p:cBhvr>
+                                        <p:cTn id="8" dur="1" fill="hold">
+                                          <p:stCondLst>
+                                            <p:cond delay="0"/>
+                                          </p:stCondLst>
+                                        </p:cTn>
+                                        <p:tgtEl>
+                                          <p:spTgt spid="3">
+                                            <p:txEl>
+                                              <p:pRg st="5" end="5"/>
+                                            </p:txEl>
+                                          </p:spTgt>
+                                        </p:tgtEl>
+                                        <p:attrNameLst>
+                                          <p:attrName>style.visibility</p:attrName>
+                                        </p:attrNameLst>
+                                      </p:cBhvr>
+                                      <p:to>
+                                        <p:strVal val="visible"/>
+                                      </p:to>
+                                    </p:set>
+                                  </p:childTnLst>
+                                </p:cTn>
+                              </p:par>
+                              <p:par>
+                                <p:cTn id="9" presetID="1" presetClass="entr" presetSubtype="0" fill="hold" nodeType="withEffect">
+                                  <p:stCondLst>
+                                    <p:cond delay="0"/>
+                                  </p:stCondLst>
+                                  <p:childTnLst>
+                                    <p:set>
+                                      <p:cBhvr>
+                                        <p:cTn id="10" dur="1" fill="hold">
+                                          <p:stCondLst>
+                                            <p:cond delay="0"/>
+                                          </p:stCondLst>
+                                        </p:cTn>
+                                        <p:tgtEl>
+                                          <p:spTgt spid="3">
+                                            <p:txEl>
+                                              <p:pRg st="6" end="6"/>
+                                            </p:txEl>
+                                          </p:spTgt>
+                                        </p:tgtEl>
+                                        <p:attrNameLst>
+                                          <p:attrName>style.visibility</p:attrName>
+                                        </p:attrNameLst>
+                                      </p:cBhvr>
+                                      <p:to>
+                                        <p:strVal val="visible"/>
+                                      </p:to>
+                                    </p:set>
+                                  </p:childTnLst>
+                                </p:cTn>
+                              </p:par>
+                              <p:par>
+                                <p:cTn id="11" presetID="1" presetClass="entr" presetSubtype="0" fill="hold" nodeType="withEffect">
+                                  <p:stCondLst>
+                                    <p:cond delay="0"/>
+                                  </p:stCondLst>
+                                  <p:childTnLst>
+                                    <p:set>
+                                      <p:cBhvr>
+                                        <p:cTn id="12" dur="1" fill="hold">
+                                          <p:stCondLst>
+                                            <p:cond delay="0"/>
+                                          </p:stCondLst>
+                                        </p:cTn>
+                                        <p:tgtEl>
+                                          <p:spTgt spid="3">
+                                            <p:txEl>
+                                              <p:pRg st="7" end="7"/>
+                                            </p:txEl>
+                                          </p:spTgt>
+                                        </p:tgtEl>
+                                        <p:attrNameLst>
+                                          <p:attrName>style.visibility</p:attrName>
+                                        </p:attrNameLst>
+                                      </p:cBhvr>
+                                      <p:to>
+                                        <p:strVal val="visible"/>
+                                      </p:to>
+                                    </p:set>
+                                  </p:childTnLst>
+                                </p:cTn>
+                              </p:par>
+                            </p:childTnLst>
+                          </p:cTn>
+                        </p:par>
+                      </p:childTnLst>
+                    </p:cTn>
+                  </p:par>
+                  <p:par>
+                    <p:cTn id="13" fill="hold">
+                      <p:stCondLst>
+                        <p:cond delay="indefinite"/>
+                      </p:stCondLst>
+                      <p:childTnLst>
+                        <p:par>
+                          <p:cTn id="14" fill="hold">
+                            <p:stCondLst>
+                              <p:cond delay="0"/>
+                            </p:stCondLst>
+                            <p:childTnLst>
+                              <p:par>
+                                <p:cTn id="15" presetID="1" presetClass="entr" presetSubtype="0" fill="hold" nodeType="clickEffect">
+                                  <p:stCondLst>
+                                    <p:cond delay="0"/>
+                                  </p:stCondLst>
+                                  <p:childTnLst>
+                                    <p:set>
+                                      <p:cBhvr>
+                                        <p:cTn id="16" dur="1" fill="hold">
+                                          <p:stCondLst>
+                                            <p:cond delay="0"/>
+                                          </p:stCondLst>
+                                        </p:cTn>
+                                        <p:tgtEl>
+                                          <p:spTgt spid="3">
+                                            <p:txEl>
+                                              <p:pRg st="8" end="8"/>
+                                            </p:txEl>
+                                          </p:spTgt>
+                                        </p:tgtEl>
+                                        <p:attrNameLst>
+                                          <p:attrName>style.visibility</p:attrName>
+                                        </p:attrNameLst>
+                                      </p:cBhvr>
+                                      <p:to>
+                                        <p:strVal val="visible"/>
+                                      </p:to>
+                                    </p:set>
+                                  </p:childTnLst>
+                                </p:cTn>
+                              </p:par>
+                            </p:childTnLst>
+                          </p:cTn>
+                        </p:par>
+                      </p:childTnLst>
+                    </p:cTn>
+                  </p:par>
+                </p:childTnLst>
+              </p:cTn>
+              <p:prevCondLst>
+                <p:cond evt="onPrev" delay="0">
+                  <p:tgtEl>
+                    <p:sldTgt/>
+                  </p:tgtEl>
+                </p:cond>
+              </p:prevCondLst>
+              <p:nextCondLst>
+                <p:cond evt="onNext" delay="0">
+                  <p:tgtEl>
+                    <p:sldTgt/>
+                  </p:tgtEl>
+                </p:cond>
+              </p:nextCondLst>
+            </p:seq>
+          </p:childTnLst>
+        </p:cTn>
+      </p:par>
+    </p:tnLst>
+  </p:timing>
 </p:sld>
 </file>
 

--- a/Präsentation/Berufsethik.pptx
+++ b/Präsentation/Berufsethik.pptx
@@ -7461,8 +7461,9 @@
             </a:r>
           </a:p>
           <a:p>
-            <a:pPr marL="0" indent="0">
-              <a:buNone/>
+            <a:pPr>
+              <a:buFont typeface="Wingdings" panose="05000000000000000000" pitchFamily="2" charset="2"/>
+              <a:buChar char="Ø"/>
             </a:pPr>
             <a:r>
               <a:rPr lang="de-DE" b="1" dirty="0"/>
@@ -7742,7 +7743,7 @@
                             </p:stCondLst>
                             <p:childTnLst>
                               <p:par>
-                                <p:cTn id="15" presetID="1" presetClass="entr" presetSubtype="0" fill="hold" nodeType="clickEffect">
+                                <p:cTn id="15" presetID="2" presetClass="entr" presetSubtype="8" fill="hold" nodeType="clickEffect">
                                   <p:stCondLst>
                                     <p:cond delay="0"/>
                                   </p:stCondLst>
@@ -7769,6 +7770,60 @@
                                         <p:strVal val="visible"/>
                                       </p:to>
                                     </p:set>
+                                    <p:anim calcmode="lin" valueType="num">
+                                      <p:cBhvr additive="base">
+                                        <p:cTn id="17" dur="500" fill="hold"/>
+                                        <p:tgtEl>
+                                          <p:spTgt spid="3">
+                                            <p:txEl>
+                                              <p:pRg st="8" end="8"/>
+                                            </p:txEl>
+                                          </p:spTgt>
+                                        </p:tgtEl>
+                                        <p:attrNameLst>
+                                          <p:attrName>ppt_x</p:attrName>
+                                        </p:attrNameLst>
+                                      </p:cBhvr>
+                                      <p:tavLst>
+                                        <p:tav tm="0">
+                                          <p:val>
+                                            <p:strVal val="0-#ppt_w/2"/>
+                                          </p:val>
+                                        </p:tav>
+                                        <p:tav tm="100000">
+                                          <p:val>
+                                            <p:strVal val="#ppt_x"/>
+                                          </p:val>
+                                        </p:tav>
+                                      </p:tavLst>
+                                    </p:anim>
+                                    <p:anim calcmode="lin" valueType="num">
+                                      <p:cBhvr additive="base">
+                                        <p:cTn id="18" dur="500" fill="hold"/>
+                                        <p:tgtEl>
+                                          <p:spTgt spid="3">
+                                            <p:txEl>
+                                              <p:pRg st="8" end="8"/>
+                                            </p:txEl>
+                                          </p:spTgt>
+                                        </p:tgtEl>
+                                        <p:attrNameLst>
+                                          <p:attrName>ppt_y</p:attrName>
+                                        </p:attrNameLst>
+                                      </p:cBhvr>
+                                      <p:tavLst>
+                                        <p:tav tm="0">
+                                          <p:val>
+                                            <p:strVal val="#ppt_y"/>
+                                          </p:val>
+                                        </p:tav>
+                                        <p:tav tm="100000">
+                                          <p:val>
+                                            <p:strVal val="#ppt_y"/>
+                                          </p:val>
+                                        </p:tav>
+                                      </p:tavLst>
+                                    </p:anim>
                                   </p:childTnLst>
                                 </p:cTn>
                               </p:par>
@@ -8477,31 +8532,72 @@
             </a:r>
           </a:p>
           <a:p>
+            <a:r>
+              <a:rPr lang="de-DE" dirty="0"/>
+              <a:t>Direkter Vergleich zwischen </a:t>
+            </a:r>
+            <a:r>
+              <a:rPr lang="de-DE" dirty="0" err="1"/>
+              <a:t>Chatbot</a:t>
+            </a:r>
+            <a:r>
+              <a:rPr lang="de-DE" dirty="0"/>
+              <a:t> und Übermensch gewagt</a:t>
+            </a:r>
+          </a:p>
+          <a:p>
+            <a:pPr lvl="1">
+              <a:buFont typeface="Wingdings" panose="05000000000000000000" pitchFamily="2" charset="2"/>
+              <a:buChar char="Ø"/>
+            </a:pPr>
+            <a:r>
+              <a:rPr lang="de-DE" sz="2800" dirty="0"/>
+              <a:t>Übermensch bezieht sich auf Evolution des Menschen</a:t>
+            </a:r>
+          </a:p>
+          <a:p>
+            <a:pPr lvl="1">
+              <a:buFont typeface="Wingdings" panose="05000000000000000000" pitchFamily="2" charset="2"/>
+              <a:buChar char="Ø"/>
+            </a:pPr>
+            <a:r>
+              <a:rPr lang="de-DE" sz="2800" dirty="0"/>
+              <a:t>Definition aus dem 19. Jahrhundert</a:t>
+            </a:r>
+          </a:p>
+          <a:p>
+            <a:pPr lvl="1">
+              <a:buFont typeface="Wingdings" panose="05000000000000000000" pitchFamily="2" charset="2"/>
+              <a:buChar char="Ø"/>
+            </a:pPr>
+            <a:r>
+              <a:rPr lang="de-DE" sz="2800" dirty="0"/>
+              <a:t>Mögliche Intelligenz der </a:t>
+            </a:r>
+            <a:r>
+              <a:rPr lang="de-DE" sz="2800" dirty="0" err="1"/>
+              <a:t>Chatbot</a:t>
+            </a:r>
+            <a:r>
+              <a:rPr lang="de-DE" sz="2800" dirty="0"/>
+              <a:t>-KI nicht einschätzbar</a:t>
+            </a:r>
+          </a:p>
+          <a:p>
             <a:pPr marL="0" indent="0">
               <a:buNone/>
             </a:pPr>
-            <a:endParaRPr lang="de-DE" u="sng" dirty="0"/>
-          </a:p>
-          <a:p>
-            <a:pPr marL="0" indent="0">
-              <a:buNone/>
+            <a:endParaRPr lang="de-DE" b="1" dirty="0"/>
+          </a:p>
+          <a:p>
+            <a:pPr>
+              <a:buFont typeface="Wingdings" panose="05000000000000000000" pitchFamily="2" charset="2"/>
+              <a:buChar char="Ø"/>
             </a:pPr>
             <a:r>
-              <a:rPr lang="de-DE" u="sng" dirty="0"/>
-              <a:t>Für das Fazit nicht relevant!!!</a:t>
-            </a:r>
-          </a:p>
-          <a:p>
-            <a:pPr marL="0" indent="0">
-              <a:buNone/>
-            </a:pPr>
-            <a:endParaRPr lang="de-DE" dirty="0"/>
-          </a:p>
-          <a:p>
-            <a:pPr marL="0" indent="0">
-              <a:buNone/>
-            </a:pPr>
-            <a:endParaRPr lang="de-DE" dirty="0"/>
+              <a:rPr lang="de-DE" b="1" dirty="0"/>
+              <a:t>Nietzsches Gedankenspiele für das Fazit irrelevant</a:t>
+            </a:r>
           </a:p>
           <a:p>
             <a:pPr marL="0" indent="0">
@@ -8613,6 +8709,139 @@
   <p:clrMapOvr>
     <a:masterClrMapping/>
   </p:clrMapOvr>
+  <p:timing>
+    <p:tnLst>
+      <p:par>
+        <p:cTn id="1" dur="indefinite" restart="never" nodeType="tmRoot">
+          <p:childTnLst>
+            <p:seq concurrent="1" nextAc="seek">
+              <p:cTn id="2" dur="indefinite" nodeType="mainSeq">
+                <p:childTnLst>
+                  <p:par>
+                    <p:cTn id="3" fill="hold">
+                      <p:stCondLst>
+                        <p:cond delay="indefinite"/>
+                      </p:stCondLst>
+                      <p:childTnLst>
+                        <p:par>
+                          <p:cTn id="4" fill="hold">
+                            <p:stCondLst>
+                              <p:cond delay="0"/>
+                            </p:stCondLst>
+                            <p:childTnLst>
+                              <p:par>
+                                <p:cTn id="5" presetID="2" presetClass="entr" presetSubtype="8" fill="hold" nodeType="clickEffect">
+                                  <p:stCondLst>
+                                    <p:cond delay="0"/>
+                                  </p:stCondLst>
+                                  <p:childTnLst>
+                                    <p:set>
+                                      <p:cBhvr>
+                                        <p:cTn id="6" dur="1" fill="hold">
+                                          <p:stCondLst>
+                                            <p:cond delay="0"/>
+                                          </p:stCondLst>
+                                        </p:cTn>
+                                        <p:tgtEl>
+                                          <p:spTgt spid="3">
+                                            <p:txEl>
+                                              <p:pRg st="6" end="6"/>
+                                            </p:txEl>
+                                          </p:spTgt>
+                                        </p:tgtEl>
+                                        <p:attrNameLst>
+                                          <p:attrName>style.visibility</p:attrName>
+                                        </p:attrNameLst>
+                                      </p:cBhvr>
+                                      <p:to>
+                                        <p:strVal val="visible"/>
+                                      </p:to>
+                                    </p:set>
+                                    <p:anim calcmode="lin" valueType="num">
+                                      <p:cBhvr additive="base">
+                                        <p:cTn id="7" dur="500" fill="hold"/>
+                                        <p:tgtEl>
+                                          <p:spTgt spid="3">
+                                            <p:txEl>
+                                              <p:pRg st="6" end="6"/>
+                                            </p:txEl>
+                                          </p:spTgt>
+                                        </p:tgtEl>
+                                        <p:attrNameLst>
+                                          <p:attrName>ppt_x</p:attrName>
+                                        </p:attrNameLst>
+                                      </p:cBhvr>
+                                      <p:tavLst>
+                                        <p:tav tm="0">
+                                          <p:val>
+                                            <p:strVal val="0-#ppt_w/2"/>
+                                          </p:val>
+                                        </p:tav>
+                                        <p:tav tm="100000">
+                                          <p:val>
+                                            <p:strVal val="#ppt_x"/>
+                                          </p:val>
+                                        </p:tav>
+                                      </p:tavLst>
+                                    </p:anim>
+                                    <p:anim calcmode="lin" valueType="num">
+                                      <p:cBhvr additive="base">
+                                        <p:cTn id="8" dur="500" fill="hold"/>
+                                        <p:tgtEl>
+                                          <p:spTgt spid="3">
+                                            <p:txEl>
+                                              <p:pRg st="6" end="6"/>
+                                            </p:txEl>
+                                          </p:spTgt>
+                                        </p:tgtEl>
+                                        <p:attrNameLst>
+                                          <p:attrName>ppt_y</p:attrName>
+                                        </p:attrNameLst>
+                                      </p:cBhvr>
+                                      <p:tavLst>
+                                        <p:tav tm="0">
+                                          <p:val>
+                                            <p:strVal val="#ppt_y"/>
+                                          </p:val>
+                                        </p:tav>
+                                        <p:tav tm="100000">
+                                          <p:val>
+                                            <p:strVal val="#ppt_y"/>
+                                          </p:val>
+                                        </p:tav>
+                                      </p:tavLst>
+                                    </p:anim>
+                                  </p:childTnLst>
+                                </p:cTn>
+                              </p:par>
+                            </p:childTnLst>
+                          </p:cTn>
+                        </p:par>
+                      </p:childTnLst>
+                    </p:cTn>
+                  </p:par>
+                </p:childTnLst>
+              </p:cTn>
+              <p:prevCondLst>
+                <p:cond evt="onPrev" delay="0">
+                  <p:tgtEl>
+                    <p:sldTgt/>
+                  </p:tgtEl>
+                </p:cond>
+              </p:prevCondLst>
+              <p:nextCondLst>
+                <p:cond evt="onNext" delay="0">
+                  <p:tgtEl>
+                    <p:sldTgt/>
+                  </p:tgtEl>
+                </p:cond>
+              </p:nextCondLst>
+            </p:seq>
+          </p:childTnLst>
+        </p:cTn>
+      </p:par>
+    </p:tnLst>
+  </p:timing>
 </p:sld>
 </file>
 

--- a/Präsentation/Berufsethik.pptx
+++ b/Präsentation/Berufsethik.pptx
@@ -226,7 +226,7 @@
           <a:p>
             <a:fld id="{B3F4BEC4-04EF-4CD0-BB52-1E33FCB75C1A}" type="datetimeFigureOut">
               <a:rPr lang="de-DE" smtClean="0"/>
-              <a:t>12.12.2017</a:t>
+              <a:t>14.12.2017</a:t>
             </a:fld>
             <a:endParaRPr lang="de-DE"/>
           </a:p>
@@ -1317,7 +1317,7 @@
           <a:p>
             <a:fld id="{34FCBE35-913E-4F5C-B82A-017151C3CF2E}" type="datetime1">
               <a:rPr lang="de-DE" smtClean="0"/>
-              <a:t>12.12.2017</a:t>
+              <a:t>14.12.2017</a:t>
             </a:fld>
             <a:endParaRPr lang="de-DE"/>
           </a:p>
@@ -1518,7 +1518,7 @@
           <a:p>
             <a:fld id="{2847ED52-B3C1-44AF-867B-E694896FE8F6}" type="datetime1">
               <a:rPr lang="de-DE" smtClean="0"/>
-              <a:t>12.12.2017</a:t>
+              <a:t>14.12.2017</a:t>
             </a:fld>
             <a:endParaRPr lang="de-DE"/>
           </a:p>
@@ -1729,7 +1729,7 @@
           <a:p>
             <a:fld id="{168BBAB2-6C7F-4450-A2AE-93CA97D58F94}" type="datetime1">
               <a:rPr lang="de-DE" smtClean="0"/>
-              <a:t>12.12.2017</a:t>
+              <a:t>14.12.2017</a:t>
             </a:fld>
             <a:endParaRPr lang="de-DE"/>
           </a:p>
@@ -1930,7 +1930,7 @@
           <a:p>
             <a:fld id="{37AAA59D-F5D9-4C22-BAD7-C7D8B056DE27}" type="datetime1">
               <a:rPr lang="de-DE" smtClean="0"/>
-              <a:t>12.12.2017</a:t>
+              <a:t>14.12.2017</a:t>
             </a:fld>
             <a:endParaRPr lang="de-DE"/>
           </a:p>
@@ -2208,7 +2208,7 @@
           <a:p>
             <a:fld id="{9E51E155-D360-4F19-A00F-78921EA1ECE0}" type="datetime1">
               <a:rPr lang="de-DE" smtClean="0"/>
-              <a:t>12.12.2017</a:t>
+              <a:t>14.12.2017</a:t>
             </a:fld>
             <a:endParaRPr lang="de-DE"/>
           </a:p>
@@ -2476,7 +2476,7 @@
           <a:p>
             <a:fld id="{E6839657-0B65-4D4D-95AE-D65A41317F2F}" type="datetime1">
               <a:rPr lang="de-DE" smtClean="0"/>
-              <a:t>12.12.2017</a:t>
+              <a:t>14.12.2017</a:t>
             </a:fld>
             <a:endParaRPr lang="de-DE"/>
           </a:p>
@@ -2891,7 +2891,7 @@
           <a:p>
             <a:fld id="{6556EF25-1D90-48A5-9D2B-C9B4C61351C3}" type="datetime1">
               <a:rPr lang="de-DE" smtClean="0"/>
-              <a:t>12.12.2017</a:t>
+              <a:t>14.12.2017</a:t>
             </a:fld>
             <a:endParaRPr lang="de-DE"/>
           </a:p>
@@ -3035,7 +3035,7 @@
           <a:p>
             <a:fld id="{E2A457FF-C8C2-4DB2-80B3-297A90E469B1}" type="datetime1">
               <a:rPr lang="de-DE" smtClean="0"/>
-              <a:t>12.12.2017</a:t>
+              <a:t>14.12.2017</a:t>
             </a:fld>
             <a:endParaRPr lang="de-DE"/>
           </a:p>
@@ -3151,7 +3151,7 @@
           <a:p>
             <a:fld id="{AD6C03A5-7FB1-43B2-8884-E9E9EB5E2312}" type="datetime1">
               <a:rPr lang="de-DE" smtClean="0"/>
-              <a:t>12.12.2017</a:t>
+              <a:t>14.12.2017</a:t>
             </a:fld>
             <a:endParaRPr lang="de-DE"/>
           </a:p>
@@ -3465,7 +3465,7 @@
           <a:p>
             <a:fld id="{2B9C9779-0FB9-4BCD-864C-0ACBE9ACB817}" type="datetime1">
               <a:rPr lang="de-DE" smtClean="0"/>
-              <a:t>12.12.2017</a:t>
+              <a:t>14.12.2017</a:t>
             </a:fld>
             <a:endParaRPr lang="de-DE"/>
           </a:p>
@@ -3756,7 +3756,7 @@
           <a:p>
             <a:fld id="{1F8E1D88-FA2D-4A0F-A99E-4B1D00F2DADF}" type="datetime1">
               <a:rPr lang="de-DE" smtClean="0"/>
-              <a:t>12.12.2017</a:t>
+              <a:t>14.12.2017</a:t>
             </a:fld>
             <a:endParaRPr lang="de-DE"/>
           </a:p>
@@ -4000,7 +4000,7 @@
           <a:p>
             <a:fld id="{4468ECC2-9D94-478C-A60A-A7D4155B71A1}" type="datetime1">
               <a:rPr lang="de-DE" smtClean="0"/>
-              <a:t>12.12.2017</a:t>
+              <a:t>14.12.2017</a:t>
             </a:fld>
             <a:endParaRPr lang="de-DE"/>
           </a:p>
@@ -4534,7 +4534,7 @@
           <a:p>
             <a:fld id="{9BB24A88-594C-46B6-B0D5-054D34368737}" type="datetime1">
               <a:rPr lang="de-DE" smtClean="0"/>
-              <a:t>12.12.2017</a:t>
+              <a:t>14.12.2017</a:t>
             </a:fld>
             <a:endParaRPr lang="de-DE"/>
           </a:p>
@@ -4853,7 +4853,7 @@
           <a:p>
             <a:fld id="{37AAA59D-F5D9-4C22-BAD7-C7D8B056DE27}" type="datetime1">
               <a:rPr lang="de-DE" smtClean="0"/>
-              <a:t>12.12.2017</a:t>
+              <a:t>14.12.2017</a:t>
             </a:fld>
             <a:endParaRPr lang="de-DE"/>
           </a:p>
@@ -5059,7 +5059,7 @@
           <a:p>
             <a:fld id="{37AAA59D-F5D9-4C22-BAD7-C7D8B056DE27}" type="datetime1">
               <a:rPr lang="de-DE" smtClean="0"/>
-              <a:t>12.12.2017</a:t>
+              <a:t>14.12.2017</a:t>
             </a:fld>
             <a:endParaRPr lang="de-DE"/>
           </a:p>
@@ -5258,7 +5258,7 @@
           <a:p>
             <a:fld id="{37AAA59D-F5D9-4C22-BAD7-C7D8B056DE27}" type="datetime1">
               <a:rPr lang="de-DE" smtClean="0"/>
-              <a:t>12.12.2017</a:t>
+              <a:t>14.12.2017</a:t>
             </a:fld>
             <a:endParaRPr lang="de-DE"/>
           </a:p>
@@ -5454,7 +5454,7 @@
           <a:p>
             <a:fld id="{37AAA59D-F5D9-4C22-BAD7-C7D8B056DE27}" type="datetime1">
               <a:rPr lang="de-DE" smtClean="0"/>
-              <a:t>12.12.2017</a:t>
+              <a:t>14.12.2017</a:t>
             </a:fld>
             <a:endParaRPr lang="de-DE"/>
           </a:p>
@@ -5629,7 +5629,7 @@
           <a:p>
             <a:fld id="{37AAA59D-F5D9-4C22-BAD7-C7D8B056DE27}" type="datetime1">
               <a:rPr lang="de-DE" smtClean="0"/>
-              <a:t>12.12.2017</a:t>
+              <a:t>14.12.2017</a:t>
             </a:fld>
             <a:endParaRPr lang="de-DE"/>
           </a:p>
@@ -6762,7 +6762,7 @@
           <a:p>
             <a:fld id="{37AAA59D-F5D9-4C22-BAD7-C7D8B056DE27}" type="datetime1">
               <a:rPr lang="de-DE" smtClean="0"/>
-              <a:t>12.12.2017</a:t>
+              <a:t>14.12.2017</a:t>
             </a:fld>
             <a:endParaRPr lang="de-DE"/>
           </a:p>
@@ -6934,7 +6934,15 @@
             </a:pPr>
             <a:r>
               <a:rPr lang="de-DE" sz="2800" dirty="0"/>
-              <a:t>Überwindung von Nihilismus, Religion und Moral</a:t>
+              <a:t>Überwindung </a:t>
+            </a:r>
+            <a:r>
+              <a:rPr lang="de-DE" sz="2800"/>
+              <a:t>von Religion </a:t>
+            </a:r>
+            <a:r>
+              <a:rPr lang="de-DE" sz="2800" dirty="0"/>
+              <a:t>und Moral</a:t>
             </a:r>
           </a:p>
           <a:p>
@@ -6988,7 +6996,7 @@
           <a:p>
             <a:fld id="{37AAA59D-F5D9-4C22-BAD7-C7D8B056DE27}" type="datetime1">
               <a:rPr lang="de-DE" smtClean="0"/>
-              <a:t>12.12.2017</a:t>
+              <a:t>14.12.2017</a:t>
             </a:fld>
             <a:endParaRPr lang="de-DE"/>
           </a:p>
@@ -7225,7 +7233,7 @@
           <a:p>
             <a:fld id="{37AAA59D-F5D9-4C22-BAD7-C7D8B056DE27}" type="datetime1">
               <a:rPr lang="de-DE" smtClean="0"/>
-              <a:t>12.12.2017</a:t>
+              <a:t>14.12.2017</a:t>
             </a:fld>
             <a:endParaRPr lang="de-DE"/>
           </a:p>
@@ -7507,7 +7515,7 @@
           <a:p>
             <a:fld id="{37AAA59D-F5D9-4C22-BAD7-C7D8B056DE27}" type="datetime1">
               <a:rPr lang="de-DE" smtClean="0"/>
-              <a:t>12.12.2017</a:t>
+              <a:t>14.12.2017</a:t>
             </a:fld>
             <a:endParaRPr lang="de-DE"/>
           </a:p>
@@ -7957,7 +7965,7 @@
           <a:p>
             <a:fld id="{37AAA59D-F5D9-4C22-BAD7-C7D8B056DE27}" type="datetime1">
               <a:rPr lang="de-DE" smtClean="0"/>
-              <a:t>12.12.2017</a:t>
+              <a:t>14.12.2017</a:t>
             </a:fld>
             <a:endParaRPr lang="de-DE"/>
           </a:p>
@@ -8154,7 +8162,7 @@
           <a:p>
             <a:fld id="{1B876D99-6DEA-420F-AEAC-AB387BCD608A}" type="datetime1">
               <a:rPr lang="de-DE" smtClean="0"/>
-              <a:t>12.12.2017</a:t>
+              <a:t>14.12.2017</a:t>
             </a:fld>
             <a:endParaRPr lang="de-DE"/>
           </a:p>
@@ -8381,7 +8389,7 @@
           <a:p>
             <a:fld id="{37AAA59D-F5D9-4C22-BAD7-C7D8B056DE27}" type="datetime1">
               <a:rPr lang="de-DE" smtClean="0"/>
-              <a:t>12.12.2017</a:t>
+              <a:t>14.12.2017</a:t>
             </a:fld>
             <a:endParaRPr lang="de-DE"/>
           </a:p>
@@ -8636,7 +8644,7 @@
           <a:p>
             <a:fld id="{37AAA59D-F5D9-4C22-BAD7-C7D8B056DE27}" type="datetime1">
               <a:rPr lang="de-DE" smtClean="0"/>
-              <a:t>12.12.2017</a:t>
+              <a:t>14.12.2017</a:t>
             </a:fld>
             <a:endParaRPr lang="de-DE"/>
           </a:p>
@@ -8941,7 +8949,7 @@
           <a:p>
             <a:fld id="{37AAA59D-F5D9-4C22-BAD7-C7D8B056DE27}" type="datetime1">
               <a:rPr lang="de-DE" smtClean="0"/>
-              <a:t>12.12.2017</a:t>
+              <a:t>14.12.2017</a:t>
             </a:fld>
             <a:endParaRPr lang="de-DE"/>
           </a:p>
@@ -9085,7 +9093,7 @@
           <a:p>
             <a:fld id="{37AAA59D-F5D9-4C22-BAD7-C7D8B056DE27}" type="datetime1">
               <a:rPr lang="de-DE" smtClean="0"/>
-              <a:t>12.12.2017</a:t>
+              <a:t>14.12.2017</a:t>
             </a:fld>
             <a:endParaRPr lang="de-DE"/>
           </a:p>
@@ -9371,7 +9379,7 @@
           <a:p>
             <a:fld id="{37AAA59D-F5D9-4C22-BAD7-C7D8B056DE27}" type="datetime1">
               <a:rPr lang="de-DE" smtClean="0"/>
-              <a:t>12.12.2017</a:t>
+              <a:t>14.12.2017</a:t>
             </a:fld>
             <a:endParaRPr lang="de-DE"/>
           </a:p>
@@ -9561,7 +9569,7 @@
           <a:p>
             <a:fld id="{37AAA59D-F5D9-4C22-BAD7-C7D8B056DE27}" type="datetime1">
               <a:rPr lang="de-DE" smtClean="0"/>
-              <a:t>12.12.2017</a:t>
+              <a:t>14.12.2017</a:t>
             </a:fld>
             <a:endParaRPr lang="de-DE"/>
           </a:p>
@@ -9736,7 +9744,7 @@
           <a:p>
             <a:fld id="{37AAA59D-F5D9-4C22-BAD7-C7D8B056DE27}" type="datetime1">
               <a:rPr lang="de-DE" smtClean="0"/>
-              <a:t>12.12.2017</a:t>
+              <a:t>14.12.2017</a:t>
             </a:fld>
             <a:endParaRPr lang="de-DE"/>
           </a:p>
@@ -9959,7 +9967,7 @@
           <a:p>
             <a:fld id="{37AAA59D-F5D9-4C22-BAD7-C7D8B056DE27}" type="datetime1">
               <a:rPr lang="de-DE" smtClean="0"/>
-              <a:t>12.12.2017</a:t>
+              <a:t>14.12.2017</a:t>
             </a:fld>
             <a:endParaRPr lang="de-DE"/>
           </a:p>
@@ -10246,7 +10254,7 @@
           <a:p>
             <a:fld id="{37AAA59D-F5D9-4C22-BAD7-C7D8B056DE27}" type="datetime1">
               <a:rPr lang="de-DE" smtClean="0"/>
-              <a:t>12.12.2017</a:t>
+              <a:t>14.12.2017</a:t>
             </a:fld>
             <a:endParaRPr lang="de-DE"/>
           </a:p>
@@ -10495,7 +10503,7 @@
           <a:p>
             <a:fld id="{37AAA59D-F5D9-4C22-BAD7-C7D8B056DE27}" type="datetime1">
               <a:rPr lang="de-DE" smtClean="0"/>
-              <a:t>12.12.2017</a:t>
+              <a:t>14.12.2017</a:t>
             </a:fld>
             <a:endParaRPr lang="de-DE"/>
           </a:p>
@@ -10726,7 +10734,7 @@
           <a:p>
             <a:fld id="{37AAA59D-F5D9-4C22-BAD7-C7D8B056DE27}" type="datetime1">
               <a:rPr lang="de-DE" smtClean="0"/>
-              <a:t>12.12.2017</a:t>
+              <a:t>14.12.2017</a:t>
             </a:fld>
             <a:endParaRPr lang="de-DE"/>
           </a:p>

--- a/Präsentation/Berufsethik.pptx
+++ b/Präsentation/Berufsethik.pptx
@@ -6934,15 +6934,7 @@
             </a:pPr>
             <a:r>
               <a:rPr lang="de-DE" sz="2800" dirty="0"/>
-              <a:t>Überwindung </a:t>
-            </a:r>
-            <a:r>
-              <a:rPr lang="de-DE" sz="2800"/>
-              <a:t>von Religion </a:t>
-            </a:r>
-            <a:r>
-              <a:rPr lang="de-DE" sz="2800" dirty="0"/>
-              <a:t>und Moral</a:t>
+              <a:t>Überwindung von Religion und Moral</a:t>
             </a:r>
           </a:p>
           <a:p>
@@ -7487,7 +7479,7 @@
             </a:r>
             <a:r>
               <a:rPr lang="de-DE" dirty="0"/>
-              <a:t> eine Art von Übermensch</a:t>
+              <a:t> eventuell eine Art von Übermensch</a:t>
             </a:r>
           </a:p>
         </p:txBody>

--- a/Präsentation/Berufsethik.pptx
+++ b/Präsentation/Berufsethik.pptx
@@ -12,8 +12,8 @@
     <p:sldId id="273" r:id="rId3"/>
     <p:sldId id="274" r:id="rId4"/>
     <p:sldId id="275" r:id="rId5"/>
-    <p:sldId id="276" r:id="rId6"/>
-    <p:sldId id="277" r:id="rId7"/>
+    <p:sldId id="277" r:id="rId6"/>
+    <p:sldId id="295" r:id="rId7"/>
     <p:sldId id="278" r:id="rId8"/>
     <p:sldId id="279" r:id="rId9"/>
     <p:sldId id="281" r:id="rId10"/>
@@ -226,7 +226,7 @@
           <a:p>
             <a:fld id="{B3F4BEC4-04EF-4CD0-BB52-1E33FCB75C1A}" type="datetimeFigureOut">
               <a:rPr lang="de-DE" smtClean="0"/>
-              <a:t>12.12.2017</a:t>
+              <a:t>14.12.2017</a:t>
             </a:fld>
             <a:endParaRPr lang="de-DE"/>
           </a:p>
@@ -539,45 +539,19 @@
           <a:p>
             <a:r>
               <a:rPr lang="de-DE" dirty="0"/>
-              <a:t>Sohn eines reichen Arztes</a:t>
+              <a:t>Einflussreicher Griechischer Philosoph</a:t>
             </a:r>
           </a:p>
           <a:p>
             <a:r>
               <a:rPr lang="de-DE" dirty="0"/>
-              <a:t>insgesamt 20 Jahre an Akademie -&gt; Lehrer</a:t>
+              <a:t>Schüler und Überbringer von Sokrates Gedankengut</a:t>
             </a:r>
           </a:p>
           <a:p>
             <a:r>
               <a:rPr lang="de-DE" dirty="0"/>
-              <a:t>Nach Tod Platons Lehrer von Alexander dem Großen (eroberte das größte Reich in der Geschichte der Antike.)</a:t>
-            </a:r>
-          </a:p>
-          <a:p>
-            <a:r>
-              <a:rPr lang="de-DE" dirty="0"/>
-              <a:t>Wieder nach Athen als Lehrer </a:t>
-            </a:r>
-          </a:p>
-          <a:p>
-            <a:r>
-              <a:rPr lang="de-DE" dirty="0"/>
-              <a:t>Wandte sich vom Königshaus ab Gotteslästerung -&gt; verließ Athen nach </a:t>
-            </a:r>
-            <a:r>
-              <a:rPr lang="de-DE" dirty="0" err="1"/>
-              <a:t>Chalkis</a:t>
-            </a:r>
-            <a:endParaRPr lang="de-DE" dirty="0"/>
-          </a:p>
-          <a:p>
-            <a:endParaRPr lang="de-DE" dirty="0"/>
-          </a:p>
-          <a:p>
-            <a:r>
-              <a:rPr lang="de-DE" dirty="0"/>
-              <a:t>Heute als Wissenschaftler, Biologe, Physiker und Philosoph</a:t>
+              <a:t>Widersprach Aristoteles in Grundlegenden Fragen</a:t>
             </a:r>
           </a:p>
         </p:txBody>
@@ -599,7 +573,7 @@
           <a:p>
             <a:fld id="{08F3800A-C7F0-4619-B9B5-628D134375DA}" type="slidenum">
               <a:rPr lang="de-DE" smtClean="0"/>
-              <a:t>6</a:t>
+              <a:t>5</a:t>
             </a:fld>
             <a:endParaRPr lang="de-DE"/>
           </a:p>
@@ -664,7 +638,45 @@
           <a:p>
             <a:r>
               <a:rPr lang="de-DE" dirty="0"/>
-              <a:t>Logik als Art Handwerkszeug -&gt; Welches Werkzeug aus meinem Koffer muss ich nehmen um ein Problem zu lösen</a:t>
+              <a:t>Sohn eines reichen Arztes</a:t>
+            </a:r>
+          </a:p>
+          <a:p>
+            <a:r>
+              <a:rPr lang="de-DE" dirty="0"/>
+              <a:t>insgesamt 20 Jahre an Akademie -&gt; Lehrer</a:t>
+            </a:r>
+          </a:p>
+          <a:p>
+            <a:r>
+              <a:rPr lang="de-DE" dirty="0"/>
+              <a:t>Nach Tod Platons Lehrer von Alexander dem Großen (eroberte das größte Reich in der Geschichte der Antike.)</a:t>
+            </a:r>
+          </a:p>
+          <a:p>
+            <a:r>
+              <a:rPr lang="de-DE" dirty="0"/>
+              <a:t>Wieder nach Athen als Lehrer </a:t>
+            </a:r>
+          </a:p>
+          <a:p>
+            <a:r>
+              <a:rPr lang="de-DE" dirty="0"/>
+              <a:t>Wandte sich vom Königshaus ab Gotteslästerung -&gt; verließ Athen nach </a:t>
+            </a:r>
+            <a:r>
+              <a:rPr lang="de-DE" dirty="0" err="1"/>
+              <a:t>Chalkis</a:t>
+            </a:r>
+            <a:endParaRPr lang="de-DE" dirty="0"/>
+          </a:p>
+          <a:p>
+            <a:endParaRPr lang="de-DE" dirty="0"/>
+          </a:p>
+          <a:p>
+            <a:r>
+              <a:rPr lang="de-DE" dirty="0"/>
+              <a:t>Heute als Wissenschaftler, Biologe, Physiker und Philosoph</a:t>
             </a:r>
           </a:p>
         </p:txBody>
@@ -686,7 +698,7 @@
           <a:p>
             <a:fld id="{08F3800A-C7F0-4619-B9B5-628D134375DA}" type="slidenum">
               <a:rPr lang="de-DE" smtClean="0"/>
-              <a:t>9</a:t>
+              <a:t>6</a:t>
             </a:fld>
             <a:endParaRPr lang="de-DE"/>
           </a:p>
@@ -695,7 +707,7 @@
     </p:spTree>
     <p:extLst>
       <p:ext uri="{BB962C8B-B14F-4D97-AF65-F5344CB8AC3E}">
-        <p14:creationId xmlns:p14="http://schemas.microsoft.com/office/powerpoint/2010/main" val="362396776"/>
+        <p14:creationId xmlns:p14="http://schemas.microsoft.com/office/powerpoint/2010/main" val="3094867961"/>
       </p:ext>
     </p:extLst>
   </p:cSld>
@@ -749,7 +761,10 @@
           <a:bodyPr/>
           <a:lstStyle/>
           <a:p>
-            <a:endParaRPr lang="de-DE" dirty="0"/>
+            <a:r>
+              <a:rPr lang="de-DE" dirty="0"/>
+              <a:t>Logik als Art Handwerkszeug -&gt; Welches Werkzeug aus meinem Koffer muss ich nehmen um ein Problem zu lösen</a:t>
+            </a:r>
           </a:p>
         </p:txBody>
       </p:sp>
@@ -770,7 +785,7 @@
           <a:p>
             <a:fld id="{08F3800A-C7F0-4619-B9B5-628D134375DA}" type="slidenum">
               <a:rPr lang="de-DE" smtClean="0"/>
-              <a:t>11</a:t>
+              <a:t>9</a:t>
             </a:fld>
             <a:endParaRPr lang="de-DE"/>
           </a:p>
@@ -779,7 +794,7 @@
     </p:spTree>
     <p:extLst>
       <p:ext uri="{BB962C8B-B14F-4D97-AF65-F5344CB8AC3E}">
-        <p14:creationId xmlns:p14="http://schemas.microsoft.com/office/powerpoint/2010/main" val="1049005209"/>
+        <p14:creationId xmlns:p14="http://schemas.microsoft.com/office/powerpoint/2010/main" val="362396776"/>
       </p:ext>
     </p:extLst>
   </p:cSld>
@@ -833,10 +848,7 @@
           <a:bodyPr/>
           <a:lstStyle/>
           <a:p>
-            <a:r>
-              <a:rPr lang="de-DE" dirty="0"/>
-              <a:t>trennt die Methoden der Wissenschaft und Ethik</a:t>
-            </a:r>
+            <a:endParaRPr lang="de-DE" dirty="0"/>
           </a:p>
         </p:txBody>
       </p:sp>
@@ -857,7 +869,7 @@
           <a:p>
             <a:fld id="{08F3800A-C7F0-4619-B9B5-628D134375DA}" type="slidenum">
               <a:rPr lang="de-DE" smtClean="0"/>
-              <a:t>12</a:t>
+              <a:t>11</a:t>
             </a:fld>
             <a:endParaRPr lang="de-DE"/>
           </a:p>
@@ -866,7 +878,7 @@
     </p:spTree>
     <p:extLst>
       <p:ext uri="{BB962C8B-B14F-4D97-AF65-F5344CB8AC3E}">
-        <p14:creationId xmlns:p14="http://schemas.microsoft.com/office/powerpoint/2010/main" val="4175998347"/>
+        <p14:creationId xmlns:p14="http://schemas.microsoft.com/office/powerpoint/2010/main" val="1049005209"/>
       </p:ext>
     </p:extLst>
   </p:cSld>
@@ -922,6 +934,93 @@
           <a:p>
             <a:r>
               <a:rPr lang="de-DE" dirty="0"/>
+              <a:t>trennt die Methoden der Wissenschaft und Ethik</a:t>
+            </a:r>
+          </a:p>
+        </p:txBody>
+      </p:sp>
+      <p:sp>
+        <p:nvSpPr>
+          <p:cNvPr id="4" name="Foliennummernplatzhalter 3"/>
+          <p:cNvSpPr>
+            <a:spLocks noGrp="1"/>
+          </p:cNvSpPr>
+          <p:nvPr>
+            <p:ph type="sldNum" sz="quarter" idx="10"/>
+          </p:nvPr>
+        </p:nvSpPr>
+        <p:spPr/>
+        <p:txBody>
+          <a:bodyPr/>
+          <a:lstStyle/>
+          <a:p>
+            <a:fld id="{08F3800A-C7F0-4619-B9B5-628D134375DA}" type="slidenum">
+              <a:rPr lang="de-DE" smtClean="0"/>
+              <a:t>12</a:t>
+            </a:fld>
+            <a:endParaRPr lang="de-DE"/>
+          </a:p>
+        </p:txBody>
+      </p:sp>
+    </p:spTree>
+    <p:extLst>
+      <p:ext uri="{BB962C8B-B14F-4D97-AF65-F5344CB8AC3E}">
+        <p14:creationId xmlns:p14="http://schemas.microsoft.com/office/powerpoint/2010/main" val="4175998347"/>
+      </p:ext>
+    </p:extLst>
+  </p:cSld>
+  <p:clrMapOvr>
+    <a:masterClrMapping/>
+  </p:clrMapOvr>
+</p:notes>
+</file>
+
+<file path=ppt/notesSlides/notesSlide6.xml><?xml version="1.0" encoding="utf-8"?>
+<p:notes xmlns:a="http://schemas.openxmlformats.org/drawingml/2006/main" xmlns:r="http://schemas.openxmlformats.org/officeDocument/2006/relationships" xmlns:p="http://schemas.openxmlformats.org/presentationml/2006/main">
+  <p:cSld>
+    <p:spTree>
+      <p:nvGrpSpPr>
+        <p:cNvPr id="1" name=""/>
+        <p:cNvGrpSpPr/>
+        <p:nvPr/>
+      </p:nvGrpSpPr>
+      <p:grpSpPr>
+        <a:xfrm>
+          <a:off x="0" y="0"/>
+          <a:ext cx="0" cy="0"/>
+          <a:chOff x="0" y="0"/>
+          <a:chExt cx="0" cy="0"/>
+        </a:xfrm>
+      </p:grpSpPr>
+      <p:sp>
+        <p:nvSpPr>
+          <p:cNvPr id="2" name="Folienbildplatzhalter 1"/>
+          <p:cNvSpPr>
+            <a:spLocks noGrp="1" noRot="1" noChangeAspect="1"/>
+          </p:cNvSpPr>
+          <p:nvPr>
+            <p:ph type="sldImg"/>
+          </p:nvPr>
+        </p:nvSpPr>
+        <p:spPr/>
+      </p:sp>
+      <p:sp>
+        <p:nvSpPr>
+          <p:cNvPr id="3" name="Notizenplatzhalter 2"/>
+          <p:cNvSpPr>
+            <a:spLocks noGrp="1"/>
+          </p:cNvSpPr>
+          <p:nvPr>
+            <p:ph type="body" idx="1"/>
+          </p:nvPr>
+        </p:nvSpPr>
+        <p:spPr/>
+        <p:txBody>
+          <a:bodyPr/>
+          <a:lstStyle/>
+          <a:p>
+            <a:r>
+              <a:rPr lang="de-DE" dirty="0"/>
               <a:t>Ist es aus Sicht Aristoteles vertretbar einen </a:t>
             </a:r>
             <a:r>
@@ -1057,7 +1156,7 @@
 </p:notes>
 </file>
 
-<file path=ppt/notesSlides/notesSlide6.xml><?xml version="1.0" encoding="utf-8"?>
+<file path=ppt/notesSlides/notesSlide7.xml><?xml version="1.0" encoding="utf-8"?>
 <p:notes xmlns:a="http://schemas.openxmlformats.org/drawingml/2006/main" xmlns:r="http://schemas.openxmlformats.org/officeDocument/2006/relationships" xmlns:p="http://schemas.openxmlformats.org/presentationml/2006/main">
   <p:cSld>
     <p:spTree>
@@ -1317,7 +1416,7 @@
           <a:p>
             <a:fld id="{34FCBE35-913E-4F5C-B82A-017151C3CF2E}" type="datetime1">
               <a:rPr lang="de-DE" smtClean="0"/>
-              <a:t>12.12.2017</a:t>
+              <a:t>14.12.2017</a:t>
             </a:fld>
             <a:endParaRPr lang="de-DE"/>
           </a:p>
@@ -1518,7 +1617,7 @@
           <a:p>
             <a:fld id="{2847ED52-B3C1-44AF-867B-E694896FE8F6}" type="datetime1">
               <a:rPr lang="de-DE" smtClean="0"/>
-              <a:t>12.12.2017</a:t>
+              <a:t>14.12.2017</a:t>
             </a:fld>
             <a:endParaRPr lang="de-DE"/>
           </a:p>
@@ -1729,7 +1828,7 @@
           <a:p>
             <a:fld id="{168BBAB2-6C7F-4450-A2AE-93CA97D58F94}" type="datetime1">
               <a:rPr lang="de-DE" smtClean="0"/>
-              <a:t>12.12.2017</a:t>
+              <a:t>14.12.2017</a:t>
             </a:fld>
             <a:endParaRPr lang="de-DE"/>
           </a:p>
@@ -1930,7 +2029,7 @@
           <a:p>
             <a:fld id="{37AAA59D-F5D9-4C22-BAD7-C7D8B056DE27}" type="datetime1">
               <a:rPr lang="de-DE" smtClean="0"/>
-              <a:t>12.12.2017</a:t>
+              <a:t>14.12.2017</a:t>
             </a:fld>
             <a:endParaRPr lang="de-DE"/>
           </a:p>
@@ -2208,7 +2307,7 @@
           <a:p>
             <a:fld id="{9E51E155-D360-4F19-A00F-78921EA1ECE0}" type="datetime1">
               <a:rPr lang="de-DE" smtClean="0"/>
-              <a:t>12.12.2017</a:t>
+              <a:t>14.12.2017</a:t>
             </a:fld>
             <a:endParaRPr lang="de-DE"/>
           </a:p>
@@ -2476,7 +2575,7 @@
           <a:p>
             <a:fld id="{E6839657-0B65-4D4D-95AE-D65A41317F2F}" type="datetime1">
               <a:rPr lang="de-DE" smtClean="0"/>
-              <a:t>12.12.2017</a:t>
+              <a:t>14.12.2017</a:t>
             </a:fld>
             <a:endParaRPr lang="de-DE"/>
           </a:p>
@@ -2891,7 +2990,7 @@
           <a:p>
             <a:fld id="{6556EF25-1D90-48A5-9D2B-C9B4C61351C3}" type="datetime1">
               <a:rPr lang="de-DE" smtClean="0"/>
-              <a:t>12.12.2017</a:t>
+              <a:t>14.12.2017</a:t>
             </a:fld>
             <a:endParaRPr lang="de-DE"/>
           </a:p>
@@ -3035,7 +3134,7 @@
           <a:p>
             <a:fld id="{E2A457FF-C8C2-4DB2-80B3-297A90E469B1}" type="datetime1">
               <a:rPr lang="de-DE" smtClean="0"/>
-              <a:t>12.12.2017</a:t>
+              <a:t>14.12.2017</a:t>
             </a:fld>
             <a:endParaRPr lang="de-DE"/>
           </a:p>
@@ -3151,7 +3250,7 @@
           <a:p>
             <a:fld id="{AD6C03A5-7FB1-43B2-8884-E9E9EB5E2312}" type="datetime1">
               <a:rPr lang="de-DE" smtClean="0"/>
-              <a:t>12.12.2017</a:t>
+              <a:t>14.12.2017</a:t>
             </a:fld>
             <a:endParaRPr lang="de-DE"/>
           </a:p>
@@ -3465,7 +3564,7 @@
           <a:p>
             <a:fld id="{2B9C9779-0FB9-4BCD-864C-0ACBE9ACB817}" type="datetime1">
               <a:rPr lang="de-DE" smtClean="0"/>
-              <a:t>12.12.2017</a:t>
+              <a:t>14.12.2017</a:t>
             </a:fld>
             <a:endParaRPr lang="de-DE"/>
           </a:p>
@@ -3756,7 +3855,7 @@
           <a:p>
             <a:fld id="{1F8E1D88-FA2D-4A0F-A99E-4B1D00F2DADF}" type="datetime1">
               <a:rPr lang="de-DE" smtClean="0"/>
-              <a:t>12.12.2017</a:t>
+              <a:t>14.12.2017</a:t>
             </a:fld>
             <a:endParaRPr lang="de-DE"/>
           </a:p>
@@ -4000,7 +4099,7 @@
           <a:p>
             <a:fld id="{4468ECC2-9D94-478C-A60A-A7D4155B71A1}" type="datetime1">
               <a:rPr lang="de-DE" smtClean="0"/>
-              <a:t>12.12.2017</a:t>
+              <a:t>14.12.2017</a:t>
             </a:fld>
             <a:endParaRPr lang="de-DE"/>
           </a:p>
@@ -4534,7 +4633,7 @@
           <a:p>
             <a:fld id="{9BB24A88-594C-46B6-B0D5-054D34368737}" type="datetime1">
               <a:rPr lang="de-DE" smtClean="0"/>
-              <a:t>12.12.2017</a:t>
+              <a:t>14.12.2017</a:t>
             </a:fld>
             <a:endParaRPr lang="de-DE"/>
           </a:p>
@@ -4853,7 +4952,7 @@
           <a:p>
             <a:fld id="{37AAA59D-F5D9-4C22-BAD7-C7D8B056DE27}" type="datetime1">
               <a:rPr lang="de-DE" smtClean="0"/>
-              <a:t>12.12.2017</a:t>
+              <a:t>14.12.2017</a:t>
             </a:fld>
             <a:endParaRPr lang="de-DE"/>
           </a:p>
@@ -5059,7 +5158,7 @@
           <a:p>
             <a:fld id="{37AAA59D-F5D9-4C22-BAD7-C7D8B056DE27}" type="datetime1">
               <a:rPr lang="de-DE" smtClean="0"/>
-              <a:t>12.12.2017</a:t>
+              <a:t>14.12.2017</a:t>
             </a:fld>
             <a:endParaRPr lang="de-DE"/>
           </a:p>
@@ -5258,7 +5357,7 @@
           <a:p>
             <a:fld id="{37AAA59D-F5D9-4C22-BAD7-C7D8B056DE27}" type="datetime1">
               <a:rPr lang="de-DE" smtClean="0"/>
-              <a:t>12.12.2017</a:t>
+              <a:t>14.12.2017</a:t>
             </a:fld>
             <a:endParaRPr lang="de-DE"/>
           </a:p>
@@ -5454,7 +5553,7 @@
           <a:p>
             <a:fld id="{37AAA59D-F5D9-4C22-BAD7-C7D8B056DE27}" type="datetime1">
               <a:rPr lang="de-DE" smtClean="0"/>
-              <a:t>12.12.2017</a:t>
+              <a:t>14.12.2017</a:t>
             </a:fld>
             <a:endParaRPr lang="de-DE"/>
           </a:p>
@@ -5629,7 +5728,7 @@
           <a:p>
             <a:fld id="{37AAA59D-F5D9-4C22-BAD7-C7D8B056DE27}" type="datetime1">
               <a:rPr lang="de-DE" smtClean="0"/>
-              <a:t>12.12.2017</a:t>
+              <a:t>14.12.2017</a:t>
             </a:fld>
             <a:endParaRPr lang="de-DE"/>
           </a:p>
@@ -6762,7 +6861,7 @@
           <a:p>
             <a:fld id="{37AAA59D-F5D9-4C22-BAD7-C7D8B056DE27}" type="datetime1">
               <a:rPr lang="de-DE" smtClean="0"/>
-              <a:t>12.12.2017</a:t>
+              <a:t>14.12.2017</a:t>
             </a:fld>
             <a:endParaRPr lang="de-DE"/>
           </a:p>
@@ -6988,7 +7087,7 @@
           <a:p>
             <a:fld id="{37AAA59D-F5D9-4C22-BAD7-C7D8B056DE27}" type="datetime1">
               <a:rPr lang="de-DE" smtClean="0"/>
-              <a:t>12.12.2017</a:t>
+              <a:t>14.12.2017</a:t>
             </a:fld>
             <a:endParaRPr lang="de-DE"/>
           </a:p>
@@ -7225,7 +7324,7 @@
           <a:p>
             <a:fld id="{37AAA59D-F5D9-4C22-BAD7-C7D8B056DE27}" type="datetime1">
               <a:rPr lang="de-DE" smtClean="0"/>
-              <a:t>12.12.2017</a:t>
+              <a:t>14.12.2017</a:t>
             </a:fld>
             <a:endParaRPr lang="de-DE"/>
           </a:p>
@@ -7507,7 +7606,7 @@
           <a:p>
             <a:fld id="{37AAA59D-F5D9-4C22-BAD7-C7D8B056DE27}" type="datetime1">
               <a:rPr lang="de-DE" smtClean="0"/>
-              <a:t>12.12.2017</a:t>
+              <a:t>14.12.2017</a:t>
             </a:fld>
             <a:endParaRPr lang="de-DE"/>
           </a:p>
@@ -7957,7 +8056,7 @@
           <a:p>
             <a:fld id="{37AAA59D-F5D9-4C22-BAD7-C7D8B056DE27}" type="datetime1">
               <a:rPr lang="de-DE" smtClean="0"/>
-              <a:t>12.12.2017</a:t>
+              <a:t>14.12.2017</a:t>
             </a:fld>
             <a:endParaRPr lang="de-DE"/>
           </a:p>
@@ -8154,7 +8253,7 @@
           <a:p>
             <a:fld id="{1B876D99-6DEA-420F-AEAC-AB387BCD608A}" type="datetime1">
               <a:rPr lang="de-DE" smtClean="0"/>
-              <a:t>12.12.2017</a:t>
+              <a:t>14.12.2017</a:t>
             </a:fld>
             <a:endParaRPr lang="de-DE"/>
           </a:p>
@@ -8381,7 +8480,7 @@
           <a:p>
             <a:fld id="{37AAA59D-F5D9-4C22-BAD7-C7D8B056DE27}" type="datetime1">
               <a:rPr lang="de-DE" smtClean="0"/>
-              <a:t>12.12.2017</a:t>
+              <a:t>14.12.2017</a:t>
             </a:fld>
             <a:endParaRPr lang="de-DE"/>
           </a:p>
@@ -8636,7 +8735,7 @@
           <a:p>
             <a:fld id="{37AAA59D-F5D9-4C22-BAD7-C7D8B056DE27}" type="datetime1">
               <a:rPr lang="de-DE" smtClean="0"/>
-              <a:t>12.12.2017</a:t>
+              <a:t>14.12.2017</a:t>
             </a:fld>
             <a:endParaRPr lang="de-DE"/>
           </a:p>
@@ -8941,7 +9040,7 @@
           <a:p>
             <a:fld id="{37AAA59D-F5D9-4C22-BAD7-C7D8B056DE27}" type="datetime1">
               <a:rPr lang="de-DE" smtClean="0"/>
-              <a:t>12.12.2017</a:t>
+              <a:t>14.12.2017</a:t>
             </a:fld>
             <a:endParaRPr lang="de-DE"/>
           </a:p>
@@ -9085,7 +9184,7 @@
           <a:p>
             <a:fld id="{37AAA59D-F5D9-4C22-BAD7-C7D8B056DE27}" type="datetime1">
               <a:rPr lang="de-DE" smtClean="0"/>
-              <a:t>12.12.2017</a:t>
+              <a:t>14.12.2017</a:t>
             </a:fld>
             <a:endParaRPr lang="de-DE"/>
           </a:p>
@@ -9371,7 +9470,7 @@
           <a:p>
             <a:fld id="{37AAA59D-F5D9-4C22-BAD7-C7D8B056DE27}" type="datetime1">
               <a:rPr lang="de-DE" smtClean="0"/>
-              <a:t>12.12.2017</a:t>
+              <a:t>14.12.2017</a:t>
             </a:fld>
             <a:endParaRPr lang="de-DE"/>
           </a:p>
@@ -9561,7 +9660,7 @@
           <a:p>
             <a:fld id="{37AAA59D-F5D9-4C22-BAD7-C7D8B056DE27}" type="datetime1">
               <a:rPr lang="de-DE" smtClean="0"/>
-              <a:t>12.12.2017</a:t>
+              <a:t>14.12.2017</a:t>
             </a:fld>
             <a:endParaRPr lang="de-DE"/>
           </a:p>
@@ -9659,7 +9758,7 @@
           <p:cNvPr id="2" name="Titel 1">
             <a:extLst>
               <a:ext uri="{FF2B5EF4-FFF2-40B4-BE49-F238E27FC236}">
-                <a16:creationId xmlns:a16="http://schemas.microsoft.com/office/drawing/2014/main" id="{FEDA4AB2-7E71-4E1D-9299-64CEAAF322D7}"/>
+                <a16:creationId xmlns:a16="http://schemas.microsoft.com/office/drawing/2014/main" id="{ECB741D5-C0E5-4C4B-8863-1471E7819BC4}"/>
               </a:ext>
             </a:extLst>
           </p:cNvPr>
@@ -9677,7 +9776,7 @@
           <a:p>
             <a:r>
               <a:rPr lang="de-DE" dirty="0"/>
-              <a:t>Grundlagen	</a:t>
+              <a:t>Grundlagen</a:t>
             </a:r>
           </a:p>
         </p:txBody>
@@ -9687,7 +9786,7 @@
           <p:cNvPr id="3" name="Inhaltsplatzhalter 2">
             <a:extLst>
               <a:ext uri="{FF2B5EF4-FFF2-40B4-BE49-F238E27FC236}">
-                <a16:creationId xmlns:a16="http://schemas.microsoft.com/office/drawing/2014/main" id="{4F68C301-48F2-41F2-A5F7-041A9ACFC560}"/>
+                <a16:creationId xmlns:a16="http://schemas.microsoft.com/office/drawing/2014/main" id="{9BB7A237-12D8-4DDF-8EEE-95DD36627AB6}"/>
               </a:ext>
             </a:extLst>
           </p:cNvPr>
@@ -9698,9 +9797,16 @@
             <p:ph idx="1"/>
           </p:nvPr>
         </p:nvSpPr>
-        <p:spPr/>
-        <p:txBody>
-          <a:bodyPr/>
+        <p:spPr>
+          <a:xfrm>
+            <a:off x="838200" y="1825625"/>
+            <a:ext cx="7772400" cy="4351338"/>
+          </a:xfrm>
+        </p:spPr>
+        <p:txBody>
+          <a:bodyPr>
+            <a:normAutofit/>
+          </a:bodyPr>
           <a:lstStyle/>
           <a:p>
             <a:pPr marL="0" indent="0">
@@ -9711,6 +9817,43 @@
               <a:t>Platon:</a:t>
             </a:r>
           </a:p>
+          <a:p>
+            <a:r>
+              <a:rPr lang="de-DE" dirty="0"/>
+              <a:t> * 427 v. Chr. in Athen - † 347 v. Chr. in Athen</a:t>
+            </a:r>
+          </a:p>
+          <a:p>
+            <a:r>
+              <a:rPr lang="de-DE" dirty="0"/>
+              <a:t>Schüler des Sokrates</a:t>
+            </a:r>
+          </a:p>
+          <a:p>
+            <a:r>
+              <a:rPr lang="de-DE" dirty="0"/>
+              <a:t>Gründer der „Akademie“</a:t>
+            </a:r>
+          </a:p>
+          <a:p>
+            <a:pPr lvl="1"/>
+            <a:r>
+              <a:rPr lang="de-DE" dirty="0"/>
+              <a:t>Lehrer von u.a. Aristoteles</a:t>
+            </a:r>
+          </a:p>
+          <a:p>
+            <a:pPr marL="0" indent="0">
+              <a:buNone/>
+            </a:pPr>
+            <a:endParaRPr lang="de-DE" dirty="0"/>
+          </a:p>
+          <a:p>
+            <a:r>
+              <a:rPr lang="de-DE" dirty="0"/>
+              <a:t>Philosophie, Metaphysik, Erkenntnistheorie, Ethik, Anthropologie, Staatstheorie, Kosmologie, Kunsttheorie und Sprachphilosophie</a:t>
+            </a:r>
+          </a:p>
         </p:txBody>
       </p:sp>
       <p:sp>
@@ -9718,7 +9861,7 @@
           <p:cNvPr id="4" name="Datumsplatzhalter 3">
             <a:extLst>
               <a:ext uri="{FF2B5EF4-FFF2-40B4-BE49-F238E27FC236}">
-                <a16:creationId xmlns:a16="http://schemas.microsoft.com/office/drawing/2014/main" id="{45E19194-7F7B-4FEE-A701-A2564F107C16}"/>
+                <a16:creationId xmlns:a16="http://schemas.microsoft.com/office/drawing/2014/main" id="{30482ECE-9114-4545-BC1A-850015491E25}"/>
               </a:ext>
             </a:extLst>
           </p:cNvPr>
@@ -9736,7 +9879,7 @@
           <a:p>
             <a:fld id="{37AAA59D-F5D9-4C22-BAD7-C7D8B056DE27}" type="datetime1">
               <a:rPr lang="de-DE" smtClean="0"/>
-              <a:t>12.12.2017</a:t>
+              <a:t>14.12.2017</a:t>
             </a:fld>
             <a:endParaRPr lang="de-DE"/>
           </a:p>
@@ -9747,7 +9890,7 @@
           <p:cNvPr id="5" name="Fußzeilenplatzhalter 4">
             <a:extLst>
               <a:ext uri="{FF2B5EF4-FFF2-40B4-BE49-F238E27FC236}">
-                <a16:creationId xmlns:a16="http://schemas.microsoft.com/office/drawing/2014/main" id="{A0BCD521-9060-4FB6-A399-DADC9520589E}"/>
+                <a16:creationId xmlns:a16="http://schemas.microsoft.com/office/drawing/2014/main" id="{756714E6-82C2-4173-9C43-1F2BEE5DC939}"/>
               </a:ext>
             </a:extLst>
           </p:cNvPr>
@@ -9775,7 +9918,7 @@
           <p:cNvPr id="6" name="Foliennummernplatzhalter 5">
             <a:extLst>
               <a:ext uri="{FF2B5EF4-FFF2-40B4-BE49-F238E27FC236}">
-                <a16:creationId xmlns:a16="http://schemas.microsoft.com/office/drawing/2014/main" id="{9CB98577-FE5A-428F-8011-C220F04053FD}"/>
+                <a16:creationId xmlns:a16="http://schemas.microsoft.com/office/drawing/2014/main" id="{ADE6220B-D6A2-4AAF-A79E-347365C1C721}"/>
               </a:ext>
             </a:extLst>
           </p:cNvPr>
@@ -9799,10 +9942,80 @@
           </a:p>
         </p:txBody>
       </p:sp>
+      <p:pic>
+        <p:nvPicPr>
+          <p:cNvPr id="8" name="Grafik 7">
+            <a:extLst>
+              <a:ext uri="{FF2B5EF4-FFF2-40B4-BE49-F238E27FC236}">
+                <a16:creationId xmlns:a16="http://schemas.microsoft.com/office/drawing/2014/main" id="{B32A763F-55AB-43FE-B428-872E30AA2708}"/>
+              </a:ext>
+            </a:extLst>
+          </p:cNvPr>
+          <p:cNvPicPr>
+            <a:picLocks noChangeAspect="1"/>
+          </p:cNvPicPr>
+          <p:nvPr/>
+        </p:nvPicPr>
+        <p:blipFill>
+          <a:blip r:embed="rId3">
+            <a:extLst>
+              <a:ext uri="{28A0092B-C50C-407E-A947-70E740481C1C}">
+                <a14:useLocalDpi xmlns:a14="http://schemas.microsoft.com/office/drawing/2010/main" val="0"/>
+              </a:ext>
+            </a:extLst>
+          </a:blip>
+          <a:stretch>
+            <a:fillRect/>
+          </a:stretch>
+        </p:blipFill>
+        <p:spPr>
+          <a:xfrm>
+            <a:off x="9156589" y="1825625"/>
+            <a:ext cx="2346960" cy="3264408"/>
+          </a:xfrm>
+          <a:prstGeom prst="rect">
+            <a:avLst/>
+          </a:prstGeom>
+        </p:spPr>
+      </p:pic>
+      <p:sp>
+        <p:nvSpPr>
+          <p:cNvPr id="9" name="Rechteck 8">
+            <a:extLst>
+              <a:ext uri="{FF2B5EF4-FFF2-40B4-BE49-F238E27FC236}">
+                <a16:creationId xmlns:a16="http://schemas.microsoft.com/office/drawing/2014/main" id="{E9943791-9FC3-4630-977B-9AF322362030}"/>
+              </a:ext>
+            </a:extLst>
+          </p:cNvPr>
+          <p:cNvSpPr/>
+          <p:nvPr/>
+        </p:nvSpPr>
+        <p:spPr>
+          <a:xfrm>
+            <a:off x="9110869" y="5576799"/>
+            <a:ext cx="2797865" cy="938719"/>
+          </a:xfrm>
+          <a:prstGeom prst="rect">
+            <a:avLst/>
+          </a:prstGeom>
+        </p:spPr>
+        <p:txBody>
+          <a:bodyPr wrap="square">
+            <a:spAutoFit/>
+          </a:bodyPr>
+          <a:lstStyle/>
+          <a:p>
+            <a:r>
+              <a:rPr lang="de-DE" sz="1100" dirty="0"/>
+              <a:t>Quelle: https://upload.wikimedia.org/wikipedia/commons/thumb/7/7d/Head_Platon_Glyptothek_Munich_548.jpg/431px-Head_Platon_Glyptothek_Munich_548.jpg</a:t>
+            </a:r>
+          </a:p>
+        </p:txBody>
+      </p:sp>
     </p:spTree>
     <p:extLst>
       <p:ext uri="{BB962C8B-B14F-4D97-AF65-F5344CB8AC3E}">
-        <p14:creationId xmlns:p14="http://schemas.microsoft.com/office/powerpoint/2010/main" val="3503195578"/>
+        <p14:creationId xmlns:p14="http://schemas.microsoft.com/office/powerpoint/2010/main" val="1097312836"/>
       </p:ext>
     </p:extLst>
   </p:cSld>
@@ -9959,7 +10172,7 @@
           <a:p>
             <a:fld id="{37AAA59D-F5D9-4C22-BAD7-C7D8B056DE27}" type="datetime1">
               <a:rPr lang="de-DE" smtClean="0"/>
-              <a:t>12.12.2017</a:t>
+              <a:t>14.12.2017</a:t>
             </a:fld>
             <a:endParaRPr lang="de-DE"/>
           </a:p>
@@ -10095,7 +10308,7 @@
     </p:spTree>
     <p:extLst>
       <p:ext uri="{BB962C8B-B14F-4D97-AF65-F5344CB8AC3E}">
-        <p14:creationId xmlns:p14="http://schemas.microsoft.com/office/powerpoint/2010/main" val="1097312836"/>
+        <p14:creationId xmlns:p14="http://schemas.microsoft.com/office/powerpoint/2010/main" val="4010951711"/>
       </p:ext>
     </p:extLst>
   </p:cSld>
@@ -10246,7 +10459,7 @@
           <a:p>
             <a:fld id="{37AAA59D-F5D9-4C22-BAD7-C7D8B056DE27}" type="datetime1">
               <a:rPr lang="de-DE" smtClean="0"/>
-              <a:t>12.12.2017</a:t>
+              <a:t>14.12.2017</a:t>
             </a:fld>
             <a:endParaRPr lang="de-DE"/>
           </a:p>
@@ -10495,7 +10708,7 @@
           <a:p>
             <a:fld id="{37AAA59D-F5D9-4C22-BAD7-C7D8B056DE27}" type="datetime1">
               <a:rPr lang="de-DE" smtClean="0"/>
-              <a:t>12.12.2017</a:t>
+              <a:t>14.12.2017</a:t>
             </a:fld>
             <a:endParaRPr lang="de-DE"/>
           </a:p>
@@ -10726,7 +10939,7 @@
           <a:p>
             <a:fld id="{37AAA59D-F5D9-4C22-BAD7-C7D8B056DE27}" type="datetime1">
               <a:rPr lang="de-DE" smtClean="0"/>
-              <a:t>12.12.2017</a:t>
+              <a:t>14.12.2017</a:t>
             </a:fld>
             <a:endParaRPr lang="de-DE"/>
           </a:p>

--- a/Präsentation/Berufsethik.pptx
+++ b/Präsentation/Berufsethik.pptx
@@ -5,7 +5,7 @@
     <p:sldMasterId id="2147483648" r:id="rId1"/>
   </p:sldMasterIdLst>
   <p:notesMasterIdLst>
-    <p:notesMasterId r:id="rId25"/>
+    <p:notesMasterId r:id="rId32"/>
   </p:notesMasterIdLst>
   <p:sldIdLst>
     <p:sldId id="256" r:id="rId2"/>
@@ -15,22 +15,29 @@
     <p:sldId id="277" r:id="rId6"/>
     <p:sldId id="295" r:id="rId7"/>
     <p:sldId id="278" r:id="rId8"/>
-    <p:sldId id="279" r:id="rId9"/>
-    <p:sldId id="281" r:id="rId10"/>
-    <p:sldId id="282" r:id="rId11"/>
-    <p:sldId id="283" r:id="rId12"/>
-    <p:sldId id="284" r:id="rId13"/>
-    <p:sldId id="285" r:id="rId14"/>
-    <p:sldId id="280" r:id="rId15"/>
-    <p:sldId id="286" r:id="rId16"/>
-    <p:sldId id="292" r:id="rId17"/>
-    <p:sldId id="293" r:id="rId18"/>
-    <p:sldId id="294" r:id="rId19"/>
-    <p:sldId id="287" r:id="rId20"/>
-    <p:sldId id="288" r:id="rId21"/>
-    <p:sldId id="289" r:id="rId22"/>
-    <p:sldId id="290" r:id="rId23"/>
-    <p:sldId id="291" r:id="rId24"/>
+    <p:sldId id="281" r:id="rId9"/>
+    <p:sldId id="297" r:id="rId10"/>
+    <p:sldId id="298" r:id="rId11"/>
+    <p:sldId id="299" r:id="rId12"/>
+    <p:sldId id="301" r:id="rId13"/>
+    <p:sldId id="296" r:id="rId14"/>
+    <p:sldId id="302" r:id="rId15"/>
+    <p:sldId id="300" r:id="rId16"/>
+    <p:sldId id="282" r:id="rId17"/>
+    <p:sldId id="283" r:id="rId18"/>
+    <p:sldId id="284" r:id="rId19"/>
+    <p:sldId id="285" r:id="rId20"/>
+    <p:sldId id="280" r:id="rId21"/>
+    <p:sldId id="286" r:id="rId22"/>
+    <p:sldId id="292" r:id="rId23"/>
+    <p:sldId id="293" r:id="rId24"/>
+    <p:sldId id="294" r:id="rId25"/>
+    <p:sldId id="287" r:id="rId26"/>
+    <p:sldId id="288" r:id="rId27"/>
+    <p:sldId id="289" r:id="rId28"/>
+    <p:sldId id="290" r:id="rId29"/>
+    <p:sldId id="303" r:id="rId30"/>
+    <p:sldId id="291" r:id="rId31"/>
   </p:sldIdLst>
   <p:sldSz cx="12192000" cy="6858000"/>
   <p:notesSz cx="6858000" cy="9144000"/>
@@ -592,6 +599,861 @@
 </p:notes>
 </file>
 
+<file path=ppt/notesSlides/notesSlide10.xml><?xml version="1.0" encoding="utf-8"?>
+<p:notes xmlns:a="http://schemas.openxmlformats.org/drawingml/2006/main" xmlns:r="http://schemas.openxmlformats.org/officeDocument/2006/relationships" xmlns:p="http://schemas.openxmlformats.org/presentationml/2006/main">
+  <p:cSld>
+    <p:spTree>
+      <p:nvGrpSpPr>
+        <p:cNvPr id="1" name=""/>
+        <p:cNvGrpSpPr/>
+        <p:nvPr/>
+      </p:nvGrpSpPr>
+      <p:grpSpPr>
+        <a:xfrm>
+          <a:off x="0" y="0"/>
+          <a:ext cx="0" cy="0"/>
+          <a:chOff x="0" y="0"/>
+          <a:chExt cx="0" cy="0"/>
+        </a:xfrm>
+      </p:grpSpPr>
+      <p:sp>
+        <p:nvSpPr>
+          <p:cNvPr id="2" name="Folienbildplatzhalter 1"/>
+          <p:cNvSpPr>
+            <a:spLocks noGrp="1" noRot="1" noChangeAspect="1"/>
+          </p:cNvSpPr>
+          <p:nvPr>
+            <p:ph type="sldImg"/>
+          </p:nvPr>
+        </p:nvSpPr>
+        <p:spPr/>
+      </p:sp>
+      <p:sp>
+        <p:nvSpPr>
+          <p:cNvPr id="3" name="Notizenplatzhalter 2"/>
+          <p:cNvSpPr>
+            <a:spLocks noGrp="1"/>
+          </p:cNvSpPr>
+          <p:nvPr>
+            <p:ph type="body" idx="1"/>
+          </p:nvPr>
+        </p:nvSpPr>
+        <p:spPr/>
+        <p:txBody>
+          <a:bodyPr/>
+          <a:lstStyle/>
+          <a:p>
+            <a:r>
+              <a:rPr lang="de-DE" dirty="0"/>
+              <a:t>Logik als Art Handwerkszeug -&gt; Welches Werkzeug aus meinem Koffer muss ich nehmen um ein Problem zu lösen</a:t>
+            </a:r>
+          </a:p>
+        </p:txBody>
+      </p:sp>
+      <p:sp>
+        <p:nvSpPr>
+          <p:cNvPr id="4" name="Foliennummernplatzhalter 3"/>
+          <p:cNvSpPr>
+            <a:spLocks noGrp="1"/>
+          </p:cNvSpPr>
+          <p:nvPr>
+            <p:ph type="sldNum" sz="quarter" idx="10"/>
+          </p:nvPr>
+        </p:nvSpPr>
+        <p:spPr/>
+        <p:txBody>
+          <a:bodyPr/>
+          <a:lstStyle/>
+          <a:p>
+            <a:fld id="{08F3800A-C7F0-4619-B9B5-628D134375DA}" type="slidenum">
+              <a:rPr lang="de-DE" smtClean="0"/>
+              <a:t>15</a:t>
+            </a:fld>
+            <a:endParaRPr lang="de-DE"/>
+          </a:p>
+        </p:txBody>
+      </p:sp>
+    </p:spTree>
+    <p:extLst>
+      <p:ext uri="{BB962C8B-B14F-4D97-AF65-F5344CB8AC3E}">
+        <p14:creationId xmlns:p14="http://schemas.microsoft.com/office/powerpoint/2010/main" val="1789536994"/>
+      </p:ext>
+    </p:extLst>
+  </p:cSld>
+  <p:clrMapOvr>
+    <a:masterClrMapping/>
+  </p:clrMapOvr>
+</p:notes>
+</file>
+
+<file path=ppt/notesSlides/notesSlide11.xml><?xml version="1.0" encoding="utf-8"?>
+<p:notes xmlns:a="http://schemas.openxmlformats.org/drawingml/2006/main" xmlns:r="http://schemas.openxmlformats.org/officeDocument/2006/relationships" xmlns:p="http://schemas.openxmlformats.org/presentationml/2006/main">
+  <p:cSld>
+    <p:spTree>
+      <p:nvGrpSpPr>
+        <p:cNvPr id="1" name=""/>
+        <p:cNvGrpSpPr/>
+        <p:nvPr/>
+      </p:nvGrpSpPr>
+      <p:grpSpPr>
+        <a:xfrm>
+          <a:off x="0" y="0"/>
+          <a:ext cx="0" cy="0"/>
+          <a:chOff x="0" y="0"/>
+          <a:chExt cx="0" cy="0"/>
+        </a:xfrm>
+      </p:grpSpPr>
+      <p:sp>
+        <p:nvSpPr>
+          <p:cNvPr id="2" name="Folienbildplatzhalter 1"/>
+          <p:cNvSpPr>
+            <a:spLocks noGrp="1" noRot="1" noChangeAspect="1"/>
+          </p:cNvSpPr>
+          <p:nvPr>
+            <p:ph type="sldImg"/>
+          </p:nvPr>
+        </p:nvSpPr>
+        <p:spPr/>
+      </p:sp>
+      <p:sp>
+        <p:nvSpPr>
+          <p:cNvPr id="3" name="Notizenplatzhalter 2"/>
+          <p:cNvSpPr>
+            <a:spLocks noGrp="1"/>
+          </p:cNvSpPr>
+          <p:nvPr>
+            <p:ph type="body" idx="1"/>
+          </p:nvPr>
+        </p:nvSpPr>
+        <p:spPr/>
+        <p:txBody>
+          <a:bodyPr/>
+          <a:lstStyle/>
+          <a:p>
+            <a:endParaRPr lang="de-DE" dirty="0"/>
+          </a:p>
+        </p:txBody>
+      </p:sp>
+      <p:sp>
+        <p:nvSpPr>
+          <p:cNvPr id="4" name="Foliennummernplatzhalter 3"/>
+          <p:cNvSpPr>
+            <a:spLocks noGrp="1"/>
+          </p:cNvSpPr>
+          <p:nvPr>
+            <p:ph type="sldNum" sz="quarter" idx="10"/>
+          </p:nvPr>
+        </p:nvSpPr>
+        <p:spPr/>
+        <p:txBody>
+          <a:bodyPr/>
+          <a:lstStyle/>
+          <a:p>
+            <a:fld id="{08F3800A-C7F0-4619-B9B5-628D134375DA}" type="slidenum">
+              <a:rPr lang="de-DE" smtClean="0"/>
+              <a:t>17</a:t>
+            </a:fld>
+            <a:endParaRPr lang="de-DE"/>
+          </a:p>
+        </p:txBody>
+      </p:sp>
+    </p:spTree>
+    <p:extLst>
+      <p:ext uri="{BB962C8B-B14F-4D97-AF65-F5344CB8AC3E}">
+        <p14:creationId xmlns:p14="http://schemas.microsoft.com/office/powerpoint/2010/main" val="1049005209"/>
+      </p:ext>
+    </p:extLst>
+  </p:cSld>
+  <p:clrMapOvr>
+    <a:masterClrMapping/>
+  </p:clrMapOvr>
+</p:notes>
+</file>
+
+<file path=ppt/notesSlides/notesSlide12.xml><?xml version="1.0" encoding="utf-8"?>
+<p:notes xmlns:a="http://schemas.openxmlformats.org/drawingml/2006/main" xmlns:r="http://schemas.openxmlformats.org/officeDocument/2006/relationships" xmlns:p="http://schemas.openxmlformats.org/presentationml/2006/main">
+  <p:cSld>
+    <p:spTree>
+      <p:nvGrpSpPr>
+        <p:cNvPr id="1" name=""/>
+        <p:cNvGrpSpPr/>
+        <p:nvPr/>
+      </p:nvGrpSpPr>
+      <p:grpSpPr>
+        <a:xfrm>
+          <a:off x="0" y="0"/>
+          <a:ext cx="0" cy="0"/>
+          <a:chOff x="0" y="0"/>
+          <a:chExt cx="0" cy="0"/>
+        </a:xfrm>
+      </p:grpSpPr>
+      <p:sp>
+        <p:nvSpPr>
+          <p:cNvPr id="2" name="Folienbildplatzhalter 1"/>
+          <p:cNvSpPr>
+            <a:spLocks noGrp="1" noRot="1" noChangeAspect="1"/>
+          </p:cNvSpPr>
+          <p:nvPr>
+            <p:ph type="sldImg"/>
+          </p:nvPr>
+        </p:nvSpPr>
+        <p:spPr/>
+      </p:sp>
+      <p:sp>
+        <p:nvSpPr>
+          <p:cNvPr id="3" name="Notizenplatzhalter 2"/>
+          <p:cNvSpPr>
+            <a:spLocks noGrp="1"/>
+          </p:cNvSpPr>
+          <p:nvPr>
+            <p:ph type="body" idx="1"/>
+          </p:nvPr>
+        </p:nvSpPr>
+        <p:spPr/>
+        <p:txBody>
+          <a:bodyPr/>
+          <a:lstStyle/>
+          <a:p>
+            <a:r>
+              <a:rPr lang="de-DE" dirty="0"/>
+              <a:t>trennt die Methoden der Wissenschaft und Ethik</a:t>
+            </a:r>
+          </a:p>
+        </p:txBody>
+      </p:sp>
+      <p:sp>
+        <p:nvSpPr>
+          <p:cNvPr id="4" name="Foliennummernplatzhalter 3"/>
+          <p:cNvSpPr>
+            <a:spLocks noGrp="1"/>
+          </p:cNvSpPr>
+          <p:nvPr>
+            <p:ph type="sldNum" sz="quarter" idx="10"/>
+          </p:nvPr>
+        </p:nvSpPr>
+        <p:spPr/>
+        <p:txBody>
+          <a:bodyPr/>
+          <a:lstStyle/>
+          <a:p>
+            <a:fld id="{08F3800A-C7F0-4619-B9B5-628D134375DA}" type="slidenum">
+              <a:rPr lang="de-DE" smtClean="0"/>
+              <a:t>18</a:t>
+            </a:fld>
+            <a:endParaRPr lang="de-DE"/>
+          </a:p>
+        </p:txBody>
+      </p:sp>
+    </p:spTree>
+    <p:extLst>
+      <p:ext uri="{BB962C8B-B14F-4D97-AF65-F5344CB8AC3E}">
+        <p14:creationId xmlns:p14="http://schemas.microsoft.com/office/powerpoint/2010/main" val="4175998347"/>
+      </p:ext>
+    </p:extLst>
+  </p:cSld>
+  <p:clrMapOvr>
+    <a:masterClrMapping/>
+  </p:clrMapOvr>
+</p:notes>
+</file>
+
+<file path=ppt/notesSlides/notesSlide13.xml><?xml version="1.0" encoding="utf-8"?>
+<p:notes xmlns:a="http://schemas.openxmlformats.org/drawingml/2006/main" xmlns:r="http://schemas.openxmlformats.org/officeDocument/2006/relationships" xmlns:p="http://schemas.openxmlformats.org/presentationml/2006/main">
+  <p:cSld>
+    <p:spTree>
+      <p:nvGrpSpPr>
+        <p:cNvPr id="1" name=""/>
+        <p:cNvGrpSpPr/>
+        <p:nvPr/>
+      </p:nvGrpSpPr>
+      <p:grpSpPr>
+        <a:xfrm>
+          <a:off x="0" y="0"/>
+          <a:ext cx="0" cy="0"/>
+          <a:chOff x="0" y="0"/>
+          <a:chExt cx="0" cy="0"/>
+        </a:xfrm>
+      </p:grpSpPr>
+      <p:sp>
+        <p:nvSpPr>
+          <p:cNvPr id="2" name="Folienbildplatzhalter 1"/>
+          <p:cNvSpPr>
+            <a:spLocks noGrp="1" noRot="1" noChangeAspect="1"/>
+          </p:cNvSpPr>
+          <p:nvPr>
+            <p:ph type="sldImg"/>
+          </p:nvPr>
+        </p:nvSpPr>
+        <p:spPr/>
+      </p:sp>
+      <p:sp>
+        <p:nvSpPr>
+          <p:cNvPr id="3" name="Notizenplatzhalter 2"/>
+          <p:cNvSpPr>
+            <a:spLocks noGrp="1"/>
+          </p:cNvSpPr>
+          <p:nvPr>
+            <p:ph type="body" idx="1"/>
+          </p:nvPr>
+        </p:nvSpPr>
+        <p:spPr/>
+        <p:txBody>
+          <a:bodyPr/>
+          <a:lstStyle/>
+          <a:p>
+            <a:r>
+              <a:rPr lang="de-DE" dirty="0"/>
+              <a:t>Ist es aus Sicht Aristoteles vertretbar einen </a:t>
+            </a:r>
+            <a:r>
+              <a:rPr lang="de-DE" dirty="0" err="1"/>
+              <a:t>Chatbot</a:t>
+            </a:r>
+            <a:r>
+              <a:rPr lang="de-DE" dirty="0"/>
+              <a:t> zu verwenden? Meinungsfindung</a:t>
+            </a:r>
+          </a:p>
+          <a:p>
+            <a:endParaRPr lang="de-DE" dirty="0"/>
+          </a:p>
+          <a:p>
+            <a:r>
+              <a:rPr lang="de-DE" dirty="0"/>
+              <a:t>Abgewandelte Form heute in der KI (Aussagenlogik) -&gt; Es spricht nichts dagegen seine Erfindung zu verwenden.</a:t>
+            </a:r>
+          </a:p>
+          <a:p>
+            <a:endParaRPr lang="de-DE" dirty="0"/>
+          </a:p>
+          <a:p>
+            <a:r>
+              <a:rPr lang="de-DE" dirty="0"/>
+              <a:t>Support </a:t>
+            </a:r>
+            <a:r>
+              <a:rPr lang="de-DE" dirty="0" err="1"/>
+              <a:t>Chatbot</a:t>
+            </a:r>
+            <a:r>
+              <a:rPr lang="de-DE" dirty="0"/>
+              <a:t>:</a:t>
+            </a:r>
+          </a:p>
+          <a:p>
+            <a:r>
+              <a:rPr lang="de-DE" dirty="0"/>
+              <a:t>Anwender hat eine Frage, will Wissen erlangen -&gt; Das Bestreben nach Wissen soll befriedigt werden -&gt; Problem: Der </a:t>
+            </a:r>
+            <a:r>
+              <a:rPr lang="de-DE" dirty="0" err="1"/>
+              <a:t>Chatbot</a:t>
+            </a:r>
+            <a:r>
+              <a:rPr lang="de-DE" dirty="0"/>
+              <a:t> als Wissensquelle</a:t>
+            </a:r>
+          </a:p>
+          <a:p>
+            <a:r>
+              <a:rPr lang="de-DE" dirty="0"/>
+              <a:t>geschichtlicher Hintergrund</a:t>
+            </a:r>
+          </a:p>
+          <a:p>
+            <a:endParaRPr lang="de-DE" dirty="0"/>
+          </a:p>
+          <a:p>
+            <a:r>
+              <a:rPr lang="de-DE" dirty="0" err="1"/>
+              <a:t>Chabot</a:t>
+            </a:r>
+            <a:r>
+              <a:rPr lang="de-DE" dirty="0"/>
+              <a:t> erfüllt den Zweck</a:t>
+            </a:r>
+          </a:p>
+          <a:p>
+            <a:endParaRPr lang="de-DE" dirty="0"/>
+          </a:p>
+          <a:p>
+            <a:r>
+              <a:rPr lang="de-DE" dirty="0"/>
+              <a:t>Heute noch das Problem</a:t>
+            </a:r>
+          </a:p>
+          <a:p>
+            <a:endParaRPr lang="de-DE" dirty="0"/>
+          </a:p>
+          <a:p>
+            <a:r>
+              <a:rPr lang="de-DE" dirty="0"/>
+              <a:t>verschiedene Blickwinkel auch in dieser Hausarbeit</a:t>
+            </a:r>
+          </a:p>
+          <a:p>
+            <a:endParaRPr lang="de-DE" dirty="0"/>
+          </a:p>
+          <a:p>
+            <a:r>
+              <a:rPr lang="de-DE" dirty="0"/>
+              <a:t>Konklusion befürwortet den Einsatz. -&gt; befriedigt das Bestreben nach Wissen -&gt; genaues Bild vom Thema</a:t>
+            </a:r>
+          </a:p>
+        </p:txBody>
+      </p:sp>
+      <p:sp>
+        <p:nvSpPr>
+          <p:cNvPr id="4" name="Foliennummernplatzhalter 3"/>
+          <p:cNvSpPr>
+            <a:spLocks noGrp="1"/>
+          </p:cNvSpPr>
+          <p:nvPr>
+            <p:ph type="sldNum" sz="quarter" idx="10"/>
+          </p:nvPr>
+        </p:nvSpPr>
+        <p:spPr/>
+        <p:txBody>
+          <a:bodyPr/>
+          <a:lstStyle/>
+          <a:p>
+            <a:fld id="{08F3800A-C7F0-4619-B9B5-628D134375DA}" type="slidenum">
+              <a:rPr lang="de-DE" smtClean="0"/>
+              <a:t>20</a:t>
+            </a:fld>
+            <a:endParaRPr lang="de-DE"/>
+          </a:p>
+        </p:txBody>
+      </p:sp>
+    </p:spTree>
+    <p:extLst>
+      <p:ext uri="{BB962C8B-B14F-4D97-AF65-F5344CB8AC3E}">
+        <p14:creationId xmlns:p14="http://schemas.microsoft.com/office/powerpoint/2010/main" val="708099989"/>
+      </p:ext>
+    </p:extLst>
+  </p:cSld>
+  <p:clrMapOvr>
+    <a:masterClrMapping/>
+  </p:clrMapOvr>
+</p:notes>
+</file>
+
+<file path=ppt/notesSlides/notesSlide14.xml><?xml version="1.0" encoding="utf-8"?>
+<p:notes xmlns:a="http://schemas.openxmlformats.org/drawingml/2006/main" xmlns:r="http://schemas.openxmlformats.org/officeDocument/2006/relationships" xmlns:p="http://schemas.openxmlformats.org/presentationml/2006/main">
+  <p:cSld>
+    <p:spTree>
+      <p:nvGrpSpPr>
+        <p:cNvPr id="1" name=""/>
+        <p:cNvGrpSpPr/>
+        <p:nvPr/>
+      </p:nvGrpSpPr>
+      <p:grpSpPr>
+        <a:xfrm>
+          <a:off x="0" y="0"/>
+          <a:ext cx="0" cy="0"/>
+          <a:chOff x="0" y="0"/>
+          <a:chExt cx="0" cy="0"/>
+        </a:xfrm>
+      </p:grpSpPr>
+      <p:sp>
+        <p:nvSpPr>
+          <p:cNvPr id="2" name="Folienbildplatzhalter 1"/>
+          <p:cNvSpPr>
+            <a:spLocks noGrp="1" noRot="1" noChangeAspect="1"/>
+          </p:cNvSpPr>
+          <p:nvPr>
+            <p:ph type="sldImg"/>
+          </p:nvPr>
+        </p:nvSpPr>
+        <p:spPr/>
+      </p:sp>
+      <p:sp>
+        <p:nvSpPr>
+          <p:cNvPr id="3" name="Notizenplatzhalter 2"/>
+          <p:cNvSpPr>
+            <a:spLocks noGrp="1"/>
+          </p:cNvSpPr>
+          <p:nvPr>
+            <p:ph type="body" idx="1"/>
+          </p:nvPr>
+        </p:nvSpPr>
+        <p:spPr/>
+        <p:txBody>
+          <a:bodyPr/>
+          <a:lstStyle/>
+          <a:p>
+            <a:r>
+              <a:rPr lang="de-DE" dirty="0"/>
+              <a:t>Zur Abwägung</a:t>
+            </a:r>
+          </a:p>
+          <a:p>
+            <a:r>
+              <a:rPr lang="de-DE" dirty="0"/>
+              <a:t>„Sind diese Konklusionen heute und für unsere Fragestellung noch relevant?“</a:t>
+            </a:r>
+          </a:p>
+        </p:txBody>
+      </p:sp>
+      <p:sp>
+        <p:nvSpPr>
+          <p:cNvPr id="4" name="Foliennummernplatzhalter 3"/>
+          <p:cNvSpPr>
+            <a:spLocks noGrp="1"/>
+          </p:cNvSpPr>
+          <p:nvPr>
+            <p:ph type="sldNum" sz="quarter" idx="10"/>
+          </p:nvPr>
+        </p:nvSpPr>
+        <p:spPr/>
+        <p:txBody>
+          <a:bodyPr/>
+          <a:lstStyle/>
+          <a:p>
+            <a:fld id="{08F3800A-C7F0-4619-B9B5-628D134375DA}" type="slidenum">
+              <a:rPr lang="de-DE" smtClean="0"/>
+              <a:t>25</a:t>
+            </a:fld>
+            <a:endParaRPr lang="de-DE"/>
+          </a:p>
+        </p:txBody>
+      </p:sp>
+    </p:spTree>
+    <p:extLst>
+      <p:ext uri="{BB962C8B-B14F-4D97-AF65-F5344CB8AC3E}">
+        <p14:creationId xmlns:p14="http://schemas.microsoft.com/office/powerpoint/2010/main" val="1170692305"/>
+      </p:ext>
+    </p:extLst>
+  </p:cSld>
+  <p:clrMapOvr>
+    <a:masterClrMapping/>
+  </p:clrMapOvr>
+</p:notes>
+</file>
+
+<file path=ppt/notesSlides/notesSlide15.xml><?xml version="1.0" encoding="utf-8"?>
+<p:notes xmlns:a="http://schemas.openxmlformats.org/drawingml/2006/main" xmlns:r="http://schemas.openxmlformats.org/officeDocument/2006/relationships" xmlns:p="http://schemas.openxmlformats.org/presentationml/2006/main">
+  <p:cSld>
+    <p:spTree>
+      <p:nvGrpSpPr>
+        <p:cNvPr id="1" name=""/>
+        <p:cNvGrpSpPr/>
+        <p:nvPr/>
+      </p:nvGrpSpPr>
+      <p:grpSpPr>
+        <a:xfrm>
+          <a:off x="0" y="0"/>
+          <a:ext cx="0" cy="0"/>
+          <a:chOff x="0" y="0"/>
+          <a:chExt cx="0" cy="0"/>
+        </a:xfrm>
+      </p:grpSpPr>
+      <p:sp>
+        <p:nvSpPr>
+          <p:cNvPr id="2" name="Folienbildplatzhalter 1"/>
+          <p:cNvSpPr>
+            <a:spLocks noGrp="1" noRot="1" noChangeAspect="1"/>
+          </p:cNvSpPr>
+          <p:nvPr>
+            <p:ph type="sldImg"/>
+          </p:nvPr>
+        </p:nvSpPr>
+        <p:spPr/>
+      </p:sp>
+      <p:sp>
+        <p:nvSpPr>
+          <p:cNvPr id="3" name="Notizenplatzhalter 2"/>
+          <p:cNvSpPr>
+            <a:spLocks noGrp="1"/>
+          </p:cNvSpPr>
+          <p:nvPr>
+            <p:ph type="body" idx="1"/>
+          </p:nvPr>
+        </p:nvSpPr>
+        <p:spPr/>
+        <p:txBody>
+          <a:bodyPr/>
+          <a:lstStyle/>
+          <a:p>
+            <a:r>
+              <a:rPr lang="de-DE" dirty="0"/>
+              <a:t>Wissen im Überfluss -&gt; Wissen identifizieren und herausfiltern -&gt; </a:t>
+            </a:r>
+            <a:r>
+              <a:rPr lang="de-DE" dirty="0" err="1"/>
+              <a:t>Chatbot</a:t>
+            </a:r>
+            <a:r>
+              <a:rPr lang="de-DE" dirty="0"/>
+              <a:t> gefilterte Quelle für Wissen -&gt; unterstützt die schnelle Wissenserlangung</a:t>
+            </a:r>
+          </a:p>
+          <a:p>
+            <a:endParaRPr lang="de-DE" dirty="0"/>
+          </a:p>
+          <a:p>
+            <a:r>
+              <a:rPr lang="de-DE" dirty="0"/>
+              <a:t>Wir betrachten das Thema aus mehreren Blickwinkeln</a:t>
+            </a:r>
+          </a:p>
+          <a:p>
+            <a:endParaRPr lang="de-DE" dirty="0"/>
+          </a:p>
+          <a:p>
+            <a:r>
+              <a:rPr lang="de-DE" dirty="0"/>
+              <a:t>-&gt; Aristoteles für die Fragestellung von Bedeutung</a:t>
+            </a:r>
+          </a:p>
+        </p:txBody>
+      </p:sp>
+      <p:sp>
+        <p:nvSpPr>
+          <p:cNvPr id="4" name="Foliennummernplatzhalter 3"/>
+          <p:cNvSpPr>
+            <a:spLocks noGrp="1"/>
+          </p:cNvSpPr>
+          <p:nvPr>
+            <p:ph type="sldNum" sz="quarter" idx="10"/>
+          </p:nvPr>
+        </p:nvSpPr>
+        <p:spPr/>
+        <p:txBody>
+          <a:bodyPr/>
+          <a:lstStyle/>
+          <a:p>
+            <a:fld id="{08F3800A-C7F0-4619-B9B5-628D134375DA}" type="slidenum">
+              <a:rPr lang="de-DE" smtClean="0"/>
+              <a:t>26</a:t>
+            </a:fld>
+            <a:endParaRPr lang="de-DE"/>
+          </a:p>
+        </p:txBody>
+      </p:sp>
+    </p:spTree>
+    <p:extLst>
+      <p:ext uri="{BB962C8B-B14F-4D97-AF65-F5344CB8AC3E}">
+        <p14:creationId xmlns:p14="http://schemas.microsoft.com/office/powerpoint/2010/main" val="2167909088"/>
+      </p:ext>
+    </p:extLst>
+  </p:cSld>
+  <p:clrMapOvr>
+    <a:masterClrMapping/>
+  </p:clrMapOvr>
+</p:notes>
+</file>
+
+<file path=ppt/notesSlides/notesSlide16.xml><?xml version="1.0" encoding="utf-8"?>
+<p:notes xmlns:a="http://schemas.openxmlformats.org/drawingml/2006/main" xmlns:r="http://schemas.openxmlformats.org/officeDocument/2006/relationships" xmlns:p="http://schemas.openxmlformats.org/presentationml/2006/main">
+  <p:cSld>
+    <p:spTree>
+      <p:nvGrpSpPr>
+        <p:cNvPr id="1" name=""/>
+        <p:cNvGrpSpPr/>
+        <p:nvPr/>
+      </p:nvGrpSpPr>
+      <p:grpSpPr>
+        <a:xfrm>
+          <a:off x="0" y="0"/>
+          <a:ext cx="0" cy="0"/>
+          <a:chOff x="0" y="0"/>
+          <a:chExt cx="0" cy="0"/>
+        </a:xfrm>
+      </p:grpSpPr>
+      <p:sp>
+        <p:nvSpPr>
+          <p:cNvPr id="2" name="Folienbildplatzhalter 1"/>
+          <p:cNvSpPr>
+            <a:spLocks noGrp="1" noRot="1" noChangeAspect="1"/>
+          </p:cNvSpPr>
+          <p:nvPr>
+            <p:ph type="sldImg"/>
+          </p:nvPr>
+        </p:nvSpPr>
+        <p:spPr/>
+      </p:sp>
+      <p:sp>
+        <p:nvSpPr>
+          <p:cNvPr id="3" name="Notizenplatzhalter 2"/>
+          <p:cNvSpPr>
+            <a:spLocks noGrp="1"/>
+          </p:cNvSpPr>
+          <p:nvPr>
+            <p:ph type="body" idx="1"/>
+          </p:nvPr>
+        </p:nvSpPr>
+        <p:spPr/>
+        <p:txBody>
+          <a:bodyPr/>
+          <a:lstStyle/>
+          <a:p>
+            <a:r>
+              <a:rPr lang="de-DE" dirty="0"/>
+              <a:t>Insult = Beleidigung</a:t>
+            </a:r>
+          </a:p>
+          <a:p>
+            <a:r>
+              <a:rPr lang="de-DE" dirty="0" err="1"/>
+              <a:t>Chatbot</a:t>
+            </a:r>
+            <a:r>
+              <a:rPr lang="de-DE" dirty="0"/>
+              <a:t> </a:t>
+            </a:r>
+            <a:r>
+              <a:rPr lang="de-DE" dirty="0" err="1"/>
+              <a:t>Tay</a:t>
+            </a:r>
+            <a:r>
+              <a:rPr lang="de-DE" dirty="0"/>
+              <a:t> von MS wurde zum Rassist</a:t>
+            </a:r>
+          </a:p>
+        </p:txBody>
+      </p:sp>
+      <p:sp>
+        <p:nvSpPr>
+          <p:cNvPr id="4" name="Foliennummernplatzhalter 3"/>
+          <p:cNvSpPr>
+            <a:spLocks noGrp="1"/>
+          </p:cNvSpPr>
+          <p:nvPr>
+            <p:ph type="sldNum" sz="quarter" idx="10"/>
+          </p:nvPr>
+        </p:nvSpPr>
+        <p:spPr/>
+        <p:txBody>
+          <a:bodyPr/>
+          <a:lstStyle/>
+          <a:p>
+            <a:fld id="{08F3800A-C7F0-4619-B9B5-628D134375DA}" type="slidenum">
+              <a:rPr lang="de-DE" smtClean="0"/>
+              <a:t>28</a:t>
+            </a:fld>
+            <a:endParaRPr lang="de-DE"/>
+          </a:p>
+        </p:txBody>
+      </p:sp>
+    </p:spTree>
+    <p:extLst>
+      <p:ext uri="{BB962C8B-B14F-4D97-AF65-F5344CB8AC3E}">
+        <p14:creationId xmlns:p14="http://schemas.microsoft.com/office/powerpoint/2010/main" val="1596515597"/>
+      </p:ext>
+    </p:extLst>
+  </p:cSld>
+  <p:clrMapOvr>
+    <a:masterClrMapping/>
+  </p:clrMapOvr>
+</p:notes>
+</file>
+
+<file path=ppt/notesSlides/notesSlide17.xml><?xml version="1.0" encoding="utf-8"?>
+<p:notes xmlns:a="http://schemas.openxmlformats.org/drawingml/2006/main" xmlns:r="http://schemas.openxmlformats.org/officeDocument/2006/relationships" xmlns:p="http://schemas.openxmlformats.org/presentationml/2006/main">
+  <p:cSld>
+    <p:spTree>
+      <p:nvGrpSpPr>
+        <p:cNvPr id="1" name=""/>
+        <p:cNvGrpSpPr/>
+        <p:nvPr/>
+      </p:nvGrpSpPr>
+      <p:grpSpPr>
+        <a:xfrm>
+          <a:off x="0" y="0"/>
+          <a:ext cx="0" cy="0"/>
+          <a:chOff x="0" y="0"/>
+          <a:chExt cx="0" cy="0"/>
+        </a:xfrm>
+      </p:grpSpPr>
+      <p:sp>
+        <p:nvSpPr>
+          <p:cNvPr id="2" name="Folienbildplatzhalter 1"/>
+          <p:cNvSpPr>
+            <a:spLocks noGrp="1" noRot="1" noChangeAspect="1"/>
+          </p:cNvSpPr>
+          <p:nvPr>
+            <p:ph type="sldImg"/>
+          </p:nvPr>
+        </p:nvSpPr>
+        <p:spPr/>
+      </p:sp>
+      <p:sp>
+        <p:nvSpPr>
+          <p:cNvPr id="3" name="Notizenplatzhalter 2"/>
+          <p:cNvSpPr>
+            <a:spLocks noGrp="1"/>
+          </p:cNvSpPr>
+          <p:nvPr>
+            <p:ph type="body" idx="1"/>
+          </p:nvPr>
+        </p:nvSpPr>
+        <p:spPr/>
+        <p:txBody>
+          <a:bodyPr/>
+          <a:lstStyle/>
+          <a:p>
+            <a:r>
+              <a:rPr lang="de-DE" dirty="0"/>
+              <a:t>Insult = Beleidigung</a:t>
+            </a:r>
+          </a:p>
+          <a:p>
+            <a:r>
+              <a:rPr lang="de-DE" dirty="0" err="1"/>
+              <a:t>Chatbot</a:t>
+            </a:r>
+            <a:r>
+              <a:rPr lang="de-DE" dirty="0"/>
+              <a:t> </a:t>
+            </a:r>
+            <a:r>
+              <a:rPr lang="de-DE" dirty="0" err="1"/>
+              <a:t>Tay</a:t>
+            </a:r>
+            <a:r>
+              <a:rPr lang="de-DE" dirty="0"/>
+              <a:t> von MS wurde zum Rassist</a:t>
+            </a:r>
+          </a:p>
+        </p:txBody>
+      </p:sp>
+      <p:sp>
+        <p:nvSpPr>
+          <p:cNvPr id="4" name="Foliennummernplatzhalter 3"/>
+          <p:cNvSpPr>
+            <a:spLocks noGrp="1"/>
+          </p:cNvSpPr>
+          <p:nvPr>
+            <p:ph type="sldNum" sz="quarter" idx="10"/>
+          </p:nvPr>
+        </p:nvSpPr>
+        <p:spPr/>
+        <p:txBody>
+          <a:bodyPr/>
+          <a:lstStyle/>
+          <a:p>
+            <a:fld id="{08F3800A-C7F0-4619-B9B5-628D134375DA}" type="slidenum">
+              <a:rPr lang="de-DE" smtClean="0"/>
+              <a:t>29</a:t>
+            </a:fld>
+            <a:endParaRPr lang="de-DE"/>
+          </a:p>
+        </p:txBody>
+      </p:sp>
+    </p:spTree>
+    <p:extLst>
+      <p:ext uri="{BB962C8B-B14F-4D97-AF65-F5344CB8AC3E}">
+        <p14:creationId xmlns:p14="http://schemas.microsoft.com/office/powerpoint/2010/main" val="892620115"/>
+      </p:ext>
+    </p:extLst>
+  </p:cSld>
+  <p:clrMapOvr>
+    <a:masterClrMapping/>
+  </p:clrMapOvr>
+</p:notes>
+</file>
+
 <file path=ppt/notesSlides/notesSlide2.xml><?xml version="1.0" encoding="utf-8"?>
 <p:notes xmlns:a="http://schemas.openxmlformats.org/drawingml/2006/main" xmlns:r="http://schemas.openxmlformats.org/officeDocument/2006/relationships" xmlns:p="http://schemas.openxmlformats.org/presentationml/2006/main">
   <p:cSld>
@@ -761,10 +1623,7 @@
           <a:bodyPr/>
           <a:lstStyle/>
           <a:p>
-            <a:r>
-              <a:rPr lang="de-DE" dirty="0"/>
-              <a:t>Logik als Art Handwerkszeug -&gt; Welches Werkzeug aus meinem Koffer muss ich nehmen um ein Problem zu lösen</a:t>
-            </a:r>
+            <a:endParaRPr lang="de-DE" dirty="0"/>
           </a:p>
         </p:txBody>
       </p:sp>
@@ -785,7 +1644,7 @@
           <a:p>
             <a:fld id="{08F3800A-C7F0-4619-B9B5-628D134375DA}" type="slidenum">
               <a:rPr lang="de-DE" smtClean="0"/>
-              <a:t>9</a:t>
+              <a:t>8</a:t>
             </a:fld>
             <a:endParaRPr lang="de-DE"/>
           </a:p>
@@ -869,7 +1728,7 @@
           <a:p>
             <a:fld id="{08F3800A-C7F0-4619-B9B5-628D134375DA}" type="slidenum">
               <a:rPr lang="de-DE" smtClean="0"/>
-              <a:t>11</a:t>
+              <a:t>9</a:t>
             </a:fld>
             <a:endParaRPr lang="de-DE"/>
           </a:p>
@@ -878,7 +1737,7 @@
     </p:spTree>
     <p:extLst>
       <p:ext uri="{BB962C8B-B14F-4D97-AF65-F5344CB8AC3E}">
-        <p14:creationId xmlns:p14="http://schemas.microsoft.com/office/powerpoint/2010/main" val="1049005209"/>
+        <p14:creationId xmlns:p14="http://schemas.microsoft.com/office/powerpoint/2010/main" val="871552436"/>
       </p:ext>
     </p:extLst>
   </p:cSld>
@@ -932,10 +1791,7 @@
           <a:bodyPr/>
           <a:lstStyle/>
           <a:p>
-            <a:r>
-              <a:rPr lang="de-DE" dirty="0"/>
-              <a:t>trennt die Methoden der Wissenschaft und Ethik</a:t>
-            </a:r>
+            <a:endParaRPr lang="de-DE" dirty="0"/>
           </a:p>
         </p:txBody>
       </p:sp>
@@ -956,7 +1812,7 @@
           <a:p>
             <a:fld id="{08F3800A-C7F0-4619-B9B5-628D134375DA}" type="slidenum">
               <a:rPr lang="de-DE" smtClean="0"/>
-              <a:t>12</a:t>
+              <a:t>10</a:t>
             </a:fld>
             <a:endParaRPr lang="de-DE"/>
           </a:p>
@@ -965,7 +1821,7 @@
     </p:spTree>
     <p:extLst>
       <p:ext uri="{BB962C8B-B14F-4D97-AF65-F5344CB8AC3E}">
-        <p14:creationId xmlns:p14="http://schemas.microsoft.com/office/powerpoint/2010/main" val="4175998347"/>
+        <p14:creationId xmlns:p14="http://schemas.microsoft.com/office/powerpoint/2010/main" val="2333567291"/>
       </p:ext>
     </p:extLst>
   </p:cSld>
@@ -1019,104 +1875,7 @@
           <a:bodyPr/>
           <a:lstStyle/>
           <a:p>
-            <a:r>
-              <a:rPr lang="de-DE" dirty="0"/>
-              <a:t>Ist es aus Sicht Aristoteles vertretbar einen </a:t>
-            </a:r>
-            <a:r>
-              <a:rPr lang="de-DE" dirty="0" err="1"/>
-              <a:t>Chatbot</a:t>
-            </a:r>
-            <a:r>
-              <a:rPr lang="de-DE" dirty="0"/>
-              <a:t> zu verwenden? Meinungsfindung</a:t>
-            </a:r>
-          </a:p>
-          <a:p>
             <a:endParaRPr lang="de-DE" dirty="0"/>
-          </a:p>
-          <a:p>
-            <a:r>
-              <a:rPr lang="de-DE" dirty="0"/>
-              <a:t>Abgewandelte Form heute in der KI (Aussagenlogik) -&gt; Es spricht nichts dagegen seine Erfindung zu verwenden.</a:t>
-            </a:r>
-          </a:p>
-          <a:p>
-            <a:endParaRPr lang="de-DE" dirty="0"/>
-          </a:p>
-          <a:p>
-            <a:r>
-              <a:rPr lang="de-DE" dirty="0"/>
-              <a:t>Support </a:t>
-            </a:r>
-            <a:r>
-              <a:rPr lang="de-DE" dirty="0" err="1"/>
-              <a:t>Chatbot</a:t>
-            </a:r>
-            <a:r>
-              <a:rPr lang="de-DE" dirty="0"/>
-              <a:t>:</a:t>
-            </a:r>
-          </a:p>
-          <a:p>
-            <a:r>
-              <a:rPr lang="de-DE" dirty="0"/>
-              <a:t>Anwender hat eine Frage, will Wissen erlangen -&gt; Das Bestreben nach Wissen soll befriedigt werden -&gt; Problem: Der </a:t>
-            </a:r>
-            <a:r>
-              <a:rPr lang="de-DE" dirty="0" err="1"/>
-              <a:t>Chatbot</a:t>
-            </a:r>
-            <a:r>
-              <a:rPr lang="de-DE" dirty="0"/>
-              <a:t> als Wissensquelle</a:t>
-            </a:r>
-          </a:p>
-          <a:p>
-            <a:r>
-              <a:rPr lang="de-DE" dirty="0"/>
-              <a:t>geschichtlicher Hintergrund</a:t>
-            </a:r>
-          </a:p>
-          <a:p>
-            <a:endParaRPr lang="de-DE" dirty="0"/>
-          </a:p>
-          <a:p>
-            <a:r>
-              <a:rPr lang="de-DE" dirty="0" err="1"/>
-              <a:t>Chabot</a:t>
-            </a:r>
-            <a:r>
-              <a:rPr lang="de-DE" dirty="0"/>
-              <a:t> erfüllt den Zweck</a:t>
-            </a:r>
-          </a:p>
-          <a:p>
-            <a:endParaRPr lang="de-DE" dirty="0"/>
-          </a:p>
-          <a:p>
-            <a:r>
-              <a:rPr lang="de-DE" dirty="0"/>
-              <a:t>Heute noch das Problem</a:t>
-            </a:r>
-          </a:p>
-          <a:p>
-            <a:endParaRPr lang="de-DE" dirty="0"/>
-          </a:p>
-          <a:p>
-            <a:r>
-              <a:rPr lang="de-DE" dirty="0"/>
-              <a:t>verschiedene Blickwinkel auch in dieser Hausarbeit</a:t>
-            </a:r>
-          </a:p>
-          <a:p>
-            <a:endParaRPr lang="de-DE" dirty="0"/>
-          </a:p>
-          <a:p>
-            <a:r>
-              <a:rPr lang="de-DE" dirty="0"/>
-              <a:t>Konklusion befürwortet den Einsatz. -&gt; befriedigt das Bestreben nach Wissen -&gt; genaues Bild vom Thema</a:t>
-            </a:r>
           </a:p>
         </p:txBody>
       </p:sp>
@@ -1137,7 +1896,7 @@
           <a:p>
             <a:fld id="{08F3800A-C7F0-4619-B9B5-628D134375DA}" type="slidenum">
               <a:rPr lang="de-DE" smtClean="0"/>
-              <a:t>14</a:t>
+              <a:t>11</a:t>
             </a:fld>
             <a:endParaRPr lang="de-DE"/>
           </a:p>
@@ -1146,7 +1905,7 @@
     </p:spTree>
     <p:extLst>
       <p:ext uri="{BB962C8B-B14F-4D97-AF65-F5344CB8AC3E}">
-        <p14:creationId xmlns:p14="http://schemas.microsoft.com/office/powerpoint/2010/main" val="708099989"/>
+        <p14:creationId xmlns:p14="http://schemas.microsoft.com/office/powerpoint/2010/main" val="1815911851"/>
       </p:ext>
     </p:extLst>
   </p:cSld>
@@ -1200,36 +1959,7 @@
           <a:bodyPr/>
           <a:lstStyle/>
           <a:p>
-            <a:r>
-              <a:rPr lang="de-DE" dirty="0"/>
-              <a:t>Wissen im Überfluss -&gt; Wissen identifizieren und herausfiltern -&gt; </a:t>
-            </a:r>
-            <a:r>
-              <a:rPr lang="de-DE" dirty="0" err="1"/>
-              <a:t>Chatbot</a:t>
-            </a:r>
-            <a:r>
-              <a:rPr lang="de-DE" dirty="0"/>
-              <a:t> gefilterte Quelle für Wissen -&gt; unterstützt die schnelle Wissenserlangung</a:t>
-            </a:r>
-          </a:p>
-          <a:p>
             <a:endParaRPr lang="de-DE" dirty="0"/>
-          </a:p>
-          <a:p>
-            <a:r>
-              <a:rPr lang="de-DE" dirty="0"/>
-              <a:t>Wir betrachten das Thema aus mehreren Blickwinkeln</a:t>
-            </a:r>
-          </a:p>
-          <a:p>
-            <a:endParaRPr lang="de-DE" dirty="0"/>
-          </a:p>
-          <a:p>
-            <a:r>
-              <a:rPr lang="de-DE" dirty="0"/>
-              <a:t>-&gt; Aristoteles für die Fragestellung von Bedeutung</a:t>
-            </a:r>
           </a:p>
         </p:txBody>
       </p:sp>
@@ -1250,7 +1980,7 @@
           <a:p>
             <a:fld id="{08F3800A-C7F0-4619-B9B5-628D134375DA}" type="slidenum">
               <a:rPr lang="de-DE" smtClean="0"/>
-              <a:t>20</a:t>
+              <a:t>12</a:t>
             </a:fld>
             <a:endParaRPr lang="de-DE"/>
           </a:p>
@@ -1259,7 +1989,175 @@
     </p:spTree>
     <p:extLst>
       <p:ext uri="{BB962C8B-B14F-4D97-AF65-F5344CB8AC3E}">
-        <p14:creationId xmlns:p14="http://schemas.microsoft.com/office/powerpoint/2010/main" val="2167909088"/>
+        <p14:creationId xmlns:p14="http://schemas.microsoft.com/office/powerpoint/2010/main" val="835264060"/>
+      </p:ext>
+    </p:extLst>
+  </p:cSld>
+  <p:clrMapOvr>
+    <a:masterClrMapping/>
+  </p:clrMapOvr>
+</p:notes>
+</file>
+
+<file path=ppt/notesSlides/notesSlide8.xml><?xml version="1.0" encoding="utf-8"?>
+<p:notes xmlns:a="http://schemas.openxmlformats.org/drawingml/2006/main" xmlns:r="http://schemas.openxmlformats.org/officeDocument/2006/relationships" xmlns:p="http://schemas.openxmlformats.org/presentationml/2006/main">
+  <p:cSld>
+    <p:spTree>
+      <p:nvGrpSpPr>
+        <p:cNvPr id="1" name=""/>
+        <p:cNvGrpSpPr/>
+        <p:nvPr/>
+      </p:nvGrpSpPr>
+      <p:grpSpPr>
+        <a:xfrm>
+          <a:off x="0" y="0"/>
+          <a:ext cx="0" cy="0"/>
+          <a:chOff x="0" y="0"/>
+          <a:chExt cx="0" cy="0"/>
+        </a:xfrm>
+      </p:grpSpPr>
+      <p:sp>
+        <p:nvSpPr>
+          <p:cNvPr id="2" name="Folienbildplatzhalter 1"/>
+          <p:cNvSpPr>
+            <a:spLocks noGrp="1" noRot="1" noChangeAspect="1"/>
+          </p:cNvSpPr>
+          <p:nvPr>
+            <p:ph type="sldImg"/>
+          </p:nvPr>
+        </p:nvSpPr>
+        <p:spPr/>
+      </p:sp>
+      <p:sp>
+        <p:nvSpPr>
+          <p:cNvPr id="3" name="Notizenplatzhalter 2"/>
+          <p:cNvSpPr>
+            <a:spLocks noGrp="1"/>
+          </p:cNvSpPr>
+          <p:nvPr>
+            <p:ph type="body" idx="1"/>
+          </p:nvPr>
+        </p:nvSpPr>
+        <p:spPr/>
+        <p:txBody>
+          <a:bodyPr/>
+          <a:lstStyle/>
+          <a:p>
+            <a:endParaRPr lang="de-DE" dirty="0"/>
+          </a:p>
+        </p:txBody>
+      </p:sp>
+      <p:sp>
+        <p:nvSpPr>
+          <p:cNvPr id="4" name="Foliennummernplatzhalter 3"/>
+          <p:cNvSpPr>
+            <a:spLocks noGrp="1"/>
+          </p:cNvSpPr>
+          <p:nvPr>
+            <p:ph type="sldNum" sz="quarter" idx="10"/>
+          </p:nvPr>
+        </p:nvSpPr>
+        <p:spPr/>
+        <p:txBody>
+          <a:bodyPr/>
+          <a:lstStyle/>
+          <a:p>
+            <a:fld id="{08F3800A-C7F0-4619-B9B5-628D134375DA}" type="slidenum">
+              <a:rPr lang="de-DE" smtClean="0"/>
+              <a:t>13</a:t>
+            </a:fld>
+            <a:endParaRPr lang="de-DE"/>
+          </a:p>
+        </p:txBody>
+      </p:sp>
+    </p:spTree>
+    <p:extLst>
+      <p:ext uri="{BB962C8B-B14F-4D97-AF65-F5344CB8AC3E}">
+        <p14:creationId xmlns:p14="http://schemas.microsoft.com/office/powerpoint/2010/main" val="674070714"/>
+      </p:ext>
+    </p:extLst>
+  </p:cSld>
+  <p:clrMapOvr>
+    <a:masterClrMapping/>
+  </p:clrMapOvr>
+</p:notes>
+</file>
+
+<file path=ppt/notesSlides/notesSlide9.xml><?xml version="1.0" encoding="utf-8"?>
+<p:notes xmlns:a="http://schemas.openxmlformats.org/drawingml/2006/main" xmlns:r="http://schemas.openxmlformats.org/officeDocument/2006/relationships" xmlns:p="http://schemas.openxmlformats.org/presentationml/2006/main">
+  <p:cSld>
+    <p:spTree>
+      <p:nvGrpSpPr>
+        <p:cNvPr id="1" name=""/>
+        <p:cNvGrpSpPr/>
+        <p:nvPr/>
+      </p:nvGrpSpPr>
+      <p:grpSpPr>
+        <a:xfrm>
+          <a:off x="0" y="0"/>
+          <a:ext cx="0" cy="0"/>
+          <a:chOff x="0" y="0"/>
+          <a:chExt cx="0" cy="0"/>
+        </a:xfrm>
+      </p:grpSpPr>
+      <p:sp>
+        <p:nvSpPr>
+          <p:cNvPr id="2" name="Folienbildplatzhalter 1"/>
+          <p:cNvSpPr>
+            <a:spLocks noGrp="1" noRot="1" noChangeAspect="1"/>
+          </p:cNvSpPr>
+          <p:nvPr>
+            <p:ph type="sldImg"/>
+          </p:nvPr>
+        </p:nvSpPr>
+        <p:spPr/>
+      </p:sp>
+      <p:sp>
+        <p:nvSpPr>
+          <p:cNvPr id="3" name="Notizenplatzhalter 2"/>
+          <p:cNvSpPr>
+            <a:spLocks noGrp="1"/>
+          </p:cNvSpPr>
+          <p:nvPr>
+            <p:ph type="body" idx="1"/>
+          </p:nvPr>
+        </p:nvSpPr>
+        <p:spPr/>
+        <p:txBody>
+          <a:bodyPr/>
+          <a:lstStyle/>
+          <a:p>
+            <a:endParaRPr lang="de-DE" dirty="0"/>
+          </a:p>
+        </p:txBody>
+      </p:sp>
+      <p:sp>
+        <p:nvSpPr>
+          <p:cNvPr id="4" name="Foliennummernplatzhalter 3"/>
+          <p:cNvSpPr>
+            <a:spLocks noGrp="1"/>
+          </p:cNvSpPr>
+          <p:nvPr>
+            <p:ph type="sldNum" sz="quarter" idx="10"/>
+          </p:nvPr>
+        </p:nvSpPr>
+        <p:spPr/>
+        <p:txBody>
+          <a:bodyPr/>
+          <a:lstStyle/>
+          <a:p>
+            <a:fld id="{08F3800A-C7F0-4619-B9B5-628D134375DA}" type="slidenum">
+              <a:rPr lang="de-DE" smtClean="0"/>
+              <a:t>14</a:t>
+            </a:fld>
+            <a:endParaRPr lang="de-DE"/>
+          </a:p>
+        </p:txBody>
+      </p:sp>
+    </p:spTree>
+    <p:extLst>
+      <p:ext uri="{BB962C8B-B14F-4D97-AF65-F5344CB8AC3E}">
+        <p14:creationId xmlns:p14="http://schemas.microsoft.com/office/powerpoint/2010/main" val="3329245137"/>
       </p:ext>
     </p:extLst>
   </p:cSld>
@@ -4882,14 +5780,11 @@
             <p:ph idx="1"/>
           </p:nvPr>
         </p:nvSpPr>
-        <p:spPr>
-          <a:xfrm>
-            <a:off x="838199" y="1825625"/>
-            <a:ext cx="11039061" cy="4351338"/>
-          </a:xfrm>
-        </p:spPr>
-        <p:txBody>
-          <a:bodyPr/>
+        <p:spPr/>
+        <p:txBody>
+          <a:bodyPr>
+            <a:normAutofit/>
+          </a:bodyPr>
           <a:lstStyle/>
           <a:p>
             <a:pPr marL="0" indent="0">
@@ -4897,7 +5792,7 @@
             </a:pPr>
             <a:r>
               <a:rPr lang="de-DE" u="sng" dirty="0"/>
-              <a:t>Aristoteles:</a:t>
+              <a:t>Platon:</a:t>
             </a:r>
           </a:p>
           <a:p>
@@ -4906,7 +5801,7 @@
             </a:pPr>
             <a:r>
               <a:rPr lang="de-DE" b="1" dirty="0"/>
-              <a:t>These 1: „Das natürliche Bestreben des Menschen ist zu Wissen“</a:t>
+              <a:t>These 3: „Ideenerkenntnis und Wissenschaft“</a:t>
             </a:r>
           </a:p>
           <a:p>
@@ -4916,16 +5811,7 @@
             <a:endParaRPr lang="de-DE" dirty="0"/>
           </a:p>
           <a:p>
-            <a:r>
-              <a:rPr lang="de-DE" dirty="0"/>
-              <a:t>Aristoteles nimmt an, dass jeder das natürliche Bestreben zu Wissen hat.</a:t>
-            </a:r>
-          </a:p>
-          <a:p>
-            <a:r>
-              <a:rPr lang="de-DE" dirty="0"/>
-              <a:t>Wissen ist etwas, was sich erweitert und neu werden kann.</a:t>
-            </a:r>
+            <a:endParaRPr lang="de-DE" dirty="0"/>
           </a:p>
         </p:txBody>
       </p:sp>
@@ -5015,16 +5901,198 @@
           </a:p>
         </p:txBody>
       </p:sp>
+      <p:sp>
+        <p:nvSpPr>
+          <p:cNvPr id="11" name="Rechteck 10">
+            <a:extLst>
+              <a:ext uri="{FF2B5EF4-FFF2-40B4-BE49-F238E27FC236}">
+                <a16:creationId xmlns:a16="http://schemas.microsoft.com/office/drawing/2014/main" id="{CC40AFE7-E0D0-48BE-97F7-898829CE18C5}"/>
+              </a:ext>
+            </a:extLst>
+          </p:cNvPr>
+          <p:cNvSpPr/>
+          <p:nvPr/>
+        </p:nvSpPr>
+        <p:spPr>
+          <a:xfrm>
+            <a:off x="9883336" y="4414858"/>
+            <a:ext cx="2020194" cy="600164"/>
+          </a:xfrm>
+          <a:prstGeom prst="rect">
+            <a:avLst/>
+          </a:prstGeom>
+        </p:spPr>
+        <p:txBody>
+          <a:bodyPr wrap="square">
+            <a:spAutoFit/>
+          </a:bodyPr>
+          <a:lstStyle/>
+          <a:p>
+            <a:r>
+              <a:rPr lang="de-DE" sz="1100" dirty="0"/>
+              <a:t>Quelle: </a:t>
+            </a:r>
+            <a:br>
+              <a:rPr lang="de-DE" sz="1100" dirty="0"/>
+            </a:br>
+            <a:r>
+              <a:rPr lang="de-DE" sz="1100" dirty="0"/>
+              <a:t>http://gams.uni-graz.at/o:wissg-wd-09b-2/IMAGE.2</a:t>
+            </a:r>
+          </a:p>
+        </p:txBody>
+      </p:sp>
+      <p:pic>
+        <p:nvPicPr>
+          <p:cNvPr id="10" name="Grafik 9">
+            <a:extLst>
+              <a:ext uri="{FF2B5EF4-FFF2-40B4-BE49-F238E27FC236}">
+                <a16:creationId xmlns:a16="http://schemas.microsoft.com/office/drawing/2014/main" id="{B12B0E97-7367-405E-A2E2-4E449C16B6E0}"/>
+              </a:ext>
+            </a:extLst>
+          </p:cNvPr>
+          <p:cNvPicPr>
+            <a:picLocks noChangeAspect="1"/>
+          </p:cNvPicPr>
+          <p:nvPr/>
+        </p:nvPicPr>
+        <p:blipFill>
+          <a:blip r:embed="rId3">
+            <a:extLst>
+              <a:ext uri="{28A0092B-C50C-407E-A947-70E740481C1C}">
+                <a14:useLocalDpi xmlns:a14="http://schemas.microsoft.com/office/drawing/2010/main" val="0"/>
+              </a:ext>
+            </a:extLst>
+          </a:blip>
+          <a:stretch>
+            <a:fillRect/>
+          </a:stretch>
+        </p:blipFill>
+        <p:spPr>
+          <a:xfrm>
+            <a:off x="838200" y="153233"/>
+            <a:ext cx="9122230" cy="6203117"/>
+          </a:xfrm>
+          <a:prstGeom prst="rect">
+            <a:avLst/>
+          </a:prstGeom>
+        </p:spPr>
+      </p:pic>
     </p:spTree>
     <p:extLst>
       <p:ext uri="{BB962C8B-B14F-4D97-AF65-F5344CB8AC3E}">
-        <p14:creationId xmlns:p14="http://schemas.microsoft.com/office/powerpoint/2010/main" val="2473253709"/>
+        <p14:creationId xmlns:p14="http://schemas.microsoft.com/office/powerpoint/2010/main" val="1305037745"/>
       </p:ext>
     </p:extLst>
   </p:cSld>
   <p:clrMapOvr>
     <a:masterClrMapping/>
   </p:clrMapOvr>
+  <p:timing>
+    <p:tnLst>
+      <p:par>
+        <p:cTn id="1" dur="indefinite" restart="never" nodeType="tmRoot">
+          <p:childTnLst>
+            <p:seq concurrent="1" nextAc="seek">
+              <p:cTn id="2" dur="indefinite" nodeType="mainSeq">
+                <p:childTnLst>
+                  <p:par>
+                    <p:cTn id="3" fill="hold">
+                      <p:stCondLst>
+                        <p:cond delay="indefinite"/>
+                      </p:stCondLst>
+                      <p:childTnLst>
+                        <p:par>
+                          <p:cTn id="4" fill="hold">
+                            <p:stCondLst>
+                              <p:cond delay="0"/>
+                            </p:stCondLst>
+                            <p:childTnLst>
+                              <p:par>
+                                <p:cTn id="5" presetID="1" presetClass="entr" presetSubtype="0" fill="hold" nodeType="clickEffect">
+                                  <p:stCondLst>
+                                    <p:cond delay="0"/>
+                                  </p:stCondLst>
+                                  <p:childTnLst>
+                                    <p:set>
+                                      <p:cBhvr>
+                                        <p:cTn id="6" dur="1" fill="hold">
+                                          <p:stCondLst>
+                                            <p:cond delay="0"/>
+                                          </p:stCondLst>
+                                        </p:cTn>
+                                        <p:tgtEl>
+                                          <p:spTgt spid="10"/>
+                                        </p:tgtEl>
+                                        <p:attrNameLst>
+                                          <p:attrName>style.visibility</p:attrName>
+                                        </p:attrNameLst>
+                                      </p:cBhvr>
+                                      <p:to>
+                                        <p:strVal val="visible"/>
+                                      </p:to>
+                                    </p:set>
+                                  </p:childTnLst>
+                                </p:cTn>
+                              </p:par>
+                              <p:par>
+                                <p:cTn id="7" presetID="1" presetClass="entr" presetSubtype="0" fill="hold" grpId="0" nodeType="withEffect">
+                                  <p:stCondLst>
+                                    <p:cond delay="0"/>
+                                  </p:stCondLst>
+                                  <p:childTnLst>
+                                    <p:set>
+                                      <p:cBhvr>
+                                        <p:cTn id="8" dur="1" fill="hold">
+                                          <p:stCondLst>
+                                            <p:cond delay="0"/>
+                                          </p:stCondLst>
+                                        </p:cTn>
+                                        <p:tgtEl>
+                                          <p:spTgt spid="11"/>
+                                        </p:tgtEl>
+                                        <p:attrNameLst>
+                                          <p:attrName>style.visibility</p:attrName>
+                                        </p:attrNameLst>
+                                      </p:cBhvr>
+                                      <p:to>
+                                        <p:strVal val="visible"/>
+                                      </p:to>
+                                    </p:set>
+                                  </p:childTnLst>
+                                </p:cTn>
+                              </p:par>
+                            </p:childTnLst>
+                          </p:cTn>
+                        </p:par>
+                      </p:childTnLst>
+                    </p:cTn>
+                  </p:par>
+                </p:childTnLst>
+              </p:cTn>
+              <p:prevCondLst>
+                <p:cond evt="onPrev" delay="0">
+                  <p:tgtEl>
+                    <p:sldTgt/>
+                  </p:tgtEl>
+                </p:cond>
+              </p:prevCondLst>
+              <p:nextCondLst>
+                <p:cond evt="onNext" delay="0">
+                  <p:tgtEl>
+                    <p:sldTgt/>
+                  </p:tgtEl>
+                </p:cond>
+              </p:nextCondLst>
+            </p:seq>
+          </p:childTnLst>
+        </p:cTn>
+      </p:par>
+    </p:tnLst>
+    <p:bldLst>
+      <p:bldP spid="11" grpId="0"/>
+    </p:bldLst>
+  </p:timing>
 </p:sld>
 </file>
 
@@ -5091,7 +6159,9 @@
         </p:nvSpPr>
         <p:spPr/>
         <p:txBody>
-          <a:bodyPr/>
+          <a:bodyPr>
+            <a:normAutofit/>
+          </a:bodyPr>
           <a:lstStyle/>
           <a:p>
             <a:pPr marL="0" indent="0">
@@ -5099,7 +6169,7 @@
             </a:pPr>
             <a:r>
               <a:rPr lang="de-DE" u="sng" dirty="0"/>
-              <a:t>Aristoteles:</a:t>
+              <a:t>Platon:</a:t>
             </a:r>
           </a:p>
           <a:p>
@@ -5108,30 +6178,17 @@
             </a:pPr>
             <a:r>
               <a:rPr lang="de-DE" b="1" dirty="0"/>
-              <a:t>These 2: „Alles geschieht wegen einem gewissen Zweck“</a:t>
+              <a:t>These 4: „Das Höhlengleichnis“</a:t>
             </a:r>
           </a:p>
           <a:p>
             <a:pPr marL="0" indent="0">
               <a:buNone/>
             </a:pPr>
-            <a:endParaRPr lang="de-DE" i="1" dirty="0"/>
-          </a:p>
-          <a:p>
-            <a:r>
-              <a:rPr lang="de-DE" dirty="0"/>
-              <a:t>Es gibt kein Handeln ohne einen gewissen Zweck</a:t>
-            </a:r>
-          </a:p>
-          <a:p>
-            <a:pPr lvl="1">
-              <a:buFont typeface="Wingdings" panose="05000000000000000000" pitchFamily="2" charset="2"/>
-              <a:buChar char="Ø"/>
-            </a:pPr>
-            <a:r>
-              <a:rPr lang="de-DE" sz="2800" dirty="0"/>
-              <a:t> Keine Sinnlosigkeit</a:t>
-            </a:r>
+            <a:endParaRPr lang="de-DE" dirty="0"/>
+          </a:p>
+          <a:p>
+            <a:endParaRPr lang="de-DE" dirty="0"/>
           </a:p>
         </p:txBody>
       </p:sp>
@@ -5160,7 +6217,7 @@
               <a:rPr lang="de-DE" smtClean="0"/>
               <a:t>14.12.2017</a:t>
             </a:fld>
-            <a:endParaRPr lang="de-DE"/>
+            <a:endParaRPr lang="de-DE" dirty="0"/>
           </a:p>
         </p:txBody>
       </p:sp>
@@ -5221,16 +6278,174 @@
           </a:p>
         </p:txBody>
       </p:sp>
+      <p:pic>
+        <p:nvPicPr>
+          <p:cNvPr id="8" name="Grafik 7">
+            <a:extLst>
+              <a:ext uri="{FF2B5EF4-FFF2-40B4-BE49-F238E27FC236}">
+                <a16:creationId xmlns:a16="http://schemas.microsoft.com/office/drawing/2014/main" id="{C17113AD-87F1-4B91-A377-74764BFD5AF9}"/>
+              </a:ext>
+            </a:extLst>
+          </p:cNvPr>
+          <p:cNvPicPr>
+            <a:picLocks noChangeAspect="1"/>
+          </p:cNvPicPr>
+          <p:nvPr/>
+        </p:nvPicPr>
+        <p:blipFill>
+          <a:blip r:embed="rId3">
+            <a:extLst>
+              <a:ext uri="{28A0092B-C50C-407E-A947-70E740481C1C}">
+                <a14:useLocalDpi xmlns:a14="http://schemas.microsoft.com/office/drawing/2010/main" val="0"/>
+              </a:ext>
+            </a:extLst>
+          </a:blip>
+          <a:stretch>
+            <a:fillRect/>
+          </a:stretch>
+        </p:blipFill>
+        <p:spPr>
+          <a:xfrm>
+            <a:off x="5666232" y="273684"/>
+            <a:ext cx="5635752" cy="6093943"/>
+          </a:xfrm>
+          <a:prstGeom prst="rect">
+            <a:avLst/>
+          </a:prstGeom>
+        </p:spPr>
+      </p:pic>
+      <p:sp>
+        <p:nvSpPr>
+          <p:cNvPr id="9" name="Rechteck 8">
+            <a:extLst>
+              <a:ext uri="{FF2B5EF4-FFF2-40B4-BE49-F238E27FC236}">
+                <a16:creationId xmlns:a16="http://schemas.microsoft.com/office/drawing/2014/main" id="{F8CD87A3-3E82-4DE9-835B-E15B7AC679DD}"/>
+              </a:ext>
+            </a:extLst>
+          </p:cNvPr>
+          <p:cNvSpPr/>
+          <p:nvPr/>
+        </p:nvSpPr>
+        <p:spPr>
+          <a:xfrm>
+            <a:off x="7857699" y="6071677"/>
+            <a:ext cx="4334301" cy="430887"/>
+          </a:xfrm>
+          <a:prstGeom prst="rect">
+            <a:avLst/>
+          </a:prstGeom>
+        </p:spPr>
+        <p:txBody>
+          <a:bodyPr wrap="square">
+            <a:spAutoFit/>
+          </a:bodyPr>
+          <a:lstStyle/>
+          <a:p>
+            <a:r>
+              <a:rPr lang="de-DE" sz="1100" dirty="0"/>
+              <a:t>Quelle: </a:t>
+            </a:r>
+            <a:br>
+              <a:rPr lang="de-DE" sz="1100" dirty="0"/>
+            </a:br>
+            <a:r>
+              <a:rPr lang="de-DE" sz="1100" dirty="0"/>
+              <a:t>http://friedrichrost.de/with/weiss_hoehlengl.jpg</a:t>
+            </a:r>
+          </a:p>
+        </p:txBody>
+      </p:sp>
     </p:spTree>
     <p:extLst>
       <p:ext uri="{BB962C8B-B14F-4D97-AF65-F5344CB8AC3E}">
-        <p14:creationId xmlns:p14="http://schemas.microsoft.com/office/powerpoint/2010/main" val="395605920"/>
+        <p14:creationId xmlns:p14="http://schemas.microsoft.com/office/powerpoint/2010/main" val="1722086684"/>
       </p:ext>
     </p:extLst>
   </p:cSld>
   <p:clrMapOvr>
     <a:masterClrMapping/>
   </p:clrMapOvr>
+  <p:timing>
+    <p:tnLst>
+      <p:par>
+        <p:cTn id="1" dur="indefinite" restart="never" nodeType="tmRoot">
+          <p:childTnLst>
+            <p:seq concurrent="1" nextAc="seek">
+              <p:cTn id="2" dur="indefinite" nodeType="mainSeq">
+                <p:childTnLst>
+                  <p:par>
+                    <p:cTn id="3" fill="hold">
+                      <p:stCondLst>
+                        <p:cond delay="indefinite"/>
+                        <p:cond evt="onBegin" delay="0">
+                          <p:tn val="2"/>
+                        </p:cond>
+                      </p:stCondLst>
+                      <p:childTnLst>
+                        <p:par>
+                          <p:cTn id="4" fill="hold">
+                            <p:stCondLst>
+                              <p:cond delay="0"/>
+                            </p:stCondLst>
+                            <p:childTnLst>
+                              <p:par>
+                                <p:cTn id="5" presetID="1" presetClass="entr" presetSubtype="0" fill="hold" grpId="0" nodeType="withEffect">
+                                  <p:stCondLst>
+                                    <p:cond delay="0"/>
+                                  </p:stCondLst>
+                                  <p:childTnLst>
+                                    <p:set>
+                                      <p:cBhvr>
+                                        <p:cTn id="6" dur="1" fill="hold">
+                                          <p:stCondLst>
+                                            <p:cond delay="0"/>
+                                          </p:stCondLst>
+                                        </p:cTn>
+                                        <p:tgtEl>
+                                          <p:spTgt spid="9"/>
+                                        </p:tgtEl>
+                                        <p:attrNameLst>
+                                          <p:attrName>style.visibility</p:attrName>
+                                        </p:attrNameLst>
+                                      </p:cBhvr>
+                                      <p:to>
+                                        <p:strVal val="visible"/>
+                                      </p:to>
+                                    </p:set>
+                                  </p:childTnLst>
+                                </p:cTn>
+                              </p:par>
+                            </p:childTnLst>
+                          </p:cTn>
+                        </p:par>
+                      </p:childTnLst>
+                    </p:cTn>
+                  </p:par>
+                </p:childTnLst>
+              </p:cTn>
+              <p:prevCondLst>
+                <p:cond evt="onPrev" delay="0">
+                  <p:tgtEl>
+                    <p:sldTgt/>
+                  </p:tgtEl>
+                </p:cond>
+              </p:prevCondLst>
+              <p:nextCondLst>
+                <p:cond evt="onNext" delay="0">
+                  <p:tgtEl>
+                    <p:sldTgt/>
+                  </p:tgtEl>
+                </p:cond>
+              </p:nextCondLst>
+            </p:seq>
+          </p:childTnLst>
+        </p:cTn>
+      </p:par>
+    </p:tnLst>
+    <p:bldLst>
+      <p:bldP spid="9" grpId="0"/>
+    </p:bldLst>
+  </p:timing>
 </p:sld>
 </file>
 
@@ -5297,7 +6512,9 @@
         </p:nvSpPr>
         <p:spPr/>
         <p:txBody>
-          <a:bodyPr/>
+          <a:bodyPr>
+            <a:normAutofit/>
+          </a:bodyPr>
           <a:lstStyle/>
           <a:p>
             <a:pPr marL="0" indent="0">
@@ -5305,7 +6522,7 @@
             </a:pPr>
             <a:r>
               <a:rPr lang="de-DE" u="sng" dirty="0"/>
-              <a:t>Aristoteles:</a:t>
+              <a:t>Platon:</a:t>
             </a:r>
           </a:p>
           <a:p>
@@ -5314,20 +6531,72 @@
             </a:pPr>
             <a:r>
               <a:rPr lang="de-DE" b="1" dirty="0"/>
-              <a:t>These 3: „Syllogistik (Logik) bietet keine Antwort auf ethische Fragen“</a:t>
-            </a:r>
-          </a:p>
-          <a:p>
-            <a:pPr marL="0" indent="0">
-              <a:buNone/>
-            </a:pPr>
+              <a:t>Konklusion:</a:t>
+            </a:r>
             <a:endParaRPr lang="de-DE" dirty="0"/>
           </a:p>
           <a:p>
             <a:r>
+              <a:rPr lang="de-DE" b="1" dirty="0"/>
+              <a:t>These 1: „Wahrnehmung ist ungleich wissen“</a:t>
+            </a:r>
+          </a:p>
+          <a:p>
+            <a:pPr lvl="1"/>
+            <a:r>
               <a:rPr lang="de-DE" dirty="0"/>
-              <a:t>Eine ethische Frage kann nicht mit wahr-falsch beantwortet werden.</a:t>
-            </a:r>
+              <a:t>Lesen/Hören = Wahrnehmung</a:t>
+            </a:r>
+          </a:p>
+          <a:p>
+            <a:pPr lvl="1"/>
+            <a:r>
+              <a:rPr lang="de-DE" dirty="0" err="1"/>
+              <a:t>Chatbot</a:t>
+            </a:r>
+            <a:r>
+              <a:rPr lang="de-DE" dirty="0"/>
+              <a:t> soll Wissen vermitteln</a:t>
+            </a:r>
+          </a:p>
+          <a:p>
+            <a:pPr lvl="1"/>
+            <a:r>
+              <a:rPr lang="de-DE" dirty="0"/>
+              <a:t>Täuschung durch </a:t>
+            </a:r>
+            <a:r>
+              <a:rPr lang="de-DE" dirty="0" err="1"/>
+              <a:t>Chatbots</a:t>
+            </a:r>
+            <a:r>
+              <a:rPr lang="de-DE" dirty="0"/>
+              <a:t>?! </a:t>
+            </a:r>
+          </a:p>
+          <a:p>
+            <a:pPr lvl="1"/>
+            <a:endParaRPr lang="de-DE" dirty="0"/>
+          </a:p>
+          <a:p>
+            <a:r>
+              <a:rPr lang="de-DE" b="1" dirty="0"/>
+              <a:t>These 2: „Der Ursprung der Ideen“</a:t>
+            </a:r>
+          </a:p>
+          <a:p>
+            <a:pPr lvl="1"/>
+            <a:r>
+              <a:rPr lang="de-DE" dirty="0"/>
+              <a:t>Wissen/Ideen werden nur durch Erinnerungen erlangt</a:t>
+            </a:r>
+            <a:endParaRPr lang="de-DE" b="1" dirty="0"/>
+          </a:p>
+          <a:p>
+            <a:endParaRPr lang="de-DE" b="1" dirty="0"/>
+          </a:p>
+          <a:p>
+            <a:endParaRPr lang="de-DE" b="1" dirty="0"/>
           </a:p>
           <a:p>
             <a:endParaRPr lang="de-DE" dirty="0"/>
@@ -5423,7 +6692,7 @@
     </p:spTree>
     <p:extLst>
       <p:ext uri="{BB962C8B-B14F-4D97-AF65-F5344CB8AC3E}">
-        <p14:creationId xmlns:p14="http://schemas.microsoft.com/office/powerpoint/2010/main" val="1640111269"/>
+        <p14:creationId xmlns:p14="http://schemas.microsoft.com/office/powerpoint/2010/main" val="2898189596"/>
       </p:ext>
     </p:extLst>
   </p:cSld>
@@ -5496,7 +6765,9 @@
         </p:nvSpPr>
         <p:spPr/>
         <p:txBody>
-          <a:bodyPr/>
+          <a:bodyPr>
+            <a:normAutofit/>
+          </a:bodyPr>
           <a:lstStyle/>
           <a:p>
             <a:pPr marL="0" indent="0">
@@ -5504,7 +6775,7 @@
             </a:pPr>
             <a:r>
               <a:rPr lang="de-DE" u="sng" dirty="0"/>
-              <a:t>Aristoteles:</a:t>
+              <a:t>Platon:</a:t>
             </a:r>
           </a:p>
           <a:p>
@@ -5513,20 +6784,76 @@
             </a:pPr>
             <a:r>
               <a:rPr lang="de-DE" b="1" dirty="0"/>
-              <a:t>These 4: „Jedes Problem hat seine ihm eigene Genauigkeit“</a:t>
-            </a:r>
-          </a:p>
-          <a:p>
-            <a:pPr marL="0" indent="0">
-              <a:buNone/>
-            </a:pPr>
+              <a:t>Konklusion:</a:t>
+            </a:r>
+            <a:endParaRPr lang="de-DE" dirty="0"/>
+          </a:p>
+          <a:p>
+            <a:r>
+              <a:rPr lang="de-DE" b="1" dirty="0"/>
+              <a:t>These 3: „Ideenerkenntnis und Wissenschaft“</a:t>
+            </a:r>
+          </a:p>
+          <a:p>
+            <a:pPr lvl="1"/>
+            <a:r>
+              <a:rPr lang="de-DE" dirty="0" err="1"/>
+              <a:t>Chatbots</a:t>
+            </a:r>
+            <a:r>
+              <a:rPr lang="de-DE" dirty="0"/>
+              <a:t> zwischen sinnlicher und geistiger Welt?!</a:t>
+            </a:r>
+          </a:p>
+          <a:p>
+            <a:pPr lvl="1"/>
+            <a:r>
+              <a:rPr lang="de-DE" dirty="0"/>
+              <a:t>Nicht in der Welt der Ideen und Urbilder</a:t>
+            </a:r>
+          </a:p>
+          <a:p>
+            <a:pPr lvl="1"/>
+            <a:endParaRPr lang="de-DE" dirty="0"/>
+          </a:p>
+          <a:p>
+            <a:r>
+              <a:rPr lang="de-DE" b="1" dirty="0"/>
+              <a:t>These 4: „Das Höhlengleichnis“</a:t>
+            </a:r>
+          </a:p>
+          <a:p>
+            <a:pPr lvl="1"/>
+            <a:r>
+              <a:rPr lang="de-DE" dirty="0"/>
+              <a:t>Verunsicherung / Angst der Benutzer</a:t>
+            </a:r>
+          </a:p>
+          <a:p>
+            <a:pPr lvl="1"/>
+            <a:r>
+              <a:rPr lang="de-DE" dirty="0"/>
+              <a:t>Mensch oder Maschine?  </a:t>
+            </a:r>
+            <a:r>
+              <a:rPr lang="de-DE" dirty="0">
+                <a:sym typeface="Wingdings" panose="05000000000000000000" pitchFamily="2" charset="2"/>
+              </a:rPr>
+              <a:t> Turing Test</a:t>
+            </a:r>
+            <a:endParaRPr lang="de-DE" dirty="0"/>
+          </a:p>
+          <a:p>
             <a:endParaRPr lang="de-DE" b="1" dirty="0"/>
           </a:p>
           <a:p>
-            <a:r>
-              <a:rPr lang="de-DE" dirty="0"/>
-              <a:t>Probleme bedürfen einer angepassten Genauigkeit. </a:t>
-            </a:r>
+            <a:endParaRPr lang="de-DE" b="1" dirty="0"/>
+          </a:p>
+          <a:p>
+            <a:endParaRPr lang="de-DE" b="1" dirty="0"/>
+          </a:p>
+          <a:p>
+            <a:endParaRPr lang="de-DE" dirty="0"/>
           </a:p>
         </p:txBody>
       </p:sp>
@@ -5619,7 +6946,7 @@
     </p:spTree>
     <p:extLst>
       <p:ext uri="{BB962C8B-B14F-4D97-AF65-F5344CB8AC3E}">
-        <p14:creationId xmlns:p14="http://schemas.microsoft.com/office/powerpoint/2010/main" val="1717327018"/>
+        <p14:creationId xmlns:p14="http://schemas.microsoft.com/office/powerpoint/2010/main" val="2580840732"/>
       </p:ext>
     </p:extLst>
   </p:cSld>
@@ -5692,7 +7019,9 @@
         </p:nvSpPr>
         <p:spPr/>
         <p:txBody>
-          <a:bodyPr/>
+          <a:bodyPr>
+            <a:normAutofit/>
+          </a:bodyPr>
           <a:lstStyle/>
           <a:p>
             <a:pPr marL="0" indent="0">
@@ -5700,8 +7029,24 @@
             </a:pPr>
             <a:r>
               <a:rPr lang="de-DE" u="sng" dirty="0"/>
-              <a:t>Aristoteles:</a:t>
-            </a:r>
+              <a:t>Platon:</a:t>
+            </a:r>
+          </a:p>
+          <a:p>
+            <a:pPr marL="0" indent="0">
+              <a:buNone/>
+            </a:pPr>
+            <a:r>
+              <a:rPr lang="de-DE" b="1" dirty="0"/>
+              <a:t>Konklusion:</a:t>
+            </a:r>
+            <a:endParaRPr lang="de-DE" dirty="0"/>
+          </a:p>
+          <a:p>
+            <a:pPr marL="0" indent="0">
+              <a:buNone/>
+            </a:pPr>
+            <a:endParaRPr lang="de-DE" b="1" dirty="0"/>
           </a:p>
         </p:txBody>
       </p:sp>
@@ -5786,6 +7131,1576 @@
             <a:fld id="{0FDBC528-CE2F-4F3D-B925-721A8C60B450}" type="slidenum">
               <a:rPr lang="de-DE" smtClean="0"/>
               <a:t>14</a:t>
+            </a:fld>
+            <a:endParaRPr lang="de-DE"/>
+          </a:p>
+        </p:txBody>
+      </p:sp>
+      <p:pic>
+        <p:nvPicPr>
+          <p:cNvPr id="8" name="Grafik 7">
+            <a:extLst>
+              <a:ext uri="{FF2B5EF4-FFF2-40B4-BE49-F238E27FC236}">
+                <a16:creationId xmlns:a16="http://schemas.microsoft.com/office/drawing/2014/main" id="{D52FEEF9-C6D8-48A6-8148-5D1A1688BAD9}"/>
+              </a:ext>
+            </a:extLst>
+          </p:cNvPr>
+          <p:cNvPicPr>
+            <a:picLocks noChangeAspect="1"/>
+          </p:cNvPicPr>
+          <p:nvPr/>
+        </p:nvPicPr>
+        <p:blipFill>
+          <a:blip r:embed="rId3">
+            <a:extLst>
+              <a:ext uri="{28A0092B-C50C-407E-A947-70E740481C1C}">
+                <a14:useLocalDpi xmlns:a14="http://schemas.microsoft.com/office/drawing/2010/main" val="0"/>
+              </a:ext>
+            </a:extLst>
+          </a:blip>
+          <a:stretch>
+            <a:fillRect/>
+          </a:stretch>
+        </p:blipFill>
+        <p:spPr>
+          <a:xfrm>
+            <a:off x="4191000" y="2096294"/>
+            <a:ext cx="3810000" cy="3810000"/>
+          </a:xfrm>
+          <a:prstGeom prst="rect">
+            <a:avLst/>
+          </a:prstGeom>
+        </p:spPr>
+      </p:pic>
+      <p:sp>
+        <p:nvSpPr>
+          <p:cNvPr id="9" name="Rechteck 8">
+            <a:extLst>
+              <a:ext uri="{FF2B5EF4-FFF2-40B4-BE49-F238E27FC236}">
+                <a16:creationId xmlns:a16="http://schemas.microsoft.com/office/drawing/2014/main" id="{1E06A736-FD30-412E-B13B-64367F0DC323}"/>
+              </a:ext>
+            </a:extLst>
+          </p:cNvPr>
+          <p:cNvSpPr/>
+          <p:nvPr/>
+        </p:nvSpPr>
+        <p:spPr>
+          <a:xfrm>
+            <a:off x="4785315" y="5654794"/>
+            <a:ext cx="4334301" cy="430887"/>
+          </a:xfrm>
+          <a:prstGeom prst="rect">
+            <a:avLst/>
+          </a:prstGeom>
+        </p:spPr>
+        <p:txBody>
+          <a:bodyPr wrap="square">
+            <a:spAutoFit/>
+          </a:bodyPr>
+          <a:lstStyle/>
+          <a:p>
+            <a:r>
+              <a:rPr lang="de-DE" sz="1100" dirty="0"/>
+              <a:t>Quelle: </a:t>
+            </a:r>
+            <a:br>
+              <a:rPr lang="de-DE" sz="1100" dirty="0"/>
+            </a:br>
+            <a:r>
+              <a:rPr lang="de-DE" sz="1100" dirty="0"/>
+              <a:t>https://i.ebayimg.com/images/g/qEsAAOSw~OdVWblA/s-l300.jpg</a:t>
+            </a:r>
+          </a:p>
+        </p:txBody>
+      </p:sp>
+    </p:spTree>
+    <p:extLst>
+      <p:ext uri="{BB962C8B-B14F-4D97-AF65-F5344CB8AC3E}">
+        <p14:creationId xmlns:p14="http://schemas.microsoft.com/office/powerpoint/2010/main" val="1840593830"/>
+      </p:ext>
+    </p:extLst>
+  </p:cSld>
+  <p:clrMapOvr>
+    <a:masterClrMapping/>
+  </p:clrMapOvr>
+  <p:timing>
+    <p:tnLst>
+      <p:par>
+        <p:cTn id="1" dur="indefinite" restart="never" nodeType="tmRoot">
+          <p:childTnLst>
+            <p:seq concurrent="1" nextAc="seek">
+              <p:cTn id="2" dur="indefinite" nodeType="mainSeq">
+                <p:childTnLst>
+                  <p:par>
+                    <p:cTn id="3" fill="hold">
+                      <p:stCondLst>
+                        <p:cond delay="indefinite"/>
+                        <p:cond evt="onBegin" delay="0">
+                          <p:tn val="2"/>
+                        </p:cond>
+                      </p:stCondLst>
+                      <p:childTnLst>
+                        <p:par>
+                          <p:cTn id="4" fill="hold">
+                            <p:stCondLst>
+                              <p:cond delay="0"/>
+                            </p:stCondLst>
+                            <p:childTnLst>
+                              <p:par>
+                                <p:cTn id="5" presetID="1" presetClass="entr" presetSubtype="0" fill="hold" grpId="0" nodeType="withEffect">
+                                  <p:stCondLst>
+                                    <p:cond delay="0"/>
+                                  </p:stCondLst>
+                                  <p:childTnLst>
+                                    <p:set>
+                                      <p:cBhvr>
+                                        <p:cTn id="6" dur="1" fill="hold">
+                                          <p:stCondLst>
+                                            <p:cond delay="0"/>
+                                          </p:stCondLst>
+                                        </p:cTn>
+                                        <p:tgtEl>
+                                          <p:spTgt spid="9"/>
+                                        </p:tgtEl>
+                                        <p:attrNameLst>
+                                          <p:attrName>style.visibility</p:attrName>
+                                        </p:attrNameLst>
+                                      </p:cBhvr>
+                                      <p:to>
+                                        <p:strVal val="visible"/>
+                                      </p:to>
+                                    </p:set>
+                                  </p:childTnLst>
+                                </p:cTn>
+                              </p:par>
+                            </p:childTnLst>
+                          </p:cTn>
+                        </p:par>
+                      </p:childTnLst>
+                    </p:cTn>
+                  </p:par>
+                </p:childTnLst>
+              </p:cTn>
+              <p:prevCondLst>
+                <p:cond evt="onPrev" delay="0">
+                  <p:tgtEl>
+                    <p:sldTgt/>
+                  </p:tgtEl>
+                </p:cond>
+              </p:prevCondLst>
+              <p:nextCondLst>
+                <p:cond evt="onNext" delay="0">
+                  <p:tgtEl>
+                    <p:sldTgt/>
+                  </p:tgtEl>
+                </p:cond>
+              </p:nextCondLst>
+            </p:seq>
+          </p:childTnLst>
+        </p:cTn>
+      </p:par>
+    </p:tnLst>
+    <p:bldLst>
+      <p:bldP spid="9" grpId="0"/>
+    </p:bldLst>
+  </p:timing>
+</p:sld>
+</file>
+
+<file path=ppt/slides/slide15.xml><?xml version="1.0" encoding="utf-8"?>
+<p:sld xmlns:a="http://schemas.openxmlformats.org/drawingml/2006/main" xmlns:r="http://schemas.openxmlformats.org/officeDocument/2006/relationships" xmlns:p="http://schemas.openxmlformats.org/presentationml/2006/main">
+  <p:cSld>
+    <p:spTree>
+      <p:nvGrpSpPr>
+        <p:cNvPr id="1" name=""/>
+        <p:cNvGrpSpPr/>
+        <p:nvPr/>
+      </p:nvGrpSpPr>
+      <p:grpSpPr>
+        <a:xfrm>
+          <a:off x="0" y="0"/>
+          <a:ext cx="0" cy="0"/>
+          <a:chOff x="0" y="0"/>
+          <a:chExt cx="0" cy="0"/>
+        </a:xfrm>
+      </p:grpSpPr>
+      <p:sp>
+        <p:nvSpPr>
+          <p:cNvPr id="2" name="Titel 1">
+            <a:extLst>
+              <a:ext uri="{FF2B5EF4-FFF2-40B4-BE49-F238E27FC236}">
+                <a16:creationId xmlns:a16="http://schemas.microsoft.com/office/drawing/2014/main" id="{3926A6F6-4761-458A-9132-63902F4CABF5}"/>
+              </a:ext>
+            </a:extLst>
+          </p:cNvPr>
+          <p:cNvSpPr>
+            <a:spLocks noGrp="1"/>
+          </p:cNvSpPr>
+          <p:nvPr>
+            <p:ph type="title"/>
+          </p:nvPr>
+        </p:nvSpPr>
+        <p:spPr/>
+        <p:txBody>
+          <a:bodyPr/>
+          <a:lstStyle/>
+          <a:p>
+            <a:r>
+              <a:rPr lang="de-DE" dirty="0"/>
+              <a:t>Kernthesen</a:t>
+            </a:r>
+          </a:p>
+        </p:txBody>
+      </p:sp>
+      <p:sp>
+        <p:nvSpPr>
+          <p:cNvPr id="3" name="Inhaltsplatzhalter 2">
+            <a:extLst>
+              <a:ext uri="{FF2B5EF4-FFF2-40B4-BE49-F238E27FC236}">
+                <a16:creationId xmlns:a16="http://schemas.microsoft.com/office/drawing/2014/main" id="{FC7D7839-9456-4185-830F-2E75FA414D39}"/>
+              </a:ext>
+            </a:extLst>
+          </p:cNvPr>
+          <p:cNvSpPr>
+            <a:spLocks noGrp="1"/>
+          </p:cNvSpPr>
+          <p:nvPr>
+            <p:ph idx="1"/>
+          </p:nvPr>
+        </p:nvSpPr>
+        <p:spPr/>
+        <p:txBody>
+          <a:bodyPr>
+            <a:normAutofit lnSpcReduction="10000"/>
+          </a:bodyPr>
+          <a:lstStyle/>
+          <a:p>
+            <a:pPr marL="0" indent="0">
+              <a:buNone/>
+            </a:pPr>
+            <a:r>
+              <a:rPr lang="de-DE" u="sng" dirty="0"/>
+              <a:t>Aristoteles:</a:t>
+            </a:r>
+          </a:p>
+          <a:p>
+            <a:pPr marL="0" indent="0">
+              <a:buNone/>
+            </a:pPr>
+            <a:r>
+              <a:rPr lang="de-DE" b="1" dirty="0"/>
+              <a:t>Aussage: „Aristoteles der erste große Logiker“</a:t>
+            </a:r>
+          </a:p>
+          <a:p>
+            <a:pPr marL="0" indent="0">
+              <a:buNone/>
+            </a:pPr>
+            <a:endParaRPr lang="de-DE" dirty="0"/>
+          </a:p>
+          <a:p>
+            <a:r>
+              <a:rPr lang="de-DE" dirty="0"/>
+              <a:t>Entwickelte das Konzept der Logik bestehend aus Obersatz, Untersatz und Schluss</a:t>
+            </a:r>
+          </a:p>
+          <a:p>
+            <a:r>
+              <a:rPr lang="de-DE" dirty="0"/>
+              <a:t>Beispiel:</a:t>
+            </a:r>
+          </a:p>
+          <a:p>
+            <a:pPr marL="0" indent="0">
+              <a:buNone/>
+            </a:pPr>
+            <a:r>
+              <a:rPr lang="de-DE" dirty="0"/>
+              <a:t>	Obersatz: Menschen sind sterblich.</a:t>
+            </a:r>
+          </a:p>
+          <a:p>
+            <a:pPr marL="0" indent="0">
+              <a:buNone/>
+            </a:pPr>
+            <a:r>
+              <a:rPr lang="de-DE" dirty="0"/>
+              <a:t>	Untersatz: Griechen sind Menschen.</a:t>
+            </a:r>
+          </a:p>
+          <a:p>
+            <a:pPr marL="0" indent="0">
+              <a:buNone/>
+            </a:pPr>
+            <a:r>
+              <a:rPr lang="de-DE" dirty="0"/>
+              <a:t>	Schluss: Griechen sind sterblich.</a:t>
+            </a:r>
+          </a:p>
+        </p:txBody>
+      </p:sp>
+      <p:sp>
+        <p:nvSpPr>
+          <p:cNvPr id="4" name="Datumsplatzhalter 3">
+            <a:extLst>
+              <a:ext uri="{FF2B5EF4-FFF2-40B4-BE49-F238E27FC236}">
+                <a16:creationId xmlns:a16="http://schemas.microsoft.com/office/drawing/2014/main" id="{C1F658FE-0508-490B-A3B7-654BD81A6536}"/>
+              </a:ext>
+            </a:extLst>
+          </p:cNvPr>
+          <p:cNvSpPr>
+            <a:spLocks noGrp="1"/>
+          </p:cNvSpPr>
+          <p:nvPr>
+            <p:ph type="dt" sz="half" idx="10"/>
+          </p:nvPr>
+        </p:nvSpPr>
+        <p:spPr/>
+        <p:txBody>
+          <a:bodyPr/>
+          <a:lstStyle/>
+          <a:p>
+            <a:fld id="{37AAA59D-F5D9-4C22-BAD7-C7D8B056DE27}" type="datetime1">
+              <a:rPr lang="de-DE" smtClean="0"/>
+              <a:t>14.12.2017</a:t>
+            </a:fld>
+            <a:endParaRPr lang="de-DE"/>
+          </a:p>
+        </p:txBody>
+      </p:sp>
+      <p:sp>
+        <p:nvSpPr>
+          <p:cNvPr id="5" name="Fußzeilenplatzhalter 4">
+            <a:extLst>
+              <a:ext uri="{FF2B5EF4-FFF2-40B4-BE49-F238E27FC236}">
+                <a16:creationId xmlns:a16="http://schemas.microsoft.com/office/drawing/2014/main" id="{0C6F0D9C-1917-449F-9772-0CCE450B8B03}"/>
+              </a:ext>
+            </a:extLst>
+          </p:cNvPr>
+          <p:cNvSpPr>
+            <a:spLocks noGrp="1"/>
+          </p:cNvSpPr>
+          <p:nvPr>
+            <p:ph type="ftr" sz="quarter" idx="11"/>
+          </p:nvPr>
+        </p:nvSpPr>
+        <p:spPr/>
+        <p:txBody>
+          <a:bodyPr/>
+          <a:lstStyle/>
+          <a:p>
+            <a:r>
+              <a:rPr lang="de-DE"/>
+              <a:t>Christian Högerle | Felix Waibel | Nico Vinzenz</a:t>
+            </a:r>
+          </a:p>
+        </p:txBody>
+      </p:sp>
+      <p:sp>
+        <p:nvSpPr>
+          <p:cNvPr id="6" name="Foliennummernplatzhalter 5">
+            <a:extLst>
+              <a:ext uri="{FF2B5EF4-FFF2-40B4-BE49-F238E27FC236}">
+                <a16:creationId xmlns:a16="http://schemas.microsoft.com/office/drawing/2014/main" id="{0F88D627-8A18-492D-A870-B3D95FE7B425}"/>
+              </a:ext>
+            </a:extLst>
+          </p:cNvPr>
+          <p:cNvSpPr>
+            <a:spLocks noGrp="1"/>
+          </p:cNvSpPr>
+          <p:nvPr>
+            <p:ph type="sldNum" sz="quarter" idx="12"/>
+          </p:nvPr>
+        </p:nvSpPr>
+        <p:spPr/>
+        <p:txBody>
+          <a:bodyPr/>
+          <a:lstStyle/>
+          <a:p>
+            <a:fld id="{0FDBC528-CE2F-4F3D-B925-721A8C60B450}" type="slidenum">
+              <a:rPr lang="de-DE" smtClean="0"/>
+              <a:t>15</a:t>
+            </a:fld>
+            <a:endParaRPr lang="de-DE"/>
+          </a:p>
+        </p:txBody>
+      </p:sp>
+    </p:spTree>
+    <p:extLst>
+      <p:ext uri="{BB962C8B-B14F-4D97-AF65-F5344CB8AC3E}">
+        <p14:creationId xmlns:p14="http://schemas.microsoft.com/office/powerpoint/2010/main" val="4057647496"/>
+      </p:ext>
+    </p:extLst>
+  </p:cSld>
+  <p:clrMapOvr>
+    <a:masterClrMapping/>
+  </p:clrMapOvr>
+</p:sld>
+</file>
+
+<file path=ppt/slides/slide16.xml><?xml version="1.0" encoding="utf-8"?>
+<p:sld xmlns:a="http://schemas.openxmlformats.org/drawingml/2006/main" xmlns:r="http://schemas.openxmlformats.org/officeDocument/2006/relationships" xmlns:p="http://schemas.openxmlformats.org/presentationml/2006/main">
+  <p:cSld>
+    <p:spTree>
+      <p:nvGrpSpPr>
+        <p:cNvPr id="1" name=""/>
+        <p:cNvGrpSpPr/>
+        <p:nvPr/>
+      </p:nvGrpSpPr>
+      <p:grpSpPr>
+        <a:xfrm>
+          <a:off x="0" y="0"/>
+          <a:ext cx="0" cy="0"/>
+          <a:chOff x="0" y="0"/>
+          <a:chExt cx="0" cy="0"/>
+        </a:xfrm>
+      </p:grpSpPr>
+      <p:sp>
+        <p:nvSpPr>
+          <p:cNvPr id="2" name="Titel 1">
+            <a:extLst>
+              <a:ext uri="{FF2B5EF4-FFF2-40B4-BE49-F238E27FC236}">
+                <a16:creationId xmlns:a16="http://schemas.microsoft.com/office/drawing/2014/main" id="{3926A6F6-4761-458A-9132-63902F4CABF5}"/>
+              </a:ext>
+            </a:extLst>
+          </p:cNvPr>
+          <p:cNvSpPr>
+            <a:spLocks noGrp="1"/>
+          </p:cNvSpPr>
+          <p:nvPr>
+            <p:ph type="title"/>
+          </p:nvPr>
+        </p:nvSpPr>
+        <p:spPr/>
+        <p:txBody>
+          <a:bodyPr/>
+          <a:lstStyle/>
+          <a:p>
+            <a:r>
+              <a:rPr lang="de-DE" dirty="0"/>
+              <a:t>Kernthesen</a:t>
+            </a:r>
+          </a:p>
+        </p:txBody>
+      </p:sp>
+      <p:sp>
+        <p:nvSpPr>
+          <p:cNvPr id="3" name="Inhaltsplatzhalter 2">
+            <a:extLst>
+              <a:ext uri="{FF2B5EF4-FFF2-40B4-BE49-F238E27FC236}">
+                <a16:creationId xmlns:a16="http://schemas.microsoft.com/office/drawing/2014/main" id="{FC7D7839-9456-4185-830F-2E75FA414D39}"/>
+              </a:ext>
+            </a:extLst>
+          </p:cNvPr>
+          <p:cNvSpPr>
+            <a:spLocks noGrp="1"/>
+          </p:cNvSpPr>
+          <p:nvPr>
+            <p:ph idx="1"/>
+          </p:nvPr>
+        </p:nvSpPr>
+        <p:spPr>
+          <a:xfrm>
+            <a:off x="838199" y="1825625"/>
+            <a:ext cx="11039061" cy="4351338"/>
+          </a:xfrm>
+        </p:spPr>
+        <p:txBody>
+          <a:bodyPr/>
+          <a:lstStyle/>
+          <a:p>
+            <a:pPr marL="0" indent="0">
+              <a:buNone/>
+            </a:pPr>
+            <a:r>
+              <a:rPr lang="de-DE" u="sng" dirty="0"/>
+              <a:t>Aristoteles:</a:t>
+            </a:r>
+          </a:p>
+          <a:p>
+            <a:pPr marL="0" indent="0">
+              <a:buNone/>
+            </a:pPr>
+            <a:r>
+              <a:rPr lang="de-DE" b="1" dirty="0"/>
+              <a:t>These 1: „Das natürliche Bestreben des Menschen ist zu Wissen“</a:t>
+            </a:r>
+          </a:p>
+          <a:p>
+            <a:pPr marL="0" indent="0">
+              <a:buNone/>
+            </a:pPr>
+            <a:endParaRPr lang="de-DE" dirty="0"/>
+          </a:p>
+          <a:p>
+            <a:r>
+              <a:rPr lang="de-DE" dirty="0"/>
+              <a:t>Aristoteles nimmt an, dass jeder das natürliche Bestreben zu Wissen hat.</a:t>
+            </a:r>
+          </a:p>
+          <a:p>
+            <a:r>
+              <a:rPr lang="de-DE" dirty="0"/>
+              <a:t>Wissen ist etwas, was sich erweitert und neu werden kann.</a:t>
+            </a:r>
+          </a:p>
+        </p:txBody>
+      </p:sp>
+      <p:sp>
+        <p:nvSpPr>
+          <p:cNvPr id="4" name="Datumsplatzhalter 3">
+            <a:extLst>
+              <a:ext uri="{FF2B5EF4-FFF2-40B4-BE49-F238E27FC236}">
+                <a16:creationId xmlns:a16="http://schemas.microsoft.com/office/drawing/2014/main" id="{C1F658FE-0508-490B-A3B7-654BD81A6536}"/>
+              </a:ext>
+            </a:extLst>
+          </p:cNvPr>
+          <p:cNvSpPr>
+            <a:spLocks noGrp="1"/>
+          </p:cNvSpPr>
+          <p:nvPr>
+            <p:ph type="dt" sz="half" idx="10"/>
+          </p:nvPr>
+        </p:nvSpPr>
+        <p:spPr/>
+        <p:txBody>
+          <a:bodyPr/>
+          <a:lstStyle/>
+          <a:p>
+            <a:fld id="{37AAA59D-F5D9-4C22-BAD7-C7D8B056DE27}" type="datetime1">
+              <a:rPr lang="de-DE" smtClean="0"/>
+              <a:t>14.12.2017</a:t>
+            </a:fld>
+            <a:endParaRPr lang="de-DE"/>
+          </a:p>
+        </p:txBody>
+      </p:sp>
+      <p:sp>
+        <p:nvSpPr>
+          <p:cNvPr id="5" name="Fußzeilenplatzhalter 4">
+            <a:extLst>
+              <a:ext uri="{FF2B5EF4-FFF2-40B4-BE49-F238E27FC236}">
+                <a16:creationId xmlns:a16="http://schemas.microsoft.com/office/drawing/2014/main" id="{0C6F0D9C-1917-449F-9772-0CCE450B8B03}"/>
+              </a:ext>
+            </a:extLst>
+          </p:cNvPr>
+          <p:cNvSpPr>
+            <a:spLocks noGrp="1"/>
+          </p:cNvSpPr>
+          <p:nvPr>
+            <p:ph type="ftr" sz="quarter" idx="11"/>
+          </p:nvPr>
+        </p:nvSpPr>
+        <p:spPr/>
+        <p:txBody>
+          <a:bodyPr/>
+          <a:lstStyle/>
+          <a:p>
+            <a:r>
+              <a:rPr lang="de-DE"/>
+              <a:t>Christian Högerle | Felix Waibel | Nico Vinzenz</a:t>
+            </a:r>
+          </a:p>
+        </p:txBody>
+      </p:sp>
+      <p:sp>
+        <p:nvSpPr>
+          <p:cNvPr id="6" name="Foliennummernplatzhalter 5">
+            <a:extLst>
+              <a:ext uri="{FF2B5EF4-FFF2-40B4-BE49-F238E27FC236}">
+                <a16:creationId xmlns:a16="http://schemas.microsoft.com/office/drawing/2014/main" id="{0F88D627-8A18-492D-A870-B3D95FE7B425}"/>
+              </a:ext>
+            </a:extLst>
+          </p:cNvPr>
+          <p:cNvSpPr>
+            <a:spLocks noGrp="1"/>
+          </p:cNvSpPr>
+          <p:nvPr>
+            <p:ph type="sldNum" sz="quarter" idx="12"/>
+          </p:nvPr>
+        </p:nvSpPr>
+        <p:spPr/>
+        <p:txBody>
+          <a:bodyPr/>
+          <a:lstStyle/>
+          <a:p>
+            <a:fld id="{0FDBC528-CE2F-4F3D-B925-721A8C60B450}" type="slidenum">
+              <a:rPr lang="de-DE" smtClean="0"/>
+              <a:t>16</a:t>
+            </a:fld>
+            <a:endParaRPr lang="de-DE"/>
+          </a:p>
+        </p:txBody>
+      </p:sp>
+    </p:spTree>
+    <p:extLst>
+      <p:ext uri="{BB962C8B-B14F-4D97-AF65-F5344CB8AC3E}">
+        <p14:creationId xmlns:p14="http://schemas.microsoft.com/office/powerpoint/2010/main" val="2473253709"/>
+      </p:ext>
+    </p:extLst>
+  </p:cSld>
+  <p:clrMapOvr>
+    <a:masterClrMapping/>
+  </p:clrMapOvr>
+</p:sld>
+</file>
+
+<file path=ppt/slides/slide17.xml><?xml version="1.0" encoding="utf-8"?>
+<p:sld xmlns:a="http://schemas.openxmlformats.org/drawingml/2006/main" xmlns:r="http://schemas.openxmlformats.org/officeDocument/2006/relationships" xmlns:p="http://schemas.openxmlformats.org/presentationml/2006/main">
+  <p:cSld>
+    <p:spTree>
+      <p:nvGrpSpPr>
+        <p:cNvPr id="1" name=""/>
+        <p:cNvGrpSpPr/>
+        <p:nvPr/>
+      </p:nvGrpSpPr>
+      <p:grpSpPr>
+        <a:xfrm>
+          <a:off x="0" y="0"/>
+          <a:ext cx="0" cy="0"/>
+          <a:chOff x="0" y="0"/>
+          <a:chExt cx="0" cy="0"/>
+        </a:xfrm>
+      </p:grpSpPr>
+      <p:sp>
+        <p:nvSpPr>
+          <p:cNvPr id="2" name="Titel 1">
+            <a:extLst>
+              <a:ext uri="{FF2B5EF4-FFF2-40B4-BE49-F238E27FC236}">
+                <a16:creationId xmlns:a16="http://schemas.microsoft.com/office/drawing/2014/main" id="{3926A6F6-4761-458A-9132-63902F4CABF5}"/>
+              </a:ext>
+            </a:extLst>
+          </p:cNvPr>
+          <p:cNvSpPr>
+            <a:spLocks noGrp="1"/>
+          </p:cNvSpPr>
+          <p:nvPr>
+            <p:ph type="title"/>
+          </p:nvPr>
+        </p:nvSpPr>
+        <p:spPr/>
+        <p:txBody>
+          <a:bodyPr/>
+          <a:lstStyle/>
+          <a:p>
+            <a:r>
+              <a:rPr lang="de-DE" dirty="0"/>
+              <a:t>Kernthesen</a:t>
+            </a:r>
+          </a:p>
+        </p:txBody>
+      </p:sp>
+      <p:sp>
+        <p:nvSpPr>
+          <p:cNvPr id="3" name="Inhaltsplatzhalter 2">
+            <a:extLst>
+              <a:ext uri="{FF2B5EF4-FFF2-40B4-BE49-F238E27FC236}">
+                <a16:creationId xmlns:a16="http://schemas.microsoft.com/office/drawing/2014/main" id="{FC7D7839-9456-4185-830F-2E75FA414D39}"/>
+              </a:ext>
+            </a:extLst>
+          </p:cNvPr>
+          <p:cNvSpPr>
+            <a:spLocks noGrp="1"/>
+          </p:cNvSpPr>
+          <p:nvPr>
+            <p:ph idx="1"/>
+          </p:nvPr>
+        </p:nvSpPr>
+        <p:spPr/>
+        <p:txBody>
+          <a:bodyPr/>
+          <a:lstStyle/>
+          <a:p>
+            <a:pPr marL="0" indent="0">
+              <a:buNone/>
+            </a:pPr>
+            <a:r>
+              <a:rPr lang="de-DE" u="sng" dirty="0"/>
+              <a:t>Aristoteles:</a:t>
+            </a:r>
+          </a:p>
+          <a:p>
+            <a:pPr marL="0" indent="0">
+              <a:buNone/>
+            </a:pPr>
+            <a:r>
+              <a:rPr lang="de-DE" b="1" dirty="0"/>
+              <a:t>These 2: „Alles geschieht wegen einem gewissen Zweck“</a:t>
+            </a:r>
+          </a:p>
+          <a:p>
+            <a:pPr marL="0" indent="0">
+              <a:buNone/>
+            </a:pPr>
+            <a:endParaRPr lang="de-DE" i="1" dirty="0"/>
+          </a:p>
+          <a:p>
+            <a:r>
+              <a:rPr lang="de-DE" dirty="0"/>
+              <a:t>Es gibt kein Handeln ohne einen gewissen Zweck</a:t>
+            </a:r>
+          </a:p>
+          <a:p>
+            <a:pPr lvl="1">
+              <a:buFont typeface="Wingdings" panose="05000000000000000000" pitchFamily="2" charset="2"/>
+              <a:buChar char="Ø"/>
+            </a:pPr>
+            <a:r>
+              <a:rPr lang="de-DE" sz="2800" dirty="0"/>
+              <a:t> Keine Sinnlosigkeit</a:t>
+            </a:r>
+          </a:p>
+        </p:txBody>
+      </p:sp>
+      <p:sp>
+        <p:nvSpPr>
+          <p:cNvPr id="4" name="Datumsplatzhalter 3">
+            <a:extLst>
+              <a:ext uri="{FF2B5EF4-FFF2-40B4-BE49-F238E27FC236}">
+                <a16:creationId xmlns:a16="http://schemas.microsoft.com/office/drawing/2014/main" id="{C1F658FE-0508-490B-A3B7-654BD81A6536}"/>
+              </a:ext>
+            </a:extLst>
+          </p:cNvPr>
+          <p:cNvSpPr>
+            <a:spLocks noGrp="1"/>
+          </p:cNvSpPr>
+          <p:nvPr>
+            <p:ph type="dt" sz="half" idx="10"/>
+          </p:nvPr>
+        </p:nvSpPr>
+        <p:spPr/>
+        <p:txBody>
+          <a:bodyPr/>
+          <a:lstStyle/>
+          <a:p>
+            <a:fld id="{37AAA59D-F5D9-4C22-BAD7-C7D8B056DE27}" type="datetime1">
+              <a:rPr lang="de-DE" smtClean="0"/>
+              <a:t>14.12.2017</a:t>
+            </a:fld>
+            <a:endParaRPr lang="de-DE"/>
+          </a:p>
+        </p:txBody>
+      </p:sp>
+      <p:sp>
+        <p:nvSpPr>
+          <p:cNvPr id="5" name="Fußzeilenplatzhalter 4">
+            <a:extLst>
+              <a:ext uri="{FF2B5EF4-FFF2-40B4-BE49-F238E27FC236}">
+                <a16:creationId xmlns:a16="http://schemas.microsoft.com/office/drawing/2014/main" id="{0C6F0D9C-1917-449F-9772-0CCE450B8B03}"/>
+              </a:ext>
+            </a:extLst>
+          </p:cNvPr>
+          <p:cNvSpPr>
+            <a:spLocks noGrp="1"/>
+          </p:cNvSpPr>
+          <p:nvPr>
+            <p:ph type="ftr" sz="quarter" idx="11"/>
+          </p:nvPr>
+        </p:nvSpPr>
+        <p:spPr/>
+        <p:txBody>
+          <a:bodyPr/>
+          <a:lstStyle/>
+          <a:p>
+            <a:r>
+              <a:rPr lang="de-DE"/>
+              <a:t>Christian Högerle | Felix Waibel | Nico Vinzenz</a:t>
+            </a:r>
+          </a:p>
+        </p:txBody>
+      </p:sp>
+      <p:sp>
+        <p:nvSpPr>
+          <p:cNvPr id="6" name="Foliennummernplatzhalter 5">
+            <a:extLst>
+              <a:ext uri="{FF2B5EF4-FFF2-40B4-BE49-F238E27FC236}">
+                <a16:creationId xmlns:a16="http://schemas.microsoft.com/office/drawing/2014/main" id="{0F88D627-8A18-492D-A870-B3D95FE7B425}"/>
+              </a:ext>
+            </a:extLst>
+          </p:cNvPr>
+          <p:cNvSpPr>
+            <a:spLocks noGrp="1"/>
+          </p:cNvSpPr>
+          <p:nvPr>
+            <p:ph type="sldNum" sz="quarter" idx="12"/>
+          </p:nvPr>
+        </p:nvSpPr>
+        <p:spPr/>
+        <p:txBody>
+          <a:bodyPr/>
+          <a:lstStyle/>
+          <a:p>
+            <a:fld id="{0FDBC528-CE2F-4F3D-B925-721A8C60B450}" type="slidenum">
+              <a:rPr lang="de-DE" smtClean="0"/>
+              <a:t>17</a:t>
+            </a:fld>
+            <a:endParaRPr lang="de-DE"/>
+          </a:p>
+        </p:txBody>
+      </p:sp>
+    </p:spTree>
+    <p:extLst>
+      <p:ext uri="{BB962C8B-B14F-4D97-AF65-F5344CB8AC3E}">
+        <p14:creationId xmlns:p14="http://schemas.microsoft.com/office/powerpoint/2010/main" val="395605920"/>
+      </p:ext>
+    </p:extLst>
+  </p:cSld>
+  <p:clrMapOvr>
+    <a:masterClrMapping/>
+  </p:clrMapOvr>
+</p:sld>
+</file>
+
+<file path=ppt/slides/slide18.xml><?xml version="1.0" encoding="utf-8"?>
+<p:sld xmlns:a="http://schemas.openxmlformats.org/drawingml/2006/main" xmlns:r="http://schemas.openxmlformats.org/officeDocument/2006/relationships" xmlns:p="http://schemas.openxmlformats.org/presentationml/2006/main">
+  <p:cSld>
+    <p:spTree>
+      <p:nvGrpSpPr>
+        <p:cNvPr id="1" name=""/>
+        <p:cNvGrpSpPr/>
+        <p:nvPr/>
+      </p:nvGrpSpPr>
+      <p:grpSpPr>
+        <a:xfrm>
+          <a:off x="0" y="0"/>
+          <a:ext cx="0" cy="0"/>
+          <a:chOff x="0" y="0"/>
+          <a:chExt cx="0" cy="0"/>
+        </a:xfrm>
+      </p:grpSpPr>
+      <p:sp>
+        <p:nvSpPr>
+          <p:cNvPr id="2" name="Titel 1">
+            <a:extLst>
+              <a:ext uri="{FF2B5EF4-FFF2-40B4-BE49-F238E27FC236}">
+                <a16:creationId xmlns:a16="http://schemas.microsoft.com/office/drawing/2014/main" id="{3926A6F6-4761-458A-9132-63902F4CABF5}"/>
+              </a:ext>
+            </a:extLst>
+          </p:cNvPr>
+          <p:cNvSpPr>
+            <a:spLocks noGrp="1"/>
+          </p:cNvSpPr>
+          <p:nvPr>
+            <p:ph type="title"/>
+          </p:nvPr>
+        </p:nvSpPr>
+        <p:spPr/>
+        <p:txBody>
+          <a:bodyPr/>
+          <a:lstStyle/>
+          <a:p>
+            <a:r>
+              <a:rPr lang="de-DE" dirty="0"/>
+              <a:t>Kernthesen</a:t>
+            </a:r>
+          </a:p>
+        </p:txBody>
+      </p:sp>
+      <p:sp>
+        <p:nvSpPr>
+          <p:cNvPr id="3" name="Inhaltsplatzhalter 2">
+            <a:extLst>
+              <a:ext uri="{FF2B5EF4-FFF2-40B4-BE49-F238E27FC236}">
+                <a16:creationId xmlns:a16="http://schemas.microsoft.com/office/drawing/2014/main" id="{FC7D7839-9456-4185-830F-2E75FA414D39}"/>
+              </a:ext>
+            </a:extLst>
+          </p:cNvPr>
+          <p:cNvSpPr>
+            <a:spLocks noGrp="1"/>
+          </p:cNvSpPr>
+          <p:nvPr>
+            <p:ph idx="1"/>
+          </p:nvPr>
+        </p:nvSpPr>
+        <p:spPr/>
+        <p:txBody>
+          <a:bodyPr/>
+          <a:lstStyle/>
+          <a:p>
+            <a:pPr marL="0" indent="0">
+              <a:buNone/>
+            </a:pPr>
+            <a:r>
+              <a:rPr lang="de-DE" u="sng" dirty="0"/>
+              <a:t>Aristoteles:</a:t>
+            </a:r>
+          </a:p>
+          <a:p>
+            <a:pPr marL="0" indent="0">
+              <a:buNone/>
+            </a:pPr>
+            <a:r>
+              <a:rPr lang="de-DE" b="1" dirty="0"/>
+              <a:t>These 3: „Syllogistik (Logik) bietet keine Antwort auf ethische Fragen“</a:t>
+            </a:r>
+          </a:p>
+          <a:p>
+            <a:pPr marL="0" indent="0">
+              <a:buNone/>
+            </a:pPr>
+            <a:endParaRPr lang="de-DE" dirty="0"/>
+          </a:p>
+          <a:p>
+            <a:r>
+              <a:rPr lang="de-DE" dirty="0"/>
+              <a:t>Eine ethische Frage kann nicht mit wahr-falsch beantwortet werden.</a:t>
+            </a:r>
+          </a:p>
+          <a:p>
+            <a:endParaRPr lang="de-DE" dirty="0"/>
+          </a:p>
+        </p:txBody>
+      </p:sp>
+      <p:sp>
+        <p:nvSpPr>
+          <p:cNvPr id="4" name="Datumsplatzhalter 3">
+            <a:extLst>
+              <a:ext uri="{FF2B5EF4-FFF2-40B4-BE49-F238E27FC236}">
+                <a16:creationId xmlns:a16="http://schemas.microsoft.com/office/drawing/2014/main" id="{C1F658FE-0508-490B-A3B7-654BD81A6536}"/>
+              </a:ext>
+            </a:extLst>
+          </p:cNvPr>
+          <p:cNvSpPr>
+            <a:spLocks noGrp="1"/>
+          </p:cNvSpPr>
+          <p:nvPr>
+            <p:ph type="dt" sz="half" idx="10"/>
+          </p:nvPr>
+        </p:nvSpPr>
+        <p:spPr/>
+        <p:txBody>
+          <a:bodyPr/>
+          <a:lstStyle/>
+          <a:p>
+            <a:fld id="{37AAA59D-F5D9-4C22-BAD7-C7D8B056DE27}" type="datetime1">
+              <a:rPr lang="de-DE" smtClean="0"/>
+              <a:t>14.12.2017</a:t>
+            </a:fld>
+            <a:endParaRPr lang="de-DE"/>
+          </a:p>
+        </p:txBody>
+      </p:sp>
+      <p:sp>
+        <p:nvSpPr>
+          <p:cNvPr id="5" name="Fußzeilenplatzhalter 4">
+            <a:extLst>
+              <a:ext uri="{FF2B5EF4-FFF2-40B4-BE49-F238E27FC236}">
+                <a16:creationId xmlns:a16="http://schemas.microsoft.com/office/drawing/2014/main" id="{0C6F0D9C-1917-449F-9772-0CCE450B8B03}"/>
+              </a:ext>
+            </a:extLst>
+          </p:cNvPr>
+          <p:cNvSpPr>
+            <a:spLocks noGrp="1"/>
+          </p:cNvSpPr>
+          <p:nvPr>
+            <p:ph type="ftr" sz="quarter" idx="11"/>
+          </p:nvPr>
+        </p:nvSpPr>
+        <p:spPr/>
+        <p:txBody>
+          <a:bodyPr/>
+          <a:lstStyle/>
+          <a:p>
+            <a:r>
+              <a:rPr lang="de-DE"/>
+              <a:t>Christian Högerle | Felix Waibel | Nico Vinzenz</a:t>
+            </a:r>
+          </a:p>
+        </p:txBody>
+      </p:sp>
+      <p:sp>
+        <p:nvSpPr>
+          <p:cNvPr id="6" name="Foliennummernplatzhalter 5">
+            <a:extLst>
+              <a:ext uri="{FF2B5EF4-FFF2-40B4-BE49-F238E27FC236}">
+                <a16:creationId xmlns:a16="http://schemas.microsoft.com/office/drawing/2014/main" id="{0F88D627-8A18-492D-A870-B3D95FE7B425}"/>
+              </a:ext>
+            </a:extLst>
+          </p:cNvPr>
+          <p:cNvSpPr>
+            <a:spLocks noGrp="1"/>
+          </p:cNvSpPr>
+          <p:nvPr>
+            <p:ph type="sldNum" sz="quarter" idx="12"/>
+          </p:nvPr>
+        </p:nvSpPr>
+        <p:spPr/>
+        <p:txBody>
+          <a:bodyPr/>
+          <a:lstStyle/>
+          <a:p>
+            <a:fld id="{0FDBC528-CE2F-4F3D-B925-721A8C60B450}" type="slidenum">
+              <a:rPr lang="de-DE" smtClean="0"/>
+              <a:t>18</a:t>
+            </a:fld>
+            <a:endParaRPr lang="de-DE"/>
+          </a:p>
+        </p:txBody>
+      </p:sp>
+    </p:spTree>
+    <p:extLst>
+      <p:ext uri="{BB962C8B-B14F-4D97-AF65-F5344CB8AC3E}">
+        <p14:creationId xmlns:p14="http://schemas.microsoft.com/office/powerpoint/2010/main" val="1640111269"/>
+      </p:ext>
+    </p:extLst>
+  </p:cSld>
+  <p:clrMapOvr>
+    <a:masterClrMapping/>
+  </p:clrMapOvr>
+</p:sld>
+</file>
+
+<file path=ppt/slides/slide19.xml><?xml version="1.0" encoding="utf-8"?>
+<p:sld xmlns:a="http://schemas.openxmlformats.org/drawingml/2006/main" xmlns:r="http://schemas.openxmlformats.org/officeDocument/2006/relationships" xmlns:p="http://schemas.openxmlformats.org/presentationml/2006/main">
+  <p:cSld>
+    <p:spTree>
+      <p:nvGrpSpPr>
+        <p:cNvPr id="1" name=""/>
+        <p:cNvGrpSpPr/>
+        <p:nvPr/>
+      </p:nvGrpSpPr>
+      <p:grpSpPr>
+        <a:xfrm>
+          <a:off x="0" y="0"/>
+          <a:ext cx="0" cy="0"/>
+          <a:chOff x="0" y="0"/>
+          <a:chExt cx="0" cy="0"/>
+        </a:xfrm>
+      </p:grpSpPr>
+      <p:sp>
+        <p:nvSpPr>
+          <p:cNvPr id="2" name="Titel 1">
+            <a:extLst>
+              <a:ext uri="{FF2B5EF4-FFF2-40B4-BE49-F238E27FC236}">
+                <a16:creationId xmlns:a16="http://schemas.microsoft.com/office/drawing/2014/main" id="{3926A6F6-4761-458A-9132-63902F4CABF5}"/>
+              </a:ext>
+            </a:extLst>
+          </p:cNvPr>
+          <p:cNvSpPr>
+            <a:spLocks noGrp="1"/>
+          </p:cNvSpPr>
+          <p:nvPr>
+            <p:ph type="title"/>
+          </p:nvPr>
+        </p:nvSpPr>
+        <p:spPr/>
+        <p:txBody>
+          <a:bodyPr/>
+          <a:lstStyle/>
+          <a:p>
+            <a:r>
+              <a:rPr lang="de-DE" dirty="0"/>
+              <a:t>Kernthesen</a:t>
+            </a:r>
+          </a:p>
+        </p:txBody>
+      </p:sp>
+      <p:sp>
+        <p:nvSpPr>
+          <p:cNvPr id="3" name="Inhaltsplatzhalter 2">
+            <a:extLst>
+              <a:ext uri="{FF2B5EF4-FFF2-40B4-BE49-F238E27FC236}">
+                <a16:creationId xmlns:a16="http://schemas.microsoft.com/office/drawing/2014/main" id="{FC7D7839-9456-4185-830F-2E75FA414D39}"/>
+              </a:ext>
+            </a:extLst>
+          </p:cNvPr>
+          <p:cNvSpPr>
+            <a:spLocks noGrp="1"/>
+          </p:cNvSpPr>
+          <p:nvPr>
+            <p:ph idx="1"/>
+          </p:nvPr>
+        </p:nvSpPr>
+        <p:spPr/>
+        <p:txBody>
+          <a:bodyPr/>
+          <a:lstStyle/>
+          <a:p>
+            <a:pPr marL="0" indent="0">
+              <a:buNone/>
+            </a:pPr>
+            <a:r>
+              <a:rPr lang="de-DE" u="sng" dirty="0"/>
+              <a:t>Aristoteles:</a:t>
+            </a:r>
+          </a:p>
+          <a:p>
+            <a:pPr marL="0" indent="0">
+              <a:buNone/>
+            </a:pPr>
+            <a:r>
+              <a:rPr lang="de-DE" b="1" dirty="0"/>
+              <a:t>These 4: „Jedes Problem hat seine ihm eigene Genauigkeit“</a:t>
+            </a:r>
+          </a:p>
+          <a:p>
+            <a:pPr marL="0" indent="0">
+              <a:buNone/>
+            </a:pPr>
+            <a:endParaRPr lang="de-DE" b="1" dirty="0"/>
+          </a:p>
+          <a:p>
+            <a:r>
+              <a:rPr lang="de-DE" dirty="0"/>
+              <a:t>Probleme bedürfen einer angepassten Genauigkeit. </a:t>
+            </a:r>
+          </a:p>
+        </p:txBody>
+      </p:sp>
+      <p:sp>
+        <p:nvSpPr>
+          <p:cNvPr id="4" name="Datumsplatzhalter 3">
+            <a:extLst>
+              <a:ext uri="{FF2B5EF4-FFF2-40B4-BE49-F238E27FC236}">
+                <a16:creationId xmlns:a16="http://schemas.microsoft.com/office/drawing/2014/main" id="{C1F658FE-0508-490B-A3B7-654BD81A6536}"/>
+              </a:ext>
+            </a:extLst>
+          </p:cNvPr>
+          <p:cNvSpPr>
+            <a:spLocks noGrp="1"/>
+          </p:cNvSpPr>
+          <p:nvPr>
+            <p:ph type="dt" sz="half" idx="10"/>
+          </p:nvPr>
+        </p:nvSpPr>
+        <p:spPr/>
+        <p:txBody>
+          <a:bodyPr/>
+          <a:lstStyle/>
+          <a:p>
+            <a:fld id="{37AAA59D-F5D9-4C22-BAD7-C7D8B056DE27}" type="datetime1">
+              <a:rPr lang="de-DE" smtClean="0"/>
+              <a:t>14.12.2017</a:t>
+            </a:fld>
+            <a:endParaRPr lang="de-DE"/>
+          </a:p>
+        </p:txBody>
+      </p:sp>
+      <p:sp>
+        <p:nvSpPr>
+          <p:cNvPr id="5" name="Fußzeilenplatzhalter 4">
+            <a:extLst>
+              <a:ext uri="{FF2B5EF4-FFF2-40B4-BE49-F238E27FC236}">
+                <a16:creationId xmlns:a16="http://schemas.microsoft.com/office/drawing/2014/main" id="{0C6F0D9C-1917-449F-9772-0CCE450B8B03}"/>
+              </a:ext>
+            </a:extLst>
+          </p:cNvPr>
+          <p:cNvSpPr>
+            <a:spLocks noGrp="1"/>
+          </p:cNvSpPr>
+          <p:nvPr>
+            <p:ph type="ftr" sz="quarter" idx="11"/>
+          </p:nvPr>
+        </p:nvSpPr>
+        <p:spPr/>
+        <p:txBody>
+          <a:bodyPr/>
+          <a:lstStyle/>
+          <a:p>
+            <a:r>
+              <a:rPr lang="de-DE"/>
+              <a:t>Christian Högerle | Felix Waibel | Nico Vinzenz</a:t>
+            </a:r>
+          </a:p>
+        </p:txBody>
+      </p:sp>
+      <p:sp>
+        <p:nvSpPr>
+          <p:cNvPr id="6" name="Foliennummernplatzhalter 5">
+            <a:extLst>
+              <a:ext uri="{FF2B5EF4-FFF2-40B4-BE49-F238E27FC236}">
+                <a16:creationId xmlns:a16="http://schemas.microsoft.com/office/drawing/2014/main" id="{0F88D627-8A18-492D-A870-B3D95FE7B425}"/>
+              </a:ext>
+            </a:extLst>
+          </p:cNvPr>
+          <p:cNvSpPr>
+            <a:spLocks noGrp="1"/>
+          </p:cNvSpPr>
+          <p:nvPr>
+            <p:ph type="sldNum" sz="quarter" idx="12"/>
+          </p:nvPr>
+        </p:nvSpPr>
+        <p:spPr/>
+        <p:txBody>
+          <a:bodyPr/>
+          <a:lstStyle/>
+          <a:p>
+            <a:fld id="{0FDBC528-CE2F-4F3D-B925-721A8C60B450}" type="slidenum">
+              <a:rPr lang="de-DE" smtClean="0"/>
+              <a:t>19</a:t>
+            </a:fld>
+            <a:endParaRPr lang="de-DE"/>
+          </a:p>
+        </p:txBody>
+      </p:sp>
+    </p:spTree>
+    <p:extLst>
+      <p:ext uri="{BB962C8B-B14F-4D97-AF65-F5344CB8AC3E}">
+        <p14:creationId xmlns:p14="http://schemas.microsoft.com/office/powerpoint/2010/main" val="1717327018"/>
+      </p:ext>
+    </p:extLst>
+  </p:cSld>
+  <p:clrMapOvr>
+    <a:masterClrMapping/>
+  </p:clrMapOvr>
+</p:sld>
+</file>
+
+<file path=ppt/slides/slide2.xml><?xml version="1.0" encoding="utf-8"?>
+<p:sld xmlns:a="http://schemas.openxmlformats.org/drawingml/2006/main" xmlns:r="http://schemas.openxmlformats.org/officeDocument/2006/relationships" xmlns:p="http://schemas.openxmlformats.org/presentationml/2006/main">
+  <p:cSld>
+    <p:spTree>
+      <p:nvGrpSpPr>
+        <p:cNvPr id="1" name=""/>
+        <p:cNvGrpSpPr/>
+        <p:nvPr/>
+      </p:nvGrpSpPr>
+      <p:grpSpPr>
+        <a:xfrm>
+          <a:off x="0" y="0"/>
+          <a:ext cx="0" cy="0"/>
+          <a:chOff x="0" y="0"/>
+          <a:chExt cx="0" cy="0"/>
+        </a:xfrm>
+      </p:grpSpPr>
+      <p:sp>
+        <p:nvSpPr>
+          <p:cNvPr id="25" name="Titel 24">
+            <a:extLst>
+              <a:ext uri="{FF2B5EF4-FFF2-40B4-BE49-F238E27FC236}">
+                <a16:creationId xmlns:a16="http://schemas.microsoft.com/office/drawing/2014/main" id="{B3BA7EC2-27B3-42F0-A06B-C34EB8F501BD}"/>
+              </a:ext>
+            </a:extLst>
+          </p:cNvPr>
+          <p:cNvSpPr>
+            <a:spLocks noGrp="1"/>
+          </p:cNvSpPr>
+          <p:nvPr>
+            <p:ph type="title"/>
+          </p:nvPr>
+        </p:nvSpPr>
+        <p:spPr/>
+        <p:txBody>
+          <a:bodyPr/>
+          <a:lstStyle/>
+          <a:p>
+            <a:r>
+              <a:rPr lang="de-DE" dirty="0"/>
+              <a:t>Agenda</a:t>
+            </a:r>
+          </a:p>
+        </p:txBody>
+      </p:sp>
+      <p:sp>
+        <p:nvSpPr>
+          <p:cNvPr id="2" name="Inhaltsplatzhalter 1">
+            <a:extLst>
+              <a:ext uri="{FF2B5EF4-FFF2-40B4-BE49-F238E27FC236}">
+                <a16:creationId xmlns:a16="http://schemas.microsoft.com/office/drawing/2014/main" id="{3F50F4C1-7686-42BF-9225-4AE28C82353D}"/>
+              </a:ext>
+            </a:extLst>
+          </p:cNvPr>
+          <p:cNvSpPr>
+            <a:spLocks noGrp="1"/>
+          </p:cNvSpPr>
+          <p:nvPr>
+            <p:ph idx="1"/>
+          </p:nvPr>
+        </p:nvSpPr>
+        <p:spPr/>
+        <p:txBody>
+          <a:bodyPr/>
+          <a:lstStyle/>
+          <a:p>
+            <a:r>
+              <a:rPr lang="de-DE" dirty="0"/>
+              <a:t>Fragestellung</a:t>
+            </a:r>
+          </a:p>
+          <a:p>
+            <a:r>
+              <a:rPr lang="de-DE" dirty="0"/>
+              <a:t>Grundlagen</a:t>
+            </a:r>
+          </a:p>
+          <a:p>
+            <a:r>
+              <a:rPr lang="de-DE"/>
+              <a:t>Kernthesen</a:t>
+            </a:r>
+            <a:endParaRPr lang="de-DE" dirty="0"/>
+          </a:p>
+          <a:p>
+            <a:r>
+              <a:rPr lang="de-DE" dirty="0"/>
+              <a:t>Abwägung</a:t>
+            </a:r>
+          </a:p>
+          <a:p>
+            <a:r>
+              <a:rPr lang="de-DE" dirty="0"/>
+              <a:t>Fazit</a:t>
+            </a:r>
+          </a:p>
+        </p:txBody>
+      </p:sp>
+      <p:sp>
+        <p:nvSpPr>
+          <p:cNvPr id="27" name="Datumsplatzhalter 26">
+            <a:extLst>
+              <a:ext uri="{FF2B5EF4-FFF2-40B4-BE49-F238E27FC236}">
+                <a16:creationId xmlns:a16="http://schemas.microsoft.com/office/drawing/2014/main" id="{546A6DE1-B89F-4664-9392-B5F85A011FB0}"/>
+              </a:ext>
+            </a:extLst>
+          </p:cNvPr>
+          <p:cNvSpPr>
+            <a:spLocks noGrp="1"/>
+          </p:cNvSpPr>
+          <p:nvPr>
+            <p:ph type="dt" sz="half" idx="10"/>
+          </p:nvPr>
+        </p:nvSpPr>
+        <p:spPr/>
+        <p:txBody>
+          <a:bodyPr/>
+          <a:lstStyle/>
+          <a:p>
+            <a:fld id="{1B876D99-6DEA-420F-AEAC-AB387BCD608A}" type="datetime1">
+              <a:rPr lang="de-DE" smtClean="0"/>
+              <a:t>14.12.2017</a:t>
+            </a:fld>
+            <a:endParaRPr lang="de-DE"/>
+          </a:p>
+        </p:txBody>
+      </p:sp>
+      <p:sp>
+        <p:nvSpPr>
+          <p:cNvPr id="28" name="Fußzeilenplatzhalter 27">
+            <a:extLst>
+              <a:ext uri="{FF2B5EF4-FFF2-40B4-BE49-F238E27FC236}">
+                <a16:creationId xmlns:a16="http://schemas.microsoft.com/office/drawing/2014/main" id="{6CC192C1-7375-4096-8E74-9163062F27E0}"/>
+              </a:ext>
+            </a:extLst>
+          </p:cNvPr>
+          <p:cNvSpPr>
+            <a:spLocks noGrp="1"/>
+          </p:cNvSpPr>
+          <p:nvPr>
+            <p:ph type="ftr" sz="quarter" idx="11"/>
+          </p:nvPr>
+        </p:nvSpPr>
+        <p:spPr/>
+        <p:txBody>
+          <a:bodyPr/>
+          <a:lstStyle/>
+          <a:p>
+            <a:r>
+              <a:rPr lang="de-DE"/>
+              <a:t>Christian Högerle | Felix Waibel | Nico Vinzenz</a:t>
+            </a:r>
+            <a:endParaRPr lang="de-DE" dirty="0"/>
+          </a:p>
+        </p:txBody>
+      </p:sp>
+      <p:sp>
+        <p:nvSpPr>
+          <p:cNvPr id="29" name="Foliennummernplatzhalter 28">
+            <a:extLst>
+              <a:ext uri="{FF2B5EF4-FFF2-40B4-BE49-F238E27FC236}">
+                <a16:creationId xmlns:a16="http://schemas.microsoft.com/office/drawing/2014/main" id="{8BF6A68C-CEB6-4C3B-8AF2-CB115E5DFC83}"/>
+              </a:ext>
+            </a:extLst>
+          </p:cNvPr>
+          <p:cNvSpPr>
+            <a:spLocks noGrp="1"/>
+          </p:cNvSpPr>
+          <p:nvPr>
+            <p:ph type="sldNum" sz="quarter" idx="12"/>
+          </p:nvPr>
+        </p:nvSpPr>
+        <p:spPr/>
+        <p:txBody>
+          <a:bodyPr/>
+          <a:lstStyle/>
+          <a:p>
+            <a:fld id="{0FDBC528-CE2F-4F3D-B925-721A8C60B450}" type="slidenum">
+              <a:rPr lang="de-DE" smtClean="0"/>
+              <a:t>2</a:t>
+            </a:fld>
+            <a:endParaRPr lang="de-DE"/>
+          </a:p>
+        </p:txBody>
+      </p:sp>
+    </p:spTree>
+    <p:extLst>
+      <p:ext uri="{BB962C8B-B14F-4D97-AF65-F5344CB8AC3E}">
+        <p14:creationId xmlns:p14="http://schemas.microsoft.com/office/powerpoint/2010/main" val="3555971825"/>
+      </p:ext>
+    </p:extLst>
+  </p:cSld>
+  <p:clrMapOvr>
+    <a:masterClrMapping/>
+  </p:clrMapOvr>
+</p:sld>
+</file>
+
+<file path=ppt/slides/slide20.xml><?xml version="1.0" encoding="utf-8"?>
+<p:sld xmlns:a="http://schemas.openxmlformats.org/drawingml/2006/main" xmlns:r="http://schemas.openxmlformats.org/officeDocument/2006/relationships" xmlns:p="http://schemas.openxmlformats.org/presentationml/2006/main">
+  <p:cSld>
+    <p:spTree>
+      <p:nvGrpSpPr>
+        <p:cNvPr id="1" name=""/>
+        <p:cNvGrpSpPr/>
+        <p:nvPr/>
+      </p:nvGrpSpPr>
+      <p:grpSpPr>
+        <a:xfrm>
+          <a:off x="0" y="0"/>
+          <a:ext cx="0" cy="0"/>
+          <a:chOff x="0" y="0"/>
+          <a:chExt cx="0" cy="0"/>
+        </a:xfrm>
+      </p:grpSpPr>
+      <p:sp>
+        <p:nvSpPr>
+          <p:cNvPr id="2" name="Titel 1">
+            <a:extLst>
+              <a:ext uri="{FF2B5EF4-FFF2-40B4-BE49-F238E27FC236}">
+                <a16:creationId xmlns:a16="http://schemas.microsoft.com/office/drawing/2014/main" id="{3926A6F6-4761-458A-9132-63902F4CABF5}"/>
+              </a:ext>
+            </a:extLst>
+          </p:cNvPr>
+          <p:cNvSpPr>
+            <a:spLocks noGrp="1"/>
+          </p:cNvSpPr>
+          <p:nvPr>
+            <p:ph type="title"/>
+          </p:nvPr>
+        </p:nvSpPr>
+        <p:spPr/>
+        <p:txBody>
+          <a:bodyPr/>
+          <a:lstStyle/>
+          <a:p>
+            <a:r>
+              <a:rPr lang="de-DE" dirty="0"/>
+              <a:t>Kernthesen</a:t>
+            </a:r>
+          </a:p>
+        </p:txBody>
+      </p:sp>
+      <p:sp>
+        <p:nvSpPr>
+          <p:cNvPr id="3" name="Inhaltsplatzhalter 2">
+            <a:extLst>
+              <a:ext uri="{FF2B5EF4-FFF2-40B4-BE49-F238E27FC236}">
+                <a16:creationId xmlns:a16="http://schemas.microsoft.com/office/drawing/2014/main" id="{FC7D7839-9456-4185-830F-2E75FA414D39}"/>
+              </a:ext>
+            </a:extLst>
+          </p:cNvPr>
+          <p:cNvSpPr>
+            <a:spLocks noGrp="1"/>
+          </p:cNvSpPr>
+          <p:nvPr>
+            <p:ph idx="1"/>
+          </p:nvPr>
+        </p:nvSpPr>
+        <p:spPr/>
+        <p:txBody>
+          <a:bodyPr/>
+          <a:lstStyle/>
+          <a:p>
+            <a:pPr marL="0" indent="0">
+              <a:buNone/>
+            </a:pPr>
+            <a:r>
+              <a:rPr lang="de-DE" u="sng" dirty="0"/>
+              <a:t>Aristoteles:</a:t>
+            </a:r>
+          </a:p>
+        </p:txBody>
+      </p:sp>
+      <p:sp>
+        <p:nvSpPr>
+          <p:cNvPr id="4" name="Datumsplatzhalter 3">
+            <a:extLst>
+              <a:ext uri="{FF2B5EF4-FFF2-40B4-BE49-F238E27FC236}">
+                <a16:creationId xmlns:a16="http://schemas.microsoft.com/office/drawing/2014/main" id="{C1F658FE-0508-490B-A3B7-654BD81A6536}"/>
+              </a:ext>
+            </a:extLst>
+          </p:cNvPr>
+          <p:cNvSpPr>
+            <a:spLocks noGrp="1"/>
+          </p:cNvSpPr>
+          <p:nvPr>
+            <p:ph type="dt" sz="half" idx="10"/>
+          </p:nvPr>
+        </p:nvSpPr>
+        <p:spPr/>
+        <p:txBody>
+          <a:bodyPr/>
+          <a:lstStyle/>
+          <a:p>
+            <a:fld id="{37AAA59D-F5D9-4C22-BAD7-C7D8B056DE27}" type="datetime1">
+              <a:rPr lang="de-DE" smtClean="0"/>
+              <a:t>14.12.2017</a:t>
+            </a:fld>
+            <a:endParaRPr lang="de-DE"/>
+          </a:p>
+        </p:txBody>
+      </p:sp>
+      <p:sp>
+        <p:nvSpPr>
+          <p:cNvPr id="5" name="Fußzeilenplatzhalter 4">
+            <a:extLst>
+              <a:ext uri="{FF2B5EF4-FFF2-40B4-BE49-F238E27FC236}">
+                <a16:creationId xmlns:a16="http://schemas.microsoft.com/office/drawing/2014/main" id="{0C6F0D9C-1917-449F-9772-0CCE450B8B03}"/>
+              </a:ext>
+            </a:extLst>
+          </p:cNvPr>
+          <p:cNvSpPr>
+            <a:spLocks noGrp="1"/>
+          </p:cNvSpPr>
+          <p:nvPr>
+            <p:ph type="ftr" sz="quarter" idx="11"/>
+          </p:nvPr>
+        </p:nvSpPr>
+        <p:spPr/>
+        <p:txBody>
+          <a:bodyPr/>
+          <a:lstStyle/>
+          <a:p>
+            <a:r>
+              <a:rPr lang="de-DE"/>
+              <a:t>Christian Högerle | Felix Waibel | Nico Vinzenz</a:t>
+            </a:r>
+          </a:p>
+        </p:txBody>
+      </p:sp>
+      <p:sp>
+        <p:nvSpPr>
+          <p:cNvPr id="6" name="Foliennummernplatzhalter 5">
+            <a:extLst>
+              <a:ext uri="{FF2B5EF4-FFF2-40B4-BE49-F238E27FC236}">
+                <a16:creationId xmlns:a16="http://schemas.microsoft.com/office/drawing/2014/main" id="{0F88D627-8A18-492D-A870-B3D95FE7B425}"/>
+              </a:ext>
+            </a:extLst>
+          </p:cNvPr>
+          <p:cNvSpPr>
+            <a:spLocks noGrp="1"/>
+          </p:cNvSpPr>
+          <p:nvPr>
+            <p:ph type="sldNum" sz="quarter" idx="12"/>
+          </p:nvPr>
+        </p:nvSpPr>
+        <p:spPr/>
+        <p:txBody>
+          <a:bodyPr/>
+          <a:lstStyle/>
+          <a:p>
+            <a:fld id="{0FDBC528-CE2F-4F3D-B925-721A8C60B450}" type="slidenum">
+              <a:rPr lang="de-DE" smtClean="0"/>
+              <a:t>20</a:t>
             </a:fld>
             <a:endParaRPr lang="de-DE"/>
           </a:p>
@@ -6728,7 +9643,7 @@
 </p:sld>
 </file>
 
-<file path=ppt/slides/slide15.xml><?xml version="1.0" encoding="utf-8"?>
+<file path=ppt/slides/slide21.xml><?xml version="1.0" encoding="utf-8"?>
 <p:sld xmlns:a="http://schemas.openxmlformats.org/drawingml/2006/main" xmlns:r="http://schemas.openxmlformats.org/officeDocument/2006/relationships" xmlns:p="http://schemas.openxmlformats.org/presentationml/2006/main">
   <p:cSld>
     <p:spTree>
@@ -6918,7 +9833,7 @@
           <a:p>
             <a:fld id="{0FDBC528-CE2F-4F3D-B925-721A8C60B450}" type="slidenum">
               <a:rPr lang="de-DE" smtClean="0"/>
-              <a:t>15</a:t>
+              <a:t>21</a:t>
             </a:fld>
             <a:endParaRPr lang="de-DE"/>
           </a:p>
@@ -6937,7 +9852,7 @@
 </p:sld>
 </file>
 
-<file path=ppt/slides/slide16.xml><?xml version="1.0" encoding="utf-8"?>
+<file path=ppt/slides/slide22.xml><?xml version="1.0" encoding="utf-8"?>
 <p:sld xmlns:a="http://schemas.openxmlformats.org/drawingml/2006/main" xmlns:r="http://schemas.openxmlformats.org/officeDocument/2006/relationships" xmlns:p="http://schemas.openxmlformats.org/presentationml/2006/main">
   <p:cSld>
     <p:spTree>
@@ -7144,7 +10059,7 @@
           <a:p>
             <a:fld id="{0FDBC528-CE2F-4F3D-B925-721A8C60B450}" type="slidenum">
               <a:rPr lang="de-DE" smtClean="0"/>
-              <a:t>16</a:t>
+              <a:t>22</a:t>
             </a:fld>
             <a:endParaRPr lang="de-DE"/>
           </a:p>
@@ -7163,7 +10078,7 @@
 </p:sld>
 </file>
 
-<file path=ppt/slides/slide17.xml><?xml version="1.0" encoding="utf-8"?>
+<file path=ppt/slides/slide23.xml><?xml version="1.0" encoding="utf-8"?>
 <p:sld xmlns:a="http://schemas.openxmlformats.org/drawingml/2006/main" xmlns:r="http://schemas.openxmlformats.org/officeDocument/2006/relationships" xmlns:p="http://schemas.openxmlformats.org/presentationml/2006/main">
   <p:cSld>
     <p:spTree>
@@ -7381,7 +10296,7 @@
           <a:p>
             <a:fld id="{0FDBC528-CE2F-4F3D-B925-721A8C60B450}" type="slidenum">
               <a:rPr lang="de-DE" smtClean="0"/>
-              <a:t>17</a:t>
+              <a:t>23</a:t>
             </a:fld>
             <a:endParaRPr lang="de-DE"/>
           </a:p>
@@ -7400,7 +10315,7 @@
 </p:sld>
 </file>
 
-<file path=ppt/slides/slide18.xml><?xml version="1.0" encoding="utf-8"?>
+<file path=ppt/slides/slide24.xml><?xml version="1.0" encoding="utf-8"?>
 <p:sld xmlns:a="http://schemas.openxmlformats.org/drawingml/2006/main" xmlns:r="http://schemas.openxmlformats.org/officeDocument/2006/relationships" xmlns:p="http://schemas.openxmlformats.org/presentationml/2006/main">
   <p:cSld>
     <p:spTree>
@@ -7663,7 +10578,7 @@
           <a:p>
             <a:fld id="{0FDBC528-CE2F-4F3D-B925-721A8C60B450}" type="slidenum">
               <a:rPr lang="de-DE" smtClean="0"/>
-              <a:t>18</a:t>
+              <a:t>24</a:t>
             </a:fld>
             <a:endParaRPr lang="de-DE"/>
           </a:p>
@@ -7957,7 +10872,7 @@
 </p:sld>
 </file>
 
-<file path=ppt/slides/slide19.xml><?xml version="1.0" encoding="utf-8"?>
+<file path=ppt/slides/slide25.xml><?xml version="1.0" encoding="utf-8"?>
 <p:sld xmlns:a="http://schemas.openxmlformats.org/drawingml/2006/main" xmlns:r="http://schemas.openxmlformats.org/officeDocument/2006/relationships" xmlns:p="http://schemas.openxmlformats.org/presentationml/2006/main">
   <p:cSld>
     <p:spTree>
@@ -8027,8 +10942,78 @@
               <a:buNone/>
             </a:pPr>
             <a:r>
+              <a:rPr lang="de-DE" u="sng" dirty="0"/>
+              <a:t>Platon:</a:t>
+            </a:r>
+          </a:p>
+          <a:p>
+            <a:r>
+              <a:rPr lang="de-DE" b="1" dirty="0"/>
+              <a:t>Falsches Wissen / „Fake News“ / Satire</a:t>
+            </a:r>
+          </a:p>
+          <a:p>
+            <a:pPr lvl="1"/>
+            <a:r>
               <a:rPr lang="de-DE" dirty="0"/>
-              <a:t>Platon:</a:t>
+              <a:t>heute schon ein Problem, tragen zur Meinungsbildung mit</a:t>
+            </a:r>
+          </a:p>
+          <a:p>
+            <a:pPr lvl="1"/>
+            <a:r>
+              <a:rPr lang="de-DE" dirty="0"/>
+              <a:t>Prof. Dr. Oliver </a:t>
+            </a:r>
+            <a:r>
+              <a:rPr lang="de-DE" dirty="0" err="1"/>
+              <a:t>Bendel</a:t>
+            </a:r>
+            <a:r>
+              <a:rPr lang="de-DE" dirty="0"/>
+              <a:t> </a:t>
+            </a:r>
+            <a:r>
+              <a:rPr lang="de-DE" dirty="0" err="1"/>
+              <a:t>Lügenbot</a:t>
+            </a:r>
+            <a:r>
+              <a:rPr lang="de-DE" dirty="0"/>
+              <a:t> </a:t>
+            </a:r>
+          </a:p>
+          <a:p>
+            <a:pPr lvl="2"/>
+            <a:r>
+              <a:rPr lang="de-DE" dirty="0"/>
+              <a:t>zu Demo und Test Zwecken</a:t>
+            </a:r>
+          </a:p>
+          <a:p>
+            <a:r>
+              <a:rPr lang="de-DE" b="1" dirty="0"/>
+              <a:t>Verwechslungsgefahr / Irreführung</a:t>
+            </a:r>
+          </a:p>
+          <a:p>
+            <a:pPr lvl="1"/>
+            <a:r>
+              <a:rPr lang="de-DE" dirty="0">
+                <a:sym typeface="Wingdings" panose="05000000000000000000" pitchFamily="2" charset="2"/>
+              </a:rPr>
+              <a:t>„Eugene </a:t>
+            </a:r>
+            <a:r>
+              <a:rPr lang="de-DE" dirty="0" err="1">
+                <a:sym typeface="Wingdings" panose="05000000000000000000" pitchFamily="2" charset="2"/>
+              </a:rPr>
+              <a:t>Goostman</a:t>
+            </a:r>
+            <a:r>
+              <a:rPr lang="de-DE" dirty="0">
+                <a:sym typeface="Wingdings" panose="05000000000000000000" pitchFamily="2" charset="2"/>
+              </a:rPr>
+              <a:t>“ 2014  33% beim Turing Test</a:t>
             </a:r>
           </a:p>
         </p:txBody>
@@ -8113,7 +11098,7 @@
           <a:p>
             <a:fld id="{0FDBC528-CE2F-4F3D-B925-721A8C60B450}" type="slidenum">
               <a:rPr lang="de-DE" smtClean="0"/>
-              <a:t>19</a:t>
+              <a:t>25</a:t>
             </a:fld>
             <a:endParaRPr lang="de-DE"/>
           </a:p>
@@ -8132,7 +11117,7 @@
 </p:sld>
 </file>
 
-<file path=ppt/slides/slide2.xml><?xml version="1.0" encoding="utf-8"?>
+<file path=ppt/slides/slide26.xml><?xml version="1.0" encoding="utf-8"?>
 <p:sld xmlns:a="http://schemas.openxmlformats.org/drawingml/2006/main" xmlns:r="http://schemas.openxmlformats.org/officeDocument/2006/relationships" xmlns:p="http://schemas.openxmlformats.org/presentationml/2006/main">
   <p:cSld>
     <p:spTree>
@@ -8151,10 +11136,10 @@
       </p:grpSpPr>
       <p:sp>
         <p:nvSpPr>
-          <p:cNvPr id="25" name="Titel 24">
-            <a:extLst>
-              <a:ext uri="{FF2B5EF4-FFF2-40B4-BE49-F238E27FC236}">
-                <a16:creationId xmlns:a16="http://schemas.microsoft.com/office/drawing/2014/main" id="{B3BA7EC2-27B3-42F0-A06B-C34EB8F501BD}"/>
+          <p:cNvPr id="2" name="Titel 1">
+            <a:extLst>
+              <a:ext uri="{FF2B5EF4-FFF2-40B4-BE49-F238E27FC236}">
+                <a16:creationId xmlns:a16="http://schemas.microsoft.com/office/drawing/2014/main" id="{D3A43130-22AA-45E3-98D3-1BD148CAFBC7}"/>
               </a:ext>
             </a:extLst>
           </p:cNvPr>
@@ -8169,73 +11154,102 @@
         <p:txBody>
           <a:bodyPr/>
           <a:lstStyle/>
-          <a:p>
-            <a:r>
-              <a:rPr lang="de-DE" dirty="0"/>
-              <a:t>Agenda</a:t>
-            </a:r>
-          </a:p>
-        </p:txBody>
-      </p:sp>
-      <p:sp>
-        <p:nvSpPr>
-          <p:cNvPr id="2" name="Inhaltsplatzhalter 1">
-            <a:extLst>
-              <a:ext uri="{FF2B5EF4-FFF2-40B4-BE49-F238E27FC236}">
-                <a16:creationId xmlns:a16="http://schemas.microsoft.com/office/drawing/2014/main" id="{3F50F4C1-7686-42BF-9225-4AE28C82353D}"/>
-              </a:ext>
-            </a:extLst>
-          </p:cNvPr>
-          <p:cNvSpPr>
-            <a:spLocks noGrp="1"/>
-          </p:cNvSpPr>
-          <p:nvPr>
-            <p:ph idx="1"/>
-          </p:nvPr>
-        </p:nvSpPr>
-        <p:spPr/>
-        <p:txBody>
-          <a:bodyPr/>
-          <a:lstStyle/>
-          <a:p>
-            <a:r>
-              <a:rPr lang="de-DE" dirty="0"/>
-              <a:t>Fragestellung</a:t>
-            </a:r>
-          </a:p>
-          <a:p>
-            <a:r>
-              <a:rPr lang="de-DE" dirty="0"/>
-              <a:t>Grundlagen</a:t>
-            </a:r>
-          </a:p>
-          <a:p>
-            <a:r>
-              <a:rPr lang="de-DE"/>
-              <a:t>Kernthesen</a:t>
-            </a:r>
-            <a:endParaRPr lang="de-DE" dirty="0"/>
-          </a:p>
           <a:p>
             <a:r>
               <a:rPr lang="de-DE" dirty="0"/>
               <a:t>Abwägung</a:t>
             </a:r>
           </a:p>
-          <a:p>
-            <a:r>
-              <a:rPr lang="de-DE" dirty="0"/>
-              <a:t>Fazit</a:t>
-            </a:r>
-          </a:p>
-        </p:txBody>
-      </p:sp>
-      <p:sp>
-        <p:nvSpPr>
-          <p:cNvPr id="27" name="Datumsplatzhalter 26">
-            <a:extLst>
-              <a:ext uri="{FF2B5EF4-FFF2-40B4-BE49-F238E27FC236}">
-                <a16:creationId xmlns:a16="http://schemas.microsoft.com/office/drawing/2014/main" id="{546A6DE1-B89F-4664-9392-B5F85A011FB0}"/>
+        </p:txBody>
+      </p:sp>
+      <p:sp>
+        <p:nvSpPr>
+          <p:cNvPr id="3" name="Inhaltsplatzhalter 2">
+            <a:extLst>
+              <a:ext uri="{FF2B5EF4-FFF2-40B4-BE49-F238E27FC236}">
+                <a16:creationId xmlns:a16="http://schemas.microsoft.com/office/drawing/2014/main" id="{1A7DDC81-E5B8-4095-A43C-88DCD9E75FDC}"/>
+              </a:ext>
+            </a:extLst>
+          </p:cNvPr>
+          <p:cNvSpPr>
+            <a:spLocks noGrp="1"/>
+          </p:cNvSpPr>
+          <p:nvPr>
+            <p:ph idx="1"/>
+          </p:nvPr>
+        </p:nvSpPr>
+        <p:spPr/>
+        <p:txBody>
+          <a:bodyPr/>
+          <a:lstStyle/>
+          <a:p>
+            <a:pPr marL="0" indent="0">
+              <a:buNone/>
+            </a:pPr>
+            <a:r>
+              <a:rPr lang="de-DE" u="sng" dirty="0"/>
+              <a:t>Aristoteles:</a:t>
+            </a:r>
+          </a:p>
+          <a:p>
+            <a:r>
+              <a:rPr lang="de-DE" b="1" dirty="0"/>
+              <a:t>Sicht 1: Wissenserlangung</a:t>
+            </a:r>
+          </a:p>
+          <a:p>
+            <a:pPr lvl="1"/>
+            <a:r>
+              <a:rPr lang="de-DE" sz="2800" dirty="0"/>
+              <a:t>Wissen als Ressource der Gesellschaft</a:t>
+            </a:r>
+          </a:p>
+          <a:p>
+            <a:pPr lvl="1"/>
+            <a:r>
+              <a:rPr lang="de-DE" sz="2800" dirty="0"/>
+              <a:t>„Wissen ist Macht“</a:t>
+            </a:r>
+          </a:p>
+          <a:p>
+            <a:r>
+              <a:rPr lang="de-DE" b="1" dirty="0"/>
+              <a:t>Sicht 2: differenzierte Betrachtungsweise</a:t>
+            </a:r>
+          </a:p>
+          <a:p>
+            <a:pPr lvl="1"/>
+            <a:r>
+              <a:rPr lang="de-DE" sz="2800" dirty="0"/>
+              <a:t>Mehrere Blickwinkel</a:t>
+            </a:r>
+          </a:p>
+          <a:p>
+            <a:pPr marL="0" indent="0">
+              <a:buNone/>
+            </a:pPr>
+            <a:endParaRPr lang="de-DE" dirty="0"/>
+          </a:p>
+          <a:p>
+            <a:pPr marL="0" indent="0">
+              <a:buNone/>
+            </a:pPr>
+            <a:endParaRPr lang="de-DE" dirty="0"/>
+          </a:p>
+          <a:p>
+            <a:pPr marL="0" indent="0">
+              <a:buNone/>
+            </a:pPr>
+            <a:endParaRPr lang="de-DE" dirty="0"/>
+          </a:p>
+        </p:txBody>
+      </p:sp>
+      <p:sp>
+        <p:nvSpPr>
+          <p:cNvPr id="4" name="Datumsplatzhalter 3">
+            <a:extLst>
+              <a:ext uri="{FF2B5EF4-FFF2-40B4-BE49-F238E27FC236}">
+                <a16:creationId xmlns:a16="http://schemas.microsoft.com/office/drawing/2014/main" id="{0504EE00-40ED-4217-B8C4-FAAB338801A5}"/>
               </a:ext>
             </a:extLst>
           </p:cNvPr>
@@ -8251,7 +11265,7 @@
           <a:bodyPr/>
           <a:lstStyle/>
           <a:p>
-            <a:fld id="{1B876D99-6DEA-420F-AEAC-AB387BCD608A}" type="datetime1">
+            <a:fld id="{37AAA59D-F5D9-4C22-BAD7-C7D8B056DE27}" type="datetime1">
               <a:rPr lang="de-DE" smtClean="0"/>
               <a:t>14.12.2017</a:t>
             </a:fld>
@@ -8261,10 +11275,10 @@
       </p:sp>
       <p:sp>
         <p:nvSpPr>
-          <p:cNvPr id="28" name="Fußzeilenplatzhalter 27">
-            <a:extLst>
-              <a:ext uri="{FF2B5EF4-FFF2-40B4-BE49-F238E27FC236}">
-                <a16:creationId xmlns:a16="http://schemas.microsoft.com/office/drawing/2014/main" id="{6CC192C1-7375-4096-8E74-9163062F27E0}"/>
+          <p:cNvPr id="5" name="Fußzeilenplatzhalter 4">
+            <a:extLst>
+              <a:ext uri="{FF2B5EF4-FFF2-40B4-BE49-F238E27FC236}">
+                <a16:creationId xmlns:a16="http://schemas.microsoft.com/office/drawing/2014/main" id="{2C261FA1-3215-4332-8A73-84FB73F8A083}"/>
               </a:ext>
             </a:extLst>
           </p:cNvPr>
@@ -8284,16 +11298,15 @@
               <a:rPr lang="de-DE"/>
               <a:t>Christian Högerle | Felix Waibel | Nico Vinzenz</a:t>
             </a:r>
-            <a:endParaRPr lang="de-DE" dirty="0"/>
-          </a:p>
-        </p:txBody>
-      </p:sp>
-      <p:sp>
-        <p:nvSpPr>
-          <p:cNvPr id="29" name="Foliennummernplatzhalter 28">
-            <a:extLst>
-              <a:ext uri="{FF2B5EF4-FFF2-40B4-BE49-F238E27FC236}">
-                <a16:creationId xmlns:a16="http://schemas.microsoft.com/office/drawing/2014/main" id="{8BF6A68C-CEB6-4C3B-8AF2-CB115E5DFC83}"/>
+          </a:p>
+        </p:txBody>
+      </p:sp>
+      <p:sp>
+        <p:nvSpPr>
+          <p:cNvPr id="6" name="Foliennummernplatzhalter 5">
+            <a:extLst>
+              <a:ext uri="{FF2B5EF4-FFF2-40B4-BE49-F238E27FC236}">
+                <a16:creationId xmlns:a16="http://schemas.microsoft.com/office/drawing/2014/main" id="{1A7A216C-B95B-4211-B85A-9BD54C9CD373}"/>
               </a:ext>
             </a:extLst>
           </p:cNvPr>
@@ -8311,7 +11324,7 @@
           <a:p>
             <a:fld id="{0FDBC528-CE2F-4F3D-B925-721A8C60B450}" type="slidenum">
               <a:rPr lang="de-DE" smtClean="0"/>
-              <a:t>2</a:t>
+              <a:t>26</a:t>
             </a:fld>
             <a:endParaRPr lang="de-DE"/>
           </a:p>
@@ -8320,7 +11333,7 @@
     </p:spTree>
     <p:extLst>
       <p:ext uri="{BB962C8B-B14F-4D97-AF65-F5344CB8AC3E}">
-        <p14:creationId xmlns:p14="http://schemas.microsoft.com/office/powerpoint/2010/main" val="3555971825"/>
+        <p14:creationId xmlns:p14="http://schemas.microsoft.com/office/powerpoint/2010/main" val="1590228630"/>
       </p:ext>
     </p:extLst>
   </p:cSld>
@@ -8330,7 +11343,7 @@
 </p:sld>
 </file>
 
-<file path=ppt/slides/slide20.xml><?xml version="1.0" encoding="utf-8"?>
+<file path=ppt/slides/slide27.xml><?xml version="1.0" encoding="utf-8"?>
 <p:sld xmlns:a="http://schemas.openxmlformats.org/drawingml/2006/main" xmlns:r="http://schemas.openxmlformats.org/officeDocument/2006/relationships" xmlns:p="http://schemas.openxmlformats.org/presentationml/2006/main">
   <p:cSld>
     <p:spTree>
@@ -8401,47 +11414,76 @@
             </a:pPr>
             <a:r>
               <a:rPr lang="de-DE" u="sng" dirty="0"/>
-              <a:t>Aristoteles:</a:t>
-            </a:r>
-          </a:p>
-          <a:p>
-            <a:r>
-              <a:rPr lang="de-DE" b="1" dirty="0"/>
-              <a:t>Sicht 1: Wissenserlangung</a:t>
-            </a:r>
-          </a:p>
-          <a:p>
-            <a:pPr lvl="1"/>
+              <a:t>Friedrich Nietzsche:</a:t>
+            </a:r>
+          </a:p>
+          <a:p>
+            <a:r>
+              <a:rPr lang="de-DE" dirty="0"/>
+              <a:t>Direkter Vergleich zwischen </a:t>
+            </a:r>
+            <a:r>
+              <a:rPr lang="de-DE" dirty="0" err="1"/>
+              <a:t>Chatbot</a:t>
+            </a:r>
+            <a:r>
+              <a:rPr lang="de-DE" dirty="0"/>
+              <a:t> und Übermensch gewagt</a:t>
+            </a:r>
+          </a:p>
+          <a:p>
+            <a:pPr lvl="1">
+              <a:buFont typeface="Wingdings" panose="05000000000000000000" pitchFamily="2" charset="2"/>
+              <a:buChar char="Ø"/>
+            </a:pPr>
             <a:r>
               <a:rPr lang="de-DE" sz="2800" dirty="0"/>
-              <a:t>Wissen als Ressource der Gesellschaft</a:t>
-            </a:r>
-          </a:p>
-          <a:p>
-            <a:pPr lvl="1"/>
+              <a:t>Übermensch bezieht sich auf Evolution des Menschen</a:t>
+            </a:r>
+          </a:p>
+          <a:p>
+            <a:pPr lvl="1">
+              <a:buFont typeface="Wingdings" panose="05000000000000000000" pitchFamily="2" charset="2"/>
+              <a:buChar char="Ø"/>
+            </a:pPr>
             <a:r>
               <a:rPr lang="de-DE" sz="2800" dirty="0"/>
-              <a:t>„Wissen ist Macht“</a:t>
-            </a:r>
-          </a:p>
-          <a:p>
-            <a:r>
-              <a:rPr lang="de-DE" b="1" dirty="0"/>
-              <a:t>Sicht 2: differenzierte Betrachtungsweise</a:t>
-            </a:r>
-          </a:p>
-          <a:p>
-            <a:pPr lvl="1"/>
+              <a:t>Definition aus dem 19. Jahrhundert</a:t>
+            </a:r>
+          </a:p>
+          <a:p>
+            <a:pPr lvl="1">
+              <a:buFont typeface="Wingdings" panose="05000000000000000000" pitchFamily="2" charset="2"/>
+              <a:buChar char="Ø"/>
+            </a:pPr>
             <a:r>
               <a:rPr lang="de-DE" sz="2800" dirty="0"/>
-              <a:t>Mehrere Blickwinkel</a:t>
+              <a:t>Mögliche Intelligenz der </a:t>
+            </a:r>
+            <a:r>
+              <a:rPr lang="de-DE" sz="2800" dirty="0" err="1"/>
+              <a:t>Chatbot</a:t>
+            </a:r>
+            <a:r>
+              <a:rPr lang="de-DE" sz="2800" dirty="0"/>
+              <a:t>-KI nicht einschätzbar</a:t>
             </a:r>
           </a:p>
           <a:p>
             <a:pPr marL="0" indent="0">
               <a:buNone/>
             </a:pPr>
-            <a:endParaRPr lang="de-DE" dirty="0"/>
+            <a:endParaRPr lang="de-DE" b="1" dirty="0"/>
+          </a:p>
+          <a:p>
+            <a:pPr>
+              <a:buFont typeface="Wingdings" panose="05000000000000000000" pitchFamily="2" charset="2"/>
+              <a:buChar char="Ø"/>
+            </a:pPr>
+            <a:r>
+              <a:rPr lang="de-DE" b="1" dirty="0"/>
+              <a:t>Nietzsches Gedankenspiele für das Fazit irrelevant</a:t>
+            </a:r>
           </a:p>
           <a:p>
             <a:pPr marL="0" indent="0">
@@ -8537,262 +11579,7 @@
           <a:p>
             <a:fld id="{0FDBC528-CE2F-4F3D-B925-721A8C60B450}" type="slidenum">
               <a:rPr lang="de-DE" smtClean="0"/>
-              <a:t>20</a:t>
-            </a:fld>
-            <a:endParaRPr lang="de-DE"/>
-          </a:p>
-        </p:txBody>
-      </p:sp>
-    </p:spTree>
-    <p:extLst>
-      <p:ext uri="{BB962C8B-B14F-4D97-AF65-F5344CB8AC3E}">
-        <p14:creationId xmlns:p14="http://schemas.microsoft.com/office/powerpoint/2010/main" val="1590228630"/>
-      </p:ext>
-    </p:extLst>
-  </p:cSld>
-  <p:clrMapOvr>
-    <a:masterClrMapping/>
-  </p:clrMapOvr>
-</p:sld>
-</file>
-
-<file path=ppt/slides/slide21.xml><?xml version="1.0" encoding="utf-8"?>
-<p:sld xmlns:a="http://schemas.openxmlformats.org/drawingml/2006/main" xmlns:r="http://schemas.openxmlformats.org/officeDocument/2006/relationships" xmlns:p="http://schemas.openxmlformats.org/presentationml/2006/main">
-  <p:cSld>
-    <p:spTree>
-      <p:nvGrpSpPr>
-        <p:cNvPr id="1" name=""/>
-        <p:cNvGrpSpPr/>
-        <p:nvPr/>
-      </p:nvGrpSpPr>
-      <p:grpSpPr>
-        <a:xfrm>
-          <a:off x="0" y="0"/>
-          <a:ext cx="0" cy="0"/>
-          <a:chOff x="0" y="0"/>
-          <a:chExt cx="0" cy="0"/>
-        </a:xfrm>
-      </p:grpSpPr>
-      <p:sp>
-        <p:nvSpPr>
-          <p:cNvPr id="2" name="Titel 1">
-            <a:extLst>
-              <a:ext uri="{FF2B5EF4-FFF2-40B4-BE49-F238E27FC236}">
-                <a16:creationId xmlns:a16="http://schemas.microsoft.com/office/drawing/2014/main" id="{D3A43130-22AA-45E3-98D3-1BD148CAFBC7}"/>
-              </a:ext>
-            </a:extLst>
-          </p:cNvPr>
-          <p:cNvSpPr>
-            <a:spLocks noGrp="1"/>
-          </p:cNvSpPr>
-          <p:nvPr>
-            <p:ph type="title"/>
-          </p:nvPr>
-        </p:nvSpPr>
-        <p:spPr/>
-        <p:txBody>
-          <a:bodyPr/>
-          <a:lstStyle/>
-          <a:p>
-            <a:r>
-              <a:rPr lang="de-DE" dirty="0"/>
-              <a:t>Abwägung</a:t>
-            </a:r>
-          </a:p>
-        </p:txBody>
-      </p:sp>
-      <p:sp>
-        <p:nvSpPr>
-          <p:cNvPr id="3" name="Inhaltsplatzhalter 2">
-            <a:extLst>
-              <a:ext uri="{FF2B5EF4-FFF2-40B4-BE49-F238E27FC236}">
-                <a16:creationId xmlns:a16="http://schemas.microsoft.com/office/drawing/2014/main" id="{1A7DDC81-E5B8-4095-A43C-88DCD9E75FDC}"/>
-              </a:ext>
-            </a:extLst>
-          </p:cNvPr>
-          <p:cNvSpPr>
-            <a:spLocks noGrp="1"/>
-          </p:cNvSpPr>
-          <p:nvPr>
-            <p:ph idx="1"/>
-          </p:nvPr>
-        </p:nvSpPr>
-        <p:spPr/>
-        <p:txBody>
-          <a:bodyPr/>
-          <a:lstStyle/>
-          <a:p>
-            <a:pPr marL="0" indent="0">
-              <a:buNone/>
-            </a:pPr>
-            <a:r>
-              <a:rPr lang="de-DE" u="sng" dirty="0"/>
-              <a:t>Friedrich Nietzsche:</a:t>
-            </a:r>
-          </a:p>
-          <a:p>
-            <a:r>
-              <a:rPr lang="de-DE" dirty="0"/>
-              <a:t>Direkter Vergleich zwischen </a:t>
-            </a:r>
-            <a:r>
-              <a:rPr lang="de-DE" dirty="0" err="1"/>
-              <a:t>Chatbot</a:t>
-            </a:r>
-            <a:r>
-              <a:rPr lang="de-DE" dirty="0"/>
-              <a:t> und Übermensch gewagt</a:t>
-            </a:r>
-          </a:p>
-          <a:p>
-            <a:pPr lvl="1">
-              <a:buFont typeface="Wingdings" panose="05000000000000000000" pitchFamily="2" charset="2"/>
-              <a:buChar char="Ø"/>
-            </a:pPr>
-            <a:r>
-              <a:rPr lang="de-DE" sz="2800" dirty="0"/>
-              <a:t>Übermensch bezieht sich auf Evolution des Menschen</a:t>
-            </a:r>
-          </a:p>
-          <a:p>
-            <a:pPr lvl="1">
-              <a:buFont typeface="Wingdings" panose="05000000000000000000" pitchFamily="2" charset="2"/>
-              <a:buChar char="Ø"/>
-            </a:pPr>
-            <a:r>
-              <a:rPr lang="de-DE" sz="2800" dirty="0"/>
-              <a:t>Definition aus dem 19. Jahrhundert</a:t>
-            </a:r>
-          </a:p>
-          <a:p>
-            <a:pPr lvl="1">
-              <a:buFont typeface="Wingdings" panose="05000000000000000000" pitchFamily="2" charset="2"/>
-              <a:buChar char="Ø"/>
-            </a:pPr>
-            <a:r>
-              <a:rPr lang="de-DE" sz="2800" dirty="0"/>
-              <a:t>Mögliche Intelligenz der </a:t>
-            </a:r>
-            <a:r>
-              <a:rPr lang="de-DE" sz="2800" dirty="0" err="1"/>
-              <a:t>Chatbot</a:t>
-            </a:r>
-            <a:r>
-              <a:rPr lang="de-DE" sz="2800" dirty="0"/>
-              <a:t>-KI nicht einschätzbar</a:t>
-            </a:r>
-          </a:p>
-          <a:p>
-            <a:pPr marL="0" indent="0">
-              <a:buNone/>
-            </a:pPr>
-            <a:endParaRPr lang="de-DE" b="1" dirty="0"/>
-          </a:p>
-          <a:p>
-            <a:pPr>
-              <a:buFont typeface="Wingdings" panose="05000000000000000000" pitchFamily="2" charset="2"/>
-              <a:buChar char="Ø"/>
-            </a:pPr>
-            <a:r>
-              <a:rPr lang="de-DE" b="1" dirty="0"/>
-              <a:t>Nietzsches Gedankenspiele für das Fazit irrelevant</a:t>
-            </a:r>
-          </a:p>
-          <a:p>
-            <a:pPr marL="0" indent="0">
-              <a:buNone/>
-            </a:pPr>
-            <a:endParaRPr lang="de-DE" dirty="0"/>
-          </a:p>
-          <a:p>
-            <a:pPr marL="0" indent="0">
-              <a:buNone/>
-            </a:pPr>
-            <a:endParaRPr lang="de-DE" dirty="0"/>
-          </a:p>
-        </p:txBody>
-      </p:sp>
-      <p:sp>
-        <p:nvSpPr>
-          <p:cNvPr id="4" name="Datumsplatzhalter 3">
-            <a:extLst>
-              <a:ext uri="{FF2B5EF4-FFF2-40B4-BE49-F238E27FC236}">
-                <a16:creationId xmlns:a16="http://schemas.microsoft.com/office/drawing/2014/main" id="{0504EE00-40ED-4217-B8C4-FAAB338801A5}"/>
-              </a:ext>
-            </a:extLst>
-          </p:cNvPr>
-          <p:cNvSpPr>
-            <a:spLocks noGrp="1"/>
-          </p:cNvSpPr>
-          <p:nvPr>
-            <p:ph type="dt" sz="half" idx="10"/>
-          </p:nvPr>
-        </p:nvSpPr>
-        <p:spPr/>
-        <p:txBody>
-          <a:bodyPr/>
-          <a:lstStyle/>
-          <a:p>
-            <a:fld id="{37AAA59D-F5D9-4C22-BAD7-C7D8B056DE27}" type="datetime1">
-              <a:rPr lang="de-DE" smtClean="0"/>
-              <a:t>14.12.2017</a:t>
-            </a:fld>
-            <a:endParaRPr lang="de-DE"/>
-          </a:p>
-        </p:txBody>
-      </p:sp>
-      <p:sp>
-        <p:nvSpPr>
-          <p:cNvPr id="5" name="Fußzeilenplatzhalter 4">
-            <a:extLst>
-              <a:ext uri="{FF2B5EF4-FFF2-40B4-BE49-F238E27FC236}">
-                <a16:creationId xmlns:a16="http://schemas.microsoft.com/office/drawing/2014/main" id="{2C261FA1-3215-4332-8A73-84FB73F8A083}"/>
-              </a:ext>
-            </a:extLst>
-          </p:cNvPr>
-          <p:cNvSpPr>
-            <a:spLocks noGrp="1"/>
-          </p:cNvSpPr>
-          <p:nvPr>
-            <p:ph type="ftr" sz="quarter" idx="11"/>
-          </p:nvPr>
-        </p:nvSpPr>
-        <p:spPr/>
-        <p:txBody>
-          <a:bodyPr/>
-          <a:lstStyle/>
-          <a:p>
-            <a:r>
-              <a:rPr lang="de-DE"/>
-              <a:t>Christian Högerle | Felix Waibel | Nico Vinzenz</a:t>
-            </a:r>
-          </a:p>
-        </p:txBody>
-      </p:sp>
-      <p:sp>
-        <p:nvSpPr>
-          <p:cNvPr id="6" name="Foliennummernplatzhalter 5">
-            <a:extLst>
-              <a:ext uri="{FF2B5EF4-FFF2-40B4-BE49-F238E27FC236}">
-                <a16:creationId xmlns:a16="http://schemas.microsoft.com/office/drawing/2014/main" id="{1A7A216C-B95B-4211-B85A-9BD54C9CD373}"/>
-              </a:ext>
-            </a:extLst>
-          </p:cNvPr>
-          <p:cNvSpPr>
-            <a:spLocks noGrp="1"/>
-          </p:cNvSpPr>
-          <p:nvPr>
-            <p:ph type="sldNum" sz="quarter" idx="12"/>
-          </p:nvPr>
-        </p:nvSpPr>
-        <p:spPr/>
-        <p:txBody>
-          <a:bodyPr/>
-          <a:lstStyle/>
-          <a:p>
-            <a:fld id="{0FDBC528-CE2F-4F3D-B925-721A8C60B450}" type="slidenum">
-              <a:rPr lang="de-DE" smtClean="0"/>
-              <a:t>21</a:t>
+              <a:t>27</a:t>
             </a:fld>
             <a:endParaRPr lang="de-DE"/>
           </a:p>
@@ -8944,7 +11731,7 @@
 </p:sld>
 </file>
 
-<file path=ppt/slides/slide22.xml><?xml version="1.0" encoding="utf-8"?>
+<file path=ppt/slides/slide28.xml><?xml version="1.0" encoding="utf-8"?>
 <p:sld xmlns:a="http://schemas.openxmlformats.org/drawingml/2006/main" xmlns:r="http://schemas.openxmlformats.org/officeDocument/2006/relationships" xmlns:p="http://schemas.openxmlformats.org/presentationml/2006/main">
   <p:cSld>
     <p:spTree>
@@ -9005,14 +11792,171 @@
             <p:ph idx="1"/>
           </p:nvPr>
         </p:nvSpPr>
-        <p:spPr/>
-        <p:txBody>
-          <a:bodyPr/>
-          <a:lstStyle/>
-          <a:p>
-            <a:r>
-              <a:rPr lang="de-DE"/>
-              <a:t>Zitat letzte Seite</a:t>
+        <p:spPr>
+          <a:xfrm>
+            <a:off x="838200" y="1825625"/>
+            <a:ext cx="10515600" cy="4351338"/>
+          </a:xfrm>
+        </p:spPr>
+        <p:txBody>
+          <a:bodyPr>
+            <a:normAutofit fontScale="92500" lnSpcReduction="20000"/>
+          </a:bodyPr>
+          <a:lstStyle/>
+          <a:p>
+            <a:pPr marL="0" indent="0">
+              <a:buNone/>
+            </a:pPr>
+            <a:r>
+              <a:rPr lang="de-DE" dirty="0"/>
+              <a:t>NEIN + JA + IRRELEVANT = ????</a:t>
+            </a:r>
+          </a:p>
+          <a:p>
+            <a:endParaRPr lang="de-DE" dirty="0"/>
+          </a:p>
+          <a:p>
+            <a:r>
+              <a:rPr lang="de-DE" dirty="0"/>
+              <a:t>JA - Unter bestimmten Voraussetzungen</a:t>
+            </a:r>
+          </a:p>
+          <a:p>
+            <a:endParaRPr lang="de-DE" dirty="0"/>
+          </a:p>
+          <a:p>
+            <a:pPr marL="0" indent="0">
+              <a:buNone/>
+            </a:pPr>
+            <a:r>
+              <a:rPr lang="de-DE" dirty="0" err="1"/>
+              <a:t>if</a:t>
+            </a:r>
+            <a:r>
+              <a:rPr lang="de-DE" dirty="0"/>
+              <a:t>(</a:t>
+            </a:r>
+            <a:r>
+              <a:rPr lang="de-DE" dirty="0" err="1"/>
+              <a:t>news</a:t>
+            </a:r>
+            <a:r>
+              <a:rPr lang="de-DE" dirty="0"/>
+              <a:t> == </a:t>
+            </a:r>
+            <a:r>
+              <a:rPr lang="de-DE" dirty="0" err="1"/>
+              <a:t>true</a:t>
+            </a:r>
+            <a:r>
+              <a:rPr lang="de-DE" dirty="0"/>
+              <a:t>) &amp;&amp; (</a:t>
+            </a:r>
+            <a:r>
+              <a:rPr lang="de-DE" dirty="0" err="1"/>
+              <a:t>news</a:t>
+            </a:r>
+            <a:r>
+              <a:rPr lang="de-DE" dirty="0"/>
+              <a:t> == Wissen/Ideen) &amp;&amp; (</a:t>
+            </a:r>
+            <a:r>
+              <a:rPr lang="de-DE" dirty="0" err="1"/>
+              <a:t>news</a:t>
+            </a:r>
+            <a:r>
+              <a:rPr lang="de-DE" dirty="0"/>
+              <a:t> != </a:t>
+            </a:r>
+            <a:r>
+              <a:rPr lang="de-DE" dirty="0" err="1"/>
+              <a:t>insult</a:t>
+            </a:r>
+            <a:r>
+              <a:rPr lang="de-DE" dirty="0"/>
+              <a:t>) &amp;&amp; …{</a:t>
+            </a:r>
+          </a:p>
+          <a:p>
+            <a:pPr marL="457200" lvl="1" indent="0">
+              <a:buNone/>
+            </a:pPr>
+            <a:r>
+              <a:rPr lang="de-DE" dirty="0" err="1"/>
+              <a:t>Chatbots.ethicallyTenable</a:t>
+            </a:r>
+            <a:r>
+              <a:rPr lang="de-DE" dirty="0"/>
+              <a:t> = </a:t>
+            </a:r>
+            <a:r>
+              <a:rPr lang="de-DE" dirty="0" err="1"/>
+              <a:t>true</a:t>
+            </a:r>
+            <a:r>
+              <a:rPr lang="de-DE" dirty="0"/>
+              <a:t>;</a:t>
+            </a:r>
+          </a:p>
+          <a:p>
+            <a:pPr marL="0" indent="0">
+              <a:buNone/>
+            </a:pPr>
+            <a:r>
+              <a:rPr lang="de-DE" dirty="0"/>
+              <a:t>}</a:t>
+            </a:r>
+          </a:p>
+          <a:p>
+            <a:pPr marL="0" indent="0">
+              <a:buNone/>
+            </a:pPr>
+            <a:r>
+              <a:rPr lang="de-DE" dirty="0" err="1"/>
+              <a:t>else</a:t>
+            </a:r>
+            <a:r>
+              <a:rPr lang="de-DE" dirty="0"/>
+              <a:t> {</a:t>
+            </a:r>
+          </a:p>
+          <a:p>
+            <a:pPr marL="457200" lvl="1" indent="0">
+              <a:buNone/>
+            </a:pPr>
+            <a:r>
+              <a:rPr lang="de-DE" dirty="0" err="1"/>
+              <a:t>Chatbots.ethicallyTenable</a:t>
+            </a:r>
+            <a:r>
+              <a:rPr lang="de-DE" dirty="0"/>
+              <a:t> = </a:t>
+            </a:r>
+            <a:r>
+              <a:rPr lang="de-DE" dirty="0" err="1"/>
+              <a:t>false</a:t>
+            </a:r>
+            <a:r>
+              <a:rPr lang="de-DE" dirty="0"/>
+              <a:t>;</a:t>
+            </a:r>
+          </a:p>
+          <a:p>
+            <a:pPr marL="0" indent="0">
+              <a:buNone/>
+            </a:pPr>
+            <a:r>
+              <a:rPr lang="de-DE" dirty="0"/>
+              <a:t>}</a:t>
+            </a:r>
+          </a:p>
+          <a:p>
+            <a:pPr marL="0" indent="0">
+              <a:buNone/>
+            </a:pPr>
+            <a:r>
+              <a:rPr lang="de-DE" dirty="0"/>
+              <a:t>	</a:t>
             </a:r>
           </a:p>
         </p:txBody>
@@ -9097,7 +12041,7 @@
           <a:p>
             <a:fld id="{0FDBC528-CE2F-4F3D-B925-721A8C60B450}" type="slidenum">
               <a:rPr lang="de-DE" smtClean="0"/>
-              <a:t>22</a:t>
+              <a:t>28</a:t>
             </a:fld>
             <a:endParaRPr lang="de-DE"/>
           </a:p>
@@ -9113,10 +12057,324 @@
   <p:clrMapOvr>
     <a:masterClrMapping/>
   </p:clrMapOvr>
+  <p:timing>
+    <p:tnLst>
+      <p:par>
+        <p:cTn id="1" dur="indefinite" restart="never" nodeType="tmRoot">
+          <p:childTnLst>
+            <p:seq concurrent="1" nextAc="seek">
+              <p:cTn id="2" dur="indefinite" nodeType="mainSeq">
+                <p:childTnLst>
+                  <p:par>
+                    <p:cTn id="3" fill="hold">
+                      <p:stCondLst>
+                        <p:cond delay="indefinite"/>
+                      </p:stCondLst>
+                      <p:childTnLst>
+                        <p:par>
+                          <p:cTn id="4" fill="hold">
+                            <p:stCondLst>
+                              <p:cond delay="0"/>
+                            </p:stCondLst>
+                            <p:childTnLst>
+                              <p:par>
+                                <p:cTn id="5" presetID="1" presetClass="entr" presetSubtype="0" fill="hold" nodeType="clickEffect">
+                                  <p:stCondLst>
+                                    <p:cond delay="0"/>
+                                  </p:stCondLst>
+                                  <p:childTnLst>
+                                    <p:set>
+                                      <p:cBhvr>
+                                        <p:cTn id="6" dur="1" fill="hold">
+                                          <p:stCondLst>
+                                            <p:cond delay="0"/>
+                                          </p:stCondLst>
+                                        </p:cTn>
+                                        <p:tgtEl>
+                                          <p:spTgt spid="3">
+                                            <p:txEl>
+                                              <p:pRg st="2" end="2"/>
+                                            </p:txEl>
+                                          </p:spTgt>
+                                        </p:tgtEl>
+                                        <p:attrNameLst>
+                                          <p:attrName>style.visibility</p:attrName>
+                                        </p:attrNameLst>
+                                      </p:cBhvr>
+                                      <p:to>
+                                        <p:strVal val="visible"/>
+                                      </p:to>
+                                    </p:set>
+                                  </p:childTnLst>
+                                </p:cTn>
+                              </p:par>
+                            </p:childTnLst>
+                          </p:cTn>
+                        </p:par>
+                      </p:childTnLst>
+                    </p:cTn>
+                  </p:par>
+                  <p:par>
+                    <p:cTn id="7" fill="hold">
+                      <p:stCondLst>
+                        <p:cond delay="indefinite"/>
+                      </p:stCondLst>
+                      <p:childTnLst>
+                        <p:par>
+                          <p:cTn id="8" fill="hold">
+                            <p:stCondLst>
+                              <p:cond delay="0"/>
+                            </p:stCondLst>
+                            <p:childTnLst>
+                              <p:par>
+                                <p:cTn id="9" presetID="1" presetClass="entr" presetSubtype="0" fill="hold" nodeType="clickEffect">
+                                  <p:stCondLst>
+                                    <p:cond delay="0"/>
+                                  </p:stCondLst>
+                                  <p:childTnLst>
+                                    <p:set>
+                                      <p:cBhvr>
+                                        <p:cTn id="10" dur="1" fill="hold">
+                                          <p:stCondLst>
+                                            <p:cond delay="0"/>
+                                          </p:stCondLst>
+                                        </p:cTn>
+                                        <p:tgtEl>
+                                          <p:spTgt spid="3">
+                                            <p:txEl>
+                                              <p:pRg st="4" end="4"/>
+                                            </p:txEl>
+                                          </p:spTgt>
+                                        </p:tgtEl>
+                                        <p:attrNameLst>
+                                          <p:attrName>style.visibility</p:attrName>
+                                        </p:attrNameLst>
+                                      </p:cBhvr>
+                                      <p:to>
+                                        <p:strVal val="visible"/>
+                                      </p:to>
+                                    </p:set>
+                                  </p:childTnLst>
+                                </p:cTn>
+                              </p:par>
+                              <p:par>
+                                <p:cTn id="11" presetID="1" presetClass="entr" presetSubtype="0" fill="hold" nodeType="withEffect">
+                                  <p:stCondLst>
+                                    <p:cond delay="0"/>
+                                  </p:stCondLst>
+                                  <p:childTnLst>
+                                    <p:set>
+                                      <p:cBhvr>
+                                        <p:cTn id="12" dur="1" fill="hold">
+                                          <p:stCondLst>
+                                            <p:cond delay="0"/>
+                                          </p:stCondLst>
+                                        </p:cTn>
+                                        <p:tgtEl>
+                                          <p:spTgt spid="3">
+                                            <p:txEl>
+                                              <p:pRg st="5" end="5"/>
+                                            </p:txEl>
+                                          </p:spTgt>
+                                        </p:tgtEl>
+                                        <p:attrNameLst>
+                                          <p:attrName>style.visibility</p:attrName>
+                                        </p:attrNameLst>
+                                      </p:cBhvr>
+                                      <p:to>
+                                        <p:strVal val="visible"/>
+                                      </p:to>
+                                    </p:set>
+                                  </p:childTnLst>
+                                </p:cTn>
+                              </p:par>
+                              <p:par>
+                                <p:cTn id="13" presetID="1" presetClass="entr" presetSubtype="0" fill="hold" nodeType="withEffect">
+                                  <p:stCondLst>
+                                    <p:cond delay="0"/>
+                                  </p:stCondLst>
+                                  <p:childTnLst>
+                                    <p:set>
+                                      <p:cBhvr>
+                                        <p:cTn id="14" dur="1" fill="hold">
+                                          <p:stCondLst>
+                                            <p:cond delay="0"/>
+                                          </p:stCondLst>
+                                        </p:cTn>
+                                        <p:tgtEl>
+                                          <p:spTgt spid="3">
+                                            <p:txEl>
+                                              <p:pRg st="6" end="6"/>
+                                            </p:txEl>
+                                          </p:spTgt>
+                                        </p:tgtEl>
+                                        <p:attrNameLst>
+                                          <p:attrName>style.visibility</p:attrName>
+                                        </p:attrNameLst>
+                                      </p:cBhvr>
+                                      <p:to>
+                                        <p:strVal val="visible"/>
+                                      </p:to>
+                                    </p:set>
+                                  </p:childTnLst>
+                                </p:cTn>
+                              </p:par>
+                              <p:par>
+                                <p:cTn id="15" presetID="1" presetClass="entr" presetSubtype="0" fill="hold" nodeType="withEffect">
+                                  <p:stCondLst>
+                                    <p:cond delay="0"/>
+                                  </p:stCondLst>
+                                  <p:childTnLst>
+                                    <p:set>
+                                      <p:cBhvr>
+                                        <p:cTn id="16" dur="1" fill="hold">
+                                          <p:stCondLst>
+                                            <p:cond delay="0"/>
+                                          </p:stCondLst>
+                                        </p:cTn>
+                                        <p:tgtEl>
+                                          <p:spTgt spid="3">
+                                            <p:txEl>
+                                              <p:pRg st="10" end="10"/>
+                                            </p:txEl>
+                                          </p:spTgt>
+                                        </p:tgtEl>
+                                        <p:attrNameLst>
+                                          <p:attrName>style.visibility</p:attrName>
+                                        </p:attrNameLst>
+                                      </p:cBhvr>
+                                      <p:to>
+                                        <p:strVal val="visible"/>
+                                      </p:to>
+                                    </p:set>
+                                  </p:childTnLst>
+                                </p:cTn>
+                              </p:par>
+                              <p:par>
+                                <p:cTn id="17" presetID="1" presetClass="entr" presetSubtype="0" fill="hold" nodeType="withEffect">
+                                  <p:stCondLst>
+                                    <p:cond delay="0"/>
+                                  </p:stCondLst>
+                                  <p:childTnLst>
+                                    <p:set>
+                                      <p:cBhvr>
+                                        <p:cTn id="18" dur="1" fill="hold">
+                                          <p:stCondLst>
+                                            <p:cond delay="0"/>
+                                          </p:stCondLst>
+                                        </p:cTn>
+                                        <p:tgtEl>
+                                          <p:spTgt spid="3">
+                                            <p:txEl>
+                                              <p:pRg st="7" end="7"/>
+                                            </p:txEl>
+                                          </p:spTgt>
+                                        </p:tgtEl>
+                                        <p:attrNameLst>
+                                          <p:attrName>style.visibility</p:attrName>
+                                        </p:attrNameLst>
+                                      </p:cBhvr>
+                                      <p:to>
+                                        <p:strVal val="visible"/>
+                                      </p:to>
+                                    </p:set>
+                                  </p:childTnLst>
+                                </p:cTn>
+                              </p:par>
+                              <p:par>
+                                <p:cTn id="19" presetID="1" presetClass="entr" presetSubtype="0" fill="hold" nodeType="withEffect">
+                                  <p:stCondLst>
+                                    <p:cond delay="0"/>
+                                  </p:stCondLst>
+                                  <p:childTnLst>
+                                    <p:set>
+                                      <p:cBhvr>
+                                        <p:cTn id="20" dur="1" fill="hold">
+                                          <p:stCondLst>
+                                            <p:cond delay="0"/>
+                                          </p:stCondLst>
+                                        </p:cTn>
+                                        <p:tgtEl>
+                                          <p:spTgt spid="3">
+                                            <p:txEl>
+                                              <p:pRg st="8" end="8"/>
+                                            </p:txEl>
+                                          </p:spTgt>
+                                        </p:tgtEl>
+                                        <p:attrNameLst>
+                                          <p:attrName>style.visibility</p:attrName>
+                                        </p:attrNameLst>
+                                      </p:cBhvr>
+                                      <p:to>
+                                        <p:strVal val="visible"/>
+                                      </p:to>
+                                    </p:set>
+                                  </p:childTnLst>
+                                </p:cTn>
+                              </p:par>
+                              <p:par>
+                                <p:cTn id="21" presetID="1" presetClass="entr" presetSubtype="0" fill="hold" nodeType="withEffect">
+                                  <p:stCondLst>
+                                    <p:cond delay="0"/>
+                                  </p:stCondLst>
+                                  <p:childTnLst>
+                                    <p:set>
+                                      <p:cBhvr>
+                                        <p:cTn id="22" dur="1" fill="hold">
+                                          <p:stCondLst>
+                                            <p:cond delay="0"/>
+                                          </p:stCondLst>
+                                        </p:cTn>
+                                        <p:tgtEl>
+                                          <p:spTgt spid="3">
+                                            <p:txEl>
+                                              <p:pRg st="9" end="9"/>
+                                            </p:txEl>
+                                          </p:spTgt>
+                                        </p:tgtEl>
+                                        <p:attrNameLst>
+                                          <p:attrName>style.visibility</p:attrName>
+                                        </p:attrNameLst>
+                                      </p:cBhvr>
+                                      <p:to>
+                                        <p:strVal val="visible"/>
+                                      </p:to>
+                                    </p:set>
+                                  </p:childTnLst>
+                                </p:cTn>
+                              </p:par>
+                            </p:childTnLst>
+                          </p:cTn>
+                        </p:par>
+                      </p:childTnLst>
+                    </p:cTn>
+                  </p:par>
+                </p:childTnLst>
+              </p:cTn>
+              <p:prevCondLst>
+                <p:cond evt="onPrev" delay="0">
+                  <p:tgtEl>
+                    <p:sldTgt/>
+                  </p:tgtEl>
+                </p:cond>
+              </p:prevCondLst>
+              <p:nextCondLst>
+                <p:cond evt="onNext" delay="0">
+                  <p:tgtEl>
+                    <p:sldTgt/>
+                  </p:tgtEl>
+                </p:cond>
+              </p:nextCondLst>
+            </p:seq>
+          </p:childTnLst>
+        </p:cTn>
+      </p:par>
+    </p:tnLst>
+  </p:timing>
 </p:sld>
 </file>
 
-<file path=ppt/slides/slide23.xml><?xml version="1.0" encoding="utf-8"?>
+<file path=ppt/slides/slide29.xml><?xml version="1.0" encoding="utf-8"?>
 <p:sld xmlns:a="http://schemas.openxmlformats.org/drawingml/2006/main" xmlns:r="http://schemas.openxmlformats.org/officeDocument/2006/relationships" xmlns:p="http://schemas.openxmlformats.org/presentationml/2006/main">
   <p:cSld>
     <p:spTree>
@@ -9135,18 +12393,18 @@
       </p:grpSpPr>
       <p:sp>
         <p:nvSpPr>
-          <p:cNvPr id="7" name="Titel 6">
-            <a:extLst>
-              <a:ext uri="{FF2B5EF4-FFF2-40B4-BE49-F238E27FC236}">
-                <a16:creationId xmlns:a16="http://schemas.microsoft.com/office/drawing/2014/main" id="{ECE4538E-B6E9-4274-9AF9-8E2380D48032}"/>
-              </a:ext>
-            </a:extLst>
-          </p:cNvPr>
-          <p:cNvSpPr>
-            <a:spLocks noGrp="1"/>
-          </p:cNvSpPr>
-          <p:nvPr>
-            <p:ph type="ctrTitle"/>
+          <p:cNvPr id="2" name="Titel 1">
+            <a:extLst>
+              <a:ext uri="{FF2B5EF4-FFF2-40B4-BE49-F238E27FC236}">
+                <a16:creationId xmlns:a16="http://schemas.microsoft.com/office/drawing/2014/main" id="{27DBF072-8F96-456B-8CBC-33F9BE881F59}"/>
+              </a:ext>
+            </a:extLst>
+          </p:cNvPr>
+          <p:cNvSpPr>
+            <a:spLocks noGrp="1"/>
+          </p:cNvSpPr>
+          <p:nvPr>
+            <p:ph type="title"/>
           </p:nvPr>
         </p:nvSpPr>
         <p:spPr/>
@@ -9156,7 +12414,48 @@
           <a:p>
             <a:r>
               <a:rPr lang="de-DE" dirty="0"/>
-              <a:t>Vielen Dank</a:t>
+              <a:t>Fazit</a:t>
+            </a:r>
+          </a:p>
+        </p:txBody>
+      </p:sp>
+      <p:sp>
+        <p:nvSpPr>
+          <p:cNvPr id="3" name="Inhaltsplatzhalter 2">
+            <a:extLst>
+              <a:ext uri="{FF2B5EF4-FFF2-40B4-BE49-F238E27FC236}">
+                <a16:creationId xmlns:a16="http://schemas.microsoft.com/office/drawing/2014/main" id="{188BA27D-5806-43E7-BCA1-CBE4037E3289}"/>
+              </a:ext>
+            </a:extLst>
+          </p:cNvPr>
+          <p:cNvSpPr>
+            <a:spLocks noGrp="1"/>
+          </p:cNvSpPr>
+          <p:nvPr>
+            <p:ph idx="1"/>
+          </p:nvPr>
+        </p:nvSpPr>
+        <p:spPr>
+          <a:xfrm>
+            <a:off x="1592035" y="1690688"/>
+            <a:ext cx="9007929" cy="4351338"/>
+          </a:xfrm>
+        </p:spPr>
+        <p:txBody>
+          <a:bodyPr>
+            <a:normAutofit fontScale="92500" lnSpcReduction="20000"/>
+          </a:bodyPr>
+          <a:lstStyle/>
+          <a:p>
+            <a:pPr marL="0" indent="0">
+              <a:lnSpc>
+                <a:spcPct val="150000"/>
+              </a:lnSpc>
+              <a:buNone/>
+            </a:pPr>
+            <a:r>
+              <a:rPr lang="de-DE" sz="4400" dirty="0"/>
+              <a:t>„Eine menschengerechte Einbindung intelligenter Systeme in hochkomplexe Gesellschaften ist keine individuelle Angelegenheit, sondern eine gesellschaftliche Aufgabe.“	</a:t>
             </a:r>
           </a:p>
         </p:txBody>
@@ -9166,7 +12465,7 @@
           <p:cNvPr id="4" name="Datumsplatzhalter 3">
             <a:extLst>
               <a:ext uri="{FF2B5EF4-FFF2-40B4-BE49-F238E27FC236}">
-                <a16:creationId xmlns:a16="http://schemas.microsoft.com/office/drawing/2014/main" id="{CBBCEB7D-527F-4237-9393-2E732716A07F}"/>
+                <a16:creationId xmlns:a16="http://schemas.microsoft.com/office/drawing/2014/main" id="{7F3DDDF8-F479-46E0-8EFE-137B59F54546}"/>
               </a:ext>
             </a:extLst>
           </p:cNvPr>
@@ -9195,7 +12494,7 @@
           <p:cNvPr id="5" name="Fußzeilenplatzhalter 4">
             <a:extLst>
               <a:ext uri="{FF2B5EF4-FFF2-40B4-BE49-F238E27FC236}">
-                <a16:creationId xmlns:a16="http://schemas.microsoft.com/office/drawing/2014/main" id="{AD487B01-4A3F-4ACA-9B4A-1955B5A2D82F}"/>
+                <a16:creationId xmlns:a16="http://schemas.microsoft.com/office/drawing/2014/main" id="{CB7DFD76-280D-4444-B486-39CFF540F399}"/>
               </a:ext>
             </a:extLst>
           </p:cNvPr>
@@ -9223,7 +12522,7 @@
           <p:cNvPr id="6" name="Foliennummernplatzhalter 5">
             <a:extLst>
               <a:ext uri="{FF2B5EF4-FFF2-40B4-BE49-F238E27FC236}">
-                <a16:creationId xmlns:a16="http://schemas.microsoft.com/office/drawing/2014/main" id="{31B53278-07EB-4512-AE21-649DB26A90FD}"/>
+                <a16:creationId xmlns:a16="http://schemas.microsoft.com/office/drawing/2014/main" id="{7889DD61-62FC-4228-B496-C25E360E49B0}"/>
               </a:ext>
             </a:extLst>
           </p:cNvPr>
@@ -9241,7 +12540,552 @@
           <a:p>
             <a:fld id="{0FDBC528-CE2F-4F3D-B925-721A8C60B450}" type="slidenum">
               <a:rPr lang="de-DE" smtClean="0"/>
-              <a:t>23</a:t>
+              <a:t>29</a:t>
+            </a:fld>
+            <a:endParaRPr lang="de-DE"/>
+          </a:p>
+        </p:txBody>
+      </p:sp>
+      <p:sp>
+        <p:nvSpPr>
+          <p:cNvPr id="7" name="Rechteck 6">
+            <a:extLst>
+              <a:ext uri="{FF2B5EF4-FFF2-40B4-BE49-F238E27FC236}">
+                <a16:creationId xmlns:a16="http://schemas.microsoft.com/office/drawing/2014/main" id="{6ADC16C4-24CC-412D-BEF5-22738DBECEEF}"/>
+              </a:ext>
+            </a:extLst>
+          </p:cNvPr>
+          <p:cNvSpPr/>
+          <p:nvPr/>
+        </p:nvSpPr>
+        <p:spPr>
+          <a:xfrm>
+            <a:off x="7642815" y="5260469"/>
+            <a:ext cx="4407671" cy="938719"/>
+          </a:xfrm>
+          <a:prstGeom prst="rect">
+            <a:avLst/>
+          </a:prstGeom>
+        </p:spPr>
+        <p:txBody>
+          <a:bodyPr wrap="square">
+            <a:spAutoFit/>
+          </a:bodyPr>
+          <a:lstStyle/>
+          <a:p>
+            <a:r>
+              <a:rPr lang="de-DE" sz="1100" dirty="0"/>
+              <a:t>Quelle: </a:t>
+            </a:r>
+            <a:br>
+              <a:rPr lang="de-DE" sz="1100" dirty="0"/>
+            </a:br>
+            <a:r>
+              <a:rPr lang="de-DE" sz="1100" dirty="0"/>
+              <a:t>Bitkom </a:t>
+            </a:r>
+            <a:r>
+              <a:rPr lang="de-DE" sz="1100" dirty="0" err="1"/>
+              <a:t>e.V</a:t>
+            </a:r>
+            <a:r>
+              <a:rPr lang="de-DE" sz="1100" dirty="0"/>
+              <a:t>, DFKI: Entscheidungsunterstützung mit Künstlicher Intelligenz.</a:t>
+            </a:r>
+          </a:p>
+          <a:p>
+            <a:r>
+              <a:rPr lang="de-DE" sz="1100" dirty="0"/>
+              <a:t>https://www.uni-kassel.de/fb07/fileadmin/datas/fb07/</a:t>
+            </a:r>
+          </a:p>
+          <a:p>
+            <a:r>
+              <a:rPr lang="de-DE" sz="1100" dirty="0"/>
+              <a:t>5-Institute/IWR/Hornung/170901-KI-Gipfelpapier-online.pdf, . –</a:t>
+            </a:r>
+          </a:p>
+          <a:p>
+            <a:r>
+              <a:rPr lang="de-DE" sz="1100" dirty="0"/>
+              <a:t>[Online; </a:t>
+            </a:r>
+            <a:r>
+              <a:rPr lang="de-DE" sz="1100" dirty="0" err="1"/>
+              <a:t>accessed</a:t>
+            </a:r>
+            <a:r>
+              <a:rPr lang="de-DE" sz="1100" dirty="0"/>
+              <a:t> 05-Dezember-2017; Seite: 112, Kernaussage: 24]</a:t>
+            </a:r>
+            <a:endParaRPr lang="de-DE" sz="800" dirty="0"/>
+          </a:p>
+        </p:txBody>
+      </p:sp>
+    </p:spTree>
+    <p:extLst>
+      <p:ext uri="{BB962C8B-B14F-4D97-AF65-F5344CB8AC3E}">
+        <p14:creationId xmlns:p14="http://schemas.microsoft.com/office/powerpoint/2010/main" val="28824668"/>
+      </p:ext>
+    </p:extLst>
+  </p:cSld>
+  <p:clrMapOvr>
+    <a:masterClrMapping/>
+  </p:clrMapOvr>
+  <p:timing>
+    <p:tnLst>
+      <p:par>
+        <p:cTn id="1" dur="indefinite" restart="never" nodeType="tmRoot">
+          <p:childTnLst>
+            <p:seq concurrent="1" nextAc="seek">
+              <p:cTn id="2" dur="indefinite" nodeType="mainSeq">
+                <p:childTnLst>
+                  <p:par>
+                    <p:cTn id="3" fill="hold">
+                      <p:stCondLst>
+                        <p:cond delay="indefinite"/>
+                      </p:stCondLst>
+                      <p:childTnLst>
+                        <p:par>
+                          <p:cTn id="4" fill="hold">
+                            <p:stCondLst>
+                              <p:cond delay="0"/>
+                            </p:stCondLst>
+                            <p:childTnLst>
+                              <p:par>
+                                <p:cTn id="5" presetID="1" presetClass="entr" presetSubtype="0" fill="hold" nodeType="clickEffect">
+                                  <p:stCondLst>
+                                    <p:cond delay="0"/>
+                                  </p:stCondLst>
+                                  <p:childTnLst>
+                                    <p:set>
+                                      <p:cBhvr>
+                                        <p:cTn id="6" dur="1" fill="hold">
+                                          <p:stCondLst>
+                                            <p:cond delay="0"/>
+                                          </p:stCondLst>
+                                        </p:cTn>
+                                        <p:tgtEl>
+                                          <p:spTgt spid="3">
+                                            <p:txEl>
+                                              <p:pRg st="0" end="0"/>
+                                            </p:txEl>
+                                          </p:spTgt>
+                                        </p:tgtEl>
+                                        <p:attrNameLst>
+                                          <p:attrName>style.visibility</p:attrName>
+                                        </p:attrNameLst>
+                                      </p:cBhvr>
+                                      <p:to>
+                                        <p:strVal val="visible"/>
+                                      </p:to>
+                                    </p:set>
+                                  </p:childTnLst>
+                                </p:cTn>
+                              </p:par>
+                              <p:par>
+                                <p:cTn id="7" presetID="1" presetClass="entr" presetSubtype="0" fill="hold" grpId="0" nodeType="withEffect">
+                                  <p:stCondLst>
+                                    <p:cond delay="0"/>
+                                  </p:stCondLst>
+                                  <p:childTnLst>
+                                    <p:set>
+                                      <p:cBhvr>
+                                        <p:cTn id="8" dur="1" fill="hold">
+                                          <p:stCondLst>
+                                            <p:cond delay="0"/>
+                                          </p:stCondLst>
+                                        </p:cTn>
+                                        <p:tgtEl>
+                                          <p:spTgt spid="7"/>
+                                        </p:tgtEl>
+                                        <p:attrNameLst>
+                                          <p:attrName>style.visibility</p:attrName>
+                                        </p:attrNameLst>
+                                      </p:cBhvr>
+                                      <p:to>
+                                        <p:strVal val="visible"/>
+                                      </p:to>
+                                    </p:set>
+                                  </p:childTnLst>
+                                </p:cTn>
+                              </p:par>
+                            </p:childTnLst>
+                          </p:cTn>
+                        </p:par>
+                      </p:childTnLst>
+                    </p:cTn>
+                  </p:par>
+                </p:childTnLst>
+              </p:cTn>
+              <p:prevCondLst>
+                <p:cond evt="onPrev" delay="0">
+                  <p:tgtEl>
+                    <p:sldTgt/>
+                  </p:tgtEl>
+                </p:cond>
+              </p:prevCondLst>
+              <p:nextCondLst>
+                <p:cond evt="onNext" delay="0">
+                  <p:tgtEl>
+                    <p:sldTgt/>
+                  </p:tgtEl>
+                </p:cond>
+              </p:nextCondLst>
+            </p:seq>
+          </p:childTnLst>
+        </p:cTn>
+      </p:par>
+    </p:tnLst>
+    <p:bldLst>
+      <p:bldP spid="7" grpId="0"/>
+    </p:bldLst>
+  </p:timing>
+</p:sld>
+</file>
+
+<file path=ppt/slides/slide3.xml><?xml version="1.0" encoding="utf-8"?>
+<p:sld xmlns:a="http://schemas.openxmlformats.org/drawingml/2006/main" xmlns:r="http://schemas.openxmlformats.org/officeDocument/2006/relationships" xmlns:p="http://schemas.openxmlformats.org/presentationml/2006/main">
+  <p:cSld>
+    <p:spTree>
+      <p:nvGrpSpPr>
+        <p:cNvPr id="1" name=""/>
+        <p:cNvGrpSpPr/>
+        <p:nvPr/>
+      </p:nvGrpSpPr>
+      <p:grpSpPr>
+        <a:xfrm>
+          <a:off x="0" y="0"/>
+          <a:ext cx="0" cy="0"/>
+          <a:chOff x="0" y="0"/>
+          <a:chExt cx="0" cy="0"/>
+        </a:xfrm>
+      </p:grpSpPr>
+      <p:sp>
+        <p:nvSpPr>
+          <p:cNvPr id="2" name="Titel 1">
+            <a:extLst>
+              <a:ext uri="{FF2B5EF4-FFF2-40B4-BE49-F238E27FC236}">
+                <a16:creationId xmlns:a16="http://schemas.microsoft.com/office/drawing/2014/main" id="{2205A572-03C5-4F0A-A815-C9A65854855A}"/>
+              </a:ext>
+            </a:extLst>
+          </p:cNvPr>
+          <p:cNvSpPr>
+            <a:spLocks noGrp="1"/>
+          </p:cNvSpPr>
+          <p:nvPr>
+            <p:ph type="title"/>
+          </p:nvPr>
+        </p:nvSpPr>
+        <p:spPr/>
+        <p:txBody>
+          <a:bodyPr/>
+          <a:lstStyle/>
+          <a:p>
+            <a:r>
+              <a:rPr lang="de-DE" dirty="0"/>
+              <a:t>Fragestellung</a:t>
+            </a:r>
+          </a:p>
+        </p:txBody>
+      </p:sp>
+      <p:sp>
+        <p:nvSpPr>
+          <p:cNvPr id="3" name="Inhaltsplatzhalter 2">
+            <a:extLst>
+              <a:ext uri="{FF2B5EF4-FFF2-40B4-BE49-F238E27FC236}">
+                <a16:creationId xmlns:a16="http://schemas.microsoft.com/office/drawing/2014/main" id="{848E97C5-8A15-4376-83F2-3E7974C9ED00}"/>
+              </a:ext>
+            </a:extLst>
+          </p:cNvPr>
+          <p:cNvSpPr>
+            <a:spLocks noGrp="1"/>
+          </p:cNvSpPr>
+          <p:nvPr>
+            <p:ph idx="1"/>
+          </p:nvPr>
+        </p:nvSpPr>
+        <p:spPr/>
+        <p:txBody>
+          <a:bodyPr/>
+          <a:lstStyle/>
+          <a:p>
+            <a:pPr marL="0" indent="0">
+              <a:buNone/>
+            </a:pPr>
+            <a:r>
+              <a:rPr lang="de-DE" sz="3600" b="1" dirty="0"/>
+              <a:t>Ist der Einsatz von </a:t>
+            </a:r>
+            <a:r>
+              <a:rPr lang="de-DE" sz="3600" b="1" dirty="0" err="1"/>
+              <a:t>Chatbots</a:t>
+            </a:r>
+            <a:r>
+              <a:rPr lang="de-DE" sz="3600" b="1" dirty="0"/>
+              <a:t> mit KI ethisch vertretbar?</a:t>
+            </a:r>
+          </a:p>
+          <a:p>
+            <a:pPr marL="0" indent="0">
+              <a:buNone/>
+            </a:pPr>
+            <a:endParaRPr lang="de-DE" dirty="0"/>
+          </a:p>
+          <a:p>
+            <a:pPr marL="0" indent="0">
+              <a:buNone/>
+            </a:pPr>
+            <a:r>
+              <a:rPr lang="de-DE" sz="3200" dirty="0"/>
+              <a:t>Aus Sicht von drei Ethiker:</a:t>
+            </a:r>
+          </a:p>
+          <a:p>
+            <a:r>
+              <a:rPr lang="de-DE" sz="3200" dirty="0"/>
+              <a:t>Platon</a:t>
+            </a:r>
+          </a:p>
+          <a:p>
+            <a:r>
+              <a:rPr lang="de-DE" sz="3200" dirty="0"/>
+              <a:t>Aristoteles</a:t>
+            </a:r>
+          </a:p>
+          <a:p>
+            <a:r>
+              <a:rPr lang="de-DE" sz="3200" dirty="0"/>
+              <a:t>Friedrich Nietzsche</a:t>
+            </a:r>
+          </a:p>
+        </p:txBody>
+      </p:sp>
+      <p:sp>
+        <p:nvSpPr>
+          <p:cNvPr id="4" name="Datumsplatzhalter 3">
+            <a:extLst>
+              <a:ext uri="{FF2B5EF4-FFF2-40B4-BE49-F238E27FC236}">
+                <a16:creationId xmlns:a16="http://schemas.microsoft.com/office/drawing/2014/main" id="{C9D687C4-816F-4C68-85BA-1695F582F137}"/>
+              </a:ext>
+            </a:extLst>
+          </p:cNvPr>
+          <p:cNvSpPr>
+            <a:spLocks noGrp="1"/>
+          </p:cNvSpPr>
+          <p:nvPr>
+            <p:ph type="dt" sz="half" idx="10"/>
+          </p:nvPr>
+        </p:nvSpPr>
+        <p:spPr/>
+        <p:txBody>
+          <a:bodyPr/>
+          <a:lstStyle/>
+          <a:p>
+            <a:fld id="{37AAA59D-F5D9-4C22-BAD7-C7D8B056DE27}" type="datetime1">
+              <a:rPr lang="de-DE" smtClean="0"/>
+              <a:t>14.12.2017</a:t>
+            </a:fld>
+            <a:endParaRPr lang="de-DE"/>
+          </a:p>
+        </p:txBody>
+      </p:sp>
+      <p:sp>
+        <p:nvSpPr>
+          <p:cNvPr id="5" name="Fußzeilenplatzhalter 4">
+            <a:extLst>
+              <a:ext uri="{FF2B5EF4-FFF2-40B4-BE49-F238E27FC236}">
+                <a16:creationId xmlns:a16="http://schemas.microsoft.com/office/drawing/2014/main" id="{C7672A3D-F0FD-4347-A36C-0587033BA862}"/>
+              </a:ext>
+            </a:extLst>
+          </p:cNvPr>
+          <p:cNvSpPr>
+            <a:spLocks noGrp="1"/>
+          </p:cNvSpPr>
+          <p:nvPr>
+            <p:ph type="ftr" sz="quarter" idx="11"/>
+          </p:nvPr>
+        </p:nvSpPr>
+        <p:spPr/>
+        <p:txBody>
+          <a:bodyPr/>
+          <a:lstStyle/>
+          <a:p>
+            <a:r>
+              <a:rPr lang="de-DE"/>
+              <a:t>Christian Högerle | Felix Waibel | Nico Vinzenz</a:t>
+            </a:r>
+          </a:p>
+        </p:txBody>
+      </p:sp>
+      <p:sp>
+        <p:nvSpPr>
+          <p:cNvPr id="6" name="Foliennummernplatzhalter 5">
+            <a:extLst>
+              <a:ext uri="{FF2B5EF4-FFF2-40B4-BE49-F238E27FC236}">
+                <a16:creationId xmlns:a16="http://schemas.microsoft.com/office/drawing/2014/main" id="{3AF3A4C5-78A3-4C27-8B46-4D0B2E08CF68}"/>
+              </a:ext>
+            </a:extLst>
+          </p:cNvPr>
+          <p:cNvSpPr>
+            <a:spLocks noGrp="1"/>
+          </p:cNvSpPr>
+          <p:nvPr>
+            <p:ph type="sldNum" sz="quarter" idx="12"/>
+          </p:nvPr>
+        </p:nvSpPr>
+        <p:spPr/>
+        <p:txBody>
+          <a:bodyPr/>
+          <a:lstStyle/>
+          <a:p>
+            <a:fld id="{0FDBC528-CE2F-4F3D-B925-721A8C60B450}" type="slidenum">
+              <a:rPr lang="de-DE" smtClean="0"/>
+              <a:t>3</a:t>
+            </a:fld>
+            <a:endParaRPr lang="de-DE"/>
+          </a:p>
+        </p:txBody>
+      </p:sp>
+    </p:spTree>
+    <p:extLst>
+      <p:ext uri="{BB962C8B-B14F-4D97-AF65-F5344CB8AC3E}">
+        <p14:creationId xmlns:p14="http://schemas.microsoft.com/office/powerpoint/2010/main" val="2538994468"/>
+      </p:ext>
+    </p:extLst>
+  </p:cSld>
+  <p:clrMapOvr>
+    <a:masterClrMapping/>
+  </p:clrMapOvr>
+</p:sld>
+</file>
+
+<file path=ppt/slides/slide30.xml><?xml version="1.0" encoding="utf-8"?>
+<p:sld xmlns:a="http://schemas.openxmlformats.org/drawingml/2006/main" xmlns:r="http://schemas.openxmlformats.org/officeDocument/2006/relationships" xmlns:p="http://schemas.openxmlformats.org/presentationml/2006/main">
+  <p:cSld>
+    <p:spTree>
+      <p:nvGrpSpPr>
+        <p:cNvPr id="1" name=""/>
+        <p:cNvGrpSpPr/>
+        <p:nvPr/>
+      </p:nvGrpSpPr>
+      <p:grpSpPr>
+        <a:xfrm>
+          <a:off x="0" y="0"/>
+          <a:ext cx="0" cy="0"/>
+          <a:chOff x="0" y="0"/>
+          <a:chExt cx="0" cy="0"/>
+        </a:xfrm>
+      </p:grpSpPr>
+      <p:sp>
+        <p:nvSpPr>
+          <p:cNvPr id="7" name="Titel 6">
+            <a:extLst>
+              <a:ext uri="{FF2B5EF4-FFF2-40B4-BE49-F238E27FC236}">
+                <a16:creationId xmlns:a16="http://schemas.microsoft.com/office/drawing/2014/main" id="{ECE4538E-B6E9-4274-9AF9-8E2380D48032}"/>
+              </a:ext>
+            </a:extLst>
+          </p:cNvPr>
+          <p:cNvSpPr>
+            <a:spLocks noGrp="1"/>
+          </p:cNvSpPr>
+          <p:nvPr>
+            <p:ph type="ctrTitle"/>
+          </p:nvPr>
+        </p:nvSpPr>
+        <p:spPr/>
+        <p:txBody>
+          <a:bodyPr/>
+          <a:lstStyle/>
+          <a:p>
+            <a:r>
+              <a:rPr lang="de-DE" dirty="0"/>
+              <a:t>Vielen Dank</a:t>
+            </a:r>
+          </a:p>
+        </p:txBody>
+      </p:sp>
+      <p:sp>
+        <p:nvSpPr>
+          <p:cNvPr id="4" name="Datumsplatzhalter 3">
+            <a:extLst>
+              <a:ext uri="{FF2B5EF4-FFF2-40B4-BE49-F238E27FC236}">
+                <a16:creationId xmlns:a16="http://schemas.microsoft.com/office/drawing/2014/main" id="{CBBCEB7D-527F-4237-9393-2E732716A07F}"/>
+              </a:ext>
+            </a:extLst>
+          </p:cNvPr>
+          <p:cNvSpPr>
+            <a:spLocks noGrp="1"/>
+          </p:cNvSpPr>
+          <p:nvPr>
+            <p:ph type="dt" sz="half" idx="10"/>
+          </p:nvPr>
+        </p:nvSpPr>
+        <p:spPr/>
+        <p:txBody>
+          <a:bodyPr/>
+          <a:lstStyle/>
+          <a:p>
+            <a:fld id="{37AAA59D-F5D9-4C22-BAD7-C7D8B056DE27}" type="datetime1">
+              <a:rPr lang="de-DE" smtClean="0"/>
+              <a:t>14.12.2017</a:t>
+            </a:fld>
+            <a:endParaRPr lang="de-DE"/>
+          </a:p>
+        </p:txBody>
+      </p:sp>
+      <p:sp>
+        <p:nvSpPr>
+          <p:cNvPr id="5" name="Fußzeilenplatzhalter 4">
+            <a:extLst>
+              <a:ext uri="{FF2B5EF4-FFF2-40B4-BE49-F238E27FC236}">
+                <a16:creationId xmlns:a16="http://schemas.microsoft.com/office/drawing/2014/main" id="{AD487B01-4A3F-4ACA-9B4A-1955B5A2D82F}"/>
+              </a:ext>
+            </a:extLst>
+          </p:cNvPr>
+          <p:cNvSpPr>
+            <a:spLocks noGrp="1"/>
+          </p:cNvSpPr>
+          <p:nvPr>
+            <p:ph type="ftr" sz="quarter" idx="11"/>
+          </p:nvPr>
+        </p:nvSpPr>
+        <p:spPr/>
+        <p:txBody>
+          <a:bodyPr/>
+          <a:lstStyle/>
+          <a:p>
+            <a:r>
+              <a:rPr lang="de-DE"/>
+              <a:t>Christian Högerle | Felix Waibel | Nico Vinzenz</a:t>
+            </a:r>
+          </a:p>
+        </p:txBody>
+      </p:sp>
+      <p:sp>
+        <p:nvSpPr>
+          <p:cNvPr id="6" name="Foliennummernplatzhalter 5">
+            <a:extLst>
+              <a:ext uri="{FF2B5EF4-FFF2-40B4-BE49-F238E27FC236}">
+                <a16:creationId xmlns:a16="http://schemas.microsoft.com/office/drawing/2014/main" id="{31B53278-07EB-4512-AE21-649DB26A90FD}"/>
+              </a:ext>
+            </a:extLst>
+          </p:cNvPr>
+          <p:cNvSpPr>
+            <a:spLocks noGrp="1"/>
+          </p:cNvSpPr>
+          <p:nvPr>
+            <p:ph type="sldNum" sz="quarter" idx="12"/>
+          </p:nvPr>
+        </p:nvSpPr>
+        <p:spPr/>
+        <p:txBody>
+          <a:bodyPr/>
+          <a:lstStyle/>
+          <a:p>
+            <a:fld id="{0FDBC528-CE2F-4F3D-B925-721A8C60B450}" type="slidenum">
+              <a:rPr lang="de-DE" smtClean="0"/>
+              <a:t>30</a:t>
             </a:fld>
             <a:endParaRPr lang="de-DE"/>
           </a:p>
@@ -9330,222 +13174,6 @@
 </p:sld>
 </file>
 
-<file path=ppt/slides/slide3.xml><?xml version="1.0" encoding="utf-8"?>
-<p:sld xmlns:a="http://schemas.openxmlformats.org/drawingml/2006/main" xmlns:r="http://schemas.openxmlformats.org/officeDocument/2006/relationships" xmlns:p="http://schemas.openxmlformats.org/presentationml/2006/main">
-  <p:cSld>
-    <p:spTree>
-      <p:nvGrpSpPr>
-        <p:cNvPr id="1" name=""/>
-        <p:cNvGrpSpPr/>
-        <p:nvPr/>
-      </p:nvGrpSpPr>
-      <p:grpSpPr>
-        <a:xfrm>
-          <a:off x="0" y="0"/>
-          <a:ext cx="0" cy="0"/>
-          <a:chOff x="0" y="0"/>
-          <a:chExt cx="0" cy="0"/>
-        </a:xfrm>
-      </p:grpSpPr>
-      <p:sp>
-        <p:nvSpPr>
-          <p:cNvPr id="2" name="Titel 1">
-            <a:extLst>
-              <a:ext uri="{FF2B5EF4-FFF2-40B4-BE49-F238E27FC236}">
-                <a16:creationId xmlns:a16="http://schemas.microsoft.com/office/drawing/2014/main" id="{2205A572-03C5-4F0A-A815-C9A65854855A}"/>
-              </a:ext>
-            </a:extLst>
-          </p:cNvPr>
-          <p:cNvSpPr>
-            <a:spLocks noGrp="1"/>
-          </p:cNvSpPr>
-          <p:nvPr>
-            <p:ph type="title"/>
-          </p:nvPr>
-        </p:nvSpPr>
-        <p:spPr/>
-        <p:txBody>
-          <a:bodyPr/>
-          <a:lstStyle/>
-          <a:p>
-            <a:r>
-              <a:rPr lang="de-DE" dirty="0"/>
-              <a:t>Fragestellung</a:t>
-            </a:r>
-          </a:p>
-        </p:txBody>
-      </p:sp>
-      <p:sp>
-        <p:nvSpPr>
-          <p:cNvPr id="3" name="Inhaltsplatzhalter 2">
-            <a:extLst>
-              <a:ext uri="{FF2B5EF4-FFF2-40B4-BE49-F238E27FC236}">
-                <a16:creationId xmlns:a16="http://schemas.microsoft.com/office/drawing/2014/main" id="{848E97C5-8A15-4376-83F2-3E7974C9ED00}"/>
-              </a:ext>
-            </a:extLst>
-          </p:cNvPr>
-          <p:cNvSpPr>
-            <a:spLocks noGrp="1"/>
-          </p:cNvSpPr>
-          <p:nvPr>
-            <p:ph idx="1"/>
-          </p:nvPr>
-        </p:nvSpPr>
-        <p:spPr/>
-        <p:txBody>
-          <a:bodyPr/>
-          <a:lstStyle/>
-          <a:p>
-            <a:pPr marL="0" indent="0">
-              <a:buNone/>
-            </a:pPr>
-            <a:r>
-              <a:rPr lang="de-DE" sz="3600" b="1" dirty="0"/>
-              <a:t>Ist der Einsatz von </a:t>
-            </a:r>
-            <a:r>
-              <a:rPr lang="de-DE" sz="3600" b="1" dirty="0" err="1"/>
-              <a:t>Chatbots</a:t>
-            </a:r>
-            <a:r>
-              <a:rPr lang="de-DE" sz="3600" b="1" dirty="0"/>
-              <a:t> mit KI ethisch vertretbar?</a:t>
-            </a:r>
-          </a:p>
-          <a:p>
-            <a:pPr marL="0" indent="0">
-              <a:buNone/>
-            </a:pPr>
-            <a:endParaRPr lang="de-DE" dirty="0"/>
-          </a:p>
-          <a:p>
-            <a:pPr marL="0" indent="0">
-              <a:buNone/>
-            </a:pPr>
-            <a:r>
-              <a:rPr lang="de-DE" sz="3200" dirty="0"/>
-              <a:t>Aus Sicht von drei Ethiker:</a:t>
-            </a:r>
-          </a:p>
-          <a:p>
-            <a:r>
-              <a:rPr lang="de-DE" sz="3200" dirty="0"/>
-              <a:t>Platon</a:t>
-            </a:r>
-          </a:p>
-          <a:p>
-            <a:r>
-              <a:rPr lang="de-DE" sz="3200" dirty="0"/>
-              <a:t>Aristoteles</a:t>
-            </a:r>
-          </a:p>
-          <a:p>
-            <a:r>
-              <a:rPr lang="de-DE" sz="3200" dirty="0"/>
-              <a:t>Friedrich Nietzsche</a:t>
-            </a:r>
-          </a:p>
-        </p:txBody>
-      </p:sp>
-      <p:sp>
-        <p:nvSpPr>
-          <p:cNvPr id="4" name="Datumsplatzhalter 3">
-            <a:extLst>
-              <a:ext uri="{FF2B5EF4-FFF2-40B4-BE49-F238E27FC236}">
-                <a16:creationId xmlns:a16="http://schemas.microsoft.com/office/drawing/2014/main" id="{C9D687C4-816F-4C68-85BA-1695F582F137}"/>
-              </a:ext>
-            </a:extLst>
-          </p:cNvPr>
-          <p:cNvSpPr>
-            <a:spLocks noGrp="1"/>
-          </p:cNvSpPr>
-          <p:nvPr>
-            <p:ph type="dt" sz="half" idx="10"/>
-          </p:nvPr>
-        </p:nvSpPr>
-        <p:spPr/>
-        <p:txBody>
-          <a:bodyPr/>
-          <a:lstStyle/>
-          <a:p>
-            <a:fld id="{37AAA59D-F5D9-4C22-BAD7-C7D8B056DE27}" type="datetime1">
-              <a:rPr lang="de-DE" smtClean="0"/>
-              <a:t>14.12.2017</a:t>
-            </a:fld>
-            <a:endParaRPr lang="de-DE"/>
-          </a:p>
-        </p:txBody>
-      </p:sp>
-      <p:sp>
-        <p:nvSpPr>
-          <p:cNvPr id="5" name="Fußzeilenplatzhalter 4">
-            <a:extLst>
-              <a:ext uri="{FF2B5EF4-FFF2-40B4-BE49-F238E27FC236}">
-                <a16:creationId xmlns:a16="http://schemas.microsoft.com/office/drawing/2014/main" id="{C7672A3D-F0FD-4347-A36C-0587033BA862}"/>
-              </a:ext>
-            </a:extLst>
-          </p:cNvPr>
-          <p:cNvSpPr>
-            <a:spLocks noGrp="1"/>
-          </p:cNvSpPr>
-          <p:nvPr>
-            <p:ph type="ftr" sz="quarter" idx="11"/>
-          </p:nvPr>
-        </p:nvSpPr>
-        <p:spPr/>
-        <p:txBody>
-          <a:bodyPr/>
-          <a:lstStyle/>
-          <a:p>
-            <a:r>
-              <a:rPr lang="de-DE"/>
-              <a:t>Christian Högerle | Felix Waibel | Nico Vinzenz</a:t>
-            </a:r>
-          </a:p>
-        </p:txBody>
-      </p:sp>
-      <p:sp>
-        <p:nvSpPr>
-          <p:cNvPr id="6" name="Foliennummernplatzhalter 5">
-            <a:extLst>
-              <a:ext uri="{FF2B5EF4-FFF2-40B4-BE49-F238E27FC236}">
-                <a16:creationId xmlns:a16="http://schemas.microsoft.com/office/drawing/2014/main" id="{3AF3A4C5-78A3-4C27-8B46-4D0B2E08CF68}"/>
-              </a:ext>
-            </a:extLst>
-          </p:cNvPr>
-          <p:cNvSpPr>
-            <a:spLocks noGrp="1"/>
-          </p:cNvSpPr>
-          <p:nvPr>
-            <p:ph type="sldNum" sz="quarter" idx="12"/>
-          </p:nvPr>
-        </p:nvSpPr>
-        <p:spPr/>
-        <p:txBody>
-          <a:bodyPr/>
-          <a:lstStyle/>
-          <a:p>
-            <a:fld id="{0FDBC528-CE2F-4F3D-B925-721A8C60B450}" type="slidenum">
-              <a:rPr lang="de-DE" smtClean="0"/>
-              <a:t>3</a:t>
-            </a:fld>
-            <a:endParaRPr lang="de-DE"/>
-          </a:p>
-        </p:txBody>
-      </p:sp>
-    </p:spTree>
-    <p:extLst>
-      <p:ext uri="{BB962C8B-B14F-4D97-AF65-F5344CB8AC3E}">
-        <p14:creationId xmlns:p14="http://schemas.microsoft.com/office/powerpoint/2010/main" val="2538994468"/>
-      </p:ext>
-    </p:extLst>
-  </p:cSld>
-  <p:clrMapOvr>
-    <a:masterClrMapping/>
-  </p:clrMapOvr>
-</p:sld>
-</file>
-
 <file path=ppt/slides/slide4.xml><?xml version="1.0" encoding="utf-8"?>
 <p:sld xmlns:a="http://schemas.openxmlformats.org/drawingml/2006/main" xmlns:r="http://schemas.openxmlformats.org/officeDocument/2006/relationships" xmlns:p="http://schemas.openxmlformats.org/presentationml/2006/main">
   <p:cSld>
@@ -10629,6 +14257,42 @@
           <a:chExt cx="0" cy="0"/>
         </a:xfrm>
       </p:grpSpPr>
+      <p:pic>
+        <p:nvPicPr>
+          <p:cNvPr id="8" name="Grafik 7">
+            <a:extLst>
+              <a:ext uri="{FF2B5EF4-FFF2-40B4-BE49-F238E27FC236}">
+                <a16:creationId xmlns:a16="http://schemas.microsoft.com/office/drawing/2014/main" id="{01AEE54D-31A6-4320-9398-6D901A702BFE}"/>
+              </a:ext>
+            </a:extLst>
+          </p:cNvPr>
+          <p:cNvPicPr>
+            <a:picLocks noChangeAspect="1"/>
+          </p:cNvPicPr>
+          <p:nvPr/>
+        </p:nvPicPr>
+        <p:blipFill>
+          <a:blip r:embed="rId3">
+            <a:extLst>
+              <a:ext uri="{28A0092B-C50C-407E-A947-70E740481C1C}">
+                <a14:useLocalDpi xmlns:a14="http://schemas.microsoft.com/office/drawing/2010/main" val="0"/>
+              </a:ext>
+            </a:extLst>
+          </a:blip>
+          <a:stretch>
+            <a:fillRect/>
+          </a:stretch>
+        </p:blipFill>
+        <p:spPr>
+          <a:xfrm>
+            <a:off x="5268686" y="1993900"/>
+            <a:ext cx="6683828" cy="3759653"/>
+          </a:xfrm>
+          <a:prstGeom prst="rect">
+            <a:avLst/>
+          </a:prstGeom>
+        </p:spPr>
+      </p:pic>
       <p:sp>
         <p:nvSpPr>
           <p:cNvPr id="2" name="Titel 1">
@@ -10675,13 +14339,36 @@
         </p:nvSpPr>
         <p:spPr/>
         <p:txBody>
-          <a:bodyPr/>
-          <a:lstStyle/>
-          <a:p>
-            <a:r>
-              <a:rPr lang="de-DE" dirty="0"/>
-              <a:t>Platon: Kernthesen:</a:t>
-            </a:r>
+          <a:bodyPr>
+            <a:normAutofit/>
+          </a:bodyPr>
+          <a:lstStyle/>
+          <a:p>
+            <a:pPr marL="0" indent="0">
+              <a:buNone/>
+            </a:pPr>
+            <a:r>
+              <a:rPr lang="de-DE" u="sng" dirty="0"/>
+              <a:t>Platon:</a:t>
+            </a:r>
+          </a:p>
+          <a:p>
+            <a:pPr marL="0" indent="0">
+              <a:buNone/>
+            </a:pPr>
+            <a:r>
+              <a:rPr lang="de-DE" b="1" dirty="0"/>
+              <a:t>These 1: „Wahrnehmung ist ungleich wissen“</a:t>
+            </a:r>
+          </a:p>
+          <a:p>
+            <a:pPr marL="0" indent="0">
+              <a:buNone/>
+            </a:pPr>
+            <a:endParaRPr lang="de-DE" dirty="0"/>
+          </a:p>
+          <a:p>
+            <a:endParaRPr lang="de-DE" dirty="0"/>
           </a:p>
         </p:txBody>
       </p:sp>
@@ -10771,10 +14458,51 @@
           </a:p>
         </p:txBody>
       </p:sp>
+      <p:sp>
+        <p:nvSpPr>
+          <p:cNvPr id="9" name="Rechteck 8">
+            <a:extLst>
+              <a:ext uri="{FF2B5EF4-FFF2-40B4-BE49-F238E27FC236}">
+                <a16:creationId xmlns:a16="http://schemas.microsoft.com/office/drawing/2014/main" id="{FBC26AC6-B954-455C-BB5E-87E5B32BA6A5}"/>
+              </a:ext>
+            </a:extLst>
+          </p:cNvPr>
+          <p:cNvSpPr/>
+          <p:nvPr/>
+        </p:nvSpPr>
+        <p:spPr>
+          <a:xfrm>
+            <a:off x="8333133" y="5832031"/>
+            <a:ext cx="3298134" cy="600164"/>
+          </a:xfrm>
+          <a:prstGeom prst="rect">
+            <a:avLst/>
+          </a:prstGeom>
+        </p:spPr>
+        <p:txBody>
+          <a:bodyPr wrap="square">
+            <a:spAutoFit/>
+          </a:bodyPr>
+          <a:lstStyle/>
+          <a:p>
+            <a:r>
+              <a:rPr lang="de-DE" sz="1100" dirty="0"/>
+              <a:t>Quelle: </a:t>
+            </a:r>
+            <a:br>
+              <a:rPr lang="de-DE" sz="1100" dirty="0"/>
+            </a:br>
+            <a:r>
+              <a:rPr lang="de-DE" sz="1100" dirty="0"/>
+              <a:t>http://aisrtlnext-a.akamaihd.net/masters/543581/unbenannt.jpg</a:t>
+            </a:r>
+          </a:p>
+        </p:txBody>
+      </p:sp>
     </p:spTree>
     <p:extLst>
       <p:ext uri="{BB962C8B-B14F-4D97-AF65-F5344CB8AC3E}">
-        <p14:creationId xmlns:p14="http://schemas.microsoft.com/office/powerpoint/2010/main" val="1868053617"/>
+        <p14:creationId xmlns:p14="http://schemas.microsoft.com/office/powerpoint/2010/main" val="439133305"/>
       </p:ext>
     </p:extLst>
   </p:cSld>
@@ -10845,10 +14573,15 @@
             <p:ph idx="1"/>
           </p:nvPr>
         </p:nvSpPr>
-        <p:spPr/>
+        <p:spPr>
+          <a:xfrm>
+            <a:off x="838200" y="1760765"/>
+            <a:ext cx="10515600" cy="4351338"/>
+          </a:xfrm>
+        </p:spPr>
         <p:txBody>
           <a:bodyPr>
-            <a:normAutofit lnSpcReduction="10000"/>
+            <a:normAutofit/>
           </a:bodyPr>
           <a:lstStyle/>
           <a:p>
@@ -10857,7 +14590,7 @@
             </a:pPr>
             <a:r>
               <a:rPr lang="de-DE" u="sng" dirty="0"/>
-              <a:t>Aristoteles:</a:t>
+              <a:t>Platon:</a:t>
             </a:r>
           </a:p>
           <a:p>
@@ -10866,7 +14599,7 @@
             </a:pPr>
             <a:r>
               <a:rPr lang="de-DE" b="1" dirty="0"/>
-              <a:t>Aussage: „Aristoteles der erste große Logiker“</a:t>
+              <a:t>These 2: „Der Ursprung der Ideen“</a:t>
             </a:r>
           </a:p>
           <a:p>
@@ -10876,43 +14609,7 @@
             <a:endParaRPr lang="de-DE" dirty="0"/>
           </a:p>
           <a:p>
-            <a:r>
-              <a:rPr lang="de-DE" dirty="0"/>
-              <a:t>Entwickelte das Konzept der Logik bestehend aus Obersatz, Untersatz und Schluss</a:t>
-            </a:r>
-          </a:p>
-          <a:p>
-            <a:r>
-              <a:rPr lang="de-DE" dirty="0"/>
-              <a:t>Beispiel:</a:t>
-            </a:r>
-          </a:p>
-          <a:p>
-            <a:pPr marL="0" indent="0">
-              <a:buNone/>
-            </a:pPr>
-            <a:r>
-              <a:rPr lang="de-DE" dirty="0"/>
-              <a:t>	Obersatz: Menschen sind sterblich.</a:t>
-            </a:r>
-          </a:p>
-          <a:p>
-            <a:pPr marL="0" indent="0">
-              <a:buNone/>
-            </a:pPr>
-            <a:r>
-              <a:rPr lang="de-DE" dirty="0"/>
-              <a:t>	Untersatz: Griechen sind Menschen.</a:t>
-            </a:r>
-          </a:p>
-          <a:p>
-            <a:pPr marL="0" indent="0">
-              <a:buNone/>
-            </a:pPr>
-            <a:r>
-              <a:rPr lang="de-DE" dirty="0"/>
-              <a:t>	Schluss: Griechen sind sterblich.</a:t>
-            </a:r>
+            <a:endParaRPr lang="de-DE" dirty="0"/>
           </a:p>
         </p:txBody>
       </p:sp>
@@ -10967,8 +14664,16 @@
           <a:lstStyle/>
           <a:p>
             <a:r>
-              <a:rPr lang="de-DE"/>
-              <a:t>Christian Högerle | Felix Waibel | Nico Vinzenz</a:t>
+              <a:rPr lang="de-DE" dirty="0"/>
+              <a:t>Christian </a:t>
+            </a:r>
+            <a:r>
+              <a:rPr lang="de-DE" dirty="0" err="1"/>
+              <a:t>Högerle</a:t>
+            </a:r>
+            <a:r>
+              <a:rPr lang="de-DE" dirty="0"/>
+              <a:t> | Felix Waibel | Nico Vinzenz</a:t>
             </a:r>
           </a:p>
         </p:txBody>
@@ -10998,20 +14703,954 @@
               <a:rPr lang="de-DE" smtClean="0"/>
               <a:t>9</a:t>
             </a:fld>
-            <a:endParaRPr lang="de-DE"/>
+            <a:endParaRPr lang="de-DE" dirty="0"/>
+          </a:p>
+        </p:txBody>
+      </p:sp>
+      <p:pic>
+        <p:nvPicPr>
+          <p:cNvPr id="8" name="Grafik 7">
+            <a:extLst>
+              <a:ext uri="{FF2B5EF4-FFF2-40B4-BE49-F238E27FC236}">
+                <a16:creationId xmlns:a16="http://schemas.microsoft.com/office/drawing/2014/main" id="{62E9F669-11FA-475D-B98B-A05065975049}"/>
+              </a:ext>
+            </a:extLst>
+          </p:cNvPr>
+          <p:cNvPicPr>
+            <a:picLocks noChangeAspect="1"/>
+          </p:cNvPicPr>
+          <p:nvPr/>
+        </p:nvPicPr>
+        <p:blipFill>
+          <a:blip r:embed="rId3">
+            <a:extLst>
+              <a:ext uri="{28A0092B-C50C-407E-A947-70E740481C1C}">
+                <a14:useLocalDpi xmlns:a14="http://schemas.microsoft.com/office/drawing/2010/main" val="0"/>
+              </a:ext>
+            </a:extLst>
+          </a:blip>
+          <a:stretch>
+            <a:fillRect/>
+          </a:stretch>
+        </p:blipFill>
+        <p:spPr>
+          <a:xfrm>
+            <a:off x="6670901" y="509588"/>
+            <a:ext cx="5381625" cy="5667375"/>
+          </a:xfrm>
+          <a:prstGeom prst="rect">
+            <a:avLst/>
+          </a:prstGeom>
+        </p:spPr>
+      </p:pic>
+      <p:pic>
+        <p:nvPicPr>
+          <p:cNvPr id="11" name="Grafik 10">
+            <a:extLst>
+              <a:ext uri="{FF2B5EF4-FFF2-40B4-BE49-F238E27FC236}">
+                <a16:creationId xmlns:a16="http://schemas.microsoft.com/office/drawing/2014/main" id="{37BEB9DA-81E1-4512-B8E5-6E866CA8596E}"/>
+              </a:ext>
+            </a:extLst>
+          </p:cNvPr>
+          <p:cNvPicPr>
+            <a:picLocks noChangeAspect="1"/>
+          </p:cNvPicPr>
+          <p:nvPr/>
+        </p:nvPicPr>
+        <p:blipFill>
+          <a:blip r:embed="rId4">
+            <a:extLst>
+              <a:ext uri="{28A0092B-C50C-407E-A947-70E740481C1C}">
+                <a14:useLocalDpi xmlns:a14="http://schemas.microsoft.com/office/drawing/2010/main" val="0"/>
+              </a:ext>
+            </a:extLst>
+          </a:blip>
+          <a:stretch>
+            <a:fillRect/>
+          </a:stretch>
+        </p:blipFill>
+        <p:spPr>
+          <a:xfrm>
+            <a:off x="329974" y="2683323"/>
+            <a:ext cx="1894114" cy="1894114"/>
+          </a:xfrm>
+          <a:prstGeom prst="rect">
+            <a:avLst/>
+          </a:prstGeom>
+        </p:spPr>
+      </p:pic>
+      <p:pic>
+        <p:nvPicPr>
+          <p:cNvPr id="12" name="Grafik 11">
+            <a:extLst>
+              <a:ext uri="{FF2B5EF4-FFF2-40B4-BE49-F238E27FC236}">
+                <a16:creationId xmlns:a16="http://schemas.microsoft.com/office/drawing/2014/main" id="{8A66D6C5-4577-4BC2-8562-40D058062C38}"/>
+              </a:ext>
+            </a:extLst>
+          </p:cNvPr>
+          <p:cNvPicPr>
+            <a:picLocks noChangeAspect="1"/>
+          </p:cNvPicPr>
+          <p:nvPr/>
+        </p:nvPicPr>
+        <p:blipFill>
+          <a:blip r:embed="rId4">
+            <a:extLst>
+              <a:ext uri="{28A0092B-C50C-407E-A947-70E740481C1C}">
+                <a14:useLocalDpi xmlns:a14="http://schemas.microsoft.com/office/drawing/2010/main" val="0"/>
+              </a:ext>
+            </a:extLst>
+          </a:blip>
+          <a:stretch>
+            <a:fillRect/>
+          </a:stretch>
+        </p:blipFill>
+        <p:spPr>
+          <a:xfrm>
+            <a:off x="3297010" y="2683323"/>
+            <a:ext cx="1894114" cy="1894114"/>
+          </a:xfrm>
+          <a:prstGeom prst="rect">
+            <a:avLst/>
+          </a:prstGeom>
+        </p:spPr>
+      </p:pic>
+      <p:pic>
+        <p:nvPicPr>
+          <p:cNvPr id="14" name="Grafik 13">
+            <a:extLst>
+              <a:ext uri="{FF2B5EF4-FFF2-40B4-BE49-F238E27FC236}">
+                <a16:creationId xmlns:a16="http://schemas.microsoft.com/office/drawing/2014/main" id="{84518E8A-BC1B-4C4A-BC98-BAF0DB38CAEE}"/>
+              </a:ext>
+            </a:extLst>
+          </p:cNvPr>
+          <p:cNvPicPr>
+            <a:picLocks noChangeAspect="1"/>
+          </p:cNvPicPr>
+          <p:nvPr/>
+        </p:nvPicPr>
+        <p:blipFill>
+          <a:blip r:embed="rId5">
+            <a:extLst>
+              <a:ext uri="{28A0092B-C50C-407E-A947-70E740481C1C}">
+                <a14:useLocalDpi xmlns:a14="http://schemas.microsoft.com/office/drawing/2010/main" val="0"/>
+              </a:ext>
+            </a:extLst>
+          </a:blip>
+          <a:stretch>
+            <a:fillRect/>
+          </a:stretch>
+        </p:blipFill>
+        <p:spPr>
+          <a:xfrm>
+            <a:off x="2082573" y="3020780"/>
+            <a:ext cx="1299482" cy="1299482"/>
+          </a:xfrm>
+          <a:prstGeom prst="rect">
+            <a:avLst/>
+          </a:prstGeom>
+        </p:spPr>
+      </p:pic>
+      <p:pic>
+        <p:nvPicPr>
+          <p:cNvPr id="15" name="Grafik 14">
+            <a:extLst>
+              <a:ext uri="{FF2B5EF4-FFF2-40B4-BE49-F238E27FC236}">
+                <a16:creationId xmlns:a16="http://schemas.microsoft.com/office/drawing/2014/main" id="{1C6E60C8-4007-4777-98F2-3BD5ABF500A9}"/>
+              </a:ext>
+            </a:extLst>
+          </p:cNvPr>
+          <p:cNvPicPr>
+            <a:picLocks noChangeAspect="1"/>
+          </p:cNvPicPr>
+          <p:nvPr/>
+        </p:nvPicPr>
+        <p:blipFill>
+          <a:blip r:embed="rId4">
+            <a:extLst>
+              <a:ext uri="{28A0092B-C50C-407E-A947-70E740481C1C}">
+                <a14:useLocalDpi xmlns:a14="http://schemas.microsoft.com/office/drawing/2010/main" val="0"/>
+              </a:ext>
+            </a:extLst>
+          </a:blip>
+          <a:stretch>
+            <a:fillRect/>
+          </a:stretch>
+        </p:blipFill>
+        <p:spPr>
+          <a:xfrm>
+            <a:off x="351742" y="4354285"/>
+            <a:ext cx="1894114" cy="1894114"/>
+          </a:xfrm>
+          <a:prstGeom prst="rect">
+            <a:avLst/>
+          </a:prstGeom>
+        </p:spPr>
+      </p:pic>
+      <p:pic>
+        <p:nvPicPr>
+          <p:cNvPr id="16" name="Grafik 15">
+            <a:extLst>
+              <a:ext uri="{FF2B5EF4-FFF2-40B4-BE49-F238E27FC236}">
+                <a16:creationId xmlns:a16="http://schemas.microsoft.com/office/drawing/2014/main" id="{A941F244-02D4-4E98-B43E-40F7660A9F5C}"/>
+              </a:ext>
+            </a:extLst>
+          </p:cNvPr>
+          <p:cNvPicPr>
+            <a:picLocks noChangeAspect="1"/>
+          </p:cNvPicPr>
+          <p:nvPr/>
+        </p:nvPicPr>
+        <p:blipFill>
+          <a:blip r:embed="rId6">
+            <a:extLst>
+              <a:ext uri="{28A0092B-C50C-407E-A947-70E740481C1C}">
+                <a14:useLocalDpi xmlns:a14="http://schemas.microsoft.com/office/drawing/2010/main" val="0"/>
+              </a:ext>
+            </a:extLst>
+          </a:blip>
+          <a:stretch>
+            <a:fillRect/>
+          </a:stretch>
+        </p:blipFill>
+        <p:spPr>
+          <a:xfrm>
+            <a:off x="3318778" y="4454402"/>
+            <a:ext cx="1894114" cy="1693879"/>
+          </a:xfrm>
+          <a:prstGeom prst="rect">
+            <a:avLst/>
+          </a:prstGeom>
+        </p:spPr>
+      </p:pic>
+      <p:pic>
+        <p:nvPicPr>
+          <p:cNvPr id="17" name="Grafik 16">
+            <a:extLst>
+              <a:ext uri="{FF2B5EF4-FFF2-40B4-BE49-F238E27FC236}">
+                <a16:creationId xmlns:a16="http://schemas.microsoft.com/office/drawing/2014/main" id="{0251AA02-595B-4A13-85FE-22D62EB14058}"/>
+              </a:ext>
+            </a:extLst>
+          </p:cNvPr>
+          <p:cNvPicPr>
+            <a:picLocks noChangeAspect="1"/>
+          </p:cNvPicPr>
+          <p:nvPr/>
+        </p:nvPicPr>
+        <p:blipFill>
+          <a:blip r:embed="rId7">
+            <a:extLst>
+              <a:ext uri="{28A0092B-C50C-407E-A947-70E740481C1C}">
+                <a14:useLocalDpi xmlns:a14="http://schemas.microsoft.com/office/drawing/2010/main" val="0"/>
+              </a:ext>
+            </a:extLst>
+          </a:blip>
+          <a:stretch>
+            <a:fillRect/>
+          </a:stretch>
+        </p:blipFill>
+        <p:spPr>
+          <a:xfrm>
+            <a:off x="2104341" y="4691742"/>
+            <a:ext cx="1299482" cy="1299482"/>
+          </a:xfrm>
+          <a:prstGeom prst="rect">
+            <a:avLst/>
+          </a:prstGeom>
+        </p:spPr>
+      </p:pic>
+      <p:pic>
+        <p:nvPicPr>
+          <p:cNvPr id="19" name="Grafik 18">
+            <a:extLst>
+              <a:ext uri="{FF2B5EF4-FFF2-40B4-BE49-F238E27FC236}">
+                <a16:creationId xmlns:a16="http://schemas.microsoft.com/office/drawing/2014/main" id="{A322976A-A8B4-4163-9003-D46789B66152}"/>
+              </a:ext>
+            </a:extLst>
+          </p:cNvPr>
+          <p:cNvPicPr>
+            <a:picLocks noChangeAspect="1"/>
+          </p:cNvPicPr>
+          <p:nvPr/>
+        </p:nvPicPr>
+        <p:blipFill>
+          <a:blip r:embed="rId4">
+            <a:extLst>
+              <a:ext uri="{28A0092B-C50C-407E-A947-70E740481C1C}">
+                <a14:useLocalDpi xmlns:a14="http://schemas.microsoft.com/office/drawing/2010/main" val="0"/>
+              </a:ext>
+            </a:extLst>
+          </a:blip>
+          <a:stretch>
+            <a:fillRect/>
+          </a:stretch>
+        </p:blipFill>
+        <p:spPr>
+          <a:xfrm>
+            <a:off x="329974" y="2840582"/>
+            <a:ext cx="3173187" cy="3173187"/>
+          </a:xfrm>
+          <a:prstGeom prst="rect">
+            <a:avLst/>
+          </a:prstGeom>
+        </p:spPr>
+      </p:pic>
+      <p:pic>
+        <p:nvPicPr>
+          <p:cNvPr id="21" name="Grafik 20">
+            <a:extLst>
+              <a:ext uri="{FF2B5EF4-FFF2-40B4-BE49-F238E27FC236}">
+                <a16:creationId xmlns:a16="http://schemas.microsoft.com/office/drawing/2014/main" id="{65DF6C3E-B9DA-4792-9141-35F3D1B7C375}"/>
+              </a:ext>
+            </a:extLst>
+          </p:cNvPr>
+          <p:cNvPicPr>
+            <a:picLocks noChangeAspect="1"/>
+          </p:cNvPicPr>
+          <p:nvPr/>
+        </p:nvPicPr>
+        <p:blipFill>
+          <a:blip r:embed="rId8">
+            <a:extLst>
+              <a:ext uri="{28A0092B-C50C-407E-A947-70E740481C1C}">
+                <a14:useLocalDpi xmlns:a14="http://schemas.microsoft.com/office/drawing/2010/main" val="0"/>
+              </a:ext>
+            </a:extLst>
+          </a:blip>
+          <a:stretch>
+            <a:fillRect/>
+          </a:stretch>
+        </p:blipFill>
+        <p:spPr>
+          <a:xfrm>
+            <a:off x="3535833" y="2943995"/>
+            <a:ext cx="3173187" cy="3173187"/>
+          </a:xfrm>
+          <a:prstGeom prst="rect">
+            <a:avLst/>
+          </a:prstGeom>
+        </p:spPr>
+      </p:pic>
+      <p:pic>
+        <p:nvPicPr>
+          <p:cNvPr id="23" name="Grafik 22">
+            <a:extLst>
+              <a:ext uri="{FF2B5EF4-FFF2-40B4-BE49-F238E27FC236}">
+                <a16:creationId xmlns:a16="http://schemas.microsoft.com/office/drawing/2014/main" id="{6E2A09A1-7582-49EE-840C-BD525BB36C05}"/>
+              </a:ext>
+            </a:extLst>
+          </p:cNvPr>
+          <p:cNvPicPr>
+            <a:picLocks noChangeAspect="1"/>
+          </p:cNvPicPr>
+          <p:nvPr/>
+        </p:nvPicPr>
+        <p:blipFill>
+          <a:blip r:embed="rId5">
+            <a:extLst>
+              <a:ext uri="{28A0092B-C50C-407E-A947-70E740481C1C}">
+                <a14:useLocalDpi xmlns:a14="http://schemas.microsoft.com/office/drawing/2010/main" val="0"/>
+              </a:ext>
+            </a:extLst>
+          </a:blip>
+          <a:stretch>
+            <a:fillRect/>
+          </a:stretch>
+        </p:blipFill>
+        <p:spPr>
+          <a:xfrm flipH="1">
+            <a:off x="2837107" y="3804661"/>
+            <a:ext cx="1299482" cy="1299482"/>
+          </a:xfrm>
+          <a:prstGeom prst="rect">
+            <a:avLst/>
+          </a:prstGeom>
+        </p:spPr>
+      </p:pic>
+      <p:pic>
+        <p:nvPicPr>
+          <p:cNvPr id="25" name="Grafik 24">
+            <a:extLst>
+              <a:ext uri="{FF2B5EF4-FFF2-40B4-BE49-F238E27FC236}">
+                <a16:creationId xmlns:a16="http://schemas.microsoft.com/office/drawing/2014/main" id="{9BCA4DA9-86E2-4C0E-A992-E5AFDA2F584B}"/>
+              </a:ext>
+            </a:extLst>
+          </p:cNvPr>
+          <p:cNvPicPr>
+            <a:picLocks noChangeAspect="1"/>
+          </p:cNvPicPr>
+          <p:nvPr/>
+        </p:nvPicPr>
+        <p:blipFill>
+          <a:blip r:embed="rId9">
+            <a:extLst>
+              <a:ext uri="{28A0092B-C50C-407E-A947-70E740481C1C}">
+                <a14:useLocalDpi xmlns:a14="http://schemas.microsoft.com/office/drawing/2010/main" val="0"/>
+              </a:ext>
+            </a:extLst>
+          </a:blip>
+          <a:stretch>
+            <a:fillRect/>
+          </a:stretch>
+        </p:blipFill>
+        <p:spPr>
+          <a:xfrm>
+            <a:off x="3084205" y="3053339"/>
+            <a:ext cx="858326" cy="858326"/>
+          </a:xfrm>
+          <a:prstGeom prst="rect">
+            <a:avLst/>
+          </a:prstGeom>
+        </p:spPr>
+      </p:pic>
+      <p:sp>
+        <p:nvSpPr>
+          <p:cNvPr id="26" name="Rechteck 25">
+            <a:extLst>
+              <a:ext uri="{FF2B5EF4-FFF2-40B4-BE49-F238E27FC236}">
+                <a16:creationId xmlns:a16="http://schemas.microsoft.com/office/drawing/2014/main" id="{8E61B7AE-8A58-410B-8A8A-704781622B60}"/>
+              </a:ext>
+            </a:extLst>
+          </p:cNvPr>
+          <p:cNvSpPr/>
+          <p:nvPr/>
+        </p:nvSpPr>
+        <p:spPr>
+          <a:xfrm>
+            <a:off x="7850636" y="5998729"/>
+            <a:ext cx="4334301" cy="430887"/>
+          </a:xfrm>
+          <a:prstGeom prst="rect">
+            <a:avLst/>
+          </a:prstGeom>
+        </p:spPr>
+        <p:txBody>
+          <a:bodyPr wrap="square">
+            <a:spAutoFit/>
+          </a:bodyPr>
+          <a:lstStyle/>
+          <a:p>
+            <a:r>
+              <a:rPr lang="de-DE" sz="1100" dirty="0"/>
+              <a:t>Quelle: </a:t>
+            </a:r>
+            <a:br>
+              <a:rPr lang="de-DE" sz="1100" dirty="0"/>
+            </a:br>
+            <a:r>
+              <a:rPr lang="de-DE" sz="1100" dirty="0"/>
+              <a:t>https://de.wikipedia.org/wiki/Datei:Platon_Ideenlehre.svg</a:t>
+            </a:r>
+          </a:p>
+        </p:txBody>
+      </p:sp>
+      <p:sp>
+        <p:nvSpPr>
+          <p:cNvPr id="27" name="Rechteck 26">
+            <a:extLst>
+              <a:ext uri="{FF2B5EF4-FFF2-40B4-BE49-F238E27FC236}">
+                <a16:creationId xmlns:a16="http://schemas.microsoft.com/office/drawing/2014/main" id="{A92490A4-34EF-4BBA-B687-8A31B0203DAD}"/>
+              </a:ext>
+            </a:extLst>
+          </p:cNvPr>
+          <p:cNvSpPr/>
+          <p:nvPr/>
+        </p:nvSpPr>
+        <p:spPr>
+          <a:xfrm>
+            <a:off x="672150" y="6066893"/>
+            <a:ext cx="5086438" cy="430887"/>
+          </a:xfrm>
+          <a:prstGeom prst="rect">
+            <a:avLst/>
+          </a:prstGeom>
+        </p:spPr>
+        <p:txBody>
+          <a:bodyPr wrap="square">
+            <a:spAutoFit/>
+          </a:bodyPr>
+          <a:lstStyle/>
+          <a:p>
+            <a:r>
+              <a:rPr lang="de-DE" sz="1100" dirty="0"/>
+              <a:t>Quelle: https://www.uzuma.de/img/cms/Uzuma/Ingredients/Apple/GE/Apfel1.jpg</a:t>
+            </a:r>
+          </a:p>
+          <a:p>
+            <a:r>
+              <a:rPr lang="de-DE" sz="1100" dirty="0"/>
+              <a:t>https://nycha.ch/images/birne.png</a:t>
+            </a:r>
           </a:p>
         </p:txBody>
       </p:sp>
     </p:spTree>
     <p:extLst>
       <p:ext uri="{BB962C8B-B14F-4D97-AF65-F5344CB8AC3E}">
-        <p14:creationId xmlns:p14="http://schemas.microsoft.com/office/powerpoint/2010/main" val="439133305"/>
+        <p14:creationId xmlns:p14="http://schemas.microsoft.com/office/powerpoint/2010/main" val="1879194007"/>
       </p:ext>
     </p:extLst>
   </p:cSld>
   <p:clrMapOvr>
     <a:masterClrMapping/>
   </p:clrMapOvr>
+  <p:timing>
+    <p:tnLst>
+      <p:par>
+        <p:cTn id="1" dur="indefinite" restart="never" nodeType="tmRoot">
+          <p:childTnLst>
+            <p:seq concurrent="1" nextAc="seek">
+              <p:cTn id="2" dur="indefinite" nodeType="mainSeq">
+                <p:childTnLst>
+                  <p:par>
+                    <p:cTn id="3" fill="hold">
+                      <p:stCondLst>
+                        <p:cond delay="indefinite"/>
+                      </p:stCondLst>
+                      <p:childTnLst>
+                        <p:par>
+                          <p:cTn id="4" fill="hold">
+                            <p:stCondLst>
+                              <p:cond delay="0"/>
+                            </p:stCondLst>
+                            <p:childTnLst>
+                              <p:par>
+                                <p:cTn id="5" presetID="1" presetClass="entr" presetSubtype="0" fill="hold" nodeType="clickEffect">
+                                  <p:stCondLst>
+                                    <p:cond delay="0"/>
+                                  </p:stCondLst>
+                                  <p:childTnLst>
+                                    <p:set>
+                                      <p:cBhvr>
+                                        <p:cTn id="6" dur="1" fill="hold">
+                                          <p:stCondLst>
+                                            <p:cond delay="0"/>
+                                          </p:stCondLst>
+                                        </p:cTn>
+                                        <p:tgtEl>
+                                          <p:spTgt spid="8"/>
+                                        </p:tgtEl>
+                                        <p:attrNameLst>
+                                          <p:attrName>style.visibility</p:attrName>
+                                        </p:attrNameLst>
+                                      </p:cBhvr>
+                                      <p:to>
+                                        <p:strVal val="visible"/>
+                                      </p:to>
+                                    </p:set>
+                                  </p:childTnLst>
+                                </p:cTn>
+                              </p:par>
+                              <p:par>
+                                <p:cTn id="7" presetID="1" presetClass="entr" presetSubtype="0" fill="hold" grpId="0" nodeType="withEffect">
+                                  <p:stCondLst>
+                                    <p:cond delay="0"/>
+                                  </p:stCondLst>
+                                  <p:childTnLst>
+                                    <p:set>
+                                      <p:cBhvr>
+                                        <p:cTn id="8" dur="1" fill="hold">
+                                          <p:stCondLst>
+                                            <p:cond delay="0"/>
+                                          </p:stCondLst>
+                                        </p:cTn>
+                                        <p:tgtEl>
+                                          <p:spTgt spid="26"/>
+                                        </p:tgtEl>
+                                        <p:attrNameLst>
+                                          <p:attrName>style.visibility</p:attrName>
+                                        </p:attrNameLst>
+                                      </p:cBhvr>
+                                      <p:to>
+                                        <p:strVal val="visible"/>
+                                      </p:to>
+                                    </p:set>
+                                  </p:childTnLst>
+                                </p:cTn>
+                              </p:par>
+                            </p:childTnLst>
+                          </p:cTn>
+                        </p:par>
+                      </p:childTnLst>
+                    </p:cTn>
+                  </p:par>
+                  <p:par>
+                    <p:cTn id="9" fill="hold">
+                      <p:stCondLst>
+                        <p:cond delay="indefinite"/>
+                      </p:stCondLst>
+                      <p:childTnLst>
+                        <p:par>
+                          <p:cTn id="10" fill="hold">
+                            <p:stCondLst>
+                              <p:cond delay="0"/>
+                            </p:stCondLst>
+                            <p:childTnLst>
+                              <p:par>
+                                <p:cTn id="11" presetID="1" presetClass="entr" presetSubtype="0" fill="hold" nodeType="clickEffect">
+                                  <p:stCondLst>
+                                    <p:cond delay="0"/>
+                                  </p:stCondLst>
+                                  <p:childTnLst>
+                                    <p:set>
+                                      <p:cBhvr>
+                                        <p:cTn id="12" dur="1" fill="hold">
+                                          <p:stCondLst>
+                                            <p:cond delay="0"/>
+                                          </p:stCondLst>
+                                        </p:cTn>
+                                        <p:tgtEl>
+                                          <p:spTgt spid="11"/>
+                                        </p:tgtEl>
+                                        <p:attrNameLst>
+                                          <p:attrName>style.visibility</p:attrName>
+                                        </p:attrNameLst>
+                                      </p:cBhvr>
+                                      <p:to>
+                                        <p:strVal val="visible"/>
+                                      </p:to>
+                                    </p:set>
+                                  </p:childTnLst>
+                                </p:cTn>
+                              </p:par>
+                              <p:par>
+                                <p:cTn id="13" presetID="1" presetClass="entr" presetSubtype="0" fill="hold" grpId="0" nodeType="withEffect">
+                                  <p:stCondLst>
+                                    <p:cond delay="0"/>
+                                  </p:stCondLst>
+                                  <p:childTnLst>
+                                    <p:set>
+                                      <p:cBhvr>
+                                        <p:cTn id="14" dur="1" fill="hold">
+                                          <p:stCondLst>
+                                            <p:cond delay="0"/>
+                                          </p:stCondLst>
+                                        </p:cTn>
+                                        <p:tgtEl>
+                                          <p:spTgt spid="27"/>
+                                        </p:tgtEl>
+                                        <p:attrNameLst>
+                                          <p:attrName>style.visibility</p:attrName>
+                                        </p:attrNameLst>
+                                      </p:cBhvr>
+                                      <p:to>
+                                        <p:strVal val="visible"/>
+                                      </p:to>
+                                    </p:set>
+                                  </p:childTnLst>
+                                </p:cTn>
+                              </p:par>
+                              <p:par>
+                                <p:cTn id="15" presetID="1" presetClass="entr" presetSubtype="0" fill="hold" nodeType="withEffect">
+                                  <p:stCondLst>
+                                    <p:cond delay="0"/>
+                                  </p:stCondLst>
+                                  <p:childTnLst>
+                                    <p:set>
+                                      <p:cBhvr>
+                                        <p:cTn id="16" dur="1" fill="hold">
+                                          <p:stCondLst>
+                                            <p:cond delay="0"/>
+                                          </p:stCondLst>
+                                        </p:cTn>
+                                        <p:tgtEl>
+                                          <p:spTgt spid="14"/>
+                                        </p:tgtEl>
+                                        <p:attrNameLst>
+                                          <p:attrName>style.visibility</p:attrName>
+                                        </p:attrNameLst>
+                                      </p:cBhvr>
+                                      <p:to>
+                                        <p:strVal val="visible"/>
+                                      </p:to>
+                                    </p:set>
+                                  </p:childTnLst>
+                                </p:cTn>
+                              </p:par>
+                              <p:par>
+                                <p:cTn id="17" presetID="1" presetClass="entr" presetSubtype="0" fill="hold" nodeType="withEffect">
+                                  <p:stCondLst>
+                                    <p:cond delay="0"/>
+                                  </p:stCondLst>
+                                  <p:childTnLst>
+                                    <p:set>
+                                      <p:cBhvr>
+                                        <p:cTn id="18" dur="1" fill="hold">
+                                          <p:stCondLst>
+                                            <p:cond delay="0"/>
+                                          </p:stCondLst>
+                                        </p:cTn>
+                                        <p:tgtEl>
+                                          <p:spTgt spid="12"/>
+                                        </p:tgtEl>
+                                        <p:attrNameLst>
+                                          <p:attrName>style.visibility</p:attrName>
+                                        </p:attrNameLst>
+                                      </p:cBhvr>
+                                      <p:to>
+                                        <p:strVal val="visible"/>
+                                      </p:to>
+                                    </p:set>
+                                  </p:childTnLst>
+                                </p:cTn>
+                              </p:par>
+                            </p:childTnLst>
+                          </p:cTn>
+                        </p:par>
+                      </p:childTnLst>
+                    </p:cTn>
+                  </p:par>
+                  <p:par>
+                    <p:cTn id="19" fill="hold">
+                      <p:stCondLst>
+                        <p:cond delay="indefinite"/>
+                      </p:stCondLst>
+                      <p:childTnLst>
+                        <p:par>
+                          <p:cTn id="20" fill="hold">
+                            <p:stCondLst>
+                              <p:cond delay="0"/>
+                            </p:stCondLst>
+                            <p:childTnLst>
+                              <p:par>
+                                <p:cTn id="21" presetID="1" presetClass="entr" presetSubtype="0" fill="hold" nodeType="clickEffect">
+                                  <p:stCondLst>
+                                    <p:cond delay="0"/>
+                                  </p:stCondLst>
+                                  <p:childTnLst>
+                                    <p:set>
+                                      <p:cBhvr>
+                                        <p:cTn id="22" dur="1" fill="hold">
+                                          <p:stCondLst>
+                                            <p:cond delay="0"/>
+                                          </p:stCondLst>
+                                        </p:cTn>
+                                        <p:tgtEl>
+                                          <p:spTgt spid="15"/>
+                                        </p:tgtEl>
+                                        <p:attrNameLst>
+                                          <p:attrName>style.visibility</p:attrName>
+                                        </p:attrNameLst>
+                                      </p:cBhvr>
+                                      <p:to>
+                                        <p:strVal val="visible"/>
+                                      </p:to>
+                                    </p:set>
+                                  </p:childTnLst>
+                                </p:cTn>
+                              </p:par>
+                              <p:par>
+                                <p:cTn id="23" presetID="1" presetClass="entr" presetSubtype="0" fill="hold" nodeType="withEffect">
+                                  <p:stCondLst>
+                                    <p:cond delay="0"/>
+                                  </p:stCondLst>
+                                  <p:childTnLst>
+                                    <p:set>
+                                      <p:cBhvr>
+                                        <p:cTn id="24" dur="1" fill="hold">
+                                          <p:stCondLst>
+                                            <p:cond delay="0"/>
+                                          </p:stCondLst>
+                                        </p:cTn>
+                                        <p:tgtEl>
+                                          <p:spTgt spid="17"/>
+                                        </p:tgtEl>
+                                        <p:attrNameLst>
+                                          <p:attrName>style.visibility</p:attrName>
+                                        </p:attrNameLst>
+                                      </p:cBhvr>
+                                      <p:to>
+                                        <p:strVal val="visible"/>
+                                      </p:to>
+                                    </p:set>
+                                  </p:childTnLst>
+                                </p:cTn>
+                              </p:par>
+                              <p:par>
+                                <p:cTn id="25" presetID="1" presetClass="entr" presetSubtype="0" fill="hold" nodeType="withEffect">
+                                  <p:stCondLst>
+                                    <p:cond delay="0"/>
+                                  </p:stCondLst>
+                                  <p:childTnLst>
+                                    <p:set>
+                                      <p:cBhvr>
+                                        <p:cTn id="26" dur="1" fill="hold">
+                                          <p:stCondLst>
+                                            <p:cond delay="0"/>
+                                          </p:stCondLst>
+                                        </p:cTn>
+                                        <p:tgtEl>
+                                          <p:spTgt spid="16"/>
+                                        </p:tgtEl>
+                                        <p:attrNameLst>
+                                          <p:attrName>style.visibility</p:attrName>
+                                        </p:attrNameLst>
+                                      </p:cBhvr>
+                                      <p:to>
+                                        <p:strVal val="visible"/>
+                                      </p:to>
+                                    </p:set>
+                                  </p:childTnLst>
+                                </p:cTn>
+                              </p:par>
+                            </p:childTnLst>
+                          </p:cTn>
+                        </p:par>
+                      </p:childTnLst>
+                    </p:cTn>
+                  </p:par>
+                  <p:par>
+                    <p:cTn id="27" fill="hold">
+                      <p:stCondLst>
+                        <p:cond delay="indefinite"/>
+                      </p:stCondLst>
+                      <p:childTnLst>
+                        <p:par>
+                          <p:cTn id="28" fill="hold">
+                            <p:stCondLst>
+                              <p:cond delay="0"/>
+                            </p:stCondLst>
+                            <p:childTnLst>
+                              <p:par>
+                                <p:cTn id="29" presetID="1" presetClass="entr" presetSubtype="0" fill="hold" nodeType="clickEffect">
+                                  <p:stCondLst>
+                                    <p:cond delay="0"/>
+                                  </p:stCondLst>
+                                  <p:childTnLst>
+                                    <p:set>
+                                      <p:cBhvr>
+                                        <p:cTn id="30" dur="1" fill="hold">
+                                          <p:stCondLst>
+                                            <p:cond delay="0"/>
+                                          </p:stCondLst>
+                                        </p:cTn>
+                                        <p:tgtEl>
+                                          <p:spTgt spid="19"/>
+                                        </p:tgtEl>
+                                        <p:attrNameLst>
+                                          <p:attrName>style.visibility</p:attrName>
+                                        </p:attrNameLst>
+                                      </p:cBhvr>
+                                      <p:to>
+                                        <p:strVal val="visible"/>
+                                      </p:to>
+                                    </p:set>
+                                  </p:childTnLst>
+                                </p:cTn>
+                              </p:par>
+                              <p:par>
+                                <p:cTn id="31" presetID="1" presetClass="entr" presetSubtype="0" fill="hold" nodeType="withEffect">
+                                  <p:stCondLst>
+                                    <p:cond delay="0"/>
+                                  </p:stCondLst>
+                                  <p:childTnLst>
+                                    <p:set>
+                                      <p:cBhvr>
+                                        <p:cTn id="32" dur="1" fill="hold">
+                                          <p:stCondLst>
+                                            <p:cond delay="0"/>
+                                          </p:stCondLst>
+                                        </p:cTn>
+                                        <p:tgtEl>
+                                          <p:spTgt spid="23"/>
+                                        </p:tgtEl>
+                                        <p:attrNameLst>
+                                          <p:attrName>style.visibility</p:attrName>
+                                        </p:attrNameLst>
+                                      </p:cBhvr>
+                                      <p:to>
+                                        <p:strVal val="visible"/>
+                                      </p:to>
+                                    </p:set>
+                                  </p:childTnLst>
+                                </p:cTn>
+                              </p:par>
+                              <p:par>
+                                <p:cTn id="33" presetID="1" presetClass="entr" presetSubtype="0" fill="hold" nodeType="withEffect">
+                                  <p:stCondLst>
+                                    <p:cond delay="0"/>
+                                  </p:stCondLst>
+                                  <p:childTnLst>
+                                    <p:set>
+                                      <p:cBhvr>
+                                        <p:cTn id="34" dur="1" fill="hold">
+                                          <p:stCondLst>
+                                            <p:cond delay="0"/>
+                                          </p:stCondLst>
+                                        </p:cTn>
+                                        <p:tgtEl>
+                                          <p:spTgt spid="25"/>
+                                        </p:tgtEl>
+                                        <p:attrNameLst>
+                                          <p:attrName>style.visibility</p:attrName>
+                                        </p:attrNameLst>
+                                      </p:cBhvr>
+                                      <p:to>
+                                        <p:strVal val="visible"/>
+                                      </p:to>
+                                    </p:set>
+                                  </p:childTnLst>
+                                </p:cTn>
+                              </p:par>
+                              <p:par>
+                                <p:cTn id="35" presetID="1" presetClass="entr" presetSubtype="0" fill="hold" nodeType="withEffect">
+                                  <p:stCondLst>
+                                    <p:cond delay="0"/>
+                                  </p:stCondLst>
+                                  <p:childTnLst>
+                                    <p:set>
+                                      <p:cBhvr>
+                                        <p:cTn id="36" dur="1" fill="hold">
+                                          <p:stCondLst>
+                                            <p:cond delay="0"/>
+                                          </p:stCondLst>
+                                        </p:cTn>
+                                        <p:tgtEl>
+                                          <p:spTgt spid="21"/>
+                                        </p:tgtEl>
+                                        <p:attrNameLst>
+                                          <p:attrName>style.visibility</p:attrName>
+                                        </p:attrNameLst>
+                                      </p:cBhvr>
+                                      <p:to>
+                                        <p:strVal val="visible"/>
+                                      </p:to>
+                                    </p:set>
+                                  </p:childTnLst>
+                                </p:cTn>
+                              </p:par>
+                            </p:childTnLst>
+                          </p:cTn>
+                        </p:par>
+                      </p:childTnLst>
+                    </p:cTn>
+                  </p:par>
+                </p:childTnLst>
+              </p:cTn>
+              <p:prevCondLst>
+                <p:cond evt="onPrev" delay="0">
+                  <p:tgtEl>
+                    <p:sldTgt/>
+                  </p:tgtEl>
+                </p:cond>
+              </p:prevCondLst>
+              <p:nextCondLst>
+                <p:cond evt="onNext" delay="0">
+                  <p:tgtEl>
+                    <p:sldTgt/>
+                  </p:tgtEl>
+                </p:cond>
+              </p:nextCondLst>
+            </p:seq>
+          </p:childTnLst>
+        </p:cTn>
+      </p:par>
+    </p:tnLst>
+    <p:bldLst>
+      <p:bldP spid="26" grpId="0"/>
+      <p:bldP spid="27" grpId="0"/>
+    </p:bldLst>
+  </p:timing>
 </p:sld>
 </file>
 

--- a/Präsentation/Berufsethik.pptx
+++ b/Präsentation/Berufsethik.pptx
@@ -233,7 +233,7 @@
           <a:p>
             <a:fld id="{B3F4BEC4-04EF-4CD0-BB52-1E33FCB75C1A}" type="datetimeFigureOut">
               <a:rPr lang="de-DE" smtClean="0"/>
-              <a:t>14.12.2017</a:t>
+              <a:t>15.12.2017</a:t>
             </a:fld>
             <a:endParaRPr lang="de-DE"/>
           </a:p>
@@ -2314,7 +2314,7 @@
           <a:p>
             <a:fld id="{34FCBE35-913E-4F5C-B82A-017151C3CF2E}" type="datetime1">
               <a:rPr lang="de-DE" smtClean="0"/>
-              <a:t>14.12.2017</a:t>
+              <a:t>15.12.2017</a:t>
             </a:fld>
             <a:endParaRPr lang="de-DE"/>
           </a:p>
@@ -2515,7 +2515,7 @@
           <a:p>
             <a:fld id="{2847ED52-B3C1-44AF-867B-E694896FE8F6}" type="datetime1">
               <a:rPr lang="de-DE" smtClean="0"/>
-              <a:t>14.12.2017</a:t>
+              <a:t>15.12.2017</a:t>
             </a:fld>
             <a:endParaRPr lang="de-DE"/>
           </a:p>
@@ -2726,7 +2726,7 @@
           <a:p>
             <a:fld id="{168BBAB2-6C7F-4450-A2AE-93CA97D58F94}" type="datetime1">
               <a:rPr lang="de-DE" smtClean="0"/>
-              <a:t>14.12.2017</a:t>
+              <a:t>15.12.2017</a:t>
             </a:fld>
             <a:endParaRPr lang="de-DE"/>
           </a:p>
@@ -2927,7 +2927,7 @@
           <a:p>
             <a:fld id="{37AAA59D-F5D9-4C22-BAD7-C7D8B056DE27}" type="datetime1">
               <a:rPr lang="de-DE" smtClean="0"/>
-              <a:t>14.12.2017</a:t>
+              <a:t>15.12.2017</a:t>
             </a:fld>
             <a:endParaRPr lang="de-DE"/>
           </a:p>
@@ -3205,7 +3205,7 @@
           <a:p>
             <a:fld id="{9E51E155-D360-4F19-A00F-78921EA1ECE0}" type="datetime1">
               <a:rPr lang="de-DE" smtClean="0"/>
-              <a:t>14.12.2017</a:t>
+              <a:t>15.12.2017</a:t>
             </a:fld>
             <a:endParaRPr lang="de-DE"/>
           </a:p>
@@ -3473,7 +3473,7 @@
           <a:p>
             <a:fld id="{E6839657-0B65-4D4D-95AE-D65A41317F2F}" type="datetime1">
               <a:rPr lang="de-DE" smtClean="0"/>
-              <a:t>14.12.2017</a:t>
+              <a:t>15.12.2017</a:t>
             </a:fld>
             <a:endParaRPr lang="de-DE"/>
           </a:p>
@@ -3888,7 +3888,7 @@
           <a:p>
             <a:fld id="{6556EF25-1D90-48A5-9D2B-C9B4C61351C3}" type="datetime1">
               <a:rPr lang="de-DE" smtClean="0"/>
-              <a:t>14.12.2017</a:t>
+              <a:t>15.12.2017</a:t>
             </a:fld>
             <a:endParaRPr lang="de-DE"/>
           </a:p>
@@ -4032,7 +4032,7 @@
           <a:p>
             <a:fld id="{E2A457FF-C8C2-4DB2-80B3-297A90E469B1}" type="datetime1">
               <a:rPr lang="de-DE" smtClean="0"/>
-              <a:t>14.12.2017</a:t>
+              <a:t>15.12.2017</a:t>
             </a:fld>
             <a:endParaRPr lang="de-DE"/>
           </a:p>
@@ -4148,7 +4148,7 @@
           <a:p>
             <a:fld id="{AD6C03A5-7FB1-43B2-8884-E9E9EB5E2312}" type="datetime1">
               <a:rPr lang="de-DE" smtClean="0"/>
-              <a:t>14.12.2017</a:t>
+              <a:t>15.12.2017</a:t>
             </a:fld>
             <a:endParaRPr lang="de-DE"/>
           </a:p>
@@ -4462,7 +4462,7 @@
           <a:p>
             <a:fld id="{2B9C9779-0FB9-4BCD-864C-0ACBE9ACB817}" type="datetime1">
               <a:rPr lang="de-DE" smtClean="0"/>
-              <a:t>14.12.2017</a:t>
+              <a:t>15.12.2017</a:t>
             </a:fld>
             <a:endParaRPr lang="de-DE"/>
           </a:p>
@@ -4753,7 +4753,7 @@
           <a:p>
             <a:fld id="{1F8E1D88-FA2D-4A0F-A99E-4B1D00F2DADF}" type="datetime1">
               <a:rPr lang="de-DE" smtClean="0"/>
-              <a:t>14.12.2017</a:t>
+              <a:t>15.12.2017</a:t>
             </a:fld>
             <a:endParaRPr lang="de-DE"/>
           </a:p>
@@ -4997,7 +4997,7 @@
           <a:p>
             <a:fld id="{4468ECC2-9D94-478C-A60A-A7D4155B71A1}" type="datetime1">
               <a:rPr lang="de-DE" smtClean="0"/>
-              <a:t>14.12.2017</a:t>
+              <a:t>15.12.2017</a:t>
             </a:fld>
             <a:endParaRPr lang="de-DE"/>
           </a:p>
@@ -5531,7 +5531,7 @@
           <a:p>
             <a:fld id="{9BB24A88-594C-46B6-B0D5-054D34368737}" type="datetime1">
               <a:rPr lang="de-DE" smtClean="0"/>
-              <a:t>14.12.2017</a:t>
+              <a:t>15.12.2017</a:t>
             </a:fld>
             <a:endParaRPr lang="de-DE"/>
           </a:p>
@@ -5838,7 +5838,7 @@
           <a:p>
             <a:fld id="{37AAA59D-F5D9-4C22-BAD7-C7D8B056DE27}" type="datetime1">
               <a:rPr lang="de-DE" smtClean="0"/>
-              <a:t>14.12.2017</a:t>
+              <a:t>15.12.2017</a:t>
             </a:fld>
             <a:endParaRPr lang="de-DE"/>
           </a:p>
@@ -6215,7 +6215,7 @@
           <a:p>
             <a:fld id="{37AAA59D-F5D9-4C22-BAD7-C7D8B056DE27}" type="datetime1">
               <a:rPr lang="de-DE" smtClean="0"/>
-              <a:t>14.12.2017</a:t>
+              <a:t>15.12.2017</a:t>
             </a:fld>
             <a:endParaRPr lang="de-DE" dirty="0"/>
           </a:p>
@@ -6626,7 +6626,7 @@
           <a:p>
             <a:fld id="{37AAA59D-F5D9-4C22-BAD7-C7D8B056DE27}" type="datetime1">
               <a:rPr lang="de-DE" smtClean="0"/>
-              <a:t>14.12.2017</a:t>
+              <a:t>15.12.2017</a:t>
             </a:fld>
             <a:endParaRPr lang="de-DE"/>
           </a:p>
@@ -6880,7 +6880,7 @@
           <a:p>
             <a:fld id="{37AAA59D-F5D9-4C22-BAD7-C7D8B056DE27}" type="datetime1">
               <a:rPr lang="de-DE" smtClean="0"/>
-              <a:t>14.12.2017</a:t>
+              <a:t>15.12.2017</a:t>
             </a:fld>
             <a:endParaRPr lang="de-DE"/>
           </a:p>
@@ -7073,7 +7073,7 @@
           <a:p>
             <a:fld id="{37AAA59D-F5D9-4C22-BAD7-C7D8B056DE27}" type="datetime1">
               <a:rPr lang="de-DE" smtClean="0"/>
-              <a:t>14.12.2017</a:t>
+              <a:t>15.12.2017</a:t>
             </a:fld>
             <a:endParaRPr lang="de-DE"/>
           </a:p>
@@ -7462,7 +7462,7 @@
           <a:p>
             <a:fld id="{37AAA59D-F5D9-4C22-BAD7-C7D8B056DE27}" type="datetime1">
               <a:rPr lang="de-DE" smtClean="0"/>
-              <a:t>14.12.2017</a:t>
+              <a:t>15.12.2017</a:t>
             </a:fld>
             <a:endParaRPr lang="de-DE"/>
           </a:p>
@@ -7669,7 +7669,7 @@
           <a:p>
             <a:fld id="{37AAA59D-F5D9-4C22-BAD7-C7D8B056DE27}" type="datetime1">
               <a:rPr lang="de-DE" smtClean="0"/>
-              <a:t>14.12.2017</a:t>
+              <a:t>15.12.2017</a:t>
             </a:fld>
             <a:endParaRPr lang="de-DE"/>
           </a:p>
@@ -7875,7 +7875,7 @@
           <a:p>
             <a:fld id="{37AAA59D-F5D9-4C22-BAD7-C7D8B056DE27}" type="datetime1">
               <a:rPr lang="de-DE" smtClean="0"/>
-              <a:t>14.12.2017</a:t>
+              <a:t>15.12.2017</a:t>
             </a:fld>
             <a:endParaRPr lang="de-DE"/>
           </a:p>
@@ -8074,7 +8074,7 @@
           <a:p>
             <a:fld id="{37AAA59D-F5D9-4C22-BAD7-C7D8B056DE27}" type="datetime1">
               <a:rPr lang="de-DE" smtClean="0"/>
-              <a:t>14.12.2017</a:t>
+              <a:t>15.12.2017</a:t>
             </a:fld>
             <a:endParaRPr lang="de-DE"/>
           </a:p>
@@ -8270,7 +8270,7 @@
           <a:p>
             <a:fld id="{37AAA59D-F5D9-4C22-BAD7-C7D8B056DE27}" type="datetime1">
               <a:rPr lang="de-DE" smtClean="0"/>
-              <a:t>14.12.2017</a:t>
+              <a:t>15.12.2017</a:t>
             </a:fld>
             <a:endParaRPr lang="de-DE"/>
           </a:p>
@@ -8467,7 +8467,7 @@
           <a:p>
             <a:fld id="{1B876D99-6DEA-420F-AEAC-AB387BCD608A}" type="datetime1">
               <a:rPr lang="de-DE" smtClean="0"/>
-              <a:t>14.12.2017</a:t>
+              <a:t>15.12.2017</a:t>
             </a:fld>
             <a:endParaRPr lang="de-DE"/>
           </a:p>
@@ -8643,7 +8643,7 @@
           <a:p>
             <a:fld id="{37AAA59D-F5D9-4C22-BAD7-C7D8B056DE27}" type="datetime1">
               <a:rPr lang="de-DE" smtClean="0"/>
-              <a:t>14.12.2017</a:t>
+              <a:t>15.12.2017</a:t>
             </a:fld>
             <a:endParaRPr lang="de-DE"/>
           </a:p>
@@ -9776,7 +9776,7 @@
           <a:p>
             <a:fld id="{37AAA59D-F5D9-4C22-BAD7-C7D8B056DE27}" type="datetime1">
               <a:rPr lang="de-DE" smtClean="0"/>
-              <a:t>14.12.2017</a:t>
+              <a:t>15.12.2017</a:t>
             </a:fld>
             <a:endParaRPr lang="de-DE"/>
           </a:p>
@@ -9948,7 +9948,7 @@
             </a:pPr>
             <a:r>
               <a:rPr lang="de-DE" sz="2800" dirty="0"/>
-              <a:t>Überwindung von Nihilismus, Religion und Moral</a:t>
+              <a:t>Überwindung von Religion und Moral</a:t>
             </a:r>
           </a:p>
           <a:p>
@@ -10002,7 +10002,7 @@
           <a:p>
             <a:fld id="{37AAA59D-F5D9-4C22-BAD7-C7D8B056DE27}" type="datetime1">
               <a:rPr lang="de-DE" smtClean="0"/>
-              <a:t>14.12.2017</a:t>
+              <a:t>15.12.2017</a:t>
             </a:fld>
             <a:endParaRPr lang="de-DE"/>
           </a:p>
@@ -10239,7 +10239,7 @@
           <a:p>
             <a:fld id="{37AAA59D-F5D9-4C22-BAD7-C7D8B056DE27}" type="datetime1">
               <a:rPr lang="de-DE" smtClean="0"/>
-              <a:t>14.12.2017</a:t>
+              <a:t>15.12.2017</a:t>
             </a:fld>
             <a:endParaRPr lang="de-DE"/>
           </a:p>
@@ -10493,7 +10493,7 @@
             </a:r>
             <a:r>
               <a:rPr lang="de-DE" dirty="0"/>
-              <a:t> eine Art von Übermensch</a:t>
+              <a:t> eventuell eine Art von Übermensch</a:t>
             </a:r>
           </a:p>
         </p:txBody>
@@ -10521,7 +10521,7 @@
           <a:p>
             <a:fld id="{37AAA59D-F5D9-4C22-BAD7-C7D8B056DE27}" type="datetime1">
               <a:rPr lang="de-DE" smtClean="0"/>
-              <a:t>14.12.2017</a:t>
+              <a:t>15.12.2017</a:t>
             </a:fld>
             <a:endParaRPr lang="de-DE"/>
           </a:p>
@@ -11041,7 +11041,7 @@
           <a:p>
             <a:fld id="{37AAA59D-F5D9-4C22-BAD7-C7D8B056DE27}" type="datetime1">
               <a:rPr lang="de-DE" smtClean="0"/>
-              <a:t>14.12.2017</a:t>
+              <a:t>15.12.2017</a:t>
             </a:fld>
             <a:endParaRPr lang="de-DE"/>
           </a:p>
@@ -11267,7 +11267,7 @@
           <a:p>
             <a:fld id="{37AAA59D-F5D9-4C22-BAD7-C7D8B056DE27}" type="datetime1">
               <a:rPr lang="de-DE" smtClean="0"/>
-              <a:t>14.12.2017</a:t>
+              <a:t>15.12.2017</a:t>
             </a:fld>
             <a:endParaRPr lang="de-DE"/>
           </a:p>
@@ -11522,7 +11522,7 @@
           <a:p>
             <a:fld id="{37AAA59D-F5D9-4C22-BAD7-C7D8B056DE27}" type="datetime1">
               <a:rPr lang="de-DE" smtClean="0"/>
-              <a:t>14.12.2017</a:t>
+              <a:t>15.12.2017</a:t>
             </a:fld>
             <a:endParaRPr lang="de-DE"/>
           </a:p>
@@ -11984,7 +11984,7 @@
           <a:p>
             <a:fld id="{37AAA59D-F5D9-4C22-BAD7-C7D8B056DE27}" type="datetime1">
               <a:rPr lang="de-DE" smtClean="0"/>
-              <a:t>14.12.2017</a:t>
+              <a:t>15.12.2017</a:t>
             </a:fld>
             <a:endParaRPr lang="de-DE"/>
           </a:p>
@@ -12483,7 +12483,7 @@
           <a:p>
             <a:fld id="{37AAA59D-F5D9-4C22-BAD7-C7D8B056DE27}" type="datetime1">
               <a:rPr lang="de-DE" smtClean="0"/>
-              <a:t>14.12.2017</a:t>
+              <a:t>15.12.2017</a:t>
             </a:fld>
             <a:endParaRPr lang="de-DE"/>
           </a:p>
@@ -12884,7 +12884,7 @@
           <a:p>
             <a:fld id="{37AAA59D-F5D9-4C22-BAD7-C7D8B056DE27}" type="datetime1">
               <a:rPr lang="de-DE" smtClean="0"/>
-              <a:t>14.12.2017</a:t>
+              <a:t>15.12.2017</a:t>
             </a:fld>
             <a:endParaRPr lang="de-DE"/>
           </a:p>
@@ -13028,7 +13028,7 @@
           <a:p>
             <a:fld id="{37AAA59D-F5D9-4C22-BAD7-C7D8B056DE27}" type="datetime1">
               <a:rPr lang="de-DE" smtClean="0"/>
-              <a:t>14.12.2017</a:t>
+              <a:t>15.12.2017</a:t>
             </a:fld>
             <a:endParaRPr lang="de-DE"/>
           </a:p>
@@ -13288,7 +13288,7 @@
           <a:p>
             <a:fld id="{37AAA59D-F5D9-4C22-BAD7-C7D8B056DE27}" type="datetime1">
               <a:rPr lang="de-DE" smtClean="0"/>
-              <a:t>14.12.2017</a:t>
+              <a:t>15.12.2017</a:t>
             </a:fld>
             <a:endParaRPr lang="de-DE"/>
           </a:p>
@@ -13507,7 +13507,7 @@
           <a:p>
             <a:fld id="{37AAA59D-F5D9-4C22-BAD7-C7D8B056DE27}" type="datetime1">
               <a:rPr lang="de-DE" smtClean="0"/>
-              <a:t>14.12.2017</a:t>
+              <a:t>15.12.2017</a:t>
             </a:fld>
             <a:endParaRPr lang="de-DE"/>
           </a:p>
@@ -13800,7 +13800,7 @@
           <a:p>
             <a:fld id="{37AAA59D-F5D9-4C22-BAD7-C7D8B056DE27}" type="datetime1">
               <a:rPr lang="de-DE" smtClean="0"/>
-              <a:t>14.12.2017</a:t>
+              <a:t>15.12.2017</a:t>
             </a:fld>
             <a:endParaRPr lang="de-DE"/>
           </a:p>
@@ -14087,7 +14087,7 @@
           <a:p>
             <a:fld id="{37AAA59D-F5D9-4C22-BAD7-C7D8B056DE27}" type="datetime1">
               <a:rPr lang="de-DE" smtClean="0"/>
-              <a:t>14.12.2017</a:t>
+              <a:t>15.12.2017</a:t>
             </a:fld>
             <a:endParaRPr lang="de-DE"/>
           </a:p>
@@ -14395,7 +14395,7 @@
           <a:p>
             <a:fld id="{37AAA59D-F5D9-4C22-BAD7-C7D8B056DE27}" type="datetime1">
               <a:rPr lang="de-DE" smtClean="0"/>
-              <a:t>14.12.2017</a:t>
+              <a:t>15.12.2017</a:t>
             </a:fld>
             <a:endParaRPr lang="de-DE"/>
           </a:p>
@@ -14636,7 +14636,7 @@
           <a:p>
             <a:fld id="{37AAA59D-F5D9-4C22-BAD7-C7D8B056DE27}" type="datetime1">
               <a:rPr lang="de-DE" smtClean="0"/>
-              <a:t>14.12.2017</a:t>
+              <a:t>15.12.2017</a:t>
             </a:fld>
             <a:endParaRPr lang="de-DE"/>
           </a:p>

--- a/Präsentation/Berufsethik.pptx
+++ b/Präsentation/Berufsethik.pptx
@@ -13127,10 +13127,10 @@
       </p:sp>
       <p:pic>
         <p:nvPicPr>
-          <p:cNvPr id="9" name="Grafik 8">
-            <a:extLst>
-              <a:ext uri="{FF2B5EF4-FFF2-40B4-BE49-F238E27FC236}">
-                <a16:creationId xmlns:a16="http://schemas.microsoft.com/office/drawing/2014/main" id="{C0E27C73-6DDD-4869-B5A1-B0B00652DA43}"/>
+          <p:cNvPr id="8" name="Grafik 7">
+            <a:extLst>
+              <a:ext uri="{FF2B5EF4-FFF2-40B4-BE49-F238E27FC236}">
+                <a16:creationId xmlns:a16="http://schemas.microsoft.com/office/drawing/2014/main" id="{B33EC1A8-1EAF-4461-89AB-265338422C94}"/>
               </a:ext>
             </a:extLst>
           </p:cNvPr>
@@ -13147,14 +13147,13 @@
         </p:blipFill>
         <p:spPr>
           <a:xfrm>
-            <a:off x="5400674" y="4404519"/>
-            <a:ext cx="1390650" cy="352425"/>
+            <a:off x="5269613" y="4270164"/>
+            <a:ext cx="1652771" cy="536034"/>
           </a:xfrm>
           <a:prstGeom prst="rect">
             <a:avLst/>
           </a:prstGeom>
-          <a:noFill/>
-          <a:ln w="12700">
+          <a:ln>
             <a:solidFill>
               <a:schemeClr val="tx1"/>
             </a:solidFill>
